--- a/figures/figure-small-example/figure3-cycle.pptx
+++ b/figures/figure-small-example/figure3-cycle.pptx
@@ -110,7 +110,7 @@
   <p:extLst>
     <p:ext uri="{EFAFB233-063F-42B5-8137-9DF3F51BA10A}">
       <p15:sldGuideLst xmlns:p15="http://schemas.microsoft.com/office/powerpoint/2012/main">
-        <p15:guide id="1" orient="horz" pos="2448" userDrawn="1">
+        <p15:guide id="1" orient="horz" pos="2664" userDrawn="1">
           <p15:clr>
             <a:srgbClr val="A4A3A4"/>
           </p15:clr>
@@ -3437,184 +3437,41 @@
           <a:chExt cx="0" cy="0"/>
         </a:xfrm>
       </p:grpSpPr>
-      <p:grpSp>
-        <p:nvGrpSpPr>
-          <p:cNvPr id="244" name="Group 243">
+      <p:pic>
+        <p:nvPicPr>
+          <p:cNvPr id="435" name="Graphic 434">
             <a:extLst>
               <a:ext uri="{FF2B5EF4-FFF2-40B4-BE49-F238E27FC236}">
-                <a16:creationId xmlns:a16="http://schemas.microsoft.com/office/drawing/2014/main" id="{A3CBB9D5-F156-693C-5402-B758A671742C}"/>
+                <a16:creationId xmlns:a16="http://schemas.microsoft.com/office/drawing/2014/main" id="{9371329F-8AE2-2E7F-CBEF-69D677E5E749}"/>
               </a:ext>
             </a:extLst>
           </p:cNvPr>
-          <p:cNvGrpSpPr/>
+          <p:cNvPicPr>
+            <a:picLocks noChangeAspect="1"/>
+          </p:cNvPicPr>
           <p:nvPr/>
-        </p:nvGrpSpPr>
-        <p:grpSpPr>
+        </p:nvPicPr>
+        <p:blipFill rotWithShape="1">
+          <a:blip r:embed="rId3">
+            <a:extLst>
+              <a:ext uri="{96DAC541-7B7A-43D3-8B79-37D633B846F1}">
+                <asvg:svgBlip xmlns:asvg="http://schemas.microsoft.com/office/drawing/2016/SVG/main" r:embed="rId4"/>
+              </a:ext>
+            </a:extLst>
+          </a:blip>
+          <a:srcRect l="35103" t="4047" b="17202"/>
+          <a:stretch/>
+        </p:blipFill>
+        <p:spPr>
           <a:xfrm>
-            <a:off x="1330937" y="5478740"/>
-            <a:ext cx="3445853" cy="2149141"/>
-            <a:chOff x="1678492" y="5533956"/>
-            <a:chExt cx="3445853" cy="2149141"/>
+            <a:off x="1914018" y="5625089"/>
+            <a:ext cx="3324883" cy="1911150"/>
           </a:xfrm>
-        </p:grpSpPr>
-        <p:pic>
-          <p:nvPicPr>
-            <p:cNvPr id="152" name="Graphic 151">
-              <a:extLst>
-                <a:ext uri="{FF2B5EF4-FFF2-40B4-BE49-F238E27FC236}">
-                  <a16:creationId xmlns:a16="http://schemas.microsoft.com/office/drawing/2014/main" id="{2F8D328A-06B2-8FB0-006C-29E7D2076E52}"/>
-                </a:ext>
-              </a:extLst>
-            </p:cNvPr>
-            <p:cNvPicPr>
-              <a:picLocks noChangeAspect="1"/>
-            </p:cNvPicPr>
-            <p:nvPr/>
-          </p:nvPicPr>
-          <p:blipFill rotWithShape="1">
-            <a:blip r:embed="rId3">
-              <a:extLst>
-                <a:ext uri="{96DAC541-7B7A-43D3-8B79-37D633B846F1}">
-                  <asvg:svgBlip xmlns:asvg="http://schemas.microsoft.com/office/drawing/2016/SVG/main" r:embed="rId4"/>
-                </a:ext>
-              </a:extLst>
-            </a:blip>
-            <a:srcRect l="4808" t="87001" b="1988"/>
-            <a:stretch/>
-          </p:blipFill>
-          <p:spPr>
-            <a:xfrm>
-              <a:off x="1851459" y="7388591"/>
-              <a:ext cx="3161615" cy="274286"/>
-            </a:xfrm>
-            <a:prstGeom prst="rect">
-              <a:avLst/>
-            </a:prstGeom>
-          </p:spPr>
-        </p:pic>
-        <p:pic>
-          <p:nvPicPr>
-            <p:cNvPr id="153" name="Graphic 152">
-              <a:extLst>
-                <a:ext uri="{FF2B5EF4-FFF2-40B4-BE49-F238E27FC236}">
-                  <a16:creationId xmlns:a16="http://schemas.microsoft.com/office/drawing/2014/main" id="{FC9558E9-351A-C350-ED8B-B946132F6D41}"/>
-                </a:ext>
-              </a:extLst>
-            </p:cNvPr>
-            <p:cNvPicPr>
-              <a:picLocks noChangeAspect="1"/>
-            </p:cNvPicPr>
-            <p:nvPr/>
-          </p:nvPicPr>
-          <p:blipFill rotWithShape="1">
-            <a:blip r:embed="rId5">
-              <a:extLst>
-                <a:ext uri="{96DAC541-7B7A-43D3-8B79-37D633B846F1}">
-                  <asvg:svgBlip xmlns:asvg="http://schemas.microsoft.com/office/drawing/2016/SVG/main" r:embed="rId6"/>
-                </a:ext>
-              </a:extLst>
-            </a:blip>
-            <a:srcRect l="4260" b="22304"/>
-            <a:stretch/>
-          </p:blipFill>
-          <p:spPr>
-            <a:xfrm>
-              <a:off x="1832776" y="5533956"/>
-              <a:ext cx="3179802" cy="1935401"/>
-            </a:xfrm>
-            <a:prstGeom prst="rect">
-              <a:avLst/>
-            </a:prstGeom>
-          </p:spPr>
-        </p:pic>
-        <p:sp>
-          <p:nvSpPr>
-            <p:cNvPr id="86" name="Rounded Rectangle 85">
-              <a:extLst>
-                <a:ext uri="{FF2B5EF4-FFF2-40B4-BE49-F238E27FC236}">
-                  <a16:creationId xmlns:a16="http://schemas.microsoft.com/office/drawing/2014/main" id="{4DE9DCC5-B012-AA02-DCB2-438EF505EA39}"/>
-                </a:ext>
-              </a:extLst>
-            </p:cNvPr>
-            <p:cNvSpPr/>
-            <p:nvPr/>
-          </p:nvSpPr>
-          <p:spPr>
-            <a:xfrm>
-              <a:off x="1740317" y="5669480"/>
-              <a:ext cx="3384028" cy="2013617"/>
-            </a:xfrm>
-            <a:prstGeom prst="roundRect">
-              <a:avLst/>
-            </a:prstGeom>
-            <a:noFill/>
-            <a:ln w="19050">
-              <a:solidFill>
-                <a:schemeClr val="tx1"/>
-              </a:solidFill>
-            </a:ln>
-          </p:spPr>
-          <p:style>
-            <a:lnRef idx="2">
-              <a:schemeClr val="accent1">
-                <a:shade val="15000"/>
-              </a:schemeClr>
-            </a:lnRef>
-            <a:fillRef idx="1">
-              <a:schemeClr val="accent1"/>
-            </a:fillRef>
-            <a:effectRef idx="0">
-              <a:schemeClr val="accent1"/>
-            </a:effectRef>
-            <a:fontRef idx="minor">
-              <a:schemeClr val="lt1"/>
-            </a:fontRef>
-          </p:style>
-          <p:txBody>
-            <a:bodyPr rtlCol="0" anchor="ctr"/>
-            <a:lstStyle/>
-            <a:p>
-              <a:pPr algn="ctr"/>
-              <a:endParaRPr lang="en-US"/>
-            </a:p>
-          </p:txBody>
-        </p:sp>
-        <p:sp>
-          <p:nvSpPr>
-            <p:cNvPr id="10" name="TextBox 9">
-              <a:extLst>
-                <a:ext uri="{FF2B5EF4-FFF2-40B4-BE49-F238E27FC236}">
-                  <a16:creationId xmlns:a16="http://schemas.microsoft.com/office/drawing/2014/main" id="{ECF17904-C6D1-B3F6-B1DF-7CF18E61DB19}"/>
-                </a:ext>
-              </a:extLst>
-            </p:cNvPr>
-            <p:cNvSpPr txBox="1"/>
-            <p:nvPr/>
-          </p:nvSpPr>
-          <p:spPr>
-            <a:xfrm>
-              <a:off x="1678492" y="5920897"/>
-              <a:ext cx="303288" cy="276999"/>
-            </a:xfrm>
-            <a:prstGeom prst="rect">
-              <a:avLst/>
-            </a:prstGeom>
-            <a:noFill/>
-          </p:spPr>
-          <p:txBody>
-            <a:bodyPr wrap="none" rtlCol="0">
-              <a:spAutoFit/>
-            </a:bodyPr>
-            <a:lstStyle/>
-            <a:p>
-              <a:r>
-                <a:rPr lang="en-US" sz="1200" dirty="0"/>
-                <a:t>g)</a:t>
-              </a:r>
-            </a:p>
-          </p:txBody>
-        </p:sp>
-      </p:grpSp>
+          <a:prstGeom prst="rect">
+            <a:avLst/>
+          </a:prstGeom>
+        </p:spPr>
+      </p:pic>
       <p:pic>
         <p:nvPicPr>
           <p:cNvPr id="177" name="Picture 176" descr="A picture containing sketch, drawing, circle, black and white&#10;&#10;Description automatically generated">
@@ -3630,16 +3487,16 @@
           <p:nvPr/>
         </p:nvPicPr>
         <p:blipFill rotWithShape="1">
-          <a:blip r:embed="rId7">
+          <a:blip r:embed="rId5">
             <a:alphaModFix amt="40000"/>
           </a:blip>
-          <a:srcRect t="429" r="-1705" b="6173"/>
+          <a:srcRect t="5822" r="-1705" b="212"/>
           <a:stretch/>
         </p:blipFill>
         <p:spPr>
           <a:xfrm>
-            <a:off x="3057134" y="1340313"/>
-            <a:ext cx="3150143" cy="4092640"/>
+            <a:off x="3086930" y="1322615"/>
+            <a:ext cx="3150143" cy="4117532"/>
           </a:xfrm>
           <a:prstGeom prst="rect">
             <a:avLst/>
@@ -3661,7 +3518,7 @@
           <p:nvPr/>
         </p:nvPicPr>
         <p:blipFill rotWithShape="1">
-          <a:blip r:embed="rId7">
+          <a:blip r:embed="rId5">
             <a:grayscl/>
             <a:alphaModFix amt="40000"/>
           </a:blip>
@@ -3670,7 +3527,7 @@
         </p:blipFill>
         <p:spPr>
           <a:xfrm>
-            <a:off x="36231" y="1325991"/>
+            <a:off x="36231" y="1319641"/>
             <a:ext cx="3142105" cy="4106963"/>
           </a:xfrm>
           <a:prstGeom prst="rect">
@@ -3683,6 +3540,180 @@
           </a:effectLst>
         </p:spPr>
       </p:pic>
+      <p:pic>
+        <p:nvPicPr>
+          <p:cNvPr id="397" name="Graphic 396">
+            <a:extLst>
+              <a:ext uri="{FF2B5EF4-FFF2-40B4-BE49-F238E27FC236}">
+                <a16:creationId xmlns:a16="http://schemas.microsoft.com/office/drawing/2014/main" id="{C1B092BE-3E84-4580-183A-DC9E09D96C52}"/>
+              </a:ext>
+            </a:extLst>
+          </p:cNvPr>
+          <p:cNvPicPr>
+            <a:picLocks noChangeAspect="1"/>
+          </p:cNvPicPr>
+          <p:nvPr/>
+        </p:nvPicPr>
+        <p:blipFill rotWithShape="1">
+          <a:blip r:embed="rId6">
+            <a:extLst>
+              <a:ext uri="{96DAC541-7B7A-43D3-8B79-37D633B846F1}">
+                <asvg:svgBlip xmlns:asvg="http://schemas.microsoft.com/office/drawing/2016/SVG/main" r:embed="rId7"/>
+              </a:ext>
+            </a:extLst>
+          </a:blip>
+          <a:srcRect r="64697" b="18115"/>
+          <a:stretch/>
+        </p:blipFill>
+        <p:spPr>
+          <a:xfrm>
+            <a:off x="21413" y="5729524"/>
+            <a:ext cx="1963625" cy="2157455"/>
+          </a:xfrm>
+          <a:prstGeom prst="rect">
+            <a:avLst/>
+          </a:prstGeom>
+        </p:spPr>
+      </p:pic>
+      <p:sp>
+        <p:nvSpPr>
+          <p:cNvPr id="73" name="Rectangle 72">
+            <a:extLst>
+              <a:ext uri="{FF2B5EF4-FFF2-40B4-BE49-F238E27FC236}">
+                <a16:creationId xmlns:a16="http://schemas.microsoft.com/office/drawing/2014/main" id="{90A725AA-3622-1D85-A8FA-5435CD9F38D7}"/>
+              </a:ext>
+            </a:extLst>
+          </p:cNvPr>
+          <p:cNvSpPr/>
+          <p:nvPr/>
+        </p:nvSpPr>
+        <p:spPr>
+          <a:xfrm>
+            <a:off x="4374880" y="31228"/>
+            <a:ext cx="2455597" cy="1139252"/>
+          </a:xfrm>
+          <a:prstGeom prst="rect">
+            <a:avLst/>
+          </a:prstGeom>
+          <a:noFill/>
+          <a:ln w="19050">
+            <a:solidFill>
+              <a:schemeClr val="tx1"/>
+            </a:solidFill>
+          </a:ln>
+        </p:spPr>
+        <p:style>
+          <a:lnRef idx="2">
+            <a:schemeClr val="accent1">
+              <a:shade val="15000"/>
+            </a:schemeClr>
+          </a:lnRef>
+          <a:fillRef idx="1">
+            <a:schemeClr val="accent1"/>
+          </a:fillRef>
+          <a:effectRef idx="0">
+            <a:schemeClr val="accent1"/>
+          </a:effectRef>
+          <a:fontRef idx="minor">
+            <a:schemeClr val="lt1"/>
+          </a:fontRef>
+        </p:style>
+        <p:txBody>
+          <a:bodyPr rtlCol="0" anchor="ctr"/>
+          <a:lstStyle/>
+          <a:p>
+            <a:pPr algn="ctr"/>
+            <a:endParaRPr lang="en-US"/>
+          </a:p>
+        </p:txBody>
+      </p:sp>
+      <p:sp>
+        <p:nvSpPr>
+          <p:cNvPr id="74" name="Rectangle 73">
+            <a:extLst>
+              <a:ext uri="{FF2B5EF4-FFF2-40B4-BE49-F238E27FC236}">
+                <a16:creationId xmlns:a16="http://schemas.microsoft.com/office/drawing/2014/main" id="{75547A15-F9B7-A8C0-50AE-E7A1CB9DACBE}"/>
+              </a:ext>
+            </a:extLst>
+          </p:cNvPr>
+          <p:cNvSpPr/>
+          <p:nvPr/>
+        </p:nvSpPr>
+        <p:spPr>
+          <a:xfrm>
+            <a:off x="28190" y="1310933"/>
+            <a:ext cx="6147120" cy="4122021"/>
+          </a:xfrm>
+          <a:prstGeom prst="rect">
+            <a:avLst/>
+          </a:prstGeom>
+          <a:noFill/>
+          <a:ln w="19050">
+            <a:solidFill>
+              <a:schemeClr val="tx1"/>
+            </a:solidFill>
+          </a:ln>
+        </p:spPr>
+        <p:style>
+          <a:lnRef idx="2">
+            <a:schemeClr val="accent1">
+              <a:shade val="15000"/>
+            </a:schemeClr>
+          </a:lnRef>
+          <a:fillRef idx="1">
+            <a:schemeClr val="accent1"/>
+          </a:fillRef>
+          <a:effectRef idx="0">
+            <a:schemeClr val="accent1"/>
+          </a:effectRef>
+          <a:fontRef idx="minor">
+            <a:schemeClr val="lt1"/>
+          </a:fontRef>
+        </p:style>
+        <p:txBody>
+          <a:bodyPr rtlCol="0" anchor="ctr"/>
+          <a:lstStyle/>
+          <a:p>
+            <a:pPr algn="ctr"/>
+            <a:endParaRPr lang="en-US"/>
+          </a:p>
+        </p:txBody>
+      </p:sp>
+      <p:sp>
+        <p:nvSpPr>
+          <p:cNvPr id="10" name="TextBox 9">
+            <a:extLst>
+              <a:ext uri="{FF2B5EF4-FFF2-40B4-BE49-F238E27FC236}">
+                <a16:creationId xmlns:a16="http://schemas.microsoft.com/office/drawing/2014/main" id="{ECF17904-C6D1-B3F6-B1DF-7CF18E61DB19}"/>
+              </a:ext>
+            </a:extLst>
+          </p:cNvPr>
+          <p:cNvSpPr txBox="1"/>
+          <p:nvPr/>
+        </p:nvSpPr>
+        <p:spPr>
+          <a:xfrm>
+            <a:off x="287585" y="5642944"/>
+            <a:ext cx="303288" cy="276999"/>
+          </a:xfrm>
+          <a:prstGeom prst="rect">
+            <a:avLst/>
+          </a:prstGeom>
+          <a:noFill/>
+        </p:spPr>
+        <p:txBody>
+          <a:bodyPr wrap="none" rtlCol="0">
+            <a:spAutoFit/>
+          </a:bodyPr>
+          <a:lstStyle/>
+          <a:p>
+            <a:r>
+              <a:rPr lang="en-US" sz="1200" dirty="0"/>
+              <a:t>g)</a:t>
+            </a:r>
+          </a:p>
+        </p:txBody>
+      </p:sp>
       <p:grpSp>
         <p:nvGrpSpPr>
           <p:cNvPr id="298" name="Group 297">
@@ -3786,110 +3817,6 @@
           </p:spPr>
         </p:pic>
       </p:grpSp>
-      <p:sp>
-        <p:nvSpPr>
-          <p:cNvPr id="73" name="Rectangle 72">
-            <a:extLst>
-              <a:ext uri="{FF2B5EF4-FFF2-40B4-BE49-F238E27FC236}">
-                <a16:creationId xmlns:a16="http://schemas.microsoft.com/office/drawing/2014/main" id="{90A725AA-3622-1D85-A8FA-5435CD9F38D7}"/>
-              </a:ext>
-            </a:extLst>
-          </p:cNvPr>
-          <p:cNvSpPr/>
-          <p:nvPr/>
-        </p:nvSpPr>
-        <p:spPr>
-          <a:xfrm>
-            <a:off x="4374880" y="31228"/>
-            <a:ext cx="2455597" cy="1139252"/>
-          </a:xfrm>
-          <a:prstGeom prst="rect">
-            <a:avLst/>
-          </a:prstGeom>
-          <a:noFill/>
-          <a:ln w="19050">
-            <a:solidFill>
-              <a:schemeClr val="tx1"/>
-            </a:solidFill>
-          </a:ln>
-        </p:spPr>
-        <p:style>
-          <a:lnRef idx="2">
-            <a:schemeClr val="accent1">
-              <a:shade val="15000"/>
-            </a:schemeClr>
-          </a:lnRef>
-          <a:fillRef idx="1">
-            <a:schemeClr val="accent1"/>
-          </a:fillRef>
-          <a:effectRef idx="0">
-            <a:schemeClr val="accent1"/>
-          </a:effectRef>
-          <a:fontRef idx="minor">
-            <a:schemeClr val="lt1"/>
-          </a:fontRef>
-        </p:style>
-        <p:txBody>
-          <a:bodyPr rtlCol="0" anchor="ctr"/>
-          <a:lstStyle/>
-          <a:p>
-            <a:pPr algn="ctr"/>
-            <a:endParaRPr lang="en-US"/>
-          </a:p>
-        </p:txBody>
-      </p:sp>
-      <p:sp>
-        <p:nvSpPr>
-          <p:cNvPr id="74" name="Rectangle 73">
-            <a:extLst>
-              <a:ext uri="{FF2B5EF4-FFF2-40B4-BE49-F238E27FC236}">
-                <a16:creationId xmlns:a16="http://schemas.microsoft.com/office/drawing/2014/main" id="{75547A15-F9B7-A8C0-50AE-E7A1CB9DACBE}"/>
-              </a:ext>
-            </a:extLst>
-          </p:cNvPr>
-          <p:cNvSpPr/>
-          <p:nvPr/>
-        </p:nvSpPr>
-        <p:spPr>
-          <a:xfrm>
-            <a:off x="28190" y="1310933"/>
-            <a:ext cx="6147120" cy="4122021"/>
-          </a:xfrm>
-          <a:prstGeom prst="rect">
-            <a:avLst/>
-          </a:prstGeom>
-          <a:noFill/>
-          <a:ln w="19050">
-            <a:solidFill>
-              <a:schemeClr val="tx1"/>
-            </a:solidFill>
-          </a:ln>
-        </p:spPr>
-        <p:style>
-          <a:lnRef idx="2">
-            <a:schemeClr val="accent1">
-              <a:shade val="15000"/>
-            </a:schemeClr>
-          </a:lnRef>
-          <a:fillRef idx="1">
-            <a:schemeClr val="accent1"/>
-          </a:fillRef>
-          <a:effectRef idx="0">
-            <a:schemeClr val="accent1"/>
-          </a:effectRef>
-          <a:fontRef idx="minor">
-            <a:schemeClr val="lt1"/>
-          </a:fontRef>
-        </p:style>
-        <p:txBody>
-          <a:bodyPr rtlCol="0" anchor="ctr"/>
-          <a:lstStyle/>
-          <a:p>
-            <a:pPr algn="ctr"/>
-            <a:endParaRPr lang="en-US"/>
-          </a:p>
-        </p:txBody>
-      </p:sp>
       <p:cxnSp>
         <p:nvCxnSpPr>
           <p:cNvPr id="146" name="Straight Arrow Connector 145">
@@ -3996,7 +3923,7 @@
         </p:nvSpPr>
         <p:spPr>
           <a:xfrm>
-            <a:off x="2396940" y="92011"/>
+            <a:off x="2404357" y="9092"/>
             <a:ext cx="311304" cy="276999"/>
           </a:xfrm>
           <a:prstGeom prst="rect">
@@ -4031,7 +3958,7 @@
         </p:nvSpPr>
         <p:spPr>
           <a:xfrm>
-            <a:off x="-8952" y="1298043"/>
+            <a:off x="-8952" y="1285343"/>
             <a:ext cx="296876" cy="276999"/>
           </a:xfrm>
           <a:prstGeom prst="rect">
@@ -4066,7 +3993,7 @@
         </p:nvSpPr>
         <p:spPr>
           <a:xfrm>
-            <a:off x="4372430" y="5782"/>
+            <a:off x="4312838" y="-6918"/>
             <a:ext cx="311304" cy="276999"/>
           </a:xfrm>
           <a:prstGeom prst="rect">
@@ -4101,7 +4028,7 @@
         </p:nvGrpSpPr>
         <p:grpSpPr>
           <a:xfrm>
-            <a:off x="6005771" y="5855749"/>
+            <a:off x="6005771" y="5879195"/>
             <a:ext cx="825034" cy="285030"/>
             <a:chOff x="5549921" y="5892083"/>
             <a:chExt cx="825034" cy="285030"/>
@@ -4209,7 +4136,7 @@
         </p:nvGrpSpPr>
         <p:grpSpPr>
           <a:xfrm>
-            <a:off x="423194" y="5102959"/>
+            <a:off x="423194" y="5149851"/>
             <a:ext cx="1395645" cy="360891"/>
             <a:chOff x="458363" y="5173297"/>
             <a:chExt cx="1395645" cy="360891"/>
@@ -4231,8 +4158,8 @@
           </p:nvCxnSpPr>
           <p:spPr>
             <a:xfrm>
-              <a:off x="458363" y="5188320"/>
-              <a:ext cx="829183" cy="199134"/>
+              <a:off x="458363" y="5220202"/>
+              <a:ext cx="829183" cy="167252"/>
             </a:xfrm>
             <a:prstGeom prst="line">
               <a:avLst/>
@@ -4343,10 +4270,10 @@
         </p:nvGrpSpPr>
         <p:grpSpPr>
           <a:xfrm>
-            <a:off x="4291945" y="5125207"/>
-            <a:ext cx="1461793" cy="443563"/>
-            <a:chOff x="322996" y="3282958"/>
-            <a:chExt cx="1461793" cy="443563"/>
+            <a:off x="4352325" y="5183907"/>
+            <a:ext cx="1410468" cy="384863"/>
+            <a:chOff x="383376" y="3341658"/>
+            <a:chExt cx="1410468" cy="384863"/>
           </a:xfrm>
         </p:grpSpPr>
         <p:cxnSp>
@@ -4365,8 +4292,8 @@
           </p:nvCxnSpPr>
           <p:spPr>
             <a:xfrm flipH="1" flipV="1">
-              <a:off x="322996" y="3282958"/>
-              <a:ext cx="495711" cy="220972"/>
+              <a:off x="383376" y="3341658"/>
+              <a:ext cx="435331" cy="162272"/>
             </a:xfrm>
             <a:prstGeom prst="line">
               <a:avLst/>
@@ -4404,8 +4331,8 @@
           </p:nvCxnSpPr>
           <p:spPr>
             <a:xfrm flipV="1">
-              <a:off x="828982" y="3295334"/>
-              <a:ext cx="955807" cy="200257"/>
+              <a:off x="828982" y="3341658"/>
+              <a:ext cx="964862" cy="153933"/>
             </a:xfrm>
             <a:prstGeom prst="line">
               <a:avLst/>
@@ -4477,10 +4404,10 @@
         </p:nvGrpSpPr>
         <p:grpSpPr>
           <a:xfrm>
-            <a:off x="369563" y="33086"/>
-            <a:ext cx="1437818" cy="920780"/>
-            <a:chOff x="-29019" y="33086"/>
-            <a:chExt cx="1437818" cy="920780"/>
+            <a:off x="369563" y="-1980"/>
+            <a:ext cx="1437818" cy="955846"/>
+            <a:chOff x="-29019" y="-1980"/>
+            <a:chExt cx="1437818" cy="955846"/>
           </a:xfrm>
         </p:grpSpPr>
         <p:sp>
@@ -4549,7 +4476,7 @@
           </p:nvSpPr>
           <p:spPr>
             <a:xfrm>
-              <a:off x="-29019" y="93270"/>
+              <a:off x="-29019" y="-1980"/>
               <a:ext cx="304892" cy="276999"/>
             </a:xfrm>
             <a:prstGeom prst="rect">
@@ -4824,7 +4751,7 @@
         </p:nvSpPr>
         <p:spPr>
           <a:xfrm>
-            <a:off x="4182504" y="3933254"/>
+            <a:off x="4172180" y="3976450"/>
             <a:ext cx="1710100" cy="1162573"/>
           </a:xfrm>
           <a:prstGeom prst="roundRect">
@@ -5176,7 +5103,7 @@
         </p:nvGrpSpPr>
         <p:grpSpPr>
           <a:xfrm>
-            <a:off x="5987583" y="6474338"/>
+            <a:off x="5987583" y="6509507"/>
             <a:ext cx="845685" cy="304328"/>
             <a:chOff x="5540232" y="6456971"/>
             <a:chExt cx="845685" cy="304328"/>
@@ -5383,7 +5310,7 @@
         </p:nvSpPr>
         <p:spPr>
           <a:xfrm>
-            <a:off x="228629" y="3894600"/>
+            <a:off x="206648" y="3976450"/>
             <a:ext cx="1710100" cy="1162573"/>
           </a:xfrm>
           <a:prstGeom prst="roundRect">
@@ -5509,53 +5436,6 @@
       </p:sp>
       <p:cxnSp>
         <p:nvCxnSpPr>
-          <p:cNvPr id="233" name="Straight Arrow Connector 232">
-            <a:extLst>
-              <a:ext uri="{FF2B5EF4-FFF2-40B4-BE49-F238E27FC236}">
-                <a16:creationId xmlns:a16="http://schemas.microsoft.com/office/drawing/2014/main" id="{9CD0644A-A289-D356-AF63-26E6F2AA8640}"/>
-              </a:ext>
-            </a:extLst>
-          </p:cNvPr>
-          <p:cNvCxnSpPr>
-            <a:cxnSpLocks/>
-            <a:stCxn id="162" idx="1"/>
-            <a:endCxn id="86" idx="3"/>
-          </p:cNvCxnSpPr>
-          <p:nvPr/>
-        </p:nvCxnSpPr>
-        <p:spPr>
-          <a:xfrm flipH="1">
-            <a:off x="4776790" y="6616853"/>
-            <a:ext cx="1231444" cy="4220"/>
-          </a:xfrm>
-          <a:prstGeom prst="straightConnector1">
-            <a:avLst/>
-          </a:prstGeom>
-          <a:ln w="19050">
-            <a:solidFill>
-              <a:schemeClr val="tx1"/>
-            </a:solidFill>
-            <a:headEnd type="oval"/>
-            <a:tailEnd type="arrow"/>
-          </a:ln>
-        </p:spPr>
-        <p:style>
-          <a:lnRef idx="1">
-            <a:schemeClr val="accent1"/>
-          </a:lnRef>
-          <a:fillRef idx="0">
-            <a:schemeClr val="accent1"/>
-          </a:fillRef>
-          <a:effectRef idx="0">
-            <a:schemeClr val="accent1"/>
-          </a:effectRef>
-          <a:fontRef idx="minor">
-            <a:schemeClr val="tx1"/>
-          </a:fontRef>
-        </p:style>
-      </p:cxnSp>
-      <p:cxnSp>
-        <p:nvCxnSpPr>
           <p:cNvPr id="238" name="Elbow Connector 237">
             <a:extLst>
               <a:ext uri="{FF2B5EF4-FFF2-40B4-BE49-F238E27FC236}">
@@ -5573,7 +5453,7 @@
         <p:spPr>
           <a:xfrm>
             <a:off x="6175310" y="3371944"/>
-            <a:ext cx="242978" cy="2487820"/>
+            <a:ext cx="242978" cy="2511266"/>
           </a:xfrm>
           <a:prstGeom prst="bentConnector2">
             <a:avLst/>
@@ -5618,7 +5498,7 @@
         </p:nvCxnSpPr>
         <p:spPr>
           <a:xfrm>
-            <a:off x="6418288" y="6142680"/>
+            <a:off x="6418288" y="6177849"/>
             <a:ext cx="2463" cy="331658"/>
           </a:xfrm>
           <a:prstGeom prst="straightConnector1">
@@ -5661,10 +5541,10 @@
         </p:nvGrpSpPr>
         <p:grpSpPr>
           <a:xfrm>
-            <a:off x="2341402" y="5109103"/>
-            <a:ext cx="1503510" cy="463766"/>
-            <a:chOff x="-431256" y="3304030"/>
-            <a:chExt cx="1503510" cy="463766"/>
+            <a:off x="2417057" y="5109103"/>
+            <a:ext cx="1427855" cy="470116"/>
+            <a:chOff x="-355601" y="3304030"/>
+            <a:chExt cx="1427855" cy="470116"/>
           </a:xfrm>
         </p:grpSpPr>
         <p:cxnSp>
@@ -5683,8 +5563,8 @@
           </p:nvCxnSpPr>
           <p:spPr>
             <a:xfrm flipH="1" flipV="1">
-              <a:off x="-431256" y="3334926"/>
-              <a:ext cx="1256487" cy="206180"/>
+              <a:off x="-355601" y="3394365"/>
+              <a:ext cx="1180832" cy="146741"/>
             </a:xfrm>
             <a:prstGeom prst="line">
               <a:avLst/>
@@ -5759,7 +5639,7 @@
           </p:nvSpPr>
           <p:spPr>
             <a:xfrm>
-              <a:off x="676623" y="3398464"/>
+              <a:off x="689323" y="3404814"/>
               <a:ext cx="300082" cy="369332"/>
             </a:xfrm>
             <a:prstGeom prst="rect">
@@ -5795,7 +5675,7 @@
         </p:nvSpPr>
         <p:spPr>
           <a:xfrm>
-            <a:off x="2202496" y="3926759"/>
+            <a:off x="2180628" y="3976450"/>
             <a:ext cx="1710100" cy="1162573"/>
           </a:xfrm>
           <a:prstGeom prst="roundRect">
@@ -5865,9 +5745,9 @@
         <p:grpSpPr>
           <a:xfrm>
             <a:off x="5769525" y="1519626"/>
-            <a:ext cx="470335" cy="976990"/>
+            <a:ext cx="470335" cy="995450"/>
             <a:chOff x="-338382" y="5539024"/>
-            <a:chExt cx="470335" cy="976990"/>
+            <a:chExt cx="470335" cy="995450"/>
           </a:xfrm>
         </p:grpSpPr>
         <p:cxnSp>
@@ -5925,8 +5805,8 @@
           </p:nvCxnSpPr>
           <p:spPr>
             <a:xfrm flipH="1">
-              <a:off x="-208077" y="5905598"/>
-              <a:ext cx="185002" cy="610416"/>
+              <a:off x="-238828" y="5905598"/>
+              <a:ext cx="215753" cy="628876"/>
             </a:xfrm>
             <a:prstGeom prst="line">
               <a:avLst/>
@@ -6053,550 +5933,6 @@
           </a:p>
         </p:txBody>
       </p:sp>
-      <p:sp>
-        <p:nvSpPr>
-          <p:cNvPr id="195" name="Rounded Rectangle 194">
-            <a:extLst>
-              <a:ext uri="{FF2B5EF4-FFF2-40B4-BE49-F238E27FC236}">
-                <a16:creationId xmlns:a16="http://schemas.microsoft.com/office/drawing/2014/main" id="{04C766F5-1904-17ED-8A3A-523EB678ACBA}"/>
-              </a:ext>
-            </a:extLst>
-          </p:cNvPr>
-          <p:cNvSpPr/>
-          <p:nvPr/>
-        </p:nvSpPr>
-        <p:spPr>
-          <a:xfrm>
-            <a:off x="217909" y="1481429"/>
-            <a:ext cx="1710100" cy="1162573"/>
-          </a:xfrm>
-          <a:prstGeom prst="roundRect">
-            <a:avLst/>
-          </a:prstGeom>
-          <a:solidFill>
-            <a:srgbClr val="FFFFFF"/>
-          </a:solidFill>
-          <a:ln>
-            <a:noFill/>
-          </a:ln>
-          <a:effectLst>
-            <a:glow rad="63500">
-              <a:schemeClr val="bg1">
-                <a:lumMod val="85000"/>
-              </a:schemeClr>
-            </a:glow>
-            <a:outerShdw blurRad="50800" dist="50800" dir="3480000" algn="ctr" rotWithShape="0">
-              <a:srgbClr val="000000">
-                <a:alpha val="66458"/>
-              </a:srgbClr>
-            </a:outerShdw>
-          </a:effectLst>
-        </p:spPr>
-        <p:style>
-          <a:lnRef idx="2">
-            <a:schemeClr val="accent1">
-              <a:shade val="50000"/>
-            </a:schemeClr>
-          </a:lnRef>
-          <a:fillRef idx="1">
-            <a:schemeClr val="accent1"/>
-          </a:fillRef>
-          <a:effectRef idx="0">
-            <a:schemeClr val="accent1"/>
-          </a:effectRef>
-          <a:fontRef idx="minor">
-            <a:schemeClr val="lt1"/>
-          </a:fontRef>
-        </p:style>
-        <p:txBody>
-          <a:bodyPr rot="0" spcFirstLastPara="0" vertOverflow="overflow" horzOverflow="overflow" vert="horz" wrap="square" lIns="42863" tIns="21431" rIns="42863" bIns="21431" numCol="1" spcCol="0" rtlCol="0" fromWordArt="0" anchor="ctr" anchorCtr="0" forceAA="0" compatLnSpc="1">
-            <a:prstTxWarp prst="textNoShape">
-              <a:avLst/>
-            </a:prstTxWarp>
-            <a:noAutofit/>
-          </a:bodyPr>
-          <a:lstStyle/>
-          <a:p>
-            <a:pPr algn="ctr"/>
-            <a:endParaRPr lang="en-US" sz="406" dirty="0"/>
-          </a:p>
-        </p:txBody>
-      </p:sp>
-      <p:pic>
-        <p:nvPicPr>
-          <p:cNvPr id="210" name="Picture 209">
-            <a:extLst>
-              <a:ext uri="{FF2B5EF4-FFF2-40B4-BE49-F238E27FC236}">
-                <a16:creationId xmlns:a16="http://schemas.microsoft.com/office/drawing/2014/main" id="{9060DE45-33FD-D70A-E12E-F1E1B2FB77E2}"/>
-              </a:ext>
-            </a:extLst>
-          </p:cNvPr>
-          <p:cNvPicPr>
-            <a:picLocks/>
-          </p:cNvPicPr>
-          <p:nvPr/>
-        </p:nvPicPr>
-        <p:blipFill rotWithShape="1">
-          <a:blip r:embed="rId11"/>
-          <a:srcRect l="-21342" t="74454" r="21342" b="-3777"/>
-          <a:stretch/>
-        </p:blipFill>
-        <p:spPr>
-          <a:xfrm>
-            <a:off x="-89292" y="2352192"/>
-            <a:ext cx="1805921" cy="374273"/>
-          </a:xfrm>
-          <a:prstGeom prst="rect">
-            <a:avLst/>
-          </a:prstGeom>
-        </p:spPr>
-      </p:pic>
-      <p:sp>
-        <p:nvSpPr>
-          <p:cNvPr id="198" name="Rounded Rectangle 197">
-            <a:extLst>
-              <a:ext uri="{FF2B5EF4-FFF2-40B4-BE49-F238E27FC236}">
-                <a16:creationId xmlns:a16="http://schemas.microsoft.com/office/drawing/2014/main" id="{B9333D77-777F-2BDD-5D33-C78E986C27B0}"/>
-              </a:ext>
-            </a:extLst>
-          </p:cNvPr>
-          <p:cNvSpPr/>
-          <p:nvPr/>
-        </p:nvSpPr>
-        <p:spPr>
-          <a:xfrm>
-            <a:off x="4136552" y="1498523"/>
-            <a:ext cx="1710100" cy="1161288"/>
-          </a:xfrm>
-          <a:prstGeom prst="roundRect">
-            <a:avLst/>
-          </a:prstGeom>
-          <a:solidFill>
-            <a:srgbClr val="FFFFFF"/>
-          </a:solidFill>
-          <a:ln>
-            <a:noFill/>
-          </a:ln>
-          <a:effectLst>
-            <a:glow rad="63500">
-              <a:schemeClr val="bg1">
-                <a:lumMod val="85000"/>
-              </a:schemeClr>
-            </a:glow>
-            <a:outerShdw blurRad="50800" dist="50800" dir="3480000" algn="ctr" rotWithShape="0">
-              <a:srgbClr val="000000">
-                <a:alpha val="66458"/>
-              </a:srgbClr>
-            </a:outerShdw>
-          </a:effectLst>
-        </p:spPr>
-        <p:style>
-          <a:lnRef idx="2">
-            <a:schemeClr val="accent1">
-              <a:shade val="50000"/>
-            </a:schemeClr>
-          </a:lnRef>
-          <a:fillRef idx="1">
-            <a:schemeClr val="accent1"/>
-          </a:fillRef>
-          <a:effectRef idx="0">
-            <a:schemeClr val="accent1"/>
-          </a:effectRef>
-          <a:fontRef idx="minor">
-            <a:schemeClr val="lt1"/>
-          </a:fontRef>
-        </p:style>
-        <p:txBody>
-          <a:bodyPr rot="0" spcFirstLastPara="0" vertOverflow="overflow" horzOverflow="overflow" vert="horz" wrap="square" lIns="42863" tIns="21431" rIns="42863" bIns="21431" numCol="1" spcCol="0" rtlCol="0" fromWordArt="0" anchor="ctr" anchorCtr="0" forceAA="0" compatLnSpc="1">
-            <a:prstTxWarp prst="textNoShape">
-              <a:avLst/>
-            </a:prstTxWarp>
-            <a:noAutofit/>
-          </a:bodyPr>
-          <a:lstStyle/>
-          <a:p>
-            <a:pPr algn="ctr"/>
-            <a:endParaRPr lang="en-US" sz="406" dirty="0"/>
-          </a:p>
-        </p:txBody>
-      </p:sp>
-      <p:pic>
-        <p:nvPicPr>
-          <p:cNvPr id="212" name="Picture 211">
-            <a:extLst>
-              <a:ext uri="{FF2B5EF4-FFF2-40B4-BE49-F238E27FC236}">
-                <a16:creationId xmlns:a16="http://schemas.microsoft.com/office/drawing/2014/main" id="{BB41CFFB-D89E-0357-BC12-0934F9103C6B}"/>
-              </a:ext>
-            </a:extLst>
-          </p:cNvPr>
-          <p:cNvPicPr>
-            <a:picLocks noChangeAspect="1"/>
-          </p:cNvPicPr>
-          <p:nvPr/>
-        </p:nvPicPr>
-        <p:blipFill rotWithShape="1">
-          <a:blip r:embed="rId11"/>
-          <a:srcRect l="-21342" t="74454" r="21342" b="-3777"/>
-          <a:stretch/>
-        </p:blipFill>
-        <p:spPr>
-          <a:xfrm>
-            <a:off x="3779413" y="2343156"/>
-            <a:ext cx="1767714" cy="369332"/>
-          </a:xfrm>
-          <a:prstGeom prst="rect">
-            <a:avLst/>
-          </a:prstGeom>
-        </p:spPr>
-      </p:pic>
-      <p:sp>
-        <p:nvSpPr>
-          <p:cNvPr id="202" name="Rounded Rectangle 201">
-            <a:extLst>
-              <a:ext uri="{FF2B5EF4-FFF2-40B4-BE49-F238E27FC236}">
-                <a16:creationId xmlns:a16="http://schemas.microsoft.com/office/drawing/2014/main" id="{3754E2C5-C065-3331-D673-A3D4CCF24962}"/>
-              </a:ext>
-            </a:extLst>
-          </p:cNvPr>
-          <p:cNvSpPr/>
-          <p:nvPr/>
-        </p:nvSpPr>
-        <p:spPr>
-          <a:xfrm>
-            <a:off x="2180742" y="2923342"/>
-            <a:ext cx="1710100" cy="1162573"/>
-          </a:xfrm>
-          <a:prstGeom prst="roundRect">
-            <a:avLst/>
-          </a:prstGeom>
-          <a:solidFill>
-            <a:srgbClr val="FFFFFF"/>
-          </a:solidFill>
-          <a:ln>
-            <a:noFill/>
-          </a:ln>
-          <a:effectLst>
-            <a:glow rad="63500">
-              <a:schemeClr val="bg1">
-                <a:lumMod val="85000"/>
-              </a:schemeClr>
-            </a:glow>
-            <a:outerShdw blurRad="50800" dist="50800" dir="3480000" algn="ctr" rotWithShape="0">
-              <a:srgbClr val="000000">
-                <a:alpha val="66458"/>
-              </a:srgbClr>
-            </a:outerShdw>
-          </a:effectLst>
-        </p:spPr>
-        <p:style>
-          <a:lnRef idx="2">
-            <a:schemeClr val="accent1">
-              <a:shade val="50000"/>
-            </a:schemeClr>
-          </a:lnRef>
-          <a:fillRef idx="1">
-            <a:schemeClr val="accent1"/>
-          </a:fillRef>
-          <a:effectRef idx="0">
-            <a:schemeClr val="accent1"/>
-          </a:effectRef>
-          <a:fontRef idx="minor">
-            <a:schemeClr val="lt1"/>
-          </a:fontRef>
-        </p:style>
-        <p:txBody>
-          <a:bodyPr rot="0" spcFirstLastPara="0" vertOverflow="overflow" horzOverflow="overflow" vert="horz" wrap="square" lIns="42863" tIns="21431" rIns="42863" bIns="21431" numCol="1" spcCol="0" rtlCol="0" fromWordArt="0" anchor="ctr" anchorCtr="0" forceAA="0" compatLnSpc="1">
-            <a:prstTxWarp prst="textNoShape">
-              <a:avLst/>
-            </a:prstTxWarp>
-            <a:noAutofit/>
-          </a:bodyPr>
-          <a:lstStyle/>
-          <a:p>
-            <a:pPr algn="ctr"/>
-            <a:endParaRPr lang="en-US" sz="406" dirty="0"/>
-          </a:p>
-        </p:txBody>
-      </p:sp>
-      <p:sp>
-        <p:nvSpPr>
-          <p:cNvPr id="224" name="TextBox 223">
-            <a:extLst>
-              <a:ext uri="{FF2B5EF4-FFF2-40B4-BE49-F238E27FC236}">
-                <a16:creationId xmlns:a16="http://schemas.microsoft.com/office/drawing/2014/main" id="{688D2BAB-6744-933D-B4D8-A20412858F86}"/>
-              </a:ext>
-            </a:extLst>
-          </p:cNvPr>
-          <p:cNvSpPr txBox="1"/>
-          <p:nvPr/>
-        </p:nvSpPr>
-        <p:spPr>
-          <a:xfrm>
-            <a:off x="2112243" y="3000146"/>
-            <a:ext cx="705642" cy="200055"/>
-          </a:xfrm>
-          <a:prstGeom prst="rect">
-            <a:avLst/>
-          </a:prstGeom>
-          <a:noFill/>
-        </p:spPr>
-        <p:txBody>
-          <a:bodyPr wrap="none" rtlCol="0">
-            <a:spAutoFit/>
-          </a:bodyPr>
-          <a:lstStyle/>
-          <a:p>
-            <a:r>
-              <a:rPr lang="en-US" sz="700" b="1" dirty="0"/>
-              <a:t>chronogram 1</a:t>
-            </a:r>
-          </a:p>
-        </p:txBody>
-      </p:sp>
-      <p:sp>
-        <p:nvSpPr>
-          <p:cNvPr id="225" name="TextBox 224">
-            <a:extLst>
-              <a:ext uri="{FF2B5EF4-FFF2-40B4-BE49-F238E27FC236}">
-                <a16:creationId xmlns:a16="http://schemas.microsoft.com/office/drawing/2014/main" id="{0827614C-0F26-F277-F12E-A26D69F42679}"/>
-              </a:ext>
-            </a:extLst>
-          </p:cNvPr>
-          <p:cNvSpPr txBox="1"/>
-          <p:nvPr/>
-        </p:nvSpPr>
-        <p:spPr>
-          <a:xfrm>
-            <a:off x="2154286" y="4133107"/>
-            <a:ext cx="705642" cy="200055"/>
-          </a:xfrm>
-          <a:prstGeom prst="rect">
-            <a:avLst/>
-          </a:prstGeom>
-          <a:noFill/>
-        </p:spPr>
-        <p:txBody>
-          <a:bodyPr wrap="none" rtlCol="0">
-            <a:spAutoFit/>
-          </a:bodyPr>
-          <a:lstStyle/>
-          <a:p>
-            <a:r>
-              <a:rPr lang="en-US" sz="700" b="1" dirty="0"/>
-              <a:t>chronogram 2</a:t>
-            </a:r>
-          </a:p>
-        </p:txBody>
-      </p:sp>
-      <p:sp>
-        <p:nvSpPr>
-          <p:cNvPr id="203" name="Rounded Rectangle 202">
-            <a:extLst>
-              <a:ext uri="{FF2B5EF4-FFF2-40B4-BE49-F238E27FC236}">
-                <a16:creationId xmlns:a16="http://schemas.microsoft.com/office/drawing/2014/main" id="{71114076-1724-4F71-6540-F82FF4DFD241}"/>
-              </a:ext>
-            </a:extLst>
-          </p:cNvPr>
-          <p:cNvSpPr/>
-          <p:nvPr/>
-        </p:nvSpPr>
-        <p:spPr>
-          <a:xfrm>
-            <a:off x="4174312" y="2930949"/>
-            <a:ext cx="1710100" cy="1162573"/>
-          </a:xfrm>
-          <a:prstGeom prst="roundRect">
-            <a:avLst/>
-          </a:prstGeom>
-          <a:solidFill>
-            <a:srgbClr val="FFFFFF"/>
-          </a:solidFill>
-          <a:ln>
-            <a:noFill/>
-          </a:ln>
-          <a:effectLst>
-            <a:glow rad="63500">
-              <a:schemeClr val="bg1">
-                <a:lumMod val="85000"/>
-              </a:schemeClr>
-            </a:glow>
-            <a:outerShdw blurRad="50800" dist="50800" dir="3480000" algn="ctr" rotWithShape="0">
-              <a:srgbClr val="000000">
-                <a:alpha val="66458"/>
-              </a:srgbClr>
-            </a:outerShdw>
-          </a:effectLst>
-        </p:spPr>
-        <p:style>
-          <a:lnRef idx="2">
-            <a:schemeClr val="accent1">
-              <a:shade val="50000"/>
-            </a:schemeClr>
-          </a:lnRef>
-          <a:fillRef idx="1">
-            <a:schemeClr val="accent1"/>
-          </a:fillRef>
-          <a:effectRef idx="0">
-            <a:schemeClr val="accent1"/>
-          </a:effectRef>
-          <a:fontRef idx="minor">
-            <a:schemeClr val="lt1"/>
-          </a:fontRef>
-        </p:style>
-        <p:txBody>
-          <a:bodyPr rot="0" spcFirstLastPara="0" vertOverflow="overflow" horzOverflow="overflow" vert="horz" wrap="square" lIns="42863" tIns="21431" rIns="42863" bIns="21431" numCol="1" spcCol="0" rtlCol="0" fromWordArt="0" anchor="ctr" anchorCtr="0" forceAA="0" compatLnSpc="1">
-            <a:prstTxWarp prst="textNoShape">
-              <a:avLst/>
-            </a:prstTxWarp>
-            <a:noAutofit/>
-          </a:bodyPr>
-          <a:lstStyle/>
-          <a:p>
-            <a:pPr algn="ctr"/>
-            <a:endParaRPr lang="en-US" sz="406" dirty="0"/>
-          </a:p>
-        </p:txBody>
-      </p:sp>
-      <p:sp>
-        <p:nvSpPr>
-          <p:cNvPr id="226" name="TextBox 225">
-            <a:extLst>
-              <a:ext uri="{FF2B5EF4-FFF2-40B4-BE49-F238E27FC236}">
-                <a16:creationId xmlns:a16="http://schemas.microsoft.com/office/drawing/2014/main" id="{4FDBD919-AD97-B25F-3647-1D59938A2F85}"/>
-              </a:ext>
-            </a:extLst>
-          </p:cNvPr>
-          <p:cNvSpPr txBox="1"/>
-          <p:nvPr/>
-        </p:nvSpPr>
-        <p:spPr>
-          <a:xfrm>
-            <a:off x="4116534" y="3037803"/>
-            <a:ext cx="705642" cy="200055"/>
-          </a:xfrm>
-          <a:prstGeom prst="rect">
-            <a:avLst/>
-          </a:prstGeom>
-          <a:noFill/>
-        </p:spPr>
-        <p:txBody>
-          <a:bodyPr wrap="none" rtlCol="0">
-            <a:spAutoFit/>
-          </a:bodyPr>
-          <a:lstStyle/>
-          <a:p>
-            <a:r>
-              <a:rPr lang="en-US" sz="700" b="1" dirty="0"/>
-              <a:t>chronogram 1</a:t>
-            </a:r>
-          </a:p>
-        </p:txBody>
-      </p:sp>
-      <p:sp>
-        <p:nvSpPr>
-          <p:cNvPr id="227" name="TextBox 226">
-            <a:extLst>
-              <a:ext uri="{FF2B5EF4-FFF2-40B4-BE49-F238E27FC236}">
-                <a16:creationId xmlns:a16="http://schemas.microsoft.com/office/drawing/2014/main" id="{F340506E-8F49-8B5B-09EA-A89ABBF2A2E1}"/>
-              </a:ext>
-            </a:extLst>
-          </p:cNvPr>
-          <p:cNvSpPr txBox="1"/>
-          <p:nvPr/>
-        </p:nvSpPr>
-        <p:spPr>
-          <a:xfrm>
-            <a:off x="4128062" y="4203897"/>
-            <a:ext cx="705642" cy="200055"/>
-          </a:xfrm>
-          <a:prstGeom prst="rect">
-            <a:avLst/>
-          </a:prstGeom>
-          <a:noFill/>
-        </p:spPr>
-        <p:txBody>
-          <a:bodyPr wrap="none" rtlCol="0">
-            <a:spAutoFit/>
-          </a:bodyPr>
-          <a:lstStyle/>
-          <a:p>
-            <a:r>
-              <a:rPr lang="en-US" sz="700" b="1" dirty="0"/>
-              <a:t>chronogram 2</a:t>
-            </a:r>
-          </a:p>
-        </p:txBody>
-      </p:sp>
-      <p:sp>
-        <p:nvSpPr>
-          <p:cNvPr id="228" name="TextBox 227">
-            <a:extLst>
-              <a:ext uri="{FF2B5EF4-FFF2-40B4-BE49-F238E27FC236}">
-                <a16:creationId xmlns:a16="http://schemas.microsoft.com/office/drawing/2014/main" id="{1B9A69D6-799C-FB1A-D0BA-029E81151F8D}"/>
-              </a:ext>
-            </a:extLst>
-          </p:cNvPr>
-          <p:cNvSpPr txBox="1"/>
-          <p:nvPr/>
-        </p:nvSpPr>
-        <p:spPr>
-          <a:xfrm>
-            <a:off x="175542" y="2990353"/>
-            <a:ext cx="705642" cy="200055"/>
-          </a:xfrm>
-          <a:prstGeom prst="rect">
-            <a:avLst/>
-          </a:prstGeom>
-          <a:noFill/>
-        </p:spPr>
-        <p:txBody>
-          <a:bodyPr wrap="none" rtlCol="0">
-            <a:spAutoFit/>
-          </a:bodyPr>
-          <a:lstStyle/>
-          <a:p>
-            <a:r>
-              <a:rPr lang="en-US" sz="700" b="1" dirty="0"/>
-              <a:t>chronogram 1</a:t>
-            </a:r>
-          </a:p>
-        </p:txBody>
-      </p:sp>
-      <p:sp>
-        <p:nvSpPr>
-          <p:cNvPr id="229" name="TextBox 228">
-            <a:extLst>
-              <a:ext uri="{FF2B5EF4-FFF2-40B4-BE49-F238E27FC236}">
-                <a16:creationId xmlns:a16="http://schemas.microsoft.com/office/drawing/2014/main" id="{7280181E-42D9-9D81-8EAC-1E04B9CC69E5}"/>
-              </a:ext>
-            </a:extLst>
-          </p:cNvPr>
-          <p:cNvSpPr txBox="1"/>
-          <p:nvPr/>
-        </p:nvSpPr>
-        <p:spPr>
-          <a:xfrm>
-            <a:off x="182996" y="4105505"/>
-            <a:ext cx="705642" cy="200055"/>
-          </a:xfrm>
-          <a:prstGeom prst="rect">
-            <a:avLst/>
-          </a:prstGeom>
-          <a:noFill/>
-        </p:spPr>
-        <p:txBody>
-          <a:bodyPr wrap="none" rtlCol="0">
-            <a:spAutoFit/>
-          </a:bodyPr>
-          <a:lstStyle/>
-          <a:p>
-            <a:r>
-              <a:rPr lang="en-US" sz="700" b="1" dirty="0"/>
-              <a:t>chronogram 2</a:t>
-            </a:r>
-          </a:p>
-        </p:txBody>
-      </p:sp>
       <p:grpSp>
         <p:nvGrpSpPr>
           <p:cNvPr id="253" name="Group 252">
@@ -6611,10 +5947,10 @@
         </p:nvGrpSpPr>
         <p:grpSpPr>
           <a:xfrm>
-            <a:off x="3399173" y="1644716"/>
-            <a:ext cx="834819" cy="1408477"/>
-            <a:chOff x="-631833" y="5430753"/>
-            <a:chExt cx="834819" cy="1408477"/>
+            <a:off x="3351692" y="1644716"/>
+            <a:ext cx="882300" cy="1383077"/>
+            <a:chOff x="-679314" y="5430753"/>
+            <a:chExt cx="882300" cy="1383077"/>
           </a:xfrm>
         </p:grpSpPr>
         <p:cxnSp>
@@ -6672,8 +6008,8 @@
           </p:nvCxnSpPr>
           <p:spPr>
             <a:xfrm flipH="1" flipV="1">
-              <a:off x="-631833" y="6506127"/>
-              <a:ext cx="668557" cy="95791"/>
+              <a:off x="-679314" y="6482713"/>
+              <a:ext cx="716038" cy="119205"/>
             </a:xfrm>
             <a:prstGeom prst="line">
               <a:avLst/>
@@ -6709,7 +6045,7 @@
           </p:nvSpPr>
           <p:spPr>
             <a:xfrm>
-              <a:off x="-97096" y="6469898"/>
+              <a:off x="-97096" y="6444498"/>
               <a:ext cx="300082" cy="369332"/>
             </a:xfrm>
             <a:prstGeom prst="rect">
@@ -6745,10 +6081,10 @@
         </p:nvGrpSpPr>
         <p:grpSpPr>
           <a:xfrm>
-            <a:off x="5763" y="2027763"/>
-            <a:ext cx="456094" cy="880153"/>
-            <a:chOff x="1131587" y="4642312"/>
-            <a:chExt cx="456094" cy="880153"/>
+            <a:off x="12113" y="2026097"/>
+            <a:ext cx="449744" cy="875469"/>
+            <a:chOff x="1137937" y="4640646"/>
+            <a:chExt cx="449744" cy="875469"/>
           </a:xfrm>
         </p:grpSpPr>
         <p:cxnSp>
@@ -6767,8 +6103,8 @@
           </p:nvCxnSpPr>
           <p:spPr>
             <a:xfrm flipH="1">
-              <a:off x="1271042" y="4642312"/>
-              <a:ext cx="44236" cy="725345"/>
+              <a:off x="1271042" y="4640646"/>
+              <a:ext cx="66464" cy="727011"/>
             </a:xfrm>
             <a:prstGeom prst="line">
               <a:avLst/>
@@ -6843,7 +6179,7 @@
           </p:nvSpPr>
           <p:spPr>
             <a:xfrm rot="16200000">
-              <a:off x="1166212" y="5187758"/>
+              <a:off x="1172562" y="5181408"/>
               <a:ext cx="300082" cy="369332"/>
             </a:xfrm>
             <a:prstGeom prst="rect">
@@ -6867,48 +6203,379 @@
       </p:grpSp>
       <p:sp>
         <p:nvSpPr>
-          <p:cNvPr id="289" name="TextBox 288">
+          <p:cNvPr id="195" name="Rounded Rectangle 194">
             <a:extLst>
               <a:ext uri="{FF2B5EF4-FFF2-40B4-BE49-F238E27FC236}">
-                <a16:creationId xmlns:a16="http://schemas.microsoft.com/office/drawing/2014/main" id="{237B27F2-C016-2137-A25A-961DCC654C95}"/>
+                <a16:creationId xmlns:a16="http://schemas.microsoft.com/office/drawing/2014/main" id="{04C766F5-1904-17ED-8A3A-523EB678ACBA}"/>
               </a:ext>
             </a:extLst>
           </p:cNvPr>
-          <p:cNvSpPr txBox="1"/>
+          <p:cNvSpPr/>
           <p:nvPr/>
         </p:nvSpPr>
         <p:spPr>
           <a:xfrm>
-            <a:off x="2166563" y="1445238"/>
-            <a:ext cx="1699895" cy="246221"/>
+            <a:off x="217909" y="1481429"/>
+            <a:ext cx="1710100" cy="1162573"/>
           </a:xfrm>
-          <a:prstGeom prst="rect">
+          <a:prstGeom prst="roundRect">
+            <a:avLst/>
+          </a:prstGeom>
+          <a:solidFill>
+            <a:srgbClr val="FFFFFF"/>
+          </a:solidFill>
+          <a:ln>
+            <a:noFill/>
+          </a:ln>
+          <a:effectLst>
+            <a:glow rad="63500">
+              <a:schemeClr val="bg1">
+                <a:lumMod val="85000"/>
+              </a:schemeClr>
+            </a:glow>
+            <a:outerShdw blurRad="50800" dist="50800" dir="3480000" algn="ctr" rotWithShape="0">
+              <a:srgbClr val="000000">
+                <a:alpha val="66458"/>
+              </a:srgbClr>
+            </a:outerShdw>
+          </a:effectLst>
+        </p:spPr>
+        <p:style>
+          <a:lnRef idx="2">
+            <a:schemeClr val="accent1">
+              <a:shade val="50000"/>
+            </a:schemeClr>
+          </a:lnRef>
+          <a:fillRef idx="1">
+            <a:schemeClr val="accent1"/>
+          </a:fillRef>
+          <a:effectRef idx="0">
+            <a:schemeClr val="accent1"/>
+          </a:effectRef>
+          <a:fontRef idx="minor">
+            <a:schemeClr val="lt1"/>
+          </a:fontRef>
+        </p:style>
+        <p:txBody>
+          <a:bodyPr rot="0" spcFirstLastPara="0" vertOverflow="overflow" horzOverflow="overflow" vert="horz" wrap="square" lIns="42863" tIns="21431" rIns="42863" bIns="21431" numCol="1" spcCol="0" rtlCol="0" fromWordArt="0" anchor="ctr" anchorCtr="0" forceAA="0" compatLnSpc="1">
+            <a:prstTxWarp prst="textNoShape">
+              <a:avLst/>
+            </a:prstTxWarp>
+            <a:noAutofit/>
+          </a:bodyPr>
+          <a:lstStyle/>
+          <a:p>
+            <a:pPr algn="ctr"/>
+            <a:endParaRPr lang="en-US" sz="406" dirty="0"/>
+          </a:p>
+        </p:txBody>
+      </p:sp>
+      <p:sp>
+        <p:nvSpPr>
+          <p:cNvPr id="198" name="Rounded Rectangle 197">
+            <a:extLst>
+              <a:ext uri="{FF2B5EF4-FFF2-40B4-BE49-F238E27FC236}">
+                <a16:creationId xmlns:a16="http://schemas.microsoft.com/office/drawing/2014/main" id="{B9333D77-777F-2BDD-5D33-C78E986C27B0}"/>
+              </a:ext>
+            </a:extLst>
+          </p:cNvPr>
+          <p:cNvSpPr/>
+          <p:nvPr/>
+        </p:nvSpPr>
+        <p:spPr>
+          <a:xfrm>
+            <a:off x="4136552" y="1486800"/>
+            <a:ext cx="1710100" cy="1161288"/>
+          </a:xfrm>
+          <a:prstGeom prst="roundRect">
+            <a:avLst/>
+          </a:prstGeom>
+          <a:solidFill>
+            <a:srgbClr val="FFFFFF"/>
+          </a:solidFill>
+          <a:ln>
+            <a:noFill/>
+          </a:ln>
+          <a:effectLst>
+            <a:glow rad="63500">
+              <a:schemeClr val="bg1">
+                <a:lumMod val="85000"/>
+              </a:schemeClr>
+            </a:glow>
+            <a:outerShdw blurRad="50800" dist="50800" dir="3480000" algn="ctr" rotWithShape="0">
+              <a:srgbClr val="000000">
+                <a:alpha val="66458"/>
+              </a:srgbClr>
+            </a:outerShdw>
+          </a:effectLst>
+        </p:spPr>
+        <p:style>
+          <a:lnRef idx="2">
+            <a:schemeClr val="accent1">
+              <a:shade val="50000"/>
+            </a:schemeClr>
+          </a:lnRef>
+          <a:fillRef idx="1">
+            <a:schemeClr val="accent1"/>
+          </a:fillRef>
+          <a:effectRef idx="0">
+            <a:schemeClr val="accent1"/>
+          </a:effectRef>
+          <a:fontRef idx="minor">
+            <a:schemeClr val="lt1"/>
+          </a:fontRef>
+        </p:style>
+        <p:txBody>
+          <a:bodyPr rot="0" spcFirstLastPara="0" vertOverflow="overflow" horzOverflow="overflow" vert="horz" wrap="square" lIns="42863" tIns="21431" rIns="42863" bIns="21431" numCol="1" spcCol="0" rtlCol="0" fromWordArt="0" anchor="ctr" anchorCtr="0" forceAA="0" compatLnSpc="1">
+            <a:prstTxWarp prst="textNoShape">
+              <a:avLst/>
+            </a:prstTxWarp>
+            <a:noAutofit/>
+          </a:bodyPr>
+          <a:lstStyle/>
+          <a:p>
+            <a:pPr algn="ctr"/>
+            <a:endParaRPr lang="en-US" sz="406" dirty="0"/>
+          </a:p>
+        </p:txBody>
+      </p:sp>
+      <p:sp>
+        <p:nvSpPr>
+          <p:cNvPr id="202" name="Rounded Rectangle 201">
+            <a:extLst>
+              <a:ext uri="{FF2B5EF4-FFF2-40B4-BE49-F238E27FC236}">
+                <a16:creationId xmlns:a16="http://schemas.microsoft.com/office/drawing/2014/main" id="{3754E2C5-C065-3331-D673-A3D4CCF24962}"/>
+              </a:ext>
+            </a:extLst>
+          </p:cNvPr>
+          <p:cNvSpPr/>
+          <p:nvPr/>
+        </p:nvSpPr>
+        <p:spPr>
+          <a:xfrm>
+            <a:off x="2180628" y="2899896"/>
+            <a:ext cx="1710100" cy="1162573"/>
+          </a:xfrm>
+          <a:prstGeom prst="roundRect">
+            <a:avLst/>
+          </a:prstGeom>
+          <a:solidFill>
+            <a:srgbClr val="FFFFFF"/>
+          </a:solidFill>
+          <a:ln>
+            <a:noFill/>
+          </a:ln>
+          <a:effectLst>
+            <a:glow rad="63500">
+              <a:schemeClr val="bg1">
+                <a:lumMod val="85000"/>
+              </a:schemeClr>
+            </a:glow>
+            <a:outerShdw blurRad="50800" dist="50800" dir="3480000" algn="ctr" rotWithShape="0">
+              <a:srgbClr val="000000">
+                <a:alpha val="66458"/>
+              </a:srgbClr>
+            </a:outerShdw>
+          </a:effectLst>
+        </p:spPr>
+        <p:style>
+          <a:lnRef idx="2">
+            <a:schemeClr val="accent1">
+              <a:shade val="50000"/>
+            </a:schemeClr>
+          </a:lnRef>
+          <a:fillRef idx="1">
+            <a:schemeClr val="accent1"/>
+          </a:fillRef>
+          <a:effectRef idx="0">
+            <a:schemeClr val="accent1"/>
+          </a:effectRef>
+          <a:fontRef idx="minor">
+            <a:schemeClr val="lt1"/>
+          </a:fontRef>
+        </p:style>
+        <p:txBody>
+          <a:bodyPr rot="0" spcFirstLastPara="0" vertOverflow="overflow" horzOverflow="overflow" vert="horz" wrap="square" lIns="42863" tIns="21431" rIns="42863" bIns="21431" numCol="1" spcCol="0" rtlCol="0" fromWordArt="0" anchor="ctr" anchorCtr="0" forceAA="0" compatLnSpc="1">
+            <a:prstTxWarp prst="textNoShape">
+              <a:avLst/>
+            </a:prstTxWarp>
+            <a:noAutofit/>
+          </a:bodyPr>
+          <a:lstStyle/>
+          <a:p>
+            <a:pPr algn="ctr"/>
+            <a:endParaRPr lang="en-US" sz="406" dirty="0"/>
+          </a:p>
+        </p:txBody>
+      </p:sp>
+      <p:sp>
+        <p:nvSpPr>
+          <p:cNvPr id="203" name="Rounded Rectangle 202">
+            <a:extLst>
+              <a:ext uri="{FF2B5EF4-FFF2-40B4-BE49-F238E27FC236}">
+                <a16:creationId xmlns:a16="http://schemas.microsoft.com/office/drawing/2014/main" id="{71114076-1724-4F71-6540-F82FF4DFD241}"/>
+              </a:ext>
+            </a:extLst>
+          </p:cNvPr>
+          <p:cNvSpPr/>
+          <p:nvPr/>
+        </p:nvSpPr>
+        <p:spPr>
+          <a:xfrm>
+            <a:off x="4172180" y="2907503"/>
+            <a:ext cx="1710100" cy="1162573"/>
+          </a:xfrm>
+          <a:prstGeom prst="roundRect">
+            <a:avLst/>
+          </a:prstGeom>
+          <a:solidFill>
+            <a:srgbClr val="FFFFFF"/>
+          </a:solidFill>
+          <a:ln>
+            <a:noFill/>
+          </a:ln>
+          <a:effectLst>
+            <a:glow rad="63500">
+              <a:schemeClr val="bg1">
+                <a:lumMod val="85000"/>
+              </a:schemeClr>
+            </a:glow>
+            <a:outerShdw blurRad="50800" dist="50800" dir="3480000" algn="ctr" rotWithShape="0">
+              <a:srgbClr val="000000">
+                <a:alpha val="66458"/>
+              </a:srgbClr>
+            </a:outerShdw>
+          </a:effectLst>
+        </p:spPr>
+        <p:style>
+          <a:lnRef idx="2">
+            <a:schemeClr val="accent1">
+              <a:shade val="50000"/>
+            </a:schemeClr>
+          </a:lnRef>
+          <a:fillRef idx="1">
+            <a:schemeClr val="accent1"/>
+          </a:fillRef>
+          <a:effectRef idx="0">
+            <a:schemeClr val="accent1"/>
+          </a:effectRef>
+          <a:fontRef idx="minor">
+            <a:schemeClr val="lt1"/>
+          </a:fontRef>
+        </p:style>
+        <p:txBody>
+          <a:bodyPr rot="0" spcFirstLastPara="0" vertOverflow="overflow" horzOverflow="overflow" vert="horz" wrap="square" lIns="42863" tIns="21431" rIns="42863" bIns="21431" numCol="1" spcCol="0" rtlCol="0" fromWordArt="0" anchor="ctr" anchorCtr="0" forceAA="0" compatLnSpc="1">
+            <a:prstTxWarp prst="textNoShape">
+              <a:avLst/>
+            </a:prstTxWarp>
+            <a:noAutofit/>
+          </a:bodyPr>
+          <a:lstStyle/>
+          <a:p>
+            <a:pPr algn="ctr"/>
+            <a:endParaRPr lang="en-US" sz="406" dirty="0"/>
+          </a:p>
+        </p:txBody>
+      </p:sp>
+      <p:sp>
+        <p:nvSpPr>
+          <p:cNvPr id="86" name="Rounded Rectangle 85">
+            <a:extLst>
+              <a:ext uri="{FF2B5EF4-FFF2-40B4-BE49-F238E27FC236}">
+                <a16:creationId xmlns:a16="http://schemas.microsoft.com/office/drawing/2014/main" id="{4DE9DCC5-B012-AA02-DCB2-438EF505EA39}"/>
+              </a:ext>
+            </a:extLst>
+          </p:cNvPr>
+          <p:cNvSpPr/>
+          <p:nvPr/>
+        </p:nvSpPr>
+        <p:spPr>
+          <a:xfrm>
+            <a:off x="214059" y="5614264"/>
+            <a:ext cx="4932372" cy="2090258"/>
+          </a:xfrm>
+          <a:prstGeom prst="roundRect">
             <a:avLst/>
           </a:prstGeom>
           <a:noFill/>
+          <a:ln w="19050">
+            <a:solidFill>
+              <a:schemeClr val="tx1"/>
+            </a:solidFill>
+          </a:ln>
         </p:spPr>
-        <p:txBody>
-          <a:bodyPr wrap="square" rtlCol="0">
-            <a:spAutoFit/>
-          </a:bodyPr>
+        <p:style>
+          <a:lnRef idx="2">
+            <a:schemeClr val="accent1">
+              <a:shade val="15000"/>
+            </a:schemeClr>
+          </a:lnRef>
+          <a:fillRef idx="1">
+            <a:schemeClr val="accent1"/>
+          </a:fillRef>
+          <a:effectRef idx="0">
+            <a:schemeClr val="accent1"/>
+          </a:effectRef>
+          <a:fontRef idx="minor">
+            <a:schemeClr val="lt1"/>
+          </a:fontRef>
+        </p:style>
+        <p:txBody>
+          <a:bodyPr rtlCol="0" anchor="ctr"/>
           <a:lstStyle/>
           <a:p>
             <a:pPr algn="ctr"/>
-            <a:r>
-              <a:rPr lang="en-US" sz="1000" dirty="0"/>
-              <a:t>Hooper </a:t>
-            </a:r>
-            <a:r>
-              <a:rPr lang="en-US" sz="1000" i="1" dirty="0"/>
-              <a:t>et al</a:t>
-            </a:r>
-            <a:r>
-              <a:rPr lang="en-US" sz="1000" dirty="0"/>
-              <a:t>. 2017</a:t>
-            </a:r>
-          </a:p>
-        </p:txBody>
-      </p:sp>
+            <a:endParaRPr lang="en-US"/>
+          </a:p>
+        </p:txBody>
+      </p:sp>
+      <p:cxnSp>
+        <p:nvCxnSpPr>
+          <p:cNvPr id="233" name="Straight Arrow Connector 232">
+            <a:extLst>
+              <a:ext uri="{FF2B5EF4-FFF2-40B4-BE49-F238E27FC236}">
+                <a16:creationId xmlns:a16="http://schemas.microsoft.com/office/drawing/2014/main" id="{9CD0644A-A289-D356-AF63-26E6F2AA8640}"/>
+              </a:ext>
+            </a:extLst>
+          </p:cNvPr>
+          <p:cNvCxnSpPr>
+            <a:cxnSpLocks/>
+            <a:stCxn id="162" idx="1"/>
+            <a:endCxn id="86" idx="3"/>
+          </p:cNvCxnSpPr>
+          <p:nvPr/>
+        </p:nvCxnSpPr>
+        <p:spPr>
+          <a:xfrm flipH="1">
+            <a:off x="5146431" y="6652022"/>
+            <a:ext cx="861803" cy="7371"/>
+          </a:xfrm>
+          <a:prstGeom prst="straightConnector1">
+            <a:avLst/>
+          </a:prstGeom>
+          <a:ln w="19050">
+            <a:solidFill>
+              <a:schemeClr val="tx1"/>
+            </a:solidFill>
+            <a:headEnd type="oval"/>
+            <a:tailEnd type="arrow"/>
+          </a:ln>
+        </p:spPr>
+        <p:style>
+          <a:lnRef idx="1">
+            <a:schemeClr val="accent1"/>
+          </a:lnRef>
+          <a:fillRef idx="0">
+            <a:schemeClr val="accent1"/>
+          </a:fillRef>
+          <a:effectRef idx="0">
+            <a:schemeClr val="accent1"/>
+          </a:effectRef>
+          <a:fontRef idx="minor">
+            <a:schemeClr val="tx1"/>
+          </a:fontRef>
+        </p:style>
+      </p:cxnSp>
       <p:sp>
         <p:nvSpPr>
           <p:cNvPr id="291" name="TextBox 290">
@@ -6923,7 +6590,7 @@
         </p:nvSpPr>
         <p:spPr>
           <a:xfrm>
-            <a:off x="4147323" y="1469290"/>
+            <a:off x="4147323" y="1427957"/>
             <a:ext cx="1698153" cy="246221"/>
           </a:xfrm>
           <a:prstGeom prst="rect">
@@ -6967,7 +6634,7 @@
         </p:nvSpPr>
         <p:spPr>
           <a:xfrm>
-            <a:off x="480676" y="2844160"/>
+            <a:off x="480676" y="2825151"/>
             <a:ext cx="1107996" cy="246221"/>
           </a:xfrm>
           <a:prstGeom prst="rect">
@@ -7010,7 +6677,7 @@
         </p:nvSpPr>
         <p:spPr>
           <a:xfrm>
-            <a:off x="2179998" y="2867332"/>
+            <a:off x="2179998" y="2831501"/>
             <a:ext cx="1710100" cy="246221"/>
           </a:xfrm>
           <a:prstGeom prst="rect">
@@ -7054,7 +6721,7 @@
         </p:nvSpPr>
         <p:spPr>
           <a:xfrm>
-            <a:off x="4172021" y="2876479"/>
+            <a:off x="4172021" y="2836874"/>
             <a:ext cx="1712391" cy="246221"/>
           </a:xfrm>
           <a:prstGeom prst="rect">
@@ -7088,35 +6755,6 @@
           </a:p>
         </p:txBody>
       </p:sp>
-      <p:pic>
-        <p:nvPicPr>
-          <p:cNvPr id="304" name="Picture 303">
-            <a:extLst>
-              <a:ext uri="{FF2B5EF4-FFF2-40B4-BE49-F238E27FC236}">
-                <a16:creationId xmlns:a16="http://schemas.microsoft.com/office/drawing/2014/main" id="{0DF41AD3-017A-9DE5-90AE-511F22682109}"/>
-              </a:ext>
-            </a:extLst>
-          </p:cNvPr>
-          <p:cNvPicPr>
-            <a:picLocks noChangeAspect="1"/>
-          </p:cNvPicPr>
-          <p:nvPr/>
-        </p:nvPicPr>
-        <p:blipFill rotWithShape="1">
-          <a:blip r:embed="rId12"/>
-          <a:srcRect b="30081"/>
-          <a:stretch/>
-        </p:blipFill>
-        <p:spPr>
-          <a:xfrm>
-            <a:off x="299093" y="1514698"/>
-            <a:ext cx="1801455" cy="923675"/>
-          </a:xfrm>
-          <a:prstGeom prst="rect">
-            <a:avLst/>
-          </a:prstGeom>
-        </p:spPr>
-      </p:pic>
       <p:sp>
         <p:nvSpPr>
           <p:cNvPr id="288" name="TextBox 287">
@@ -7131,7 +6769,7 @@
         </p:nvSpPr>
         <p:spPr>
           <a:xfrm>
-            <a:off x="214058" y="1456004"/>
+            <a:off x="214058" y="1427957"/>
             <a:ext cx="1710099" cy="246221"/>
           </a:xfrm>
           <a:prstGeom prst="rect">
@@ -7204,12 +6842,1508 @@
           </a:fontRef>
         </p:style>
       </p:cxnSp>
+      <p:grpSp>
+        <p:nvGrpSpPr>
+          <p:cNvPr id="469" name="Group 468">
+            <a:extLst>
+              <a:ext uri="{FF2B5EF4-FFF2-40B4-BE49-F238E27FC236}">
+                <a16:creationId xmlns:a16="http://schemas.microsoft.com/office/drawing/2014/main" id="{6FCC725E-C3EA-2444-D408-A27E2EBABD18}"/>
+              </a:ext>
+            </a:extLst>
+          </p:cNvPr>
+          <p:cNvGrpSpPr/>
+          <p:nvPr/>
+        </p:nvGrpSpPr>
+        <p:grpSpPr>
+          <a:xfrm>
+            <a:off x="2177264" y="1427957"/>
+            <a:ext cx="1701894" cy="1251245"/>
+            <a:chOff x="2164564" y="1427957"/>
+            <a:chExt cx="1701894" cy="1251245"/>
+          </a:xfrm>
+        </p:grpSpPr>
+        <p:sp>
+          <p:nvSpPr>
+            <p:cNvPr id="289" name="TextBox 288">
+              <a:extLst>
+                <a:ext uri="{FF2B5EF4-FFF2-40B4-BE49-F238E27FC236}">
+                  <a16:creationId xmlns:a16="http://schemas.microsoft.com/office/drawing/2014/main" id="{237B27F2-C016-2137-A25A-961DCC654C95}"/>
+                </a:ext>
+              </a:extLst>
+            </p:cNvPr>
+            <p:cNvSpPr txBox="1"/>
+            <p:nvPr/>
+          </p:nvSpPr>
+          <p:spPr>
+            <a:xfrm>
+              <a:off x="2166563" y="1427957"/>
+              <a:ext cx="1699895" cy="246221"/>
+            </a:xfrm>
+            <a:prstGeom prst="rect">
+              <a:avLst/>
+            </a:prstGeom>
+            <a:noFill/>
+          </p:spPr>
+          <p:txBody>
+            <a:bodyPr wrap="square" rtlCol="0">
+              <a:spAutoFit/>
+            </a:bodyPr>
+            <a:lstStyle/>
+            <a:p>
+              <a:pPr algn="ctr"/>
+              <a:r>
+                <a:rPr lang="en-US" sz="1000" dirty="0"/>
+                <a:t>Hooper </a:t>
+              </a:r>
+              <a:r>
+                <a:rPr lang="en-US" sz="1000" i="1" dirty="0"/>
+                <a:t>et al</a:t>
+              </a:r>
+              <a:r>
+                <a:rPr lang="en-US" sz="1000" dirty="0"/>
+                <a:t>. 2017</a:t>
+              </a:r>
+            </a:p>
+          </p:txBody>
+        </p:sp>
+        <p:pic>
+          <p:nvPicPr>
+            <p:cNvPr id="335" name="Picture 334">
+              <a:extLst>
+                <a:ext uri="{FF2B5EF4-FFF2-40B4-BE49-F238E27FC236}">
+                  <a16:creationId xmlns:a16="http://schemas.microsoft.com/office/drawing/2014/main" id="{A0D63741-9C39-5A2C-AFC8-DF7DC1AFCB1B}"/>
+                </a:ext>
+              </a:extLst>
+            </p:cNvPr>
+            <p:cNvPicPr>
+              <a:picLocks noChangeAspect="1"/>
+            </p:cNvPicPr>
+            <p:nvPr/>
+          </p:nvPicPr>
+          <p:blipFill rotWithShape="1">
+            <a:blip r:embed="rId11"/>
+            <a:srcRect b="20449"/>
+            <a:stretch/>
+          </p:blipFill>
+          <p:spPr>
+            <a:xfrm>
+              <a:off x="2167739" y="1535868"/>
+              <a:ext cx="1691640" cy="986858"/>
+            </a:xfrm>
+            <a:prstGeom prst="rect">
+              <a:avLst/>
+            </a:prstGeom>
+          </p:spPr>
+        </p:pic>
+        <p:pic>
+          <p:nvPicPr>
+            <p:cNvPr id="336" name="Picture 335">
+              <a:extLst>
+                <a:ext uri="{FF2B5EF4-FFF2-40B4-BE49-F238E27FC236}">
+                  <a16:creationId xmlns:a16="http://schemas.microsoft.com/office/drawing/2014/main" id="{02728E80-D97E-F702-E73F-3673C2AF66DC}"/>
+                </a:ext>
+              </a:extLst>
+            </p:cNvPr>
+            <p:cNvPicPr>
+              <a:picLocks noChangeAspect="1"/>
+            </p:cNvPicPr>
+            <p:nvPr/>
+          </p:nvPicPr>
+          <p:blipFill rotWithShape="1">
+            <a:blip r:embed="rId12"/>
+            <a:srcRect t="69313"/>
+            <a:stretch/>
+          </p:blipFill>
+          <p:spPr>
+            <a:xfrm>
+              <a:off x="2167740" y="2298512"/>
+              <a:ext cx="1691640" cy="380690"/>
+            </a:xfrm>
+            <a:prstGeom prst="rect">
+              <a:avLst/>
+            </a:prstGeom>
+          </p:spPr>
+        </p:pic>
+        <p:cxnSp>
+          <p:nvCxnSpPr>
+            <p:cNvPr id="376" name="Straight Connector 375">
+              <a:extLst>
+                <a:ext uri="{FF2B5EF4-FFF2-40B4-BE49-F238E27FC236}">
+                  <a16:creationId xmlns:a16="http://schemas.microsoft.com/office/drawing/2014/main" id="{011C3562-0C70-291C-62EE-A320155BB6B3}"/>
+                </a:ext>
+              </a:extLst>
+            </p:cNvPr>
+            <p:cNvCxnSpPr>
+              <a:cxnSpLocks/>
+            </p:cNvCxnSpPr>
+            <p:nvPr/>
+          </p:nvCxnSpPr>
+          <p:spPr>
+            <a:xfrm flipH="1">
+              <a:off x="2164564" y="1931686"/>
+              <a:ext cx="573117" cy="0"/>
+            </a:xfrm>
+            <a:prstGeom prst="line">
+              <a:avLst/>
+            </a:prstGeom>
+            <a:ln w="12700">
+              <a:solidFill>
+                <a:srgbClr val="FFFFFF"/>
+              </a:solidFill>
+            </a:ln>
+          </p:spPr>
+          <p:style>
+            <a:lnRef idx="1">
+              <a:schemeClr val="accent1"/>
+            </a:lnRef>
+            <a:fillRef idx="0">
+              <a:schemeClr val="accent1"/>
+            </a:fillRef>
+            <a:effectRef idx="0">
+              <a:schemeClr val="accent1"/>
+            </a:effectRef>
+            <a:fontRef idx="minor">
+              <a:schemeClr val="tx1"/>
+            </a:fontRef>
+          </p:style>
+        </p:cxnSp>
+        <p:sp>
+          <p:nvSpPr>
+            <p:cNvPr id="416" name="TextBox 415">
+              <a:extLst>
+                <a:ext uri="{FF2B5EF4-FFF2-40B4-BE49-F238E27FC236}">
+                  <a16:creationId xmlns:a16="http://schemas.microsoft.com/office/drawing/2014/main" id="{9F856B83-D5AE-513D-861B-F4CB3D509120}"/>
+                </a:ext>
+              </a:extLst>
+            </p:cNvPr>
+            <p:cNvSpPr txBox="1"/>
+            <p:nvPr/>
+          </p:nvSpPr>
+          <p:spPr>
+            <a:xfrm>
+              <a:off x="3013518" y="2388309"/>
+              <a:ext cx="287258" cy="184666"/>
+            </a:xfrm>
+            <a:prstGeom prst="rect">
+              <a:avLst/>
+            </a:prstGeom>
+            <a:noFill/>
+          </p:spPr>
+          <p:txBody>
+            <a:bodyPr wrap="none" rtlCol="0">
+              <a:spAutoFit/>
+            </a:bodyPr>
+            <a:lstStyle/>
+            <a:p>
+              <a:r>
+                <a:rPr lang="en-US" sz="600" dirty="0"/>
+                <a:t>Ma</a:t>
+              </a:r>
+            </a:p>
+          </p:txBody>
+        </p:sp>
+      </p:grpSp>
+      <p:grpSp>
+        <p:nvGrpSpPr>
+          <p:cNvPr id="453" name="Group 452">
+            <a:extLst>
+              <a:ext uri="{FF2B5EF4-FFF2-40B4-BE49-F238E27FC236}">
+                <a16:creationId xmlns:a16="http://schemas.microsoft.com/office/drawing/2014/main" id="{A207E0C4-38FA-9A4A-CEA0-6624881CE9E2}"/>
+              </a:ext>
+            </a:extLst>
+          </p:cNvPr>
+          <p:cNvGrpSpPr/>
+          <p:nvPr/>
+        </p:nvGrpSpPr>
+        <p:grpSpPr>
+          <a:xfrm>
+            <a:off x="-91830" y="1596201"/>
+            <a:ext cx="2190109" cy="1113341"/>
+            <a:chOff x="-89292" y="1603599"/>
+            <a:chExt cx="2190109" cy="1113341"/>
+          </a:xfrm>
+        </p:grpSpPr>
+        <p:pic>
+          <p:nvPicPr>
+            <p:cNvPr id="210" name="Picture 209">
+              <a:extLst>
+                <a:ext uri="{FF2B5EF4-FFF2-40B4-BE49-F238E27FC236}">
+                  <a16:creationId xmlns:a16="http://schemas.microsoft.com/office/drawing/2014/main" id="{9060DE45-33FD-D70A-E12E-F1E1B2FB77E2}"/>
+                </a:ext>
+              </a:extLst>
+            </p:cNvPr>
+            <p:cNvPicPr>
+              <a:picLocks/>
+            </p:cNvPicPr>
+            <p:nvPr/>
+          </p:nvPicPr>
+          <p:blipFill rotWithShape="1">
+            <a:blip r:embed="rId13"/>
+            <a:srcRect l="-21342" t="74454" r="21342" b="-3777"/>
+            <a:stretch/>
+          </p:blipFill>
+          <p:spPr>
+            <a:xfrm>
+              <a:off x="-89292" y="2342667"/>
+              <a:ext cx="1805921" cy="374273"/>
+            </a:xfrm>
+            <a:prstGeom prst="rect">
+              <a:avLst/>
+            </a:prstGeom>
+          </p:spPr>
+        </p:pic>
+        <p:pic>
+          <p:nvPicPr>
+            <p:cNvPr id="304" name="Picture 303">
+              <a:extLst>
+                <a:ext uri="{FF2B5EF4-FFF2-40B4-BE49-F238E27FC236}">
+                  <a16:creationId xmlns:a16="http://schemas.microsoft.com/office/drawing/2014/main" id="{0DF41AD3-017A-9DE5-90AE-511F22682109}"/>
+                </a:ext>
+              </a:extLst>
+            </p:cNvPr>
+            <p:cNvPicPr>
+              <a:picLocks noChangeAspect="1"/>
+            </p:cNvPicPr>
+            <p:nvPr/>
+          </p:nvPicPr>
+          <p:blipFill rotWithShape="1">
+            <a:blip r:embed="rId14"/>
+            <a:srcRect b="59683"/>
+            <a:stretch/>
+          </p:blipFill>
+          <p:spPr>
+            <a:xfrm>
+              <a:off x="299093" y="1603599"/>
+              <a:ext cx="1801455" cy="532610"/>
+            </a:xfrm>
+            <a:prstGeom prst="rect">
+              <a:avLst/>
+            </a:prstGeom>
+          </p:spPr>
+        </p:pic>
+        <p:sp>
+          <p:nvSpPr>
+            <p:cNvPr id="414" name="TextBox 413">
+              <a:extLst>
+                <a:ext uri="{FF2B5EF4-FFF2-40B4-BE49-F238E27FC236}">
+                  <a16:creationId xmlns:a16="http://schemas.microsoft.com/office/drawing/2014/main" id="{C00F0A9F-D23A-7704-C9A3-FFF69871048A}"/>
+                </a:ext>
+              </a:extLst>
+            </p:cNvPr>
+            <p:cNvSpPr txBox="1"/>
+            <p:nvPr/>
+          </p:nvSpPr>
+          <p:spPr>
+            <a:xfrm>
+              <a:off x="1203241" y="2373974"/>
+              <a:ext cx="287258" cy="184666"/>
+            </a:xfrm>
+            <a:prstGeom prst="rect">
+              <a:avLst/>
+            </a:prstGeom>
+            <a:noFill/>
+          </p:spPr>
+          <p:txBody>
+            <a:bodyPr wrap="none" rtlCol="0">
+              <a:spAutoFit/>
+            </a:bodyPr>
+            <a:lstStyle/>
+            <a:p>
+              <a:r>
+                <a:rPr lang="en-US" sz="600" dirty="0"/>
+                <a:t>Ma</a:t>
+              </a:r>
+            </a:p>
+          </p:txBody>
+        </p:sp>
+        <p:pic>
+          <p:nvPicPr>
+            <p:cNvPr id="417" name="Picture 416">
+              <a:extLst>
+                <a:ext uri="{FF2B5EF4-FFF2-40B4-BE49-F238E27FC236}">
+                  <a16:creationId xmlns:a16="http://schemas.microsoft.com/office/drawing/2014/main" id="{4FAB2029-710F-A73B-4165-65653F19CBFA}"/>
+                </a:ext>
+              </a:extLst>
+            </p:cNvPr>
+            <p:cNvPicPr>
+              <a:picLocks noChangeAspect="1"/>
+            </p:cNvPicPr>
+            <p:nvPr/>
+          </p:nvPicPr>
+          <p:blipFill rotWithShape="1">
+            <a:blip r:embed="rId15"/>
+            <a:srcRect t="53372" b="30081"/>
+            <a:stretch/>
+          </p:blipFill>
+          <p:spPr>
+            <a:xfrm>
+              <a:off x="299362" y="2118773"/>
+              <a:ext cx="1801455" cy="218604"/>
+            </a:xfrm>
+            <a:prstGeom prst="rect">
+              <a:avLst/>
+            </a:prstGeom>
+          </p:spPr>
+        </p:pic>
+      </p:grpSp>
+      <p:grpSp>
+        <p:nvGrpSpPr>
+          <p:cNvPr id="430" name="Group 429">
+            <a:extLst>
+              <a:ext uri="{FF2B5EF4-FFF2-40B4-BE49-F238E27FC236}">
+                <a16:creationId xmlns:a16="http://schemas.microsoft.com/office/drawing/2014/main" id="{FD9896D2-329B-55D0-191F-B4E45040734C}"/>
+              </a:ext>
+            </a:extLst>
+          </p:cNvPr>
+          <p:cNvGrpSpPr/>
+          <p:nvPr/>
+        </p:nvGrpSpPr>
+        <p:grpSpPr>
+          <a:xfrm>
+            <a:off x="158046" y="2938277"/>
+            <a:ext cx="1761872" cy="1113239"/>
+            <a:chOff x="173921" y="2938277"/>
+            <a:chExt cx="1761872" cy="1113239"/>
+          </a:xfrm>
+        </p:grpSpPr>
+        <p:pic>
+          <p:nvPicPr>
+            <p:cNvPr id="327" name="Picture 326">
+              <a:extLst>
+                <a:ext uri="{FF2B5EF4-FFF2-40B4-BE49-F238E27FC236}">
+                  <a16:creationId xmlns:a16="http://schemas.microsoft.com/office/drawing/2014/main" id="{657BBF80-9F86-ACDE-00D2-545E83751B45}"/>
+                </a:ext>
+              </a:extLst>
+            </p:cNvPr>
+            <p:cNvPicPr>
+              <a:picLocks noChangeAspect="1"/>
+            </p:cNvPicPr>
+            <p:nvPr/>
+          </p:nvPicPr>
+          <p:blipFill rotWithShape="1">
+            <a:blip r:embed="rId16"/>
+            <a:srcRect b="29938"/>
+            <a:stretch/>
+          </p:blipFill>
+          <p:spPr>
+            <a:xfrm>
+              <a:off x="225865" y="2938277"/>
+              <a:ext cx="1709928" cy="878536"/>
+            </a:xfrm>
+            <a:prstGeom prst="rect">
+              <a:avLst/>
+            </a:prstGeom>
+          </p:spPr>
+        </p:pic>
+        <p:pic>
+          <p:nvPicPr>
+            <p:cNvPr id="328" name="Picture 327">
+              <a:extLst>
+                <a:ext uri="{FF2B5EF4-FFF2-40B4-BE49-F238E27FC236}">
+                  <a16:creationId xmlns:a16="http://schemas.microsoft.com/office/drawing/2014/main" id="{96F9ADBF-EAA9-D6F3-F14B-66290CA20D82}"/>
+                </a:ext>
+              </a:extLst>
+            </p:cNvPr>
+            <p:cNvPicPr>
+              <a:picLocks noChangeAspect="1"/>
+            </p:cNvPicPr>
+            <p:nvPr/>
+          </p:nvPicPr>
+          <p:blipFill rotWithShape="1">
+            <a:blip r:embed="rId17"/>
+            <a:srcRect t="72162" b="7286"/>
+            <a:stretch/>
+          </p:blipFill>
+          <p:spPr>
+            <a:xfrm>
+              <a:off x="224889" y="3793792"/>
+              <a:ext cx="1709928" cy="257724"/>
+            </a:xfrm>
+            <a:prstGeom prst="rect">
+              <a:avLst/>
+            </a:prstGeom>
+          </p:spPr>
+        </p:pic>
+        <p:cxnSp>
+          <p:nvCxnSpPr>
+            <p:cNvPr id="364" name="Straight Connector 363">
+              <a:extLst>
+                <a:ext uri="{FF2B5EF4-FFF2-40B4-BE49-F238E27FC236}">
+                  <a16:creationId xmlns:a16="http://schemas.microsoft.com/office/drawing/2014/main" id="{B80AB933-5378-EEBD-9FB9-F14949561744}"/>
+                </a:ext>
+              </a:extLst>
+            </p:cNvPr>
+            <p:cNvCxnSpPr>
+              <a:cxnSpLocks/>
+            </p:cNvCxnSpPr>
+            <p:nvPr/>
+          </p:nvCxnSpPr>
+          <p:spPr>
+            <a:xfrm flipH="1">
+              <a:off x="245375" y="3516086"/>
+              <a:ext cx="607433" cy="0"/>
+            </a:xfrm>
+            <a:prstGeom prst="line">
+              <a:avLst/>
+            </a:prstGeom>
+            <a:ln w="12700">
+              <a:solidFill>
+                <a:srgbClr val="FFFFFF"/>
+              </a:solidFill>
+            </a:ln>
+          </p:spPr>
+          <p:style>
+            <a:lnRef idx="1">
+              <a:schemeClr val="accent1"/>
+            </a:lnRef>
+            <a:fillRef idx="0">
+              <a:schemeClr val="accent1"/>
+            </a:fillRef>
+            <a:effectRef idx="0">
+              <a:schemeClr val="accent1"/>
+            </a:effectRef>
+            <a:fontRef idx="minor">
+              <a:schemeClr val="tx1"/>
+            </a:fontRef>
+          </p:style>
+        </p:cxnSp>
+        <p:sp>
+          <p:nvSpPr>
+            <p:cNvPr id="411" name="TextBox 410">
+              <a:extLst>
+                <a:ext uri="{FF2B5EF4-FFF2-40B4-BE49-F238E27FC236}">
+                  <a16:creationId xmlns:a16="http://schemas.microsoft.com/office/drawing/2014/main" id="{29AF859D-974A-489B-EAC7-B01C66153D31}"/>
+                </a:ext>
+              </a:extLst>
+            </p:cNvPr>
+            <p:cNvSpPr txBox="1"/>
+            <p:nvPr/>
+          </p:nvSpPr>
+          <p:spPr>
+            <a:xfrm>
+              <a:off x="1081971" y="3797152"/>
+              <a:ext cx="287258" cy="184666"/>
+            </a:xfrm>
+            <a:prstGeom prst="rect">
+              <a:avLst/>
+            </a:prstGeom>
+            <a:noFill/>
+          </p:spPr>
+          <p:txBody>
+            <a:bodyPr wrap="none" rtlCol="0">
+              <a:spAutoFit/>
+            </a:bodyPr>
+            <a:lstStyle/>
+            <a:p>
+              <a:r>
+                <a:rPr lang="en-US" sz="600" dirty="0"/>
+                <a:t>Ma</a:t>
+              </a:r>
+            </a:p>
+          </p:txBody>
+        </p:sp>
+        <p:sp>
+          <p:nvSpPr>
+            <p:cNvPr id="228" name="TextBox 227">
+              <a:extLst>
+                <a:ext uri="{FF2B5EF4-FFF2-40B4-BE49-F238E27FC236}">
+                  <a16:creationId xmlns:a16="http://schemas.microsoft.com/office/drawing/2014/main" id="{1B9A69D6-799C-FB1A-D0BA-029E81151F8D}"/>
+                </a:ext>
+              </a:extLst>
+            </p:cNvPr>
+            <p:cNvSpPr txBox="1"/>
+            <p:nvPr/>
+          </p:nvSpPr>
+          <p:spPr>
+            <a:xfrm>
+              <a:off x="173921" y="3000024"/>
+              <a:ext cx="705642" cy="200055"/>
+            </a:xfrm>
+            <a:prstGeom prst="rect">
+              <a:avLst/>
+            </a:prstGeom>
+            <a:noFill/>
+          </p:spPr>
+          <p:txBody>
+            <a:bodyPr wrap="none" rtlCol="0">
+              <a:spAutoFit/>
+            </a:bodyPr>
+            <a:lstStyle/>
+            <a:p>
+              <a:r>
+                <a:rPr lang="en-US" sz="700" dirty="0"/>
+                <a:t>chronogram 1</a:t>
+              </a:r>
+            </a:p>
+          </p:txBody>
+        </p:sp>
+      </p:grpSp>
+      <p:grpSp>
+        <p:nvGrpSpPr>
+          <p:cNvPr id="468" name="Group 467">
+            <a:extLst>
+              <a:ext uri="{FF2B5EF4-FFF2-40B4-BE49-F238E27FC236}">
+                <a16:creationId xmlns:a16="http://schemas.microsoft.com/office/drawing/2014/main" id="{0D491197-ABA6-A07F-9EDE-1F07F407BF8D}"/>
+              </a:ext>
+            </a:extLst>
+          </p:cNvPr>
+          <p:cNvGrpSpPr/>
+          <p:nvPr/>
+        </p:nvGrpSpPr>
+        <p:grpSpPr>
+          <a:xfrm>
+            <a:off x="4105837" y="4019016"/>
+            <a:ext cx="1783425" cy="1103681"/>
+            <a:chOff x="4099487" y="4019016"/>
+            <a:chExt cx="1783425" cy="1103681"/>
+          </a:xfrm>
+        </p:grpSpPr>
+        <p:pic>
+          <p:nvPicPr>
+            <p:cNvPr id="355" name="Picture 354">
+              <a:extLst>
+                <a:ext uri="{FF2B5EF4-FFF2-40B4-BE49-F238E27FC236}">
+                  <a16:creationId xmlns:a16="http://schemas.microsoft.com/office/drawing/2014/main" id="{891CEC6F-C89F-C9DF-C776-3AC9C3C303BA}"/>
+                </a:ext>
+              </a:extLst>
+            </p:cNvPr>
+            <p:cNvPicPr>
+              <a:picLocks noChangeAspect="1"/>
+            </p:cNvPicPr>
+            <p:nvPr/>
+          </p:nvPicPr>
+          <p:blipFill rotWithShape="1">
+            <a:blip r:embed="rId18"/>
+            <a:srcRect b="28891"/>
+            <a:stretch/>
+          </p:blipFill>
+          <p:spPr>
+            <a:xfrm>
+              <a:off x="4163567" y="4019016"/>
+              <a:ext cx="1719072" cy="896431"/>
+            </a:xfrm>
+            <a:prstGeom prst="rect">
+              <a:avLst/>
+            </a:prstGeom>
+          </p:spPr>
+        </p:pic>
+        <p:pic>
+          <p:nvPicPr>
+            <p:cNvPr id="357" name="Picture 356">
+              <a:extLst>
+                <a:ext uri="{FF2B5EF4-FFF2-40B4-BE49-F238E27FC236}">
+                  <a16:creationId xmlns:a16="http://schemas.microsoft.com/office/drawing/2014/main" id="{06CCD8ED-AC29-09BB-8D70-0A7B214D67C8}"/>
+                </a:ext>
+              </a:extLst>
+            </p:cNvPr>
+            <p:cNvPicPr>
+              <a:picLocks noChangeAspect="1"/>
+            </p:cNvPicPr>
+            <p:nvPr/>
+          </p:nvPicPr>
+          <p:blipFill rotWithShape="1">
+            <a:blip r:embed="rId19"/>
+            <a:srcRect t="73753" b="8457"/>
+            <a:stretch/>
+          </p:blipFill>
+          <p:spPr>
+            <a:xfrm>
+              <a:off x="4163840" y="4898435"/>
+              <a:ext cx="1719072" cy="224262"/>
+            </a:xfrm>
+            <a:prstGeom prst="rect">
+              <a:avLst/>
+            </a:prstGeom>
+          </p:spPr>
+        </p:pic>
+        <p:cxnSp>
+          <p:nvCxnSpPr>
+            <p:cNvPr id="371" name="Straight Connector 370">
+              <a:extLst>
+                <a:ext uri="{FF2B5EF4-FFF2-40B4-BE49-F238E27FC236}">
+                  <a16:creationId xmlns:a16="http://schemas.microsoft.com/office/drawing/2014/main" id="{2D80C718-288D-C0E2-2A82-AE538DB72BCD}"/>
+                </a:ext>
+              </a:extLst>
+            </p:cNvPr>
+            <p:cNvCxnSpPr>
+              <a:cxnSpLocks/>
+            </p:cNvCxnSpPr>
+            <p:nvPr/>
+          </p:nvCxnSpPr>
+          <p:spPr>
+            <a:xfrm flipH="1">
+              <a:off x="4192314" y="4565503"/>
+              <a:ext cx="694551" cy="0"/>
+            </a:xfrm>
+            <a:prstGeom prst="line">
+              <a:avLst/>
+            </a:prstGeom>
+            <a:ln w="12700">
+              <a:solidFill>
+                <a:srgbClr val="FFFFFF"/>
+              </a:solidFill>
+            </a:ln>
+          </p:spPr>
+          <p:style>
+            <a:lnRef idx="1">
+              <a:schemeClr val="accent1"/>
+            </a:lnRef>
+            <a:fillRef idx="0">
+              <a:schemeClr val="accent1"/>
+            </a:fillRef>
+            <a:effectRef idx="0">
+              <a:schemeClr val="accent1"/>
+            </a:effectRef>
+            <a:fontRef idx="minor">
+              <a:schemeClr val="tx1"/>
+            </a:fontRef>
+          </p:style>
+        </p:cxnSp>
+        <p:sp>
+          <p:nvSpPr>
+            <p:cNvPr id="409" name="TextBox 408">
+              <a:extLst>
+                <a:ext uri="{FF2B5EF4-FFF2-40B4-BE49-F238E27FC236}">
+                  <a16:creationId xmlns:a16="http://schemas.microsoft.com/office/drawing/2014/main" id="{BC8B053C-0F26-79ED-A3AA-92787C71CC05}"/>
+                </a:ext>
+              </a:extLst>
+            </p:cNvPr>
+            <p:cNvSpPr txBox="1"/>
+            <p:nvPr/>
+          </p:nvSpPr>
+          <p:spPr>
+            <a:xfrm>
+              <a:off x="5036630" y="4877456"/>
+              <a:ext cx="287258" cy="184666"/>
+            </a:xfrm>
+            <a:prstGeom prst="rect">
+              <a:avLst/>
+            </a:prstGeom>
+            <a:noFill/>
+          </p:spPr>
+          <p:txBody>
+            <a:bodyPr wrap="none" rtlCol="0">
+              <a:spAutoFit/>
+            </a:bodyPr>
+            <a:lstStyle/>
+            <a:p>
+              <a:r>
+                <a:rPr lang="en-US" sz="600" dirty="0"/>
+                <a:t>Ma</a:t>
+              </a:r>
+            </a:p>
+          </p:txBody>
+        </p:sp>
+        <p:sp>
+          <p:nvSpPr>
+            <p:cNvPr id="227" name="TextBox 226">
+              <a:extLst>
+                <a:ext uri="{FF2B5EF4-FFF2-40B4-BE49-F238E27FC236}">
+                  <a16:creationId xmlns:a16="http://schemas.microsoft.com/office/drawing/2014/main" id="{F340506E-8F49-8B5B-09EA-A89ABBF2A2E1}"/>
+                </a:ext>
+              </a:extLst>
+            </p:cNvPr>
+            <p:cNvSpPr txBox="1"/>
+            <p:nvPr/>
+          </p:nvSpPr>
+          <p:spPr>
+            <a:xfrm>
+              <a:off x="4099487" y="4103901"/>
+              <a:ext cx="705642" cy="200055"/>
+            </a:xfrm>
+            <a:prstGeom prst="rect">
+              <a:avLst/>
+            </a:prstGeom>
+            <a:noFill/>
+          </p:spPr>
+          <p:txBody>
+            <a:bodyPr wrap="none" rtlCol="0">
+              <a:spAutoFit/>
+            </a:bodyPr>
+            <a:lstStyle/>
+            <a:p>
+              <a:r>
+                <a:rPr lang="en-US" sz="700" dirty="0"/>
+                <a:t>chronogram 2</a:t>
+              </a:r>
+            </a:p>
+          </p:txBody>
+        </p:sp>
+      </p:grpSp>
+      <p:grpSp>
+        <p:nvGrpSpPr>
+          <p:cNvPr id="429" name="Group 428">
+            <a:extLst>
+              <a:ext uri="{FF2B5EF4-FFF2-40B4-BE49-F238E27FC236}">
+                <a16:creationId xmlns:a16="http://schemas.microsoft.com/office/drawing/2014/main" id="{E01FEAC0-7CC7-40C8-F31D-5779587402F3}"/>
+              </a:ext>
+            </a:extLst>
+          </p:cNvPr>
+          <p:cNvGrpSpPr/>
+          <p:nvPr/>
+        </p:nvGrpSpPr>
+        <p:grpSpPr>
+          <a:xfrm>
+            <a:off x="2119361" y="4048746"/>
+            <a:ext cx="1778102" cy="1135161"/>
+            <a:chOff x="2154286" y="4032871"/>
+            <a:chExt cx="1778102" cy="1135161"/>
+          </a:xfrm>
+        </p:grpSpPr>
+        <p:pic>
+          <p:nvPicPr>
+            <p:cNvPr id="350" name="Picture 349">
+              <a:extLst>
+                <a:ext uri="{FF2B5EF4-FFF2-40B4-BE49-F238E27FC236}">
+                  <a16:creationId xmlns:a16="http://schemas.microsoft.com/office/drawing/2014/main" id="{98BE78FA-8C0B-AE9E-6E8A-0A970298C5E7}"/>
+                </a:ext>
+              </a:extLst>
+            </p:cNvPr>
+            <p:cNvPicPr>
+              <a:picLocks noChangeAspect="1"/>
+            </p:cNvPicPr>
+            <p:nvPr/>
+          </p:nvPicPr>
+          <p:blipFill rotWithShape="1">
+            <a:blip r:embed="rId20"/>
+            <a:srcRect b="28672"/>
+            <a:stretch/>
+          </p:blipFill>
+          <p:spPr>
+            <a:xfrm>
+              <a:off x="2213316" y="4032871"/>
+              <a:ext cx="1719072" cy="899197"/>
+            </a:xfrm>
+            <a:prstGeom prst="rect">
+              <a:avLst/>
+            </a:prstGeom>
+          </p:spPr>
+        </p:pic>
+        <p:pic>
+          <p:nvPicPr>
+            <p:cNvPr id="358" name="Picture 357">
+              <a:extLst>
+                <a:ext uri="{FF2B5EF4-FFF2-40B4-BE49-F238E27FC236}">
+                  <a16:creationId xmlns:a16="http://schemas.microsoft.com/office/drawing/2014/main" id="{50FF4DD6-75D5-8C75-8397-E3999BBD6EB2}"/>
+                </a:ext>
+              </a:extLst>
+            </p:cNvPr>
+            <p:cNvPicPr>
+              <a:picLocks noChangeAspect="1"/>
+            </p:cNvPicPr>
+            <p:nvPr/>
+          </p:nvPicPr>
+          <p:blipFill rotWithShape="1">
+            <a:blip r:embed="rId21"/>
+            <a:srcRect t="77111" r="36938"/>
+            <a:stretch/>
+          </p:blipFill>
+          <p:spPr>
+            <a:xfrm>
+              <a:off x="2211730" y="4879480"/>
+              <a:ext cx="1084088" cy="288552"/>
+            </a:xfrm>
+            <a:prstGeom prst="rect">
+              <a:avLst/>
+            </a:prstGeom>
+          </p:spPr>
+        </p:pic>
+        <p:cxnSp>
+          <p:nvCxnSpPr>
+            <p:cNvPr id="368" name="Straight Connector 367">
+              <a:extLst>
+                <a:ext uri="{FF2B5EF4-FFF2-40B4-BE49-F238E27FC236}">
+                  <a16:creationId xmlns:a16="http://schemas.microsoft.com/office/drawing/2014/main" id="{0AC1AC17-F557-3DE1-1C83-883EF993E0FD}"/>
+                </a:ext>
+              </a:extLst>
+            </p:cNvPr>
+            <p:cNvCxnSpPr>
+              <a:cxnSpLocks/>
+            </p:cNvCxnSpPr>
+            <p:nvPr/>
+          </p:nvCxnSpPr>
+          <p:spPr>
+            <a:xfrm flipH="1">
+              <a:off x="2228489" y="4561107"/>
+              <a:ext cx="467055" cy="0"/>
+            </a:xfrm>
+            <a:prstGeom prst="line">
+              <a:avLst/>
+            </a:prstGeom>
+            <a:ln w="19050">
+              <a:solidFill>
+                <a:srgbClr val="FFFFFF"/>
+              </a:solidFill>
+            </a:ln>
+          </p:spPr>
+          <p:style>
+            <a:lnRef idx="1">
+              <a:schemeClr val="accent1"/>
+            </a:lnRef>
+            <a:fillRef idx="0">
+              <a:schemeClr val="accent1"/>
+            </a:fillRef>
+            <a:effectRef idx="0">
+              <a:schemeClr val="accent1"/>
+            </a:effectRef>
+            <a:fontRef idx="minor">
+              <a:schemeClr val="tx1"/>
+            </a:fontRef>
+          </p:style>
+        </p:cxnSp>
+        <p:sp>
+          <p:nvSpPr>
+            <p:cNvPr id="408" name="TextBox 407">
+              <a:extLst>
+                <a:ext uri="{FF2B5EF4-FFF2-40B4-BE49-F238E27FC236}">
+                  <a16:creationId xmlns:a16="http://schemas.microsoft.com/office/drawing/2014/main" id="{A9478CD5-44FE-4B1B-24C6-E481A541AFB4}"/>
+                </a:ext>
+              </a:extLst>
+            </p:cNvPr>
+            <p:cNvSpPr txBox="1"/>
+            <p:nvPr/>
+          </p:nvSpPr>
+          <p:spPr>
+            <a:xfrm>
+              <a:off x="3075461" y="4866908"/>
+              <a:ext cx="287258" cy="184666"/>
+            </a:xfrm>
+            <a:prstGeom prst="rect">
+              <a:avLst/>
+            </a:prstGeom>
+            <a:noFill/>
+          </p:spPr>
+          <p:txBody>
+            <a:bodyPr wrap="none" rtlCol="0">
+              <a:spAutoFit/>
+            </a:bodyPr>
+            <a:lstStyle/>
+            <a:p>
+              <a:r>
+                <a:rPr lang="en-US" sz="600" dirty="0"/>
+                <a:t>Ma</a:t>
+              </a:r>
+            </a:p>
+          </p:txBody>
+        </p:sp>
+        <p:sp>
+          <p:nvSpPr>
+            <p:cNvPr id="225" name="TextBox 224">
+              <a:extLst>
+                <a:ext uri="{FF2B5EF4-FFF2-40B4-BE49-F238E27FC236}">
+                  <a16:creationId xmlns:a16="http://schemas.microsoft.com/office/drawing/2014/main" id="{0827614C-0F26-F277-F12E-A26D69F42679}"/>
+                </a:ext>
+              </a:extLst>
+            </p:cNvPr>
+            <p:cNvSpPr txBox="1"/>
+            <p:nvPr/>
+          </p:nvSpPr>
+          <p:spPr>
+            <a:xfrm>
+              <a:off x="2154286" y="4088026"/>
+              <a:ext cx="705642" cy="200055"/>
+            </a:xfrm>
+            <a:prstGeom prst="rect">
+              <a:avLst/>
+            </a:prstGeom>
+            <a:noFill/>
+          </p:spPr>
+          <p:txBody>
+            <a:bodyPr wrap="none" rtlCol="0">
+              <a:spAutoFit/>
+            </a:bodyPr>
+            <a:lstStyle/>
+            <a:p>
+              <a:r>
+                <a:rPr lang="en-US" sz="700" dirty="0"/>
+                <a:t>chronogram 2</a:t>
+              </a:r>
+            </a:p>
+          </p:txBody>
+        </p:sp>
+      </p:grpSp>
+      <p:grpSp>
+        <p:nvGrpSpPr>
+          <p:cNvPr id="428" name="Group 427">
+            <a:extLst>
+              <a:ext uri="{FF2B5EF4-FFF2-40B4-BE49-F238E27FC236}">
+                <a16:creationId xmlns:a16="http://schemas.microsoft.com/office/drawing/2014/main" id="{903A1728-E7D9-BEEC-4FF4-E616745FF3AA}"/>
+              </a:ext>
+            </a:extLst>
+          </p:cNvPr>
+          <p:cNvGrpSpPr/>
+          <p:nvPr/>
+        </p:nvGrpSpPr>
+        <p:grpSpPr>
+          <a:xfrm>
+            <a:off x="2106070" y="2948170"/>
+            <a:ext cx="1790052" cy="1215920"/>
+            <a:chOff x="2121945" y="2948170"/>
+            <a:chExt cx="1790052" cy="1215920"/>
+          </a:xfrm>
+        </p:grpSpPr>
+        <p:pic>
+          <p:nvPicPr>
+            <p:cNvPr id="349" name="Picture 348">
+              <a:extLst>
+                <a:ext uri="{FF2B5EF4-FFF2-40B4-BE49-F238E27FC236}">
+                  <a16:creationId xmlns:a16="http://schemas.microsoft.com/office/drawing/2014/main" id="{3D8DF49E-7E84-EFD3-D70E-D6F15534398B}"/>
+                </a:ext>
+              </a:extLst>
+            </p:cNvPr>
+            <p:cNvPicPr>
+              <a:picLocks noChangeAspect="1"/>
+            </p:cNvPicPr>
+            <p:nvPr/>
+          </p:nvPicPr>
+          <p:blipFill rotWithShape="1">
+            <a:blip r:embed="rId22"/>
+            <a:srcRect t="70537" r="36696" b="-1734"/>
+            <a:stretch/>
+          </p:blipFill>
+          <p:spPr>
+            <a:xfrm>
+              <a:off x="2192464" y="3770797"/>
+              <a:ext cx="1088235" cy="393293"/>
+            </a:xfrm>
+            <a:prstGeom prst="rect">
+              <a:avLst/>
+            </a:prstGeom>
+          </p:spPr>
+        </p:pic>
+        <p:sp>
+          <p:nvSpPr>
+            <p:cNvPr id="415" name="TextBox 414">
+              <a:extLst>
+                <a:ext uri="{FF2B5EF4-FFF2-40B4-BE49-F238E27FC236}">
+                  <a16:creationId xmlns:a16="http://schemas.microsoft.com/office/drawing/2014/main" id="{DE353DA3-EB4C-38B2-D959-B64EAD95CA7D}"/>
+                </a:ext>
+              </a:extLst>
+            </p:cNvPr>
+            <p:cNvSpPr txBox="1"/>
+            <p:nvPr/>
+          </p:nvSpPr>
+          <p:spPr>
+            <a:xfrm>
+              <a:off x="3048835" y="3795482"/>
+              <a:ext cx="287258" cy="184666"/>
+            </a:xfrm>
+            <a:prstGeom prst="rect">
+              <a:avLst/>
+            </a:prstGeom>
+            <a:noFill/>
+          </p:spPr>
+          <p:txBody>
+            <a:bodyPr wrap="none" rtlCol="0">
+              <a:spAutoFit/>
+            </a:bodyPr>
+            <a:lstStyle/>
+            <a:p>
+              <a:r>
+                <a:rPr lang="en-US" sz="600" dirty="0"/>
+                <a:t>Ma</a:t>
+              </a:r>
+            </a:p>
+          </p:txBody>
+        </p:sp>
+        <p:sp>
+          <p:nvSpPr>
+            <p:cNvPr id="224" name="TextBox 223">
+              <a:extLst>
+                <a:ext uri="{FF2B5EF4-FFF2-40B4-BE49-F238E27FC236}">
+                  <a16:creationId xmlns:a16="http://schemas.microsoft.com/office/drawing/2014/main" id="{688D2BAB-6744-933D-B4D8-A20412858F86}"/>
+                </a:ext>
+              </a:extLst>
+            </p:cNvPr>
+            <p:cNvSpPr txBox="1"/>
+            <p:nvPr/>
+          </p:nvSpPr>
+          <p:spPr>
+            <a:xfrm>
+              <a:off x="2121945" y="2993353"/>
+              <a:ext cx="705642" cy="200055"/>
+            </a:xfrm>
+            <a:prstGeom prst="rect">
+              <a:avLst/>
+            </a:prstGeom>
+            <a:noFill/>
+          </p:spPr>
+          <p:txBody>
+            <a:bodyPr wrap="none" rtlCol="0">
+              <a:spAutoFit/>
+            </a:bodyPr>
+            <a:lstStyle/>
+            <a:p>
+              <a:r>
+                <a:rPr lang="en-US" sz="700" dirty="0"/>
+                <a:t>chronogram 1</a:t>
+              </a:r>
+            </a:p>
+          </p:txBody>
+        </p:sp>
+        <p:pic>
+          <p:nvPicPr>
+            <p:cNvPr id="421" name="Picture 420">
+              <a:extLst>
+                <a:ext uri="{FF2B5EF4-FFF2-40B4-BE49-F238E27FC236}">
+                  <a16:creationId xmlns:a16="http://schemas.microsoft.com/office/drawing/2014/main" id="{B17FDC8F-3C4C-E7F5-3FC7-5B6521EC25A6}"/>
+                </a:ext>
+              </a:extLst>
+            </p:cNvPr>
+            <p:cNvPicPr>
+              <a:picLocks noChangeAspect="1"/>
+            </p:cNvPicPr>
+            <p:nvPr/>
+          </p:nvPicPr>
+          <p:blipFill rotWithShape="1">
+            <a:blip r:embed="rId23"/>
+            <a:srcRect b="29699"/>
+            <a:stretch/>
+          </p:blipFill>
+          <p:spPr>
+            <a:xfrm>
+              <a:off x="2192925" y="2948170"/>
+              <a:ext cx="1719072" cy="886242"/>
+            </a:xfrm>
+            <a:prstGeom prst="rect">
+              <a:avLst/>
+            </a:prstGeom>
+          </p:spPr>
+        </p:pic>
+        <p:cxnSp>
+          <p:nvCxnSpPr>
+            <p:cNvPr id="370" name="Straight Connector 369">
+              <a:extLst>
+                <a:ext uri="{FF2B5EF4-FFF2-40B4-BE49-F238E27FC236}">
+                  <a16:creationId xmlns:a16="http://schemas.microsoft.com/office/drawing/2014/main" id="{9687EACA-A26B-5B64-FDDA-F2B706AC369F}"/>
+                </a:ext>
+              </a:extLst>
+            </p:cNvPr>
+            <p:cNvCxnSpPr>
+              <a:cxnSpLocks/>
+            </p:cNvCxnSpPr>
+            <p:nvPr/>
+          </p:nvCxnSpPr>
+          <p:spPr>
+            <a:xfrm flipH="1">
+              <a:off x="2199489" y="3534159"/>
+              <a:ext cx="467055" cy="0"/>
+            </a:xfrm>
+            <a:prstGeom prst="line">
+              <a:avLst/>
+            </a:prstGeom>
+            <a:ln w="12700">
+              <a:solidFill>
+                <a:srgbClr val="FFFFFF"/>
+              </a:solidFill>
+            </a:ln>
+          </p:spPr>
+          <p:style>
+            <a:lnRef idx="1">
+              <a:schemeClr val="accent1"/>
+            </a:lnRef>
+            <a:fillRef idx="0">
+              <a:schemeClr val="accent1"/>
+            </a:fillRef>
+            <a:effectRef idx="0">
+              <a:schemeClr val="accent1"/>
+            </a:effectRef>
+            <a:fontRef idx="minor">
+              <a:schemeClr val="tx1"/>
+            </a:fontRef>
+          </p:style>
+        </p:cxnSp>
+      </p:grpSp>
+      <p:grpSp>
+        <p:nvGrpSpPr>
+          <p:cNvPr id="427" name="Group 426">
+            <a:extLst>
+              <a:ext uri="{FF2B5EF4-FFF2-40B4-BE49-F238E27FC236}">
+                <a16:creationId xmlns:a16="http://schemas.microsoft.com/office/drawing/2014/main" id="{82129198-3D8E-341D-351C-59C106E3C34C}"/>
+              </a:ext>
+            </a:extLst>
+          </p:cNvPr>
+          <p:cNvGrpSpPr/>
+          <p:nvPr/>
+        </p:nvGrpSpPr>
+        <p:grpSpPr>
+          <a:xfrm>
+            <a:off x="4100659" y="2950643"/>
+            <a:ext cx="1788057" cy="1081255"/>
+            <a:chOff x="4116534" y="2956993"/>
+            <a:chExt cx="1788057" cy="1081255"/>
+          </a:xfrm>
+        </p:grpSpPr>
+        <p:pic>
+          <p:nvPicPr>
+            <p:cNvPr id="354" name="Picture 353">
+              <a:extLst>
+                <a:ext uri="{FF2B5EF4-FFF2-40B4-BE49-F238E27FC236}">
+                  <a16:creationId xmlns:a16="http://schemas.microsoft.com/office/drawing/2014/main" id="{17CA14A5-161C-564F-5AD8-0CFA9B753D5C}"/>
+                </a:ext>
+              </a:extLst>
+            </p:cNvPr>
+            <p:cNvPicPr>
+              <a:picLocks noChangeAspect="1"/>
+            </p:cNvPicPr>
+            <p:nvPr/>
+          </p:nvPicPr>
+          <p:blipFill rotWithShape="1">
+            <a:blip r:embed="rId24"/>
+            <a:srcRect t="73564" b="9191"/>
+            <a:stretch/>
+          </p:blipFill>
+          <p:spPr>
+            <a:xfrm>
+              <a:off x="4185519" y="3820847"/>
+              <a:ext cx="1719072" cy="217401"/>
+            </a:xfrm>
+            <a:prstGeom prst="rect">
+              <a:avLst/>
+            </a:prstGeom>
+          </p:spPr>
+        </p:pic>
+        <p:sp>
+          <p:nvSpPr>
+            <p:cNvPr id="226" name="TextBox 225">
+              <a:extLst>
+                <a:ext uri="{FF2B5EF4-FFF2-40B4-BE49-F238E27FC236}">
+                  <a16:creationId xmlns:a16="http://schemas.microsoft.com/office/drawing/2014/main" id="{4FDBD919-AD97-B25F-3647-1D59938A2F85}"/>
+                </a:ext>
+              </a:extLst>
+            </p:cNvPr>
+            <p:cNvSpPr txBox="1"/>
+            <p:nvPr/>
+          </p:nvSpPr>
+          <p:spPr>
+            <a:xfrm>
+              <a:off x="4116534" y="2999703"/>
+              <a:ext cx="705642" cy="200055"/>
+            </a:xfrm>
+            <a:prstGeom prst="rect">
+              <a:avLst/>
+            </a:prstGeom>
+            <a:noFill/>
+          </p:spPr>
+          <p:txBody>
+            <a:bodyPr wrap="none" rtlCol="0">
+              <a:spAutoFit/>
+            </a:bodyPr>
+            <a:lstStyle/>
+            <a:p>
+              <a:r>
+                <a:rPr lang="en-US" sz="700" dirty="0"/>
+                <a:t>chronogram 1</a:t>
+              </a:r>
+            </a:p>
+          </p:txBody>
+        </p:sp>
+        <p:pic>
+          <p:nvPicPr>
+            <p:cNvPr id="422" name="Picture 421">
+              <a:extLst>
+                <a:ext uri="{FF2B5EF4-FFF2-40B4-BE49-F238E27FC236}">
+                  <a16:creationId xmlns:a16="http://schemas.microsoft.com/office/drawing/2014/main" id="{5212E244-8D1F-187C-5575-30D620B1ABEA}"/>
+                </a:ext>
+              </a:extLst>
+            </p:cNvPr>
+            <p:cNvPicPr>
+              <a:picLocks noChangeAspect="1"/>
+            </p:cNvPicPr>
+            <p:nvPr/>
+          </p:nvPicPr>
+          <p:blipFill rotWithShape="1">
+            <a:blip r:embed="rId25"/>
+            <a:srcRect b="25316"/>
+            <a:stretch/>
+          </p:blipFill>
+          <p:spPr>
+            <a:xfrm>
+              <a:off x="4185519" y="2956993"/>
+              <a:ext cx="1719072" cy="941495"/>
+            </a:xfrm>
+            <a:prstGeom prst="rect">
+              <a:avLst/>
+            </a:prstGeom>
+          </p:spPr>
+        </p:pic>
+        <p:cxnSp>
+          <p:nvCxnSpPr>
+            <p:cNvPr id="373" name="Straight Connector 372">
+              <a:extLst>
+                <a:ext uri="{FF2B5EF4-FFF2-40B4-BE49-F238E27FC236}">
+                  <a16:creationId xmlns:a16="http://schemas.microsoft.com/office/drawing/2014/main" id="{B528E208-187C-F732-71BA-543A5F211C64}"/>
+                </a:ext>
+              </a:extLst>
+            </p:cNvPr>
+            <p:cNvCxnSpPr>
+              <a:cxnSpLocks/>
+            </p:cNvCxnSpPr>
+            <p:nvPr/>
+          </p:nvCxnSpPr>
+          <p:spPr>
+            <a:xfrm flipH="1">
+              <a:off x="4211301" y="3463773"/>
+              <a:ext cx="467055" cy="0"/>
+            </a:xfrm>
+            <a:prstGeom prst="line">
+              <a:avLst/>
+            </a:prstGeom>
+            <a:ln w="19050">
+              <a:solidFill>
+                <a:srgbClr val="FFFFFF"/>
+              </a:solidFill>
+            </a:ln>
+          </p:spPr>
+          <p:style>
+            <a:lnRef idx="1">
+              <a:schemeClr val="accent1"/>
+            </a:lnRef>
+            <a:fillRef idx="0">
+              <a:schemeClr val="accent1"/>
+            </a:fillRef>
+            <a:effectRef idx="0">
+              <a:schemeClr val="accent1"/>
+            </a:effectRef>
+            <a:fontRef idx="minor">
+              <a:schemeClr val="tx1"/>
+            </a:fontRef>
+          </p:style>
+        </p:cxnSp>
+        <p:sp>
+          <p:nvSpPr>
+            <p:cNvPr id="425" name="TextBox 424">
+              <a:extLst>
+                <a:ext uri="{FF2B5EF4-FFF2-40B4-BE49-F238E27FC236}">
+                  <a16:creationId xmlns:a16="http://schemas.microsoft.com/office/drawing/2014/main" id="{5EFCEAC0-5AA4-6B36-0558-1AECFE9E8B16}"/>
+                </a:ext>
+              </a:extLst>
+            </p:cNvPr>
+            <p:cNvSpPr txBox="1"/>
+            <p:nvPr/>
+          </p:nvSpPr>
+          <p:spPr>
+            <a:xfrm>
+              <a:off x="5052963" y="3799945"/>
+              <a:ext cx="287258" cy="184666"/>
+            </a:xfrm>
+            <a:prstGeom prst="rect">
+              <a:avLst/>
+            </a:prstGeom>
+            <a:noFill/>
+          </p:spPr>
+          <p:txBody>
+            <a:bodyPr wrap="none" rtlCol="0">
+              <a:spAutoFit/>
+            </a:bodyPr>
+            <a:lstStyle/>
+            <a:p>
+              <a:r>
+                <a:rPr lang="en-US" sz="600" dirty="0"/>
+                <a:t>Ma</a:t>
+              </a:r>
+            </a:p>
+          </p:txBody>
+        </p:sp>
+      </p:grpSp>
+      <p:grpSp>
+        <p:nvGrpSpPr>
+          <p:cNvPr id="433" name="Group 432">
+            <a:extLst>
+              <a:ext uri="{FF2B5EF4-FFF2-40B4-BE49-F238E27FC236}">
+                <a16:creationId xmlns:a16="http://schemas.microsoft.com/office/drawing/2014/main" id="{A97505F0-0E1D-99C6-4159-167348D00F67}"/>
+              </a:ext>
+            </a:extLst>
+          </p:cNvPr>
+          <p:cNvGrpSpPr/>
+          <p:nvPr/>
+        </p:nvGrpSpPr>
+        <p:grpSpPr>
+          <a:xfrm>
+            <a:off x="157596" y="4010690"/>
+            <a:ext cx="1760750" cy="1103216"/>
+            <a:chOff x="182996" y="4010690"/>
+            <a:chExt cx="1760750" cy="1103216"/>
+          </a:xfrm>
+        </p:grpSpPr>
+        <p:pic>
+          <p:nvPicPr>
+            <p:cNvPr id="326" name="Picture 325">
+              <a:extLst>
+                <a:ext uri="{FF2B5EF4-FFF2-40B4-BE49-F238E27FC236}">
+                  <a16:creationId xmlns:a16="http://schemas.microsoft.com/office/drawing/2014/main" id="{3D8E5BE9-3E26-1A07-54F0-F19E6FC1BD83}"/>
+                </a:ext>
+              </a:extLst>
+            </p:cNvPr>
+            <p:cNvPicPr>
+              <a:picLocks noChangeAspect="1"/>
+            </p:cNvPicPr>
+            <p:nvPr/>
+          </p:nvPicPr>
+          <p:blipFill rotWithShape="1">
+            <a:blip r:embed="rId26"/>
+            <a:srcRect t="71149" b="8852"/>
+            <a:stretch/>
+          </p:blipFill>
+          <p:spPr>
+            <a:xfrm>
+              <a:off x="233652" y="4863139"/>
+              <a:ext cx="1709928" cy="250767"/>
+            </a:xfrm>
+            <a:prstGeom prst="rect">
+              <a:avLst/>
+            </a:prstGeom>
+          </p:spPr>
+        </p:pic>
+        <p:sp>
+          <p:nvSpPr>
+            <p:cNvPr id="410" name="TextBox 409">
+              <a:extLst>
+                <a:ext uri="{FF2B5EF4-FFF2-40B4-BE49-F238E27FC236}">
+                  <a16:creationId xmlns:a16="http://schemas.microsoft.com/office/drawing/2014/main" id="{06E6C1C6-21A0-5E81-107E-E8F8135D3611}"/>
+                </a:ext>
+              </a:extLst>
+            </p:cNvPr>
+            <p:cNvSpPr txBox="1"/>
+            <p:nvPr/>
+          </p:nvSpPr>
+          <p:spPr>
+            <a:xfrm>
+              <a:off x="1091771" y="4879784"/>
+              <a:ext cx="287258" cy="184666"/>
+            </a:xfrm>
+            <a:prstGeom prst="rect">
+              <a:avLst/>
+            </a:prstGeom>
+            <a:noFill/>
+          </p:spPr>
+          <p:txBody>
+            <a:bodyPr wrap="none" rtlCol="0">
+              <a:spAutoFit/>
+            </a:bodyPr>
+            <a:lstStyle/>
+            <a:p>
+              <a:r>
+                <a:rPr lang="en-US" sz="600" dirty="0"/>
+                <a:t>Ma</a:t>
+              </a:r>
+            </a:p>
+          </p:txBody>
+        </p:sp>
+        <p:sp>
+          <p:nvSpPr>
+            <p:cNvPr id="229" name="TextBox 228">
+              <a:extLst>
+                <a:ext uri="{FF2B5EF4-FFF2-40B4-BE49-F238E27FC236}">
+                  <a16:creationId xmlns:a16="http://schemas.microsoft.com/office/drawing/2014/main" id="{7280181E-42D9-9D81-8EAC-1E04B9CC69E5}"/>
+                </a:ext>
+              </a:extLst>
+            </p:cNvPr>
+            <p:cNvSpPr txBox="1"/>
+            <p:nvPr/>
+          </p:nvSpPr>
+          <p:spPr>
+            <a:xfrm>
+              <a:off x="182996" y="4103901"/>
+              <a:ext cx="705642" cy="200055"/>
+            </a:xfrm>
+            <a:prstGeom prst="rect">
+              <a:avLst/>
+            </a:prstGeom>
+            <a:noFill/>
+          </p:spPr>
+          <p:txBody>
+            <a:bodyPr wrap="none" rtlCol="0">
+              <a:spAutoFit/>
+            </a:bodyPr>
+            <a:lstStyle/>
+            <a:p>
+              <a:r>
+                <a:rPr lang="en-US" sz="700" dirty="0"/>
+                <a:t>chronogram 2</a:t>
+              </a:r>
+            </a:p>
+          </p:txBody>
+        </p:sp>
+        <p:pic>
+          <p:nvPicPr>
+            <p:cNvPr id="432" name="Picture 431">
+              <a:extLst>
+                <a:ext uri="{FF2B5EF4-FFF2-40B4-BE49-F238E27FC236}">
+                  <a16:creationId xmlns:a16="http://schemas.microsoft.com/office/drawing/2014/main" id="{0A745390-EF97-322A-7FCA-6F8AE57F8A07}"/>
+                </a:ext>
+              </a:extLst>
+            </p:cNvPr>
+            <p:cNvPicPr>
+              <a:picLocks noChangeAspect="1"/>
+            </p:cNvPicPr>
+            <p:nvPr/>
+          </p:nvPicPr>
+          <p:blipFill rotWithShape="1">
+            <a:blip r:embed="rId27"/>
+            <a:srcRect b="30220"/>
+            <a:stretch/>
+          </p:blipFill>
+          <p:spPr>
+            <a:xfrm>
+              <a:off x="233818" y="4010690"/>
+              <a:ext cx="1709928" cy="875003"/>
+            </a:xfrm>
+            <a:prstGeom prst="rect">
+              <a:avLst/>
+            </a:prstGeom>
+          </p:spPr>
+        </p:pic>
+        <p:cxnSp>
+          <p:nvCxnSpPr>
+            <p:cNvPr id="366" name="Straight Connector 365">
+              <a:extLst>
+                <a:ext uri="{FF2B5EF4-FFF2-40B4-BE49-F238E27FC236}">
+                  <a16:creationId xmlns:a16="http://schemas.microsoft.com/office/drawing/2014/main" id="{CC0695F1-766E-5348-AFF5-B326D8912FC1}"/>
+                </a:ext>
+              </a:extLst>
+            </p:cNvPr>
+            <p:cNvCxnSpPr>
+              <a:cxnSpLocks/>
+            </p:cNvCxnSpPr>
+            <p:nvPr/>
+          </p:nvCxnSpPr>
+          <p:spPr>
+            <a:xfrm flipH="1">
+              <a:off x="259654" y="4588949"/>
+              <a:ext cx="563586" cy="0"/>
+            </a:xfrm>
+            <a:prstGeom prst="line">
+              <a:avLst/>
+            </a:prstGeom>
+            <a:ln w="12700">
+              <a:solidFill>
+                <a:srgbClr val="FFFFFF"/>
+              </a:solidFill>
+            </a:ln>
+          </p:spPr>
+          <p:style>
+            <a:lnRef idx="1">
+              <a:schemeClr val="accent1"/>
+            </a:lnRef>
+            <a:fillRef idx="0">
+              <a:schemeClr val="accent1"/>
+            </a:fillRef>
+            <a:effectRef idx="0">
+              <a:schemeClr val="accent1"/>
+            </a:effectRef>
+            <a:fontRef idx="minor">
+              <a:schemeClr val="tx1"/>
+            </a:fontRef>
+          </p:style>
+        </p:cxnSp>
+      </p:grpSp>
       <p:pic>
         <p:nvPicPr>
-          <p:cNvPr id="325" name="Picture 324">
+          <p:cNvPr id="396" name="Graphic 395">
             <a:extLst>
               <a:ext uri="{FF2B5EF4-FFF2-40B4-BE49-F238E27FC236}">
-                <a16:creationId xmlns:a16="http://schemas.microsoft.com/office/drawing/2014/main" id="{AE427555-9B32-ACE3-2420-4E3333AA4DCF}"/>
+                <a16:creationId xmlns:a16="http://schemas.microsoft.com/office/drawing/2014/main" id="{434B84E4-ED8E-8808-7DC1-F6063EAAC193}"/>
               </a:ext>
             </a:extLst>
           </p:cNvPr>
@@ -7219,770 +8353,289 @@
           <p:nvPr/>
         </p:nvPicPr>
         <p:blipFill rotWithShape="1">
-          <a:blip r:embed="rId13"/>
-          <a:srcRect b="30220"/>
+          <a:blip r:embed="rId6">
+            <a:extLst>
+              <a:ext uri="{96DAC541-7B7A-43D3-8B79-37D633B846F1}">
+                <asvg:svgBlip xmlns:asvg="http://schemas.microsoft.com/office/drawing/2016/SVG/main" r:embed="rId7"/>
+              </a:ext>
+            </a:extLst>
+          </a:blip>
+          <a:srcRect l="31113" t="85883" r="22652" b="2690"/>
           <a:stretch/>
         </p:blipFill>
         <p:spPr>
           <a:xfrm>
-            <a:off x="245541" y="3987244"/>
-            <a:ext cx="1709928" cy="875003"/>
+            <a:off x="1711569" y="7404941"/>
+            <a:ext cx="2368780" cy="277307"/>
           </a:xfrm>
           <a:prstGeom prst="rect">
             <a:avLst/>
           </a:prstGeom>
         </p:spPr>
       </p:pic>
-      <p:pic>
-        <p:nvPicPr>
-          <p:cNvPr id="326" name="Picture 325">
+      <p:sp>
+        <p:nvSpPr>
+          <p:cNvPr id="434" name="TextBox 433">
             <a:extLst>
               <a:ext uri="{FF2B5EF4-FFF2-40B4-BE49-F238E27FC236}">
-                <a16:creationId xmlns:a16="http://schemas.microsoft.com/office/drawing/2014/main" id="{3D8E5BE9-3E26-1A07-54F0-F19E6FC1BD83}"/>
+                <a16:creationId xmlns:a16="http://schemas.microsoft.com/office/drawing/2014/main" id="{3008F699-74CE-8B26-24F0-290516BBE5FD}"/>
               </a:ext>
             </a:extLst>
           </p:cNvPr>
-          <p:cNvPicPr>
-            <a:picLocks noChangeAspect="1"/>
-          </p:cNvPicPr>
+          <p:cNvSpPr txBox="1"/>
           <p:nvPr/>
-        </p:nvPicPr>
-        <p:blipFill rotWithShape="1">
-          <a:blip r:embed="rId14"/>
-          <a:srcRect t="71149" b="8852"/>
-          <a:stretch/>
-        </p:blipFill>
+        </p:nvSpPr>
         <p:spPr>
           <a:xfrm>
-            <a:off x="245375" y="4777170"/>
-            <a:ext cx="1709928" cy="250767"/>
+            <a:off x="3970435" y="7426139"/>
+            <a:ext cx="304892" cy="200055"/>
           </a:xfrm>
           <a:prstGeom prst="rect">
             <a:avLst/>
           </a:prstGeom>
+          <a:noFill/>
         </p:spPr>
-      </p:pic>
-      <p:pic>
-        <p:nvPicPr>
-          <p:cNvPr id="327" name="Picture 326">
+        <p:txBody>
+          <a:bodyPr wrap="none" rtlCol="0">
+            <a:spAutoFit/>
+          </a:bodyPr>
+          <a:lstStyle/>
+          <a:p>
+            <a:r>
+              <a:rPr lang="en-US" sz="700" dirty="0"/>
+              <a:t>Ma</a:t>
+            </a:r>
+          </a:p>
+        </p:txBody>
+      </p:sp>
+      <p:grpSp>
+        <p:nvGrpSpPr>
+          <p:cNvPr id="462" name="Group 461">
             <a:extLst>
               <a:ext uri="{FF2B5EF4-FFF2-40B4-BE49-F238E27FC236}">
-                <a16:creationId xmlns:a16="http://schemas.microsoft.com/office/drawing/2014/main" id="{657BBF80-9F86-ACDE-00D2-545E83751B45}"/>
+                <a16:creationId xmlns:a16="http://schemas.microsoft.com/office/drawing/2014/main" id="{B8EE0CCB-507E-261F-0B55-A32479B0672E}"/>
               </a:ext>
             </a:extLst>
           </p:cNvPr>
-          <p:cNvPicPr>
-            <a:picLocks noChangeAspect="1"/>
-          </p:cNvPicPr>
+          <p:cNvGrpSpPr/>
           <p:nvPr/>
-        </p:nvPicPr>
-        <p:blipFill rotWithShape="1">
-          <a:blip r:embed="rId15"/>
-          <a:srcRect b="29938"/>
-          <a:stretch/>
-        </p:blipFill>
-        <p:spPr>
+        </p:nvGrpSpPr>
+        <p:grpSpPr>
           <a:xfrm>
-            <a:off x="225865" y="2950000"/>
-            <a:ext cx="1709928" cy="878536"/>
+            <a:off x="3820915" y="1689874"/>
+            <a:ext cx="2129010" cy="1012194"/>
+            <a:chOff x="3820915" y="1689874"/>
+            <a:chExt cx="2129010" cy="1012194"/>
           </a:xfrm>
-          <a:prstGeom prst="rect">
-            <a:avLst/>
-          </a:prstGeom>
-        </p:spPr>
-      </p:pic>
-      <p:pic>
-        <p:nvPicPr>
-          <p:cNvPr id="328" name="Picture 327">
-            <a:extLst>
-              <a:ext uri="{FF2B5EF4-FFF2-40B4-BE49-F238E27FC236}">
-                <a16:creationId xmlns:a16="http://schemas.microsoft.com/office/drawing/2014/main" id="{96F9ADBF-EAA9-D6F3-F14B-66290CA20D82}"/>
-              </a:ext>
-            </a:extLst>
-          </p:cNvPr>
-          <p:cNvPicPr>
-            <a:picLocks noChangeAspect="1"/>
-          </p:cNvPicPr>
-          <p:nvPr/>
-        </p:nvPicPr>
-        <p:blipFill rotWithShape="1">
-          <a:blip r:embed="rId16"/>
-          <a:srcRect t="72162" b="7286"/>
-          <a:stretch/>
-        </p:blipFill>
-        <p:spPr>
-          <a:xfrm>
-            <a:off x="224889" y="3755692"/>
-            <a:ext cx="1709928" cy="257724"/>
-          </a:xfrm>
-          <a:prstGeom prst="rect">
-            <a:avLst/>
-          </a:prstGeom>
-        </p:spPr>
-      </p:pic>
-      <p:pic>
-        <p:nvPicPr>
-          <p:cNvPr id="332" name="Picture 331">
-            <a:extLst>
-              <a:ext uri="{FF2B5EF4-FFF2-40B4-BE49-F238E27FC236}">
-                <a16:creationId xmlns:a16="http://schemas.microsoft.com/office/drawing/2014/main" id="{296B98C6-E5E0-0EAB-C04A-F3EFBB033088}"/>
-              </a:ext>
-            </a:extLst>
-          </p:cNvPr>
-          <p:cNvPicPr>
-            <a:picLocks noChangeAspect="1"/>
-          </p:cNvPicPr>
-          <p:nvPr/>
-        </p:nvPicPr>
-        <p:blipFill rotWithShape="1">
-          <a:blip r:embed="rId17"/>
-          <a:srcRect t="11729" b="26838"/>
-          <a:stretch/>
-        </p:blipFill>
-        <p:spPr>
-          <a:xfrm>
-            <a:off x="4197731" y="1680062"/>
-            <a:ext cx="1691640" cy="762084"/>
-          </a:xfrm>
-          <a:prstGeom prst="rect">
-            <a:avLst/>
-          </a:prstGeom>
-        </p:spPr>
-      </p:pic>
-      <p:pic>
-        <p:nvPicPr>
-          <p:cNvPr id="335" name="Picture 334">
-            <a:extLst>
-              <a:ext uri="{FF2B5EF4-FFF2-40B4-BE49-F238E27FC236}">
-                <a16:creationId xmlns:a16="http://schemas.microsoft.com/office/drawing/2014/main" id="{A0D63741-9C39-5A2C-AFC8-DF7DC1AFCB1B}"/>
-              </a:ext>
-            </a:extLst>
-          </p:cNvPr>
-          <p:cNvPicPr>
-            <a:picLocks noChangeAspect="1"/>
-          </p:cNvPicPr>
-          <p:nvPr/>
-        </p:nvPicPr>
-        <p:blipFill rotWithShape="1">
-          <a:blip r:embed="rId18"/>
-          <a:srcRect b="20449"/>
-          <a:stretch/>
-        </p:blipFill>
-        <p:spPr>
-          <a:xfrm>
-            <a:off x="2167739" y="1535868"/>
-            <a:ext cx="1691640" cy="986858"/>
-          </a:xfrm>
-          <a:prstGeom prst="rect">
-            <a:avLst/>
-          </a:prstGeom>
-        </p:spPr>
-      </p:pic>
-      <p:pic>
-        <p:nvPicPr>
-          <p:cNvPr id="336" name="Picture 335">
-            <a:extLst>
-              <a:ext uri="{FF2B5EF4-FFF2-40B4-BE49-F238E27FC236}">
-                <a16:creationId xmlns:a16="http://schemas.microsoft.com/office/drawing/2014/main" id="{02728E80-D97E-F702-E73F-3673C2AF66DC}"/>
-              </a:ext>
-            </a:extLst>
-          </p:cNvPr>
-          <p:cNvPicPr>
-            <a:picLocks noChangeAspect="1"/>
-          </p:cNvPicPr>
-          <p:nvPr/>
-        </p:nvPicPr>
-        <p:blipFill rotWithShape="1">
-          <a:blip r:embed="rId19"/>
-          <a:srcRect t="69313"/>
-          <a:stretch/>
-        </p:blipFill>
-        <p:spPr>
-          <a:xfrm>
-            <a:off x="2167740" y="2266762"/>
-            <a:ext cx="1691640" cy="380690"/>
-          </a:xfrm>
-          <a:prstGeom prst="rect">
-            <a:avLst/>
-          </a:prstGeom>
-        </p:spPr>
-      </p:pic>
-      <p:pic>
-        <p:nvPicPr>
-          <p:cNvPr id="348" name="Picture 347">
-            <a:extLst>
-              <a:ext uri="{FF2B5EF4-FFF2-40B4-BE49-F238E27FC236}">
-                <a16:creationId xmlns:a16="http://schemas.microsoft.com/office/drawing/2014/main" id="{2AEF6BA7-11C7-A482-3D23-91ADADC3A2AD}"/>
-              </a:ext>
-            </a:extLst>
-          </p:cNvPr>
-          <p:cNvPicPr>
-            <a:picLocks noChangeAspect="1"/>
-          </p:cNvPicPr>
-          <p:nvPr/>
-        </p:nvPicPr>
-        <p:blipFill rotWithShape="1">
-          <a:blip r:embed="rId20"/>
-          <a:srcRect b="29699"/>
-          <a:stretch/>
-        </p:blipFill>
-        <p:spPr>
-          <a:xfrm>
-            <a:off x="2192925" y="2948170"/>
-            <a:ext cx="1719072" cy="886242"/>
-          </a:xfrm>
-          <a:prstGeom prst="rect">
-            <a:avLst/>
-          </a:prstGeom>
-        </p:spPr>
-      </p:pic>
-      <p:pic>
-        <p:nvPicPr>
-          <p:cNvPr id="349" name="Picture 348">
-            <a:extLst>
-              <a:ext uri="{FF2B5EF4-FFF2-40B4-BE49-F238E27FC236}">
-                <a16:creationId xmlns:a16="http://schemas.microsoft.com/office/drawing/2014/main" id="{3D8DF49E-7E84-EFD3-D70E-D6F15534398B}"/>
-              </a:ext>
-            </a:extLst>
-          </p:cNvPr>
-          <p:cNvPicPr>
-            <a:picLocks noChangeAspect="1"/>
-          </p:cNvPicPr>
-          <p:nvPr/>
-        </p:nvPicPr>
-        <p:blipFill rotWithShape="1">
-          <a:blip r:embed="rId21"/>
-          <a:srcRect t="70537" b="-1734"/>
-          <a:stretch/>
-        </p:blipFill>
-        <p:spPr>
-          <a:xfrm>
-            <a:off x="2192464" y="3751747"/>
-            <a:ext cx="1719072" cy="393293"/>
-          </a:xfrm>
-          <a:prstGeom prst="rect">
-            <a:avLst/>
-          </a:prstGeom>
-        </p:spPr>
-      </p:pic>
-      <p:pic>
-        <p:nvPicPr>
-          <p:cNvPr id="350" name="Picture 349">
-            <a:extLst>
-              <a:ext uri="{FF2B5EF4-FFF2-40B4-BE49-F238E27FC236}">
-                <a16:creationId xmlns:a16="http://schemas.microsoft.com/office/drawing/2014/main" id="{98BE78FA-8C0B-AE9E-6E8A-0A970298C5E7}"/>
-              </a:ext>
-            </a:extLst>
-          </p:cNvPr>
-          <p:cNvPicPr>
-            <a:picLocks noChangeAspect="1"/>
-          </p:cNvPicPr>
-          <p:nvPr/>
-        </p:nvPicPr>
-        <p:blipFill rotWithShape="1">
-          <a:blip r:embed="rId22"/>
-          <a:srcRect b="28672"/>
-          <a:stretch/>
-        </p:blipFill>
-        <p:spPr>
-          <a:xfrm>
-            <a:off x="2213316" y="4059492"/>
-            <a:ext cx="1719072" cy="899197"/>
-          </a:xfrm>
-          <a:prstGeom prst="rect">
-            <a:avLst/>
-          </a:prstGeom>
-        </p:spPr>
-      </p:pic>
-      <p:pic>
-        <p:nvPicPr>
-          <p:cNvPr id="354" name="Picture 353">
-            <a:extLst>
-              <a:ext uri="{FF2B5EF4-FFF2-40B4-BE49-F238E27FC236}">
-                <a16:creationId xmlns:a16="http://schemas.microsoft.com/office/drawing/2014/main" id="{17CA14A5-161C-564F-5AD8-0CFA9B753D5C}"/>
-              </a:ext>
-            </a:extLst>
-          </p:cNvPr>
-          <p:cNvPicPr>
-            <a:picLocks noChangeAspect="1"/>
-          </p:cNvPicPr>
-          <p:nvPr/>
-        </p:nvPicPr>
-        <p:blipFill rotWithShape="1">
-          <a:blip r:embed="rId23"/>
-          <a:srcRect t="73564" b="9191"/>
-          <a:stretch/>
-        </p:blipFill>
-        <p:spPr>
-          <a:xfrm>
-            <a:off x="4185519" y="3884347"/>
-            <a:ext cx="1719072" cy="217401"/>
-          </a:xfrm>
-          <a:prstGeom prst="rect">
-            <a:avLst/>
-          </a:prstGeom>
-        </p:spPr>
-      </p:pic>
-      <p:pic>
-        <p:nvPicPr>
-          <p:cNvPr id="355" name="Picture 354">
-            <a:extLst>
-              <a:ext uri="{FF2B5EF4-FFF2-40B4-BE49-F238E27FC236}">
-                <a16:creationId xmlns:a16="http://schemas.microsoft.com/office/drawing/2014/main" id="{891CEC6F-C89F-C9DF-C776-3AC9C3C303BA}"/>
-              </a:ext>
-            </a:extLst>
-          </p:cNvPr>
-          <p:cNvPicPr>
-            <a:picLocks noChangeAspect="1"/>
-          </p:cNvPicPr>
-          <p:nvPr/>
-        </p:nvPicPr>
-        <p:blipFill rotWithShape="1">
-          <a:blip r:embed="rId24"/>
-          <a:srcRect b="28891"/>
-          <a:stretch/>
-        </p:blipFill>
-        <p:spPr>
-          <a:xfrm>
-            <a:off x="4192142" y="4019016"/>
-            <a:ext cx="1719072" cy="896431"/>
-          </a:xfrm>
-          <a:prstGeom prst="rect">
-            <a:avLst/>
-          </a:prstGeom>
-        </p:spPr>
-      </p:pic>
-      <p:pic>
-        <p:nvPicPr>
-          <p:cNvPr id="356" name="Picture 355">
-            <a:extLst>
-              <a:ext uri="{FF2B5EF4-FFF2-40B4-BE49-F238E27FC236}">
-                <a16:creationId xmlns:a16="http://schemas.microsoft.com/office/drawing/2014/main" id="{779E21DA-3E94-BB10-4FDC-EE3149D8497D}"/>
-              </a:ext>
-            </a:extLst>
-          </p:cNvPr>
-          <p:cNvPicPr>
-            <a:picLocks noChangeAspect="1"/>
-          </p:cNvPicPr>
-          <p:nvPr/>
-        </p:nvPicPr>
-        <p:blipFill rotWithShape="1">
-          <a:blip r:embed="rId25"/>
-          <a:srcRect b="25316"/>
-          <a:stretch/>
-        </p:blipFill>
-        <p:spPr>
-          <a:xfrm>
-            <a:off x="4185519" y="3012189"/>
-            <a:ext cx="1719072" cy="941495"/>
-          </a:xfrm>
-          <a:prstGeom prst="rect">
-            <a:avLst/>
-          </a:prstGeom>
-        </p:spPr>
-      </p:pic>
-      <p:pic>
-        <p:nvPicPr>
-          <p:cNvPr id="357" name="Picture 356">
-            <a:extLst>
-              <a:ext uri="{FF2B5EF4-FFF2-40B4-BE49-F238E27FC236}">
-                <a16:creationId xmlns:a16="http://schemas.microsoft.com/office/drawing/2014/main" id="{06CCD8ED-AC29-09BB-8D70-0A7B214D67C8}"/>
-              </a:ext>
-            </a:extLst>
-          </p:cNvPr>
-          <p:cNvPicPr>
-            <a:picLocks noChangeAspect="1"/>
-          </p:cNvPicPr>
-          <p:nvPr/>
-        </p:nvPicPr>
-        <p:blipFill rotWithShape="1">
-          <a:blip r:embed="rId26"/>
-          <a:srcRect t="73753" b="8457"/>
-          <a:stretch/>
-        </p:blipFill>
-        <p:spPr>
-          <a:xfrm>
-            <a:off x="4192415" y="4851543"/>
-            <a:ext cx="1719072" cy="224262"/>
-          </a:xfrm>
-          <a:prstGeom prst="rect">
-            <a:avLst/>
-          </a:prstGeom>
-        </p:spPr>
-      </p:pic>
-      <p:pic>
-        <p:nvPicPr>
-          <p:cNvPr id="358" name="Picture 357">
-            <a:extLst>
-              <a:ext uri="{FF2B5EF4-FFF2-40B4-BE49-F238E27FC236}">
-                <a16:creationId xmlns:a16="http://schemas.microsoft.com/office/drawing/2014/main" id="{50FF4DD6-75D5-8C75-8397-E3999BBD6EB2}"/>
-              </a:ext>
-            </a:extLst>
-          </p:cNvPr>
-          <p:cNvPicPr>
-            <a:picLocks noChangeAspect="1"/>
-          </p:cNvPicPr>
-          <p:nvPr/>
-        </p:nvPicPr>
-        <p:blipFill rotWithShape="1">
-          <a:blip r:embed="rId27"/>
-          <a:srcRect t="77111"/>
-          <a:stretch/>
-        </p:blipFill>
-        <p:spPr>
-          <a:xfrm>
-            <a:off x="2211730" y="4857255"/>
-            <a:ext cx="1719072" cy="288552"/>
-          </a:xfrm>
-          <a:prstGeom prst="rect">
-            <a:avLst/>
-          </a:prstGeom>
-        </p:spPr>
-      </p:pic>
-      <p:cxnSp>
-        <p:nvCxnSpPr>
-          <p:cNvPr id="364" name="Straight Connector 363">
-            <a:extLst>
-              <a:ext uri="{FF2B5EF4-FFF2-40B4-BE49-F238E27FC236}">
-                <a16:creationId xmlns:a16="http://schemas.microsoft.com/office/drawing/2014/main" id="{B80AB933-5378-EEBD-9FB9-F14949561744}"/>
-              </a:ext>
-            </a:extLst>
-          </p:cNvPr>
-          <p:cNvCxnSpPr>
-            <a:cxnSpLocks/>
-          </p:cNvCxnSpPr>
-          <p:nvPr/>
-        </p:nvCxnSpPr>
-        <p:spPr>
-          <a:xfrm flipH="1">
-            <a:off x="245375" y="3527809"/>
-            <a:ext cx="607433" cy="0"/>
-          </a:xfrm>
-          <a:prstGeom prst="line">
-            <a:avLst/>
-          </a:prstGeom>
-          <a:ln w="12700">
-            <a:solidFill>
-              <a:srgbClr val="FFFFFF"/>
-            </a:solidFill>
-          </a:ln>
-        </p:spPr>
-        <p:style>
-          <a:lnRef idx="1">
-            <a:schemeClr val="accent1"/>
-          </a:lnRef>
-          <a:fillRef idx="0">
-            <a:schemeClr val="accent1"/>
-          </a:fillRef>
-          <a:effectRef idx="0">
-            <a:schemeClr val="accent1"/>
-          </a:effectRef>
-          <a:fontRef idx="minor">
-            <a:schemeClr val="tx1"/>
-          </a:fontRef>
-        </p:style>
-      </p:cxnSp>
-      <p:cxnSp>
-        <p:nvCxnSpPr>
-          <p:cNvPr id="366" name="Straight Connector 365">
-            <a:extLst>
-              <a:ext uri="{FF2B5EF4-FFF2-40B4-BE49-F238E27FC236}">
-                <a16:creationId xmlns:a16="http://schemas.microsoft.com/office/drawing/2014/main" id="{CC0695F1-766E-5348-AFF5-B326D8912FC1}"/>
-              </a:ext>
-            </a:extLst>
-          </p:cNvPr>
-          <p:cNvCxnSpPr>
-            <a:cxnSpLocks/>
-          </p:cNvCxnSpPr>
-          <p:nvPr/>
-        </p:nvCxnSpPr>
-        <p:spPr>
-          <a:xfrm flipH="1">
-            <a:off x="271377" y="4565503"/>
-            <a:ext cx="563586" cy="0"/>
-          </a:xfrm>
-          <a:prstGeom prst="line">
-            <a:avLst/>
-          </a:prstGeom>
-          <a:ln w="12700">
-            <a:solidFill>
-              <a:srgbClr val="FFFFFF"/>
-            </a:solidFill>
-          </a:ln>
-        </p:spPr>
-        <p:style>
-          <a:lnRef idx="1">
-            <a:schemeClr val="accent1"/>
-          </a:lnRef>
-          <a:fillRef idx="0">
-            <a:schemeClr val="accent1"/>
-          </a:fillRef>
-          <a:effectRef idx="0">
-            <a:schemeClr val="accent1"/>
-          </a:effectRef>
-          <a:fontRef idx="minor">
-            <a:schemeClr val="tx1"/>
-          </a:fontRef>
-        </p:style>
-      </p:cxnSp>
-      <p:cxnSp>
-        <p:nvCxnSpPr>
-          <p:cNvPr id="368" name="Straight Connector 367">
-            <a:extLst>
-              <a:ext uri="{FF2B5EF4-FFF2-40B4-BE49-F238E27FC236}">
-                <a16:creationId xmlns:a16="http://schemas.microsoft.com/office/drawing/2014/main" id="{0AC1AC17-F557-3DE1-1C83-883EF993E0FD}"/>
-              </a:ext>
-            </a:extLst>
-          </p:cNvPr>
-          <p:cNvCxnSpPr>
-            <a:cxnSpLocks/>
-          </p:cNvCxnSpPr>
-          <p:nvPr/>
-        </p:nvCxnSpPr>
-        <p:spPr>
-          <a:xfrm flipH="1">
-            <a:off x="2228489" y="4584553"/>
-            <a:ext cx="467055" cy="0"/>
-          </a:xfrm>
-          <a:prstGeom prst="line">
-            <a:avLst/>
-          </a:prstGeom>
-          <a:ln w="12700">
-            <a:solidFill>
-              <a:srgbClr val="FFFFFF"/>
-            </a:solidFill>
-          </a:ln>
-        </p:spPr>
-        <p:style>
-          <a:lnRef idx="1">
-            <a:schemeClr val="accent1"/>
-          </a:lnRef>
-          <a:fillRef idx="0">
-            <a:schemeClr val="accent1"/>
-          </a:fillRef>
-          <a:effectRef idx="0">
-            <a:schemeClr val="accent1"/>
-          </a:effectRef>
-          <a:fontRef idx="minor">
-            <a:schemeClr val="tx1"/>
-          </a:fontRef>
-        </p:style>
-      </p:cxnSp>
-      <p:cxnSp>
-        <p:nvCxnSpPr>
-          <p:cNvPr id="370" name="Straight Connector 369">
-            <a:extLst>
-              <a:ext uri="{FF2B5EF4-FFF2-40B4-BE49-F238E27FC236}">
-                <a16:creationId xmlns:a16="http://schemas.microsoft.com/office/drawing/2014/main" id="{9687EACA-A26B-5B64-FDDA-F2B706AC369F}"/>
-              </a:ext>
-            </a:extLst>
-          </p:cNvPr>
-          <p:cNvCxnSpPr>
-            <a:cxnSpLocks/>
-          </p:cNvCxnSpPr>
-          <p:nvPr/>
-        </p:nvCxnSpPr>
-        <p:spPr>
-          <a:xfrm flipH="1">
-            <a:off x="2199489" y="3527809"/>
-            <a:ext cx="467055" cy="0"/>
-          </a:xfrm>
-          <a:prstGeom prst="line">
-            <a:avLst/>
-          </a:prstGeom>
-          <a:ln w="12700">
-            <a:solidFill>
-              <a:srgbClr val="FFFFFF"/>
-            </a:solidFill>
-          </a:ln>
-        </p:spPr>
-        <p:style>
-          <a:lnRef idx="1">
-            <a:schemeClr val="accent1"/>
-          </a:lnRef>
-          <a:fillRef idx="0">
-            <a:schemeClr val="accent1"/>
-          </a:fillRef>
-          <a:effectRef idx="0">
-            <a:schemeClr val="accent1"/>
-          </a:effectRef>
-          <a:fontRef idx="minor">
-            <a:schemeClr val="tx1"/>
-          </a:fontRef>
-        </p:style>
-      </p:cxnSp>
-      <p:cxnSp>
-        <p:nvCxnSpPr>
-          <p:cNvPr id="371" name="Straight Connector 370">
-            <a:extLst>
-              <a:ext uri="{FF2B5EF4-FFF2-40B4-BE49-F238E27FC236}">
-                <a16:creationId xmlns:a16="http://schemas.microsoft.com/office/drawing/2014/main" id="{2D80C718-288D-C0E2-2A82-AE538DB72BCD}"/>
-              </a:ext>
-            </a:extLst>
-          </p:cNvPr>
-          <p:cNvCxnSpPr>
-            <a:cxnSpLocks/>
-          </p:cNvCxnSpPr>
-          <p:nvPr/>
-        </p:nvCxnSpPr>
-        <p:spPr>
-          <a:xfrm flipH="1">
-            <a:off x="4220889" y="4565503"/>
-            <a:ext cx="694551" cy="0"/>
-          </a:xfrm>
-          <a:prstGeom prst="line">
-            <a:avLst/>
-          </a:prstGeom>
-          <a:ln w="12700">
-            <a:solidFill>
-              <a:srgbClr val="FFFFFF"/>
-            </a:solidFill>
-          </a:ln>
-        </p:spPr>
-        <p:style>
-          <a:lnRef idx="1">
-            <a:schemeClr val="accent1"/>
-          </a:lnRef>
-          <a:fillRef idx="0">
-            <a:schemeClr val="accent1"/>
-          </a:fillRef>
-          <a:effectRef idx="0">
-            <a:schemeClr val="accent1"/>
-          </a:effectRef>
-          <a:fontRef idx="minor">
-            <a:schemeClr val="tx1"/>
-          </a:fontRef>
-        </p:style>
-      </p:cxnSp>
-      <p:cxnSp>
-        <p:nvCxnSpPr>
-          <p:cNvPr id="373" name="Straight Connector 372">
-            <a:extLst>
-              <a:ext uri="{FF2B5EF4-FFF2-40B4-BE49-F238E27FC236}">
-                <a16:creationId xmlns:a16="http://schemas.microsoft.com/office/drawing/2014/main" id="{B528E208-187C-F732-71BA-543A5F211C64}"/>
-              </a:ext>
-            </a:extLst>
-          </p:cNvPr>
-          <p:cNvCxnSpPr>
-            <a:cxnSpLocks/>
-          </p:cNvCxnSpPr>
-          <p:nvPr/>
-        </p:nvCxnSpPr>
-        <p:spPr>
-          <a:xfrm flipH="1">
-            <a:off x="4210324" y="3518969"/>
-            <a:ext cx="467055" cy="0"/>
-          </a:xfrm>
-          <a:prstGeom prst="line">
-            <a:avLst/>
-          </a:prstGeom>
-          <a:ln w="12700">
-            <a:solidFill>
-              <a:srgbClr val="FFFFFF"/>
-            </a:solidFill>
-          </a:ln>
-        </p:spPr>
-        <p:style>
-          <a:lnRef idx="1">
-            <a:schemeClr val="accent1"/>
-          </a:lnRef>
-          <a:fillRef idx="0">
-            <a:schemeClr val="accent1"/>
-          </a:fillRef>
-          <a:effectRef idx="0">
-            <a:schemeClr val="accent1"/>
-          </a:effectRef>
-          <a:fontRef idx="minor">
-            <a:schemeClr val="tx1"/>
-          </a:fontRef>
-        </p:style>
-      </p:cxnSp>
-      <p:cxnSp>
-        <p:nvCxnSpPr>
-          <p:cNvPr id="375" name="Straight Connector 374">
-            <a:extLst>
-              <a:ext uri="{FF2B5EF4-FFF2-40B4-BE49-F238E27FC236}">
-                <a16:creationId xmlns:a16="http://schemas.microsoft.com/office/drawing/2014/main" id="{3E0EDCAE-75F0-29B1-EB55-DE700BC9E969}"/>
-              </a:ext>
-            </a:extLst>
-          </p:cNvPr>
-          <p:cNvCxnSpPr>
-            <a:cxnSpLocks/>
-          </p:cNvCxnSpPr>
-          <p:nvPr/>
-        </p:nvCxnSpPr>
-        <p:spPr>
-          <a:xfrm flipH="1">
-            <a:off x="4196555" y="2051579"/>
-            <a:ext cx="45720" cy="0"/>
-          </a:xfrm>
-          <a:prstGeom prst="line">
-            <a:avLst/>
-          </a:prstGeom>
-          <a:ln w="12700">
-            <a:solidFill>
-              <a:srgbClr val="FFFFFF"/>
-            </a:solidFill>
-          </a:ln>
-        </p:spPr>
-        <p:style>
-          <a:lnRef idx="1">
-            <a:schemeClr val="accent1"/>
-          </a:lnRef>
-          <a:fillRef idx="0">
-            <a:schemeClr val="accent1"/>
-          </a:fillRef>
-          <a:effectRef idx="0">
-            <a:schemeClr val="accent1"/>
-          </a:effectRef>
-          <a:fontRef idx="minor">
-            <a:schemeClr val="tx1"/>
-          </a:fontRef>
-        </p:style>
-      </p:cxnSp>
-      <p:cxnSp>
-        <p:nvCxnSpPr>
-          <p:cNvPr id="376" name="Straight Connector 375">
-            <a:extLst>
-              <a:ext uri="{FF2B5EF4-FFF2-40B4-BE49-F238E27FC236}">
-                <a16:creationId xmlns:a16="http://schemas.microsoft.com/office/drawing/2014/main" id="{011C3562-0C70-291C-62EE-A320155BB6B3}"/>
-              </a:ext>
-            </a:extLst>
-          </p:cNvPr>
-          <p:cNvCxnSpPr>
-            <a:cxnSpLocks/>
-          </p:cNvCxnSpPr>
-          <p:nvPr/>
-        </p:nvCxnSpPr>
-        <p:spPr>
-          <a:xfrm flipH="1">
-            <a:off x="2164564" y="1931686"/>
-            <a:ext cx="573117" cy="0"/>
-          </a:xfrm>
-          <a:prstGeom prst="line">
-            <a:avLst/>
-          </a:prstGeom>
-          <a:ln w="12700">
-            <a:solidFill>
-              <a:srgbClr val="FFFFFF"/>
-            </a:solidFill>
-          </a:ln>
-        </p:spPr>
-        <p:style>
-          <a:lnRef idx="1">
-            <a:schemeClr val="accent1"/>
-          </a:lnRef>
-          <a:fillRef idx="0">
-            <a:schemeClr val="accent1"/>
-          </a:fillRef>
-          <a:effectRef idx="0">
-            <a:schemeClr val="accent1"/>
-          </a:effectRef>
-          <a:fontRef idx="minor">
-            <a:schemeClr val="tx1"/>
-          </a:fontRef>
-        </p:style>
-      </p:cxnSp>
+        </p:grpSpPr>
+        <p:grpSp>
+          <p:nvGrpSpPr>
+            <p:cNvPr id="454" name="Group 453">
+              <a:extLst>
+                <a:ext uri="{FF2B5EF4-FFF2-40B4-BE49-F238E27FC236}">
+                  <a16:creationId xmlns:a16="http://schemas.microsoft.com/office/drawing/2014/main" id="{ABDBE942-7ACC-4302-63B8-3A5B327D50C6}"/>
+                </a:ext>
+              </a:extLst>
+            </p:cNvPr>
+            <p:cNvGrpSpPr/>
+            <p:nvPr/>
+          </p:nvGrpSpPr>
+          <p:grpSpPr>
+            <a:xfrm>
+              <a:off x="3820915" y="1689874"/>
+              <a:ext cx="2129010" cy="1012194"/>
+              <a:chOff x="3801638" y="1766969"/>
+              <a:chExt cx="2129010" cy="1012194"/>
+            </a:xfrm>
+          </p:grpSpPr>
+          <p:grpSp>
+            <p:nvGrpSpPr>
+              <p:cNvPr id="455" name="Group 454">
+                <a:extLst>
+                  <a:ext uri="{FF2B5EF4-FFF2-40B4-BE49-F238E27FC236}">
+                    <a16:creationId xmlns:a16="http://schemas.microsoft.com/office/drawing/2014/main" id="{A71BA9DE-E758-4069-D80B-740D6D18F2D9}"/>
+                  </a:ext>
+                </a:extLst>
+              </p:cNvPr>
+              <p:cNvGrpSpPr/>
+              <p:nvPr/>
+            </p:nvGrpSpPr>
+            <p:grpSpPr>
+              <a:xfrm>
+                <a:off x="3801638" y="1766969"/>
+                <a:ext cx="2129010" cy="1012194"/>
+                <a:chOff x="3801638" y="1766969"/>
+                <a:chExt cx="2129010" cy="1012194"/>
+              </a:xfrm>
+            </p:grpSpPr>
+            <p:pic>
+              <p:nvPicPr>
+                <p:cNvPr id="457" name="Picture 456">
+                  <a:extLst>
+                    <a:ext uri="{FF2B5EF4-FFF2-40B4-BE49-F238E27FC236}">
+                      <a16:creationId xmlns:a16="http://schemas.microsoft.com/office/drawing/2014/main" id="{30A3792B-10D2-A411-35FD-523BA8C6B0F3}"/>
+                    </a:ext>
+                  </a:extLst>
+                </p:cNvPr>
+                <p:cNvPicPr>
+                  <a:picLocks noChangeAspect="1"/>
+                </p:cNvPicPr>
+                <p:nvPr/>
+              </p:nvPicPr>
+              <p:blipFill rotWithShape="1">
+                <a:blip r:embed="rId13"/>
+                <a:srcRect l="-21342" t="74454" r="21342" b="-3777"/>
+                <a:stretch/>
+              </p:blipFill>
+              <p:spPr>
+                <a:xfrm>
+                  <a:off x="3801638" y="2409831"/>
+                  <a:ext cx="1753703" cy="369332"/>
+                </a:xfrm>
+                <a:prstGeom prst="rect">
+                  <a:avLst/>
+                </a:prstGeom>
+              </p:spPr>
+            </p:pic>
+            <p:pic>
+              <p:nvPicPr>
+                <p:cNvPr id="459" name="Picture 458">
+                  <a:extLst>
+                    <a:ext uri="{FF2B5EF4-FFF2-40B4-BE49-F238E27FC236}">
+                      <a16:creationId xmlns:a16="http://schemas.microsoft.com/office/drawing/2014/main" id="{863FEF76-2816-E7E7-5F33-B442D9011E4D}"/>
+                    </a:ext>
+                  </a:extLst>
+                </p:cNvPr>
+                <p:cNvPicPr>
+                  <a:picLocks noChangeAspect="1"/>
+                </p:cNvPicPr>
+                <p:nvPr/>
+              </p:nvPicPr>
+              <p:blipFill rotWithShape="1">
+                <a:blip r:embed="rId28"/>
+                <a:srcRect t="7494" b="52685"/>
+                <a:stretch/>
+              </p:blipFill>
+              <p:spPr>
+                <a:xfrm>
+                  <a:off x="4176944" y="1766969"/>
+                  <a:ext cx="1753704" cy="493975"/>
+                </a:xfrm>
+                <a:prstGeom prst="rect">
+                  <a:avLst/>
+                </a:prstGeom>
+              </p:spPr>
+            </p:pic>
+            <p:sp>
+              <p:nvSpPr>
+                <p:cNvPr id="460" name="TextBox 459">
+                  <a:extLst>
+                    <a:ext uri="{FF2B5EF4-FFF2-40B4-BE49-F238E27FC236}">
+                      <a16:creationId xmlns:a16="http://schemas.microsoft.com/office/drawing/2014/main" id="{CC63B5B3-5E3D-463B-785D-39D890B8D4F3}"/>
+                    </a:ext>
+                  </a:extLst>
+                </p:cNvPr>
+                <p:cNvSpPr txBox="1"/>
+                <p:nvPr/>
+              </p:nvSpPr>
+              <p:spPr>
+                <a:xfrm>
+                  <a:off x="5052963" y="2438703"/>
+                  <a:ext cx="287258" cy="184666"/>
+                </a:xfrm>
+                <a:prstGeom prst="rect">
+                  <a:avLst/>
+                </a:prstGeom>
+                <a:noFill/>
+              </p:spPr>
+              <p:txBody>
+                <a:bodyPr wrap="none" rtlCol="0">
+                  <a:spAutoFit/>
+                </a:bodyPr>
+                <a:lstStyle/>
+                <a:p>
+                  <a:r>
+                    <a:rPr lang="en-US" sz="600" dirty="0"/>
+                    <a:t>Ma</a:t>
+                  </a:r>
+                </a:p>
+              </p:txBody>
+            </p:sp>
+          </p:grpSp>
+          <p:cxnSp>
+            <p:nvCxnSpPr>
+              <p:cNvPr id="456" name="Straight Connector 455">
+                <a:extLst>
+                  <a:ext uri="{FF2B5EF4-FFF2-40B4-BE49-F238E27FC236}">
+                    <a16:creationId xmlns:a16="http://schemas.microsoft.com/office/drawing/2014/main" id="{2A30C23A-2B05-E3B7-2D61-BA6F3462D4F7}"/>
+                  </a:ext>
+                </a:extLst>
+              </p:cNvPr>
+              <p:cNvCxnSpPr>
+                <a:cxnSpLocks/>
+              </p:cNvCxnSpPr>
+              <p:nvPr/>
+            </p:nvCxnSpPr>
+            <p:spPr>
+              <a:xfrm flipH="1">
+                <a:off x="4177505" y="2194454"/>
+                <a:ext cx="45720" cy="0"/>
+              </a:xfrm>
+              <a:prstGeom prst="line">
+                <a:avLst/>
+              </a:prstGeom>
+              <a:ln w="12700">
+                <a:solidFill>
+                  <a:srgbClr val="FFFFFF"/>
+                </a:solidFill>
+              </a:ln>
+            </p:spPr>
+            <p:style>
+              <a:lnRef idx="1">
+                <a:schemeClr val="accent1"/>
+              </a:lnRef>
+              <a:fillRef idx="0">
+                <a:schemeClr val="accent1"/>
+              </a:fillRef>
+              <a:effectRef idx="0">
+                <a:schemeClr val="accent1"/>
+              </a:effectRef>
+              <a:fontRef idx="minor">
+                <a:schemeClr val="tx1"/>
+              </a:fontRef>
+            </p:style>
+          </p:cxnSp>
+        </p:grpSp>
+        <p:pic>
+          <p:nvPicPr>
+            <p:cNvPr id="461" name="Picture 460">
+              <a:extLst>
+                <a:ext uri="{FF2B5EF4-FFF2-40B4-BE49-F238E27FC236}">
+                  <a16:creationId xmlns:a16="http://schemas.microsoft.com/office/drawing/2014/main" id="{EC156EEE-8688-345D-4D1B-8F67219D3E0D}"/>
+                </a:ext>
+              </a:extLst>
+            </p:cNvPr>
+            <p:cNvPicPr>
+              <a:picLocks noChangeAspect="1"/>
+            </p:cNvPicPr>
+            <p:nvPr/>
+          </p:nvPicPr>
+          <p:blipFill rotWithShape="1">
+            <a:blip r:embed="rId29"/>
+            <a:srcRect t="45643" b="26838"/>
+            <a:stretch/>
+          </p:blipFill>
+          <p:spPr>
+            <a:xfrm>
+              <a:off x="4196220" y="2014150"/>
+              <a:ext cx="1753703" cy="341375"/>
+            </a:xfrm>
+            <a:prstGeom prst="rect">
+              <a:avLst/>
+            </a:prstGeom>
+          </p:spPr>
+        </p:pic>
+      </p:grpSp>
     </p:spTree>
     <p:extLst>
       <p:ext uri="{BB962C8B-B14F-4D97-AF65-F5344CB8AC3E}">

--- a/figures/figure-small-example/figure3-cycle.pptx
+++ b/figures/figure-small-example/figure3-cycle.pptx
@@ -110,7 +110,7 @@
   <p:extLst>
     <p:ext uri="{EFAFB233-063F-42B5-8137-9DF3F51BA10A}">
       <p15:sldGuideLst xmlns:p15="http://schemas.microsoft.com/office/powerpoint/2012/main">
-        <p15:guide id="1" orient="horz" pos="2664" userDrawn="1">
+        <p15:guide id="1" orient="horz" pos="960" userDrawn="1">
           <p15:clr>
             <a:srgbClr val="A4A3A4"/>
           </p15:clr>
@@ -222,7 +222,7 @@
           <a:p>
             <a:fld id="{6EB7A7D9-E015-6D42-BCFD-33C7B660C884}" type="datetimeFigureOut">
               <a:rPr lang="en-US" smtClean="0"/>
-              <a:t>8/9/23</a:t>
+              <a:t>8/15/23</a:t>
             </a:fld>
             <a:endParaRPr lang="en-US"/>
           </a:p>
@@ -709,7 +709,7 @@
           <a:p>
             <a:fld id="{B4970447-8C83-B347-8B06-AB59AEB01EEB}" type="datetimeFigureOut">
               <a:rPr lang="en-US" smtClean="0"/>
-              <a:t>8/9/23</a:t>
+              <a:t>8/15/23</a:t>
             </a:fld>
             <a:endParaRPr lang="en-US"/>
           </a:p>
@@ -879,7 +879,7 @@
           <a:p>
             <a:fld id="{B4970447-8C83-B347-8B06-AB59AEB01EEB}" type="datetimeFigureOut">
               <a:rPr lang="en-US" smtClean="0"/>
-              <a:t>8/9/23</a:t>
+              <a:t>8/15/23</a:t>
             </a:fld>
             <a:endParaRPr lang="en-US"/>
           </a:p>
@@ -1059,7 +1059,7 @@
           <a:p>
             <a:fld id="{B4970447-8C83-B347-8B06-AB59AEB01EEB}" type="datetimeFigureOut">
               <a:rPr lang="en-US" smtClean="0"/>
-              <a:t>8/9/23</a:t>
+              <a:t>8/15/23</a:t>
             </a:fld>
             <a:endParaRPr lang="en-US"/>
           </a:p>
@@ -1229,7 +1229,7 @@
           <a:p>
             <a:fld id="{B4970447-8C83-B347-8B06-AB59AEB01EEB}" type="datetimeFigureOut">
               <a:rPr lang="en-US" smtClean="0"/>
-              <a:t>8/9/23</a:t>
+              <a:t>8/15/23</a:t>
             </a:fld>
             <a:endParaRPr lang="en-US"/>
           </a:p>
@@ -1473,7 +1473,7 @@
           <a:p>
             <a:fld id="{B4970447-8C83-B347-8B06-AB59AEB01EEB}" type="datetimeFigureOut">
               <a:rPr lang="en-US" smtClean="0"/>
-              <a:t>8/9/23</a:t>
+              <a:t>8/15/23</a:t>
             </a:fld>
             <a:endParaRPr lang="en-US"/>
           </a:p>
@@ -1705,7 +1705,7 @@
           <a:p>
             <a:fld id="{B4970447-8C83-B347-8B06-AB59AEB01EEB}" type="datetimeFigureOut">
               <a:rPr lang="en-US" smtClean="0"/>
-              <a:t>8/9/23</a:t>
+              <a:t>8/15/23</a:t>
             </a:fld>
             <a:endParaRPr lang="en-US"/>
           </a:p>
@@ -2072,7 +2072,7 @@
           <a:p>
             <a:fld id="{B4970447-8C83-B347-8B06-AB59AEB01EEB}" type="datetimeFigureOut">
               <a:rPr lang="en-US" smtClean="0"/>
-              <a:t>8/9/23</a:t>
+              <a:t>8/15/23</a:t>
             </a:fld>
             <a:endParaRPr lang="en-US"/>
           </a:p>
@@ -2190,7 +2190,7 @@
           <a:p>
             <a:fld id="{B4970447-8C83-B347-8B06-AB59AEB01EEB}" type="datetimeFigureOut">
               <a:rPr lang="en-US" smtClean="0"/>
-              <a:t>8/9/23</a:t>
+              <a:t>8/15/23</a:t>
             </a:fld>
             <a:endParaRPr lang="en-US"/>
           </a:p>
@@ -2285,7 +2285,7 @@
           <a:p>
             <a:fld id="{B4970447-8C83-B347-8B06-AB59AEB01EEB}" type="datetimeFigureOut">
               <a:rPr lang="en-US" smtClean="0"/>
-              <a:t>8/9/23</a:t>
+              <a:t>8/15/23</a:t>
             </a:fld>
             <a:endParaRPr lang="en-US"/>
           </a:p>
@@ -2562,7 +2562,7 @@
           <a:p>
             <a:fld id="{B4970447-8C83-B347-8B06-AB59AEB01EEB}" type="datetimeFigureOut">
               <a:rPr lang="en-US" smtClean="0"/>
-              <a:t>8/9/23</a:t>
+              <a:t>8/15/23</a:t>
             </a:fld>
             <a:endParaRPr lang="en-US"/>
           </a:p>
@@ -2819,7 +2819,7 @@
           <a:p>
             <a:fld id="{B4970447-8C83-B347-8B06-AB59AEB01EEB}" type="datetimeFigureOut">
               <a:rPr lang="en-US" smtClean="0"/>
-              <a:t>8/9/23</a:t>
+              <a:t>8/15/23</a:t>
             </a:fld>
             <a:endParaRPr lang="en-US"/>
           </a:p>
@@ -3032,7 +3032,7 @@
           <a:p>
             <a:fld id="{B4970447-8C83-B347-8B06-AB59AEB01EEB}" type="datetimeFigureOut">
               <a:rPr lang="en-US" smtClean="0"/>
-              <a:t>8/9/23</a:t>
+              <a:t>8/15/23</a:t>
             </a:fld>
             <a:endParaRPr lang="en-US"/>
           </a:p>
@@ -3439,10 +3439,57 @@
       </p:grpSpPr>
       <p:pic>
         <p:nvPicPr>
-          <p:cNvPr id="435" name="Graphic 434">
+          <p:cNvPr id="448" name="Picture 4">
             <a:extLst>
               <a:ext uri="{FF2B5EF4-FFF2-40B4-BE49-F238E27FC236}">
-                <a16:creationId xmlns:a16="http://schemas.microsoft.com/office/drawing/2014/main" id="{9371329F-8AE2-2E7F-CBEF-69D677E5E749}"/>
+                <a16:creationId xmlns:a16="http://schemas.microsoft.com/office/drawing/2014/main" id="{E4115944-4AB1-E85F-4FBE-6D087AF03423}"/>
+              </a:ext>
+            </a:extLst>
+          </p:cNvPr>
+          <p:cNvPicPr>
+            <a:picLocks noChangeAspect="1" noChangeArrowheads="1"/>
+          </p:cNvPicPr>
+          <p:nvPr/>
+        </p:nvPicPr>
+        <p:blipFill>
+          <a:blip r:embed="rId3">
+            <a:extLst>
+              <a:ext uri="{28A0092B-C50C-407E-A947-70E740481C1C}">
+                <a14:useLocalDpi xmlns:a14="http://schemas.microsoft.com/office/drawing/2010/main" val="0"/>
+              </a:ext>
+            </a:extLst>
+          </a:blip>
+          <a:srcRect/>
+          <a:stretch>
+            <a:fillRect/>
+          </a:stretch>
+        </p:blipFill>
+        <p:spPr bwMode="auto">
+          <a:xfrm>
+            <a:off x="4404385" y="271271"/>
+            <a:ext cx="531180" cy="274320"/>
+          </a:xfrm>
+          <a:prstGeom prst="rect">
+            <a:avLst/>
+          </a:prstGeom>
+          <a:noFill/>
+          <a:extLst>
+            <a:ext uri="{909E8E84-426E-40DD-AFC4-6F175D3DCCD1}">
+              <a14:hiddenFill xmlns:a14="http://schemas.microsoft.com/office/drawing/2010/main">
+                <a:solidFill>
+                  <a:srgbClr val="FFFFFF"/>
+                </a:solidFill>
+              </a14:hiddenFill>
+            </a:ext>
+          </a:extLst>
+        </p:spPr>
+      </p:pic>
+      <p:pic>
+        <p:nvPicPr>
+          <p:cNvPr id="28" name="Picture 27" descr="A picture containing sketch, drawing, circle, black and white&#10;&#10;Description automatically generated">
+            <a:extLst>
+              <a:ext uri="{FF2B5EF4-FFF2-40B4-BE49-F238E27FC236}">
+                <a16:creationId xmlns:a16="http://schemas.microsoft.com/office/drawing/2014/main" id="{09D00B64-E5DA-55BD-4F2D-2DBAB8A54B87}"/>
               </a:ext>
             </a:extLst>
           </p:cNvPr>
@@ -3452,20 +3499,16 @@
           <p:nvPr/>
         </p:nvPicPr>
         <p:blipFill rotWithShape="1">
-          <a:blip r:embed="rId3">
-            <a:extLst>
-              <a:ext uri="{96DAC541-7B7A-43D3-8B79-37D633B846F1}">
-                <asvg:svgBlip xmlns:asvg="http://schemas.microsoft.com/office/drawing/2016/SVG/main" r:embed="rId4"/>
-              </a:ext>
-            </a:extLst>
+          <a:blip r:embed="rId4">
+            <a:alphaModFix amt="40000"/>
           </a:blip>
-          <a:srcRect l="35103" t="4047" b="17202"/>
+          <a:srcRect t="5822" r="-1705" b="212"/>
           <a:stretch/>
         </p:blipFill>
         <p:spPr>
           <a:xfrm>
-            <a:off x="1914018" y="5625089"/>
-            <a:ext cx="3324883" cy="1911150"/>
+            <a:off x="3086930" y="1369507"/>
+            <a:ext cx="3150143" cy="4117532"/>
           </a:xfrm>
           <a:prstGeom prst="rect">
             <a:avLst/>
@@ -3474,10 +3517,10 @@
       </p:pic>
       <p:pic>
         <p:nvPicPr>
-          <p:cNvPr id="177" name="Picture 176" descr="A picture containing sketch, drawing, circle, black and white&#10;&#10;Description automatically generated">
+          <p:cNvPr id="29" name="Picture 28" descr="A picture containing sketch, drawing, circle, black and white&#10;&#10;Description automatically generated">
             <a:extLst>
               <a:ext uri="{FF2B5EF4-FFF2-40B4-BE49-F238E27FC236}">
-                <a16:creationId xmlns:a16="http://schemas.microsoft.com/office/drawing/2014/main" id="{573C6097-CF5B-CCB8-3D03-DABE93AD8F98}"/>
+                <a16:creationId xmlns:a16="http://schemas.microsoft.com/office/drawing/2014/main" id="{98C77EBE-981F-54AB-5D1D-637440B0EE4D}"/>
               </a:ext>
             </a:extLst>
           </p:cNvPr>
@@ -3487,38 +3530,7 @@
           <p:nvPr/>
         </p:nvPicPr>
         <p:blipFill rotWithShape="1">
-          <a:blip r:embed="rId5">
-            <a:alphaModFix amt="40000"/>
-          </a:blip>
-          <a:srcRect t="5822" r="-1705" b="212"/>
-          <a:stretch/>
-        </p:blipFill>
-        <p:spPr>
-          <a:xfrm>
-            <a:off x="3086930" y="1322615"/>
-            <a:ext cx="3150143" cy="4117532"/>
-          </a:xfrm>
-          <a:prstGeom prst="rect">
-            <a:avLst/>
-          </a:prstGeom>
-        </p:spPr>
-      </p:pic>
-      <p:pic>
-        <p:nvPicPr>
-          <p:cNvPr id="176" name="Picture 175" descr="A picture containing sketch, drawing, circle, black and white&#10;&#10;Description automatically generated">
-            <a:extLst>
-              <a:ext uri="{FF2B5EF4-FFF2-40B4-BE49-F238E27FC236}">
-                <a16:creationId xmlns:a16="http://schemas.microsoft.com/office/drawing/2014/main" id="{A0FE4029-F6C9-A190-6379-422705FBB165}"/>
-              </a:ext>
-            </a:extLst>
-          </p:cNvPr>
-          <p:cNvPicPr>
-            <a:picLocks noChangeAspect="1"/>
-          </p:cNvPicPr>
-          <p:nvPr/>
-        </p:nvPicPr>
-        <p:blipFill rotWithShape="1">
-          <a:blip r:embed="rId5">
+          <a:blip r:embed="rId4">
             <a:grayscl/>
             <a:alphaModFix amt="40000"/>
           </a:blip>
@@ -3527,7 +3539,7 @@
         </p:blipFill>
         <p:spPr>
           <a:xfrm>
-            <a:off x="36231" y="1319641"/>
+            <a:off x="36231" y="1366533"/>
             <a:ext cx="3142105" cy="4106963"/>
           </a:xfrm>
           <a:prstGeom prst="rect">
@@ -3540,41 +3552,950 @@
           </a:effectLst>
         </p:spPr>
       </p:pic>
-      <p:pic>
-        <p:nvPicPr>
-          <p:cNvPr id="397" name="Graphic 396">
+      <p:grpSp>
+        <p:nvGrpSpPr>
+          <p:cNvPr id="30" name="Group 29">
             <a:extLst>
               <a:ext uri="{FF2B5EF4-FFF2-40B4-BE49-F238E27FC236}">
-                <a16:creationId xmlns:a16="http://schemas.microsoft.com/office/drawing/2014/main" id="{C1B092BE-3E84-4580-183A-DC9E09D96C52}"/>
+                <a16:creationId xmlns:a16="http://schemas.microsoft.com/office/drawing/2014/main" id="{76486827-C229-4A04-72D3-0879986C2C07}"/>
               </a:ext>
             </a:extLst>
           </p:cNvPr>
-          <p:cNvPicPr>
-            <a:picLocks noChangeAspect="1"/>
-          </p:cNvPicPr>
+          <p:cNvGrpSpPr/>
           <p:nvPr/>
-        </p:nvPicPr>
-        <p:blipFill rotWithShape="1">
-          <a:blip r:embed="rId6">
+        </p:nvGrpSpPr>
+        <p:grpSpPr>
+          <a:xfrm>
+            <a:off x="423194" y="5196743"/>
+            <a:ext cx="1395645" cy="384337"/>
+            <a:chOff x="458363" y="5173297"/>
+            <a:chExt cx="1395645" cy="384337"/>
+          </a:xfrm>
+        </p:grpSpPr>
+        <p:cxnSp>
+          <p:nvCxnSpPr>
+            <p:cNvPr id="31" name="Straight Connector 30">
+              <a:extLst>
+                <a:ext uri="{FF2B5EF4-FFF2-40B4-BE49-F238E27FC236}">
+                  <a16:creationId xmlns:a16="http://schemas.microsoft.com/office/drawing/2014/main" id="{CDC2D3F3-9B95-80A8-AB2D-278ADA8F8303}"/>
+                </a:ext>
+              </a:extLst>
+            </p:cNvPr>
+            <p:cNvCxnSpPr>
+              <a:cxnSpLocks/>
+            </p:cNvCxnSpPr>
+            <p:nvPr/>
+          </p:nvCxnSpPr>
+          <p:spPr>
+            <a:xfrm>
+              <a:off x="458363" y="5220202"/>
+              <a:ext cx="829183" cy="167252"/>
+            </a:xfrm>
+            <a:prstGeom prst="line">
+              <a:avLst/>
+            </a:prstGeom>
+            <a:ln w="12700"/>
+          </p:spPr>
+          <p:style>
+            <a:lnRef idx="1">
+              <a:schemeClr val="dk1"/>
+            </a:lnRef>
+            <a:fillRef idx="0">
+              <a:schemeClr val="dk1"/>
+            </a:fillRef>
+            <a:effectRef idx="0">
+              <a:schemeClr val="dk1"/>
+            </a:effectRef>
+            <a:fontRef idx="minor">
+              <a:schemeClr val="tx1"/>
+            </a:fontRef>
+          </p:style>
+        </p:cxnSp>
+        <p:cxnSp>
+          <p:nvCxnSpPr>
+            <p:cNvPr id="32" name="Straight Connector 31">
+              <a:extLst>
+                <a:ext uri="{FF2B5EF4-FFF2-40B4-BE49-F238E27FC236}">
+                  <a16:creationId xmlns:a16="http://schemas.microsoft.com/office/drawing/2014/main" id="{E3BA0578-2B75-82B7-7949-D98DA0F99928}"/>
+                </a:ext>
+              </a:extLst>
+            </p:cNvPr>
+            <p:cNvCxnSpPr>
+              <a:cxnSpLocks/>
+            </p:cNvCxnSpPr>
+            <p:nvPr/>
+          </p:nvCxnSpPr>
+          <p:spPr>
+            <a:xfrm flipH="1">
+              <a:off x="1297821" y="5173297"/>
+              <a:ext cx="556187" cy="210840"/>
+            </a:xfrm>
+            <a:prstGeom prst="line">
+              <a:avLst/>
+            </a:prstGeom>
+            <a:ln w="12700"/>
+          </p:spPr>
+          <p:style>
+            <a:lnRef idx="1">
+              <a:schemeClr val="dk1"/>
+            </a:lnRef>
+            <a:fillRef idx="0">
+              <a:schemeClr val="dk1"/>
+            </a:fillRef>
+            <a:effectRef idx="0">
+              <a:schemeClr val="dk1"/>
+            </a:effectRef>
+            <a:fontRef idx="minor">
+              <a:schemeClr val="tx1"/>
+            </a:fontRef>
+          </p:style>
+        </p:cxnSp>
+        <p:sp>
+          <p:nvSpPr>
+            <p:cNvPr id="33" name="TextBox 32">
+              <a:extLst>
+                <a:ext uri="{FF2B5EF4-FFF2-40B4-BE49-F238E27FC236}">
+                  <a16:creationId xmlns:a16="http://schemas.microsoft.com/office/drawing/2014/main" id="{06470099-B714-94E3-2725-A9174782BAF6}"/>
+                </a:ext>
+              </a:extLst>
+            </p:cNvPr>
+            <p:cNvSpPr txBox="1"/>
+            <p:nvPr/>
+          </p:nvSpPr>
+          <p:spPr>
+            <a:xfrm rot="16200000">
+              <a:off x="1216279" y="5222927"/>
+              <a:ext cx="300082" cy="369332"/>
+            </a:xfrm>
+            <a:prstGeom prst="rect">
+              <a:avLst/>
+            </a:prstGeom>
+            <a:noFill/>
+          </p:spPr>
+          <p:txBody>
+            <a:bodyPr wrap="square" rtlCol="0">
+              <a:spAutoFit/>
+            </a:bodyPr>
+            <a:lstStyle/>
+            <a:p>
+              <a:r>
+                <a:rPr lang="en-US" dirty="0">
+                  <a:latin typeface="Helvetica Light" panose="020B0403020202020204" pitchFamily="34" charset="0"/>
+                </a:rPr>
+                <a:t>*</a:t>
+              </a:r>
+            </a:p>
+          </p:txBody>
+        </p:sp>
+      </p:grpSp>
+      <p:grpSp>
+        <p:nvGrpSpPr>
+          <p:cNvPr id="34" name="Group 33">
             <a:extLst>
-              <a:ext uri="{96DAC541-7B7A-43D3-8B79-37D633B846F1}">
-                <asvg:svgBlip xmlns:asvg="http://schemas.microsoft.com/office/drawing/2016/SVG/main" r:embed="rId7"/>
+              <a:ext uri="{FF2B5EF4-FFF2-40B4-BE49-F238E27FC236}">
+                <a16:creationId xmlns:a16="http://schemas.microsoft.com/office/drawing/2014/main" id="{6BED2FD8-0630-3597-642F-32BEBDD00055}"/>
               </a:ext>
             </a:extLst>
-          </a:blip>
-          <a:srcRect r="64697" b="18115"/>
-          <a:stretch/>
-        </p:blipFill>
-        <p:spPr>
-          <a:xfrm>
-            <a:off x="21413" y="5729524"/>
-            <a:ext cx="1963625" cy="2157455"/>
-          </a:xfrm>
-          <a:prstGeom prst="rect">
-            <a:avLst/>
-          </a:prstGeom>
-        </p:spPr>
-      </p:pic>
+          </p:cNvPr>
+          <p:cNvGrpSpPr/>
+          <p:nvPr/>
+        </p:nvGrpSpPr>
+        <p:grpSpPr>
+          <a:xfrm>
+            <a:off x="4352325" y="5230799"/>
+            <a:ext cx="1410468" cy="443478"/>
+            <a:chOff x="383376" y="3341658"/>
+            <a:chExt cx="1410468" cy="443478"/>
+          </a:xfrm>
+        </p:grpSpPr>
+        <p:cxnSp>
+          <p:nvCxnSpPr>
+            <p:cNvPr id="35" name="Straight Connector 34">
+              <a:extLst>
+                <a:ext uri="{FF2B5EF4-FFF2-40B4-BE49-F238E27FC236}">
+                  <a16:creationId xmlns:a16="http://schemas.microsoft.com/office/drawing/2014/main" id="{EA987D44-351C-C406-B342-FFF511F2F56C}"/>
+                </a:ext>
+              </a:extLst>
+            </p:cNvPr>
+            <p:cNvCxnSpPr>
+              <a:cxnSpLocks/>
+            </p:cNvCxnSpPr>
+            <p:nvPr/>
+          </p:nvCxnSpPr>
+          <p:spPr>
+            <a:xfrm flipH="1" flipV="1">
+              <a:off x="383376" y="3341658"/>
+              <a:ext cx="435331" cy="162272"/>
+            </a:xfrm>
+            <a:prstGeom prst="line">
+              <a:avLst/>
+            </a:prstGeom>
+            <a:ln w="12700"/>
+          </p:spPr>
+          <p:style>
+            <a:lnRef idx="1">
+              <a:schemeClr val="dk1"/>
+            </a:lnRef>
+            <a:fillRef idx="0">
+              <a:schemeClr val="dk1"/>
+            </a:fillRef>
+            <a:effectRef idx="0">
+              <a:schemeClr val="dk1"/>
+            </a:effectRef>
+            <a:fontRef idx="minor">
+              <a:schemeClr val="tx1"/>
+            </a:fontRef>
+          </p:style>
+        </p:cxnSp>
+        <p:cxnSp>
+          <p:nvCxnSpPr>
+            <p:cNvPr id="36" name="Straight Connector 35">
+              <a:extLst>
+                <a:ext uri="{FF2B5EF4-FFF2-40B4-BE49-F238E27FC236}">
+                  <a16:creationId xmlns:a16="http://schemas.microsoft.com/office/drawing/2014/main" id="{2832EE10-09B6-FFCA-62C7-FA9525C7E3DF}"/>
+                </a:ext>
+              </a:extLst>
+            </p:cNvPr>
+            <p:cNvCxnSpPr>
+              <a:cxnSpLocks/>
+            </p:cNvCxnSpPr>
+            <p:nvPr/>
+          </p:nvCxnSpPr>
+          <p:spPr>
+            <a:xfrm flipV="1">
+              <a:off x="828982" y="3341658"/>
+              <a:ext cx="964862" cy="153933"/>
+            </a:xfrm>
+            <a:prstGeom prst="line">
+              <a:avLst/>
+            </a:prstGeom>
+            <a:ln w="12700"/>
+          </p:spPr>
+          <p:style>
+            <a:lnRef idx="1">
+              <a:schemeClr val="dk1"/>
+            </a:lnRef>
+            <a:fillRef idx="0">
+              <a:schemeClr val="dk1"/>
+            </a:fillRef>
+            <a:effectRef idx="0">
+              <a:schemeClr val="dk1"/>
+            </a:effectRef>
+            <a:fontRef idx="minor">
+              <a:schemeClr val="tx1"/>
+            </a:fontRef>
+          </p:style>
+        </p:cxnSp>
+        <p:sp>
+          <p:nvSpPr>
+            <p:cNvPr id="37" name="TextBox 36">
+              <a:extLst>
+                <a:ext uri="{FF2B5EF4-FFF2-40B4-BE49-F238E27FC236}">
+                  <a16:creationId xmlns:a16="http://schemas.microsoft.com/office/drawing/2014/main" id="{1AE31D79-B161-5467-A036-AF7FBC74C724}"/>
+                </a:ext>
+              </a:extLst>
+            </p:cNvPr>
+            <p:cNvSpPr txBox="1"/>
+            <p:nvPr/>
+          </p:nvSpPr>
+          <p:spPr>
+            <a:xfrm>
+              <a:off x="688346" y="3415804"/>
+              <a:ext cx="274434" cy="369332"/>
+            </a:xfrm>
+            <a:prstGeom prst="rect">
+              <a:avLst/>
+            </a:prstGeom>
+            <a:noFill/>
+          </p:spPr>
+          <p:txBody>
+            <a:bodyPr wrap="none" rtlCol="0">
+              <a:spAutoFit/>
+            </a:bodyPr>
+            <a:lstStyle/>
+            <a:p>
+              <a:r>
+                <a:rPr lang="en-US" dirty="0">
+                  <a:latin typeface="Helvetica Light" panose="020B0403020202020204" pitchFamily="34" charset="0"/>
+                </a:rPr>
+                <a:t>*</a:t>
+              </a:r>
+            </a:p>
+          </p:txBody>
+        </p:sp>
+      </p:grpSp>
+      <p:grpSp>
+        <p:nvGrpSpPr>
+          <p:cNvPr id="38" name="Group 37">
+            <a:extLst>
+              <a:ext uri="{FF2B5EF4-FFF2-40B4-BE49-F238E27FC236}">
+                <a16:creationId xmlns:a16="http://schemas.microsoft.com/office/drawing/2014/main" id="{6B8CD4BF-5F4C-4F09-A507-3E5294983F72}"/>
+              </a:ext>
+            </a:extLst>
+          </p:cNvPr>
+          <p:cNvGrpSpPr/>
+          <p:nvPr/>
+        </p:nvGrpSpPr>
+        <p:grpSpPr>
+          <a:xfrm>
+            <a:off x="2417057" y="5155995"/>
+            <a:ext cx="1427855" cy="528731"/>
+            <a:chOff x="-355601" y="3304030"/>
+            <a:chExt cx="1427855" cy="528731"/>
+          </a:xfrm>
+        </p:grpSpPr>
+        <p:cxnSp>
+          <p:nvCxnSpPr>
+            <p:cNvPr id="39" name="Straight Connector 38">
+              <a:extLst>
+                <a:ext uri="{FF2B5EF4-FFF2-40B4-BE49-F238E27FC236}">
+                  <a16:creationId xmlns:a16="http://schemas.microsoft.com/office/drawing/2014/main" id="{6B59E6F8-BAEC-B7D4-854C-12F19B9B3F55}"/>
+                </a:ext>
+              </a:extLst>
+            </p:cNvPr>
+            <p:cNvCxnSpPr>
+              <a:cxnSpLocks/>
+            </p:cNvCxnSpPr>
+            <p:nvPr/>
+          </p:nvCxnSpPr>
+          <p:spPr>
+            <a:xfrm flipH="1" flipV="1">
+              <a:off x="-355601" y="3394365"/>
+              <a:ext cx="1180832" cy="146741"/>
+            </a:xfrm>
+            <a:prstGeom prst="line">
+              <a:avLst/>
+            </a:prstGeom>
+            <a:ln w="12700"/>
+          </p:spPr>
+          <p:style>
+            <a:lnRef idx="1">
+              <a:schemeClr val="dk1"/>
+            </a:lnRef>
+            <a:fillRef idx="0">
+              <a:schemeClr val="dk1"/>
+            </a:fillRef>
+            <a:effectRef idx="0">
+              <a:schemeClr val="dk1"/>
+            </a:effectRef>
+            <a:fontRef idx="minor">
+              <a:schemeClr val="tx1"/>
+            </a:fontRef>
+          </p:style>
+        </p:cxnSp>
+        <p:cxnSp>
+          <p:nvCxnSpPr>
+            <p:cNvPr id="40" name="Straight Connector 39">
+              <a:extLst>
+                <a:ext uri="{FF2B5EF4-FFF2-40B4-BE49-F238E27FC236}">
+                  <a16:creationId xmlns:a16="http://schemas.microsoft.com/office/drawing/2014/main" id="{318A45DF-9B0F-3A41-4FDA-C85CF41EBD3A}"/>
+                </a:ext>
+              </a:extLst>
+            </p:cNvPr>
+            <p:cNvCxnSpPr>
+              <a:cxnSpLocks/>
+            </p:cNvCxnSpPr>
+            <p:nvPr/>
+          </p:nvCxnSpPr>
+          <p:spPr>
+            <a:xfrm flipV="1">
+              <a:off x="830536" y="3304030"/>
+              <a:ext cx="241718" cy="243518"/>
+            </a:xfrm>
+            <a:prstGeom prst="line">
+              <a:avLst/>
+            </a:prstGeom>
+            <a:ln w="12700"/>
+          </p:spPr>
+          <p:style>
+            <a:lnRef idx="1">
+              <a:schemeClr val="dk1"/>
+            </a:lnRef>
+            <a:fillRef idx="0">
+              <a:schemeClr val="dk1"/>
+            </a:fillRef>
+            <a:effectRef idx="0">
+              <a:schemeClr val="dk1"/>
+            </a:effectRef>
+            <a:fontRef idx="minor">
+              <a:schemeClr val="tx1"/>
+            </a:fontRef>
+          </p:style>
+        </p:cxnSp>
+        <p:sp>
+          <p:nvSpPr>
+            <p:cNvPr id="41" name="TextBox 40">
+              <a:extLst>
+                <a:ext uri="{FF2B5EF4-FFF2-40B4-BE49-F238E27FC236}">
+                  <a16:creationId xmlns:a16="http://schemas.microsoft.com/office/drawing/2014/main" id="{7F9D9923-615D-2D86-F77D-270693BDFEE7}"/>
+                </a:ext>
+              </a:extLst>
+            </p:cNvPr>
+            <p:cNvSpPr txBox="1"/>
+            <p:nvPr/>
+          </p:nvSpPr>
+          <p:spPr>
+            <a:xfrm>
+              <a:off x="701046" y="3463429"/>
+              <a:ext cx="274434" cy="369332"/>
+            </a:xfrm>
+            <a:prstGeom prst="rect">
+              <a:avLst/>
+            </a:prstGeom>
+            <a:noFill/>
+          </p:spPr>
+          <p:txBody>
+            <a:bodyPr wrap="none" rtlCol="0">
+              <a:spAutoFit/>
+            </a:bodyPr>
+            <a:lstStyle/>
+            <a:p>
+              <a:r>
+                <a:rPr lang="en-US" dirty="0">
+                  <a:latin typeface="Helvetica Light" panose="020B0403020202020204" pitchFamily="34" charset="0"/>
+                </a:rPr>
+                <a:t>*</a:t>
+              </a:r>
+            </a:p>
+          </p:txBody>
+        </p:sp>
+      </p:grpSp>
+      <p:grpSp>
+        <p:nvGrpSpPr>
+          <p:cNvPr id="42" name="Group 41">
+            <a:extLst>
+              <a:ext uri="{FF2B5EF4-FFF2-40B4-BE49-F238E27FC236}">
+                <a16:creationId xmlns:a16="http://schemas.microsoft.com/office/drawing/2014/main" id="{14EC1DE6-AFA2-3483-25AB-CA3E323C2CBD}"/>
+              </a:ext>
+            </a:extLst>
+          </p:cNvPr>
+          <p:cNvGrpSpPr/>
+          <p:nvPr/>
+        </p:nvGrpSpPr>
+        <p:grpSpPr>
+          <a:xfrm>
+            <a:off x="5769525" y="1566518"/>
+            <a:ext cx="444687" cy="995450"/>
+            <a:chOff x="-338382" y="5539024"/>
+            <a:chExt cx="444687" cy="995450"/>
+          </a:xfrm>
+        </p:grpSpPr>
+        <p:cxnSp>
+          <p:nvCxnSpPr>
+            <p:cNvPr id="43" name="Straight Connector 42">
+              <a:extLst>
+                <a:ext uri="{FF2B5EF4-FFF2-40B4-BE49-F238E27FC236}">
+                  <a16:creationId xmlns:a16="http://schemas.microsoft.com/office/drawing/2014/main" id="{97E18944-E605-2016-BCBC-583A93E40CBD}"/>
+                </a:ext>
+              </a:extLst>
+            </p:cNvPr>
+            <p:cNvCxnSpPr>
+              <a:cxnSpLocks/>
+            </p:cNvCxnSpPr>
+            <p:nvPr/>
+          </p:nvCxnSpPr>
+          <p:spPr>
+            <a:xfrm flipH="1" flipV="1">
+              <a:off x="-338382" y="5539024"/>
+              <a:ext cx="312303" cy="342610"/>
+            </a:xfrm>
+            <a:prstGeom prst="line">
+              <a:avLst/>
+            </a:prstGeom>
+            <a:ln w="12700"/>
+          </p:spPr>
+          <p:style>
+            <a:lnRef idx="1">
+              <a:schemeClr val="dk1"/>
+            </a:lnRef>
+            <a:fillRef idx="0">
+              <a:schemeClr val="dk1"/>
+            </a:fillRef>
+            <a:effectRef idx="0">
+              <a:schemeClr val="dk1"/>
+            </a:effectRef>
+            <a:fontRef idx="minor">
+              <a:schemeClr val="tx1"/>
+            </a:fontRef>
+          </p:style>
+        </p:cxnSp>
+        <p:cxnSp>
+          <p:nvCxnSpPr>
+            <p:cNvPr id="44" name="Straight Connector 43">
+              <a:extLst>
+                <a:ext uri="{FF2B5EF4-FFF2-40B4-BE49-F238E27FC236}">
+                  <a16:creationId xmlns:a16="http://schemas.microsoft.com/office/drawing/2014/main" id="{F8752F0D-002C-C826-CB2A-F943A30E4B15}"/>
+                </a:ext>
+              </a:extLst>
+            </p:cNvPr>
+            <p:cNvCxnSpPr>
+              <a:cxnSpLocks/>
+            </p:cNvCxnSpPr>
+            <p:nvPr/>
+          </p:nvCxnSpPr>
+          <p:spPr>
+            <a:xfrm flipH="1">
+              <a:off x="-238828" y="5905598"/>
+              <a:ext cx="215753" cy="628876"/>
+            </a:xfrm>
+            <a:prstGeom prst="line">
+              <a:avLst/>
+            </a:prstGeom>
+            <a:ln w="12700"/>
+          </p:spPr>
+          <p:style>
+            <a:lnRef idx="1">
+              <a:schemeClr val="dk1"/>
+            </a:lnRef>
+            <a:fillRef idx="0">
+              <a:schemeClr val="dk1"/>
+            </a:fillRef>
+            <a:effectRef idx="0">
+              <a:schemeClr val="dk1"/>
+            </a:effectRef>
+            <a:fontRef idx="minor">
+              <a:schemeClr val="tx1"/>
+            </a:fontRef>
+          </p:style>
+        </p:cxnSp>
+        <p:sp>
+          <p:nvSpPr>
+            <p:cNvPr id="45" name="TextBox 44">
+              <a:extLst>
+                <a:ext uri="{FF2B5EF4-FFF2-40B4-BE49-F238E27FC236}">
+                  <a16:creationId xmlns:a16="http://schemas.microsoft.com/office/drawing/2014/main" id="{29316F95-38EC-A98E-FC7D-E6F0CC7773DA}"/>
+                </a:ext>
+              </a:extLst>
+            </p:cNvPr>
+            <p:cNvSpPr txBox="1"/>
+            <p:nvPr/>
+          </p:nvSpPr>
+          <p:spPr>
+            <a:xfrm>
+              <a:off x="-168129" y="5770814"/>
+              <a:ext cx="274434" cy="369332"/>
+            </a:xfrm>
+            <a:prstGeom prst="rect">
+              <a:avLst/>
+            </a:prstGeom>
+            <a:noFill/>
+          </p:spPr>
+          <p:txBody>
+            <a:bodyPr wrap="none" rtlCol="0">
+              <a:spAutoFit/>
+            </a:bodyPr>
+            <a:lstStyle/>
+            <a:p>
+              <a:r>
+                <a:rPr lang="en-US" dirty="0">
+                  <a:latin typeface="Helvetica Light" panose="020B0403020202020204" pitchFamily="34" charset="0"/>
+                </a:rPr>
+                <a:t>*</a:t>
+              </a:r>
+            </a:p>
+          </p:txBody>
+        </p:sp>
+      </p:grpSp>
+      <p:grpSp>
+        <p:nvGrpSpPr>
+          <p:cNvPr id="46" name="Group 45">
+            <a:extLst>
+              <a:ext uri="{FF2B5EF4-FFF2-40B4-BE49-F238E27FC236}">
+                <a16:creationId xmlns:a16="http://schemas.microsoft.com/office/drawing/2014/main" id="{27189521-95C0-24F1-A4FB-09A1CCCB735B}"/>
+              </a:ext>
+            </a:extLst>
+          </p:cNvPr>
+          <p:cNvGrpSpPr/>
+          <p:nvPr/>
+        </p:nvGrpSpPr>
+        <p:grpSpPr>
+          <a:xfrm>
+            <a:off x="3351692" y="1691608"/>
+            <a:ext cx="880098" cy="1429969"/>
+            <a:chOff x="-679314" y="5430753"/>
+            <a:chExt cx="880098" cy="1429969"/>
+          </a:xfrm>
+        </p:grpSpPr>
+        <p:cxnSp>
+          <p:nvCxnSpPr>
+            <p:cNvPr id="47" name="Straight Connector 46">
+              <a:extLst>
+                <a:ext uri="{FF2B5EF4-FFF2-40B4-BE49-F238E27FC236}">
+                  <a16:creationId xmlns:a16="http://schemas.microsoft.com/office/drawing/2014/main" id="{7E46286E-5744-BADE-77C0-025650EA670E}"/>
+                </a:ext>
+              </a:extLst>
+            </p:cNvPr>
+            <p:cNvCxnSpPr>
+              <a:cxnSpLocks/>
+            </p:cNvCxnSpPr>
+            <p:nvPr/>
+          </p:nvCxnSpPr>
+          <p:spPr>
+            <a:xfrm flipH="1" flipV="1">
+              <a:off x="-130080" y="5430753"/>
+              <a:ext cx="187122" cy="1182525"/>
+            </a:xfrm>
+            <a:prstGeom prst="line">
+              <a:avLst/>
+            </a:prstGeom>
+            <a:ln w="12700"/>
+          </p:spPr>
+          <p:style>
+            <a:lnRef idx="1">
+              <a:schemeClr val="dk1"/>
+            </a:lnRef>
+            <a:fillRef idx="0">
+              <a:schemeClr val="dk1"/>
+            </a:fillRef>
+            <a:effectRef idx="0">
+              <a:schemeClr val="dk1"/>
+            </a:effectRef>
+            <a:fontRef idx="minor">
+              <a:schemeClr val="tx1"/>
+            </a:fontRef>
+          </p:style>
+        </p:cxnSp>
+        <p:cxnSp>
+          <p:nvCxnSpPr>
+            <p:cNvPr id="48" name="Straight Connector 47">
+              <a:extLst>
+                <a:ext uri="{FF2B5EF4-FFF2-40B4-BE49-F238E27FC236}">
+                  <a16:creationId xmlns:a16="http://schemas.microsoft.com/office/drawing/2014/main" id="{C35878E0-FE44-DA9A-37D5-298B54BFEDCD}"/>
+                </a:ext>
+              </a:extLst>
+            </p:cNvPr>
+            <p:cNvCxnSpPr>
+              <a:cxnSpLocks/>
+            </p:cNvCxnSpPr>
+            <p:nvPr/>
+          </p:nvCxnSpPr>
+          <p:spPr>
+            <a:xfrm flipH="1" flipV="1">
+              <a:off x="-679314" y="6482713"/>
+              <a:ext cx="716038" cy="119205"/>
+            </a:xfrm>
+            <a:prstGeom prst="line">
+              <a:avLst/>
+            </a:prstGeom>
+            <a:ln w="12700"/>
+          </p:spPr>
+          <p:style>
+            <a:lnRef idx="1">
+              <a:schemeClr val="dk1"/>
+            </a:lnRef>
+            <a:fillRef idx="0">
+              <a:schemeClr val="dk1"/>
+            </a:fillRef>
+            <a:effectRef idx="0">
+              <a:schemeClr val="dk1"/>
+            </a:effectRef>
+            <a:fontRef idx="minor">
+              <a:schemeClr val="tx1"/>
+            </a:fontRef>
+          </p:style>
+        </p:cxnSp>
+        <p:sp>
+          <p:nvSpPr>
+            <p:cNvPr id="49" name="TextBox 48">
+              <a:extLst>
+                <a:ext uri="{FF2B5EF4-FFF2-40B4-BE49-F238E27FC236}">
+                  <a16:creationId xmlns:a16="http://schemas.microsoft.com/office/drawing/2014/main" id="{4A535999-526F-6138-2C66-C7285C6B5309}"/>
+                </a:ext>
+              </a:extLst>
+            </p:cNvPr>
+            <p:cNvSpPr txBox="1"/>
+            <p:nvPr/>
+          </p:nvSpPr>
+          <p:spPr>
+            <a:xfrm>
+              <a:off x="-73650" y="6491390"/>
+              <a:ext cx="274434" cy="369332"/>
+            </a:xfrm>
+            <a:prstGeom prst="rect">
+              <a:avLst/>
+            </a:prstGeom>
+            <a:noFill/>
+          </p:spPr>
+          <p:txBody>
+            <a:bodyPr wrap="none" rtlCol="0">
+              <a:spAutoFit/>
+            </a:bodyPr>
+            <a:lstStyle/>
+            <a:p>
+              <a:r>
+                <a:rPr lang="en-US" dirty="0">
+                  <a:latin typeface="Helvetica Light" panose="020B0403020202020204" pitchFamily="34" charset="0"/>
+                </a:rPr>
+                <a:t>*</a:t>
+              </a:r>
+            </a:p>
+          </p:txBody>
+        </p:sp>
+      </p:grpSp>
+      <p:grpSp>
+        <p:nvGrpSpPr>
+          <p:cNvPr id="50" name="Group 49">
+            <a:extLst>
+              <a:ext uri="{FF2B5EF4-FFF2-40B4-BE49-F238E27FC236}">
+                <a16:creationId xmlns:a16="http://schemas.microsoft.com/office/drawing/2014/main" id="{8D23434B-0440-28F4-5D7C-3A8D3D05C1B5}"/>
+              </a:ext>
+            </a:extLst>
+          </p:cNvPr>
+          <p:cNvGrpSpPr/>
+          <p:nvPr/>
+        </p:nvGrpSpPr>
+        <p:grpSpPr>
+          <a:xfrm>
+            <a:off x="12113" y="2072989"/>
+            <a:ext cx="449744" cy="875469"/>
+            <a:chOff x="1137937" y="4640646"/>
+            <a:chExt cx="449744" cy="875469"/>
+          </a:xfrm>
+        </p:grpSpPr>
+        <p:cxnSp>
+          <p:nvCxnSpPr>
+            <p:cNvPr id="51" name="Straight Connector 50">
+              <a:extLst>
+                <a:ext uri="{FF2B5EF4-FFF2-40B4-BE49-F238E27FC236}">
+                  <a16:creationId xmlns:a16="http://schemas.microsoft.com/office/drawing/2014/main" id="{C74DCA73-B0D0-BF58-A6DE-9306A16A5A64}"/>
+                </a:ext>
+              </a:extLst>
+            </p:cNvPr>
+            <p:cNvCxnSpPr>
+              <a:cxnSpLocks/>
+            </p:cNvCxnSpPr>
+            <p:nvPr/>
+          </p:nvCxnSpPr>
+          <p:spPr>
+            <a:xfrm flipH="1">
+              <a:off x="1271042" y="4640646"/>
+              <a:ext cx="66464" cy="727011"/>
+            </a:xfrm>
+            <a:prstGeom prst="line">
+              <a:avLst/>
+            </a:prstGeom>
+            <a:ln w="12700"/>
+          </p:spPr>
+          <p:style>
+            <a:lnRef idx="1">
+              <a:schemeClr val="dk1"/>
+            </a:lnRef>
+            <a:fillRef idx="0">
+              <a:schemeClr val="dk1"/>
+            </a:fillRef>
+            <a:effectRef idx="0">
+              <a:schemeClr val="dk1"/>
+            </a:effectRef>
+            <a:fontRef idx="minor">
+              <a:schemeClr val="tx1"/>
+            </a:fontRef>
+          </p:style>
+        </p:cxnSp>
+        <p:cxnSp>
+          <p:nvCxnSpPr>
+            <p:cNvPr id="52" name="Straight Connector 51">
+              <a:extLst>
+                <a:ext uri="{FF2B5EF4-FFF2-40B4-BE49-F238E27FC236}">
+                  <a16:creationId xmlns:a16="http://schemas.microsoft.com/office/drawing/2014/main" id="{B9638243-469F-F9BD-11D4-31AAA13AA997}"/>
+                </a:ext>
+              </a:extLst>
+            </p:cNvPr>
+            <p:cNvCxnSpPr>
+              <a:cxnSpLocks/>
+            </p:cNvCxnSpPr>
+            <p:nvPr/>
+          </p:nvCxnSpPr>
+          <p:spPr>
+            <a:xfrm flipH="1">
+              <a:off x="1272236" y="5319217"/>
+              <a:ext cx="315445" cy="48439"/>
+            </a:xfrm>
+            <a:prstGeom prst="line">
+              <a:avLst/>
+            </a:prstGeom>
+            <a:ln w="12700"/>
+          </p:spPr>
+          <p:style>
+            <a:lnRef idx="1">
+              <a:schemeClr val="dk1"/>
+            </a:lnRef>
+            <a:fillRef idx="0">
+              <a:schemeClr val="dk1"/>
+            </a:fillRef>
+            <a:effectRef idx="0">
+              <a:schemeClr val="dk1"/>
+            </a:effectRef>
+            <a:fontRef idx="minor">
+              <a:schemeClr val="tx1"/>
+            </a:fontRef>
+          </p:style>
+        </p:cxnSp>
+        <p:sp>
+          <p:nvSpPr>
+            <p:cNvPr id="53" name="TextBox 52">
+              <a:extLst>
+                <a:ext uri="{FF2B5EF4-FFF2-40B4-BE49-F238E27FC236}">
+                  <a16:creationId xmlns:a16="http://schemas.microsoft.com/office/drawing/2014/main" id="{1530E780-3556-F9A6-BC8F-00A4F54048B6}"/>
+                </a:ext>
+              </a:extLst>
+            </p:cNvPr>
+            <p:cNvSpPr txBox="1"/>
+            <p:nvPr/>
+          </p:nvSpPr>
+          <p:spPr>
+            <a:xfrm rot="16200000">
+              <a:off x="1172562" y="5181408"/>
+              <a:ext cx="300082" cy="369332"/>
+            </a:xfrm>
+            <a:prstGeom prst="rect">
+              <a:avLst/>
+            </a:prstGeom>
+            <a:noFill/>
+          </p:spPr>
+          <p:txBody>
+            <a:bodyPr wrap="square" rtlCol="0">
+              <a:spAutoFit/>
+            </a:bodyPr>
+            <a:lstStyle/>
+            <a:p>
+              <a:r>
+                <a:rPr lang="en-US" dirty="0">
+                  <a:latin typeface="Helvetica Light" panose="020B0403020202020204" pitchFamily="34" charset="0"/>
+                </a:rPr>
+                <a:t>*</a:t>
+              </a:r>
+            </a:p>
+          </p:txBody>
+        </p:sp>
+      </p:grpSp>
+      <p:grpSp>
+        <p:nvGrpSpPr>
+          <p:cNvPr id="23" name="Group 22">
+            <a:extLst>
+              <a:ext uri="{FF2B5EF4-FFF2-40B4-BE49-F238E27FC236}">
+                <a16:creationId xmlns:a16="http://schemas.microsoft.com/office/drawing/2014/main" id="{B88DF98A-FABE-557A-6265-CA5E6A3E926E}"/>
+              </a:ext>
+            </a:extLst>
+          </p:cNvPr>
+          <p:cNvGrpSpPr/>
+          <p:nvPr/>
+        </p:nvGrpSpPr>
+        <p:grpSpPr>
+          <a:xfrm>
+            <a:off x="1934484" y="5615670"/>
+            <a:ext cx="3656108" cy="2125193"/>
+            <a:chOff x="1864146" y="5568778"/>
+            <a:chExt cx="3656108" cy="2125193"/>
+          </a:xfrm>
+        </p:grpSpPr>
+        <p:pic>
+          <p:nvPicPr>
+            <p:cNvPr id="20" name="Graphic 19">
+              <a:extLst>
+                <a:ext uri="{FF2B5EF4-FFF2-40B4-BE49-F238E27FC236}">
+                  <a16:creationId xmlns:a16="http://schemas.microsoft.com/office/drawing/2014/main" id="{0D124394-2332-E5EB-E8F1-F645935DDF49}"/>
+                </a:ext>
+              </a:extLst>
+            </p:cNvPr>
+            <p:cNvPicPr>
+              <a:picLocks noChangeAspect="1"/>
+            </p:cNvPicPr>
+            <p:nvPr/>
+          </p:nvPicPr>
+          <p:blipFill rotWithShape="1">
+            <a:blip r:embed="rId5">
+              <a:extLst>
+                <a:ext uri="{96DAC541-7B7A-43D3-8B79-37D633B846F1}">
+                  <asvg:svgBlip xmlns:asvg="http://schemas.microsoft.com/office/drawing/2016/SVG/main" r:embed="rId6"/>
+                </a:ext>
+              </a:extLst>
+            </a:blip>
+            <a:srcRect l="35103" t="4047" b="17202"/>
+            <a:stretch/>
+          </p:blipFill>
+          <p:spPr>
+            <a:xfrm>
+              <a:off x="2077010" y="5568778"/>
+              <a:ext cx="3443244" cy="1979184"/>
+            </a:xfrm>
+            <a:prstGeom prst="rect">
+              <a:avLst/>
+            </a:prstGeom>
+          </p:spPr>
+        </p:pic>
+        <p:pic>
+          <p:nvPicPr>
+            <p:cNvPr id="21" name="Graphic 20">
+              <a:extLst>
+                <a:ext uri="{FF2B5EF4-FFF2-40B4-BE49-F238E27FC236}">
+                  <a16:creationId xmlns:a16="http://schemas.microsoft.com/office/drawing/2014/main" id="{CF03BB33-7CB3-47DA-0F9A-9C32716E8F46}"/>
+                </a:ext>
+              </a:extLst>
+            </p:cNvPr>
+            <p:cNvPicPr>
+              <a:picLocks noChangeAspect="1"/>
+            </p:cNvPicPr>
+            <p:nvPr/>
+          </p:nvPicPr>
+          <p:blipFill rotWithShape="1">
+            <a:blip r:embed="rId7">
+              <a:extLst>
+                <a:ext uri="{96DAC541-7B7A-43D3-8B79-37D633B846F1}">
+                  <asvg:svgBlip xmlns:asvg="http://schemas.microsoft.com/office/drawing/2016/SVG/main" r:embed="rId8"/>
+                </a:ext>
+              </a:extLst>
+            </a:blip>
+            <a:srcRect l="31113" t="85883" r="22652" b="2690"/>
+            <a:stretch/>
+          </p:blipFill>
+          <p:spPr>
+            <a:xfrm>
+              <a:off x="1864146" y="7406792"/>
+              <a:ext cx="2453105" cy="287179"/>
+            </a:xfrm>
+            <a:prstGeom prst="rect">
+              <a:avLst/>
+            </a:prstGeom>
+          </p:spPr>
+        </p:pic>
+        <p:sp>
+          <p:nvSpPr>
+            <p:cNvPr id="22" name="TextBox 21">
+              <a:extLst>
+                <a:ext uri="{FF2B5EF4-FFF2-40B4-BE49-F238E27FC236}">
+                  <a16:creationId xmlns:a16="http://schemas.microsoft.com/office/drawing/2014/main" id="{EBF3F411-AE7E-26ED-060C-950F93235BD3}"/>
+                </a:ext>
+              </a:extLst>
+            </p:cNvPr>
+            <p:cNvSpPr txBox="1"/>
+            <p:nvPr/>
+          </p:nvSpPr>
+          <p:spPr>
+            <a:xfrm>
+              <a:off x="4263510" y="7437862"/>
+              <a:ext cx="309700" cy="200055"/>
+            </a:xfrm>
+            <a:prstGeom prst="rect">
+              <a:avLst/>
+            </a:prstGeom>
+            <a:noFill/>
+          </p:spPr>
+          <p:txBody>
+            <a:bodyPr wrap="none" rtlCol="0">
+              <a:spAutoFit/>
+            </a:bodyPr>
+            <a:lstStyle/>
+            <a:p>
+              <a:r>
+                <a:rPr lang="en-US" sz="700" dirty="0">
+                  <a:latin typeface="Helvetica Light" panose="020B0403020202020204" pitchFamily="34" charset="0"/>
+                </a:rPr>
+                <a:t>Ma</a:t>
+              </a:r>
+            </a:p>
+          </p:txBody>
+        </p:sp>
+      </p:grpSp>
       <p:sp>
         <p:nvSpPr>
           <p:cNvPr id="73" name="Rectangle 72">
@@ -3589,14 +4510,14 @@
         </p:nvSpPr>
         <p:spPr>
           <a:xfrm>
-            <a:off x="4374880" y="31228"/>
-            <a:ext cx="2455597" cy="1139252"/>
+            <a:off x="4374880" y="31227"/>
+            <a:ext cx="2455597" cy="1178367"/>
           </a:xfrm>
           <a:prstGeom prst="rect">
             <a:avLst/>
           </a:prstGeom>
           <a:noFill/>
-          <a:ln w="19050">
+          <a:ln w="12700">
             <a:solidFill>
               <a:schemeClr val="tx1"/>
             </a:solidFill>
@@ -3623,7 +4544,9 @@
           <a:lstStyle/>
           <a:p>
             <a:pPr algn="ctr"/>
-            <a:endParaRPr lang="en-US"/>
+            <a:endParaRPr lang="en-US">
+              <a:latin typeface="Helvetica Light" panose="020B0403020202020204" pitchFamily="34" charset="0"/>
+            </a:endParaRPr>
           </a:p>
         </p:txBody>
       </p:sp>
@@ -3641,14 +4564,14 @@
         </p:nvSpPr>
         <p:spPr>
           <a:xfrm>
-            <a:off x="28190" y="1310933"/>
+            <a:off x="28190" y="1357825"/>
             <a:ext cx="6147120" cy="4122021"/>
           </a:xfrm>
           <a:prstGeom prst="rect">
             <a:avLst/>
           </a:prstGeom>
           <a:noFill/>
-          <a:ln w="19050">
+          <a:ln w="12700">
             <a:solidFill>
               <a:schemeClr val="tx1"/>
             </a:solidFill>
@@ -3675,7 +4598,9 @@
           <a:lstStyle/>
           <a:p>
             <a:pPr algn="ctr"/>
-            <a:endParaRPr lang="en-US"/>
+            <a:endParaRPr lang="en-US">
+              <a:latin typeface="Helvetica Light" panose="020B0403020202020204" pitchFamily="34" charset="0"/>
+            </a:endParaRPr>
           </a:p>
         </p:txBody>
       </p:sp>
@@ -3693,8 +4618,8 @@
         </p:nvSpPr>
         <p:spPr>
           <a:xfrm>
-            <a:off x="287585" y="5642944"/>
-            <a:ext cx="303288" cy="276999"/>
+            <a:off x="287585" y="5654667"/>
+            <a:ext cx="330540" cy="276999"/>
           </a:xfrm>
           <a:prstGeom prst="rect">
             <a:avLst/>
@@ -3708,115 +4633,14 @@
           <a:lstStyle/>
           <a:p>
             <a:r>
-              <a:rPr lang="en-US" sz="1200" dirty="0"/>
+              <a:rPr lang="en-US" sz="1200" dirty="0">
+                <a:latin typeface="Helvetica Light" panose="020B0403020202020204" pitchFamily="34" charset="0"/>
+              </a:rPr>
               <a:t>g)</a:t>
             </a:r>
           </a:p>
         </p:txBody>
       </p:sp>
-      <p:grpSp>
-        <p:nvGrpSpPr>
-          <p:cNvPr id="298" name="Group 297">
-            <a:extLst>
-              <a:ext uri="{FF2B5EF4-FFF2-40B4-BE49-F238E27FC236}">
-                <a16:creationId xmlns:a16="http://schemas.microsoft.com/office/drawing/2014/main" id="{C004F81B-68E0-5144-F4A0-AF6F928A0382}"/>
-              </a:ext>
-            </a:extLst>
-          </p:cNvPr>
-          <p:cNvGrpSpPr/>
-          <p:nvPr/>
-        </p:nvGrpSpPr>
-        <p:grpSpPr>
-          <a:xfrm>
-            <a:off x="4414310" y="848231"/>
-            <a:ext cx="507480" cy="286247"/>
-            <a:chOff x="5112258" y="655789"/>
-            <a:chExt cx="596323" cy="336359"/>
-          </a:xfrm>
-        </p:grpSpPr>
-        <p:sp>
-          <p:nvSpPr>
-            <p:cNvPr id="299" name="Rounded Rectangle 298">
-              <a:extLst>
-                <a:ext uri="{FF2B5EF4-FFF2-40B4-BE49-F238E27FC236}">
-                  <a16:creationId xmlns:a16="http://schemas.microsoft.com/office/drawing/2014/main" id="{03970530-648D-C1C6-4991-E8BA8A5F08FE}"/>
-                </a:ext>
-              </a:extLst>
-            </p:cNvPr>
-            <p:cNvSpPr/>
-            <p:nvPr/>
-          </p:nvSpPr>
-          <p:spPr>
-            <a:xfrm>
-              <a:off x="5112258" y="655789"/>
-              <a:ext cx="596323" cy="336359"/>
-            </a:xfrm>
-            <a:prstGeom prst="roundRect">
-              <a:avLst/>
-            </a:prstGeom>
-            <a:solidFill>
-              <a:srgbClr val="4698AE"/>
-            </a:solidFill>
-            <a:ln>
-              <a:noFill/>
-            </a:ln>
-          </p:spPr>
-          <p:style>
-            <a:lnRef idx="2">
-              <a:schemeClr val="accent1">
-                <a:shade val="50000"/>
-              </a:schemeClr>
-            </a:lnRef>
-            <a:fillRef idx="1">
-              <a:schemeClr val="accent1"/>
-            </a:fillRef>
-            <a:effectRef idx="0">
-              <a:schemeClr val="accent1"/>
-            </a:effectRef>
-            <a:fontRef idx="minor">
-              <a:schemeClr val="lt1"/>
-            </a:fontRef>
-          </p:style>
-          <p:txBody>
-            <a:bodyPr rtlCol="0" anchor="ctr"/>
-            <a:lstStyle/>
-            <a:p>
-              <a:pPr algn="ctr"/>
-              <a:endParaRPr lang="en-US"/>
-            </a:p>
-          </p:txBody>
-        </p:sp>
-        <p:pic>
-          <p:nvPicPr>
-            <p:cNvPr id="300" name="Picture 299">
-              <a:extLst>
-                <a:ext uri="{FF2B5EF4-FFF2-40B4-BE49-F238E27FC236}">
-                  <a16:creationId xmlns:a16="http://schemas.microsoft.com/office/drawing/2014/main" id="{46FB3F3C-1F30-6A8A-7087-1D1A3011D0DE}"/>
-                </a:ext>
-              </a:extLst>
-            </p:cNvPr>
-            <p:cNvPicPr>
-              <a:picLocks noChangeAspect="1"/>
-            </p:cNvPicPr>
-            <p:nvPr/>
-          </p:nvPicPr>
-          <p:blipFill>
-            <a:blip r:embed="rId8"/>
-            <a:stretch>
-              <a:fillRect/>
-            </a:stretch>
-          </p:blipFill>
-          <p:spPr>
-            <a:xfrm>
-              <a:off x="5148194" y="698937"/>
-              <a:ext cx="475906" cy="227494"/>
-            </a:xfrm>
-            <a:prstGeom prst="rect">
-              <a:avLst/>
-            </a:prstGeom>
-          </p:spPr>
-        </p:pic>
-      </p:grpSp>
       <p:cxnSp>
         <p:nvCxnSpPr>
           <p:cNvPr id="146" name="Straight Arrow Connector 145">
@@ -3833,8 +4657,8 @@
         </p:nvCxnSpPr>
         <p:spPr>
           <a:xfrm>
-            <a:off x="6600168" y="1183587"/>
-            <a:ext cx="0" cy="4682094"/>
+            <a:off x="6600168" y="1207033"/>
+            <a:ext cx="0" cy="4746515"/>
           </a:xfrm>
           <a:prstGeom prst="straightConnector1">
             <a:avLst/>
@@ -3873,15 +4697,13 @@
           </p:cNvPr>
           <p:cNvCxnSpPr>
             <a:cxnSpLocks/>
-            <a:stCxn id="80" idx="3"/>
-            <a:endCxn id="165" idx="1"/>
           </p:cNvCxnSpPr>
           <p:nvPr/>
         </p:nvCxnSpPr>
         <p:spPr>
           <a:xfrm>
-            <a:off x="1797319" y="481408"/>
-            <a:ext cx="656283" cy="0"/>
+            <a:off x="1803433" y="481408"/>
+            <a:ext cx="603504" cy="0"/>
           </a:xfrm>
           <a:prstGeom prst="straightConnector1">
             <a:avLst/>
@@ -3923,8 +4745,8 @@
         </p:nvSpPr>
         <p:spPr>
           <a:xfrm>
-            <a:off x="2404357" y="9092"/>
-            <a:ext cx="311304" cy="276999"/>
+            <a:off x="2369188" y="-2631"/>
+            <a:ext cx="330540" cy="276999"/>
           </a:xfrm>
           <a:prstGeom prst="rect">
             <a:avLst/>
@@ -3938,7 +4760,9 @@
           <a:lstStyle/>
           <a:p>
             <a:r>
-              <a:rPr lang="en-US" sz="1200" dirty="0"/>
+              <a:rPr lang="en-US" sz="1200" dirty="0">
+                <a:latin typeface="Helvetica Light" panose="020B0403020202020204" pitchFamily="34" charset="0"/>
+              </a:rPr>
               <a:t>b)</a:t>
             </a:r>
           </a:p>
@@ -3958,8 +4782,8 @@
         </p:nvSpPr>
         <p:spPr>
           <a:xfrm>
-            <a:off x="-8952" y="1285343"/>
-            <a:ext cx="296876" cy="276999"/>
+            <a:off x="-8952" y="1332235"/>
+            <a:ext cx="320922" cy="276999"/>
           </a:xfrm>
           <a:prstGeom prst="rect">
             <a:avLst/>
@@ -3973,7 +4797,9 @@
           <a:lstStyle/>
           <a:p>
             <a:r>
-              <a:rPr lang="en-US" sz="1200" dirty="0"/>
+              <a:rPr lang="en-US" sz="1200" dirty="0">
+                <a:latin typeface="Helvetica Light" panose="020B0403020202020204" pitchFamily="34" charset="0"/>
+              </a:rPr>
               <a:t>c)</a:t>
             </a:r>
           </a:p>
@@ -3994,7 +4820,7 @@
         <p:spPr>
           <a:xfrm>
             <a:off x="4312838" y="-6918"/>
-            <a:ext cx="311304" cy="276999"/>
+            <a:ext cx="330540" cy="276999"/>
           </a:xfrm>
           <a:prstGeom prst="rect">
             <a:avLst/>
@@ -4008,7 +4834,9 @@
           <a:lstStyle/>
           <a:p>
             <a:r>
-              <a:rPr lang="en-US" sz="1200" dirty="0"/>
+              <a:rPr lang="en-US" sz="1200" dirty="0">
+                <a:latin typeface="Helvetica Light" panose="020B0403020202020204" pitchFamily="34" charset="0"/>
+              </a:rPr>
               <a:t>d)</a:t>
             </a:r>
           </a:p>
@@ -4016,10 +4844,10 @@
       </p:sp>
       <p:grpSp>
         <p:nvGrpSpPr>
-          <p:cNvPr id="231" name="Group 230">
+          <p:cNvPr id="296" name="Group 295">
             <a:extLst>
               <a:ext uri="{FF2B5EF4-FFF2-40B4-BE49-F238E27FC236}">
-                <a16:creationId xmlns:a16="http://schemas.microsoft.com/office/drawing/2014/main" id="{B0F1AE5E-1DA7-2D22-AAAF-4BF369891728}"/>
+                <a16:creationId xmlns:a16="http://schemas.microsoft.com/office/drawing/2014/main" id="{05483470-F167-DE3D-BA0F-2FAA5FC48EA7}"/>
               </a:ext>
             </a:extLst>
           </p:cNvPr>
@@ -4028,18 +4856,18 @@
         </p:nvGrpSpPr>
         <p:grpSpPr>
           <a:xfrm>
-            <a:off x="6005771" y="5879195"/>
-            <a:ext cx="825034" cy="285030"/>
-            <a:chOff x="5549921" y="5892083"/>
-            <a:chExt cx="825034" cy="285030"/>
+            <a:off x="275779" y="-1980"/>
+            <a:ext cx="1609715" cy="955846"/>
+            <a:chOff x="-111080" y="-1980"/>
+            <a:chExt cx="1609715" cy="955846"/>
           </a:xfrm>
         </p:grpSpPr>
         <p:sp>
           <p:nvSpPr>
-            <p:cNvPr id="137" name="Rectangle 136">
+            <p:cNvPr id="81" name="Rectangle 80">
               <a:extLst>
                 <a:ext uri="{FF2B5EF4-FFF2-40B4-BE49-F238E27FC236}">
-                  <a16:creationId xmlns:a16="http://schemas.microsoft.com/office/drawing/2014/main" id="{3CB21736-1BE6-2FB7-342B-60EADE1373BD}"/>
+                  <a16:creationId xmlns:a16="http://schemas.microsoft.com/office/drawing/2014/main" id="{7E8FA18E-578B-2DD4-3D31-5DDD3DDFBA7A}"/>
                 </a:ext>
               </a:extLst>
             </p:cNvPr>
@@ -4048,14 +4876,14 @@
           </p:nvSpPr>
           <p:spPr>
             <a:xfrm>
-              <a:off x="5549921" y="5892083"/>
-              <a:ext cx="825034" cy="285030"/>
+              <a:off x="-62051" y="33086"/>
+              <a:ext cx="1470850" cy="920780"/>
             </a:xfrm>
             <a:prstGeom prst="rect">
               <a:avLst/>
             </a:prstGeom>
             <a:noFill/>
-            <a:ln w="19050">
+            <a:ln w="12700">
               <a:solidFill>
                 <a:schemeClr val="tx1"/>
               </a:solidFill>
@@ -4082,383 +4910,9 @@
             <a:lstStyle/>
             <a:p>
               <a:pPr algn="ctr"/>
-              <a:endParaRPr lang="en-US"/>
-            </a:p>
-          </p:txBody>
-        </p:sp>
-        <p:sp>
-          <p:nvSpPr>
-            <p:cNvPr id="6" name="TextBox 5">
-              <a:extLst>
-                <a:ext uri="{FF2B5EF4-FFF2-40B4-BE49-F238E27FC236}">
-                  <a16:creationId xmlns:a16="http://schemas.microsoft.com/office/drawing/2014/main" id="{223D16BD-F802-9671-CAF5-1D9D71ED7E2B}"/>
-                </a:ext>
-              </a:extLst>
-            </p:cNvPr>
-            <p:cNvSpPr txBox="1"/>
-            <p:nvPr/>
-          </p:nvSpPr>
-          <p:spPr>
-            <a:xfrm>
-              <a:off x="5549921" y="5896098"/>
-              <a:ext cx="825034" cy="276999"/>
-            </a:xfrm>
-            <a:prstGeom prst="rect">
-              <a:avLst/>
-            </a:prstGeom>
-            <a:noFill/>
-          </p:spPr>
-          <p:txBody>
-            <a:bodyPr wrap="none" rtlCol="0">
-              <a:spAutoFit/>
-            </a:bodyPr>
-            <a:lstStyle/>
-            <a:p>
-              <a:r>
-                <a:rPr lang="en-US" sz="1200" dirty="0"/>
-                <a:t>e) Table 1.</a:t>
-              </a:r>
-            </a:p>
-          </p:txBody>
-        </p:sp>
-      </p:grpSp>
-      <p:grpSp>
-        <p:nvGrpSpPr>
-          <p:cNvPr id="252" name="Group 251">
-            <a:extLst>
-              <a:ext uri="{FF2B5EF4-FFF2-40B4-BE49-F238E27FC236}">
-                <a16:creationId xmlns:a16="http://schemas.microsoft.com/office/drawing/2014/main" id="{122CE759-A240-65BB-B58F-363F1927E884}"/>
-              </a:ext>
-            </a:extLst>
-          </p:cNvPr>
-          <p:cNvGrpSpPr/>
-          <p:nvPr/>
-        </p:nvGrpSpPr>
-        <p:grpSpPr>
-          <a:xfrm>
-            <a:off x="423194" y="5149851"/>
-            <a:ext cx="1395645" cy="360891"/>
-            <a:chOff x="458363" y="5173297"/>
-            <a:chExt cx="1395645" cy="360891"/>
-          </a:xfrm>
-        </p:grpSpPr>
-        <p:cxnSp>
-          <p:nvCxnSpPr>
-            <p:cNvPr id="208" name="Straight Connector 207">
-              <a:extLst>
-                <a:ext uri="{FF2B5EF4-FFF2-40B4-BE49-F238E27FC236}">
-                  <a16:creationId xmlns:a16="http://schemas.microsoft.com/office/drawing/2014/main" id="{25BB123F-465E-BB16-471B-7FEC0658190E}"/>
-                </a:ext>
-              </a:extLst>
-            </p:cNvPr>
-            <p:cNvCxnSpPr>
-              <a:cxnSpLocks/>
-            </p:cNvCxnSpPr>
-            <p:nvPr/>
-          </p:nvCxnSpPr>
-          <p:spPr>
-            <a:xfrm>
-              <a:off x="458363" y="5220202"/>
-              <a:ext cx="829183" cy="167252"/>
-            </a:xfrm>
-            <a:prstGeom prst="line">
-              <a:avLst/>
-            </a:prstGeom>
-            <a:ln w="12700"/>
-          </p:spPr>
-          <p:style>
-            <a:lnRef idx="1">
-              <a:schemeClr val="dk1"/>
-            </a:lnRef>
-            <a:fillRef idx="0">
-              <a:schemeClr val="dk1"/>
-            </a:fillRef>
-            <a:effectRef idx="0">
-              <a:schemeClr val="dk1"/>
-            </a:effectRef>
-            <a:fontRef idx="minor">
-              <a:schemeClr val="tx1"/>
-            </a:fontRef>
-          </p:style>
-        </p:cxnSp>
-        <p:cxnSp>
-          <p:nvCxnSpPr>
-            <p:cNvPr id="211" name="Straight Connector 210">
-              <a:extLst>
-                <a:ext uri="{FF2B5EF4-FFF2-40B4-BE49-F238E27FC236}">
-                  <a16:creationId xmlns:a16="http://schemas.microsoft.com/office/drawing/2014/main" id="{412F82D6-3697-3F25-CF15-88EAC9BC8450}"/>
-                </a:ext>
-              </a:extLst>
-            </p:cNvPr>
-            <p:cNvCxnSpPr>
-              <a:cxnSpLocks/>
-            </p:cNvCxnSpPr>
-            <p:nvPr/>
-          </p:nvCxnSpPr>
-          <p:spPr>
-            <a:xfrm flipH="1">
-              <a:off x="1297821" y="5173297"/>
-              <a:ext cx="556187" cy="210840"/>
-            </a:xfrm>
-            <a:prstGeom prst="line">
-              <a:avLst/>
-            </a:prstGeom>
-            <a:ln w="12700"/>
-          </p:spPr>
-          <p:style>
-            <a:lnRef idx="1">
-              <a:schemeClr val="dk1"/>
-            </a:lnRef>
-            <a:fillRef idx="0">
-              <a:schemeClr val="dk1"/>
-            </a:fillRef>
-            <a:effectRef idx="0">
-              <a:schemeClr val="dk1"/>
-            </a:effectRef>
-            <a:fontRef idx="minor">
-              <a:schemeClr val="tx1"/>
-            </a:fontRef>
-          </p:style>
-        </p:cxnSp>
-        <p:sp>
-          <p:nvSpPr>
-            <p:cNvPr id="13" name="TextBox 12">
-              <a:extLst>
-                <a:ext uri="{FF2B5EF4-FFF2-40B4-BE49-F238E27FC236}">
-                  <a16:creationId xmlns:a16="http://schemas.microsoft.com/office/drawing/2014/main" id="{664E0362-FBBE-D521-4D30-A6C3F184C475}"/>
-                </a:ext>
-              </a:extLst>
-            </p:cNvPr>
-            <p:cNvSpPr txBox="1"/>
-            <p:nvPr/>
-          </p:nvSpPr>
-          <p:spPr>
-            <a:xfrm rot="16200000">
-              <a:off x="1181110" y="5199481"/>
-              <a:ext cx="300082" cy="369332"/>
-            </a:xfrm>
-            <a:prstGeom prst="rect">
-              <a:avLst/>
-            </a:prstGeom>
-            <a:noFill/>
-          </p:spPr>
-          <p:txBody>
-            <a:bodyPr wrap="square" rtlCol="0">
-              <a:spAutoFit/>
-            </a:bodyPr>
-            <a:lstStyle/>
-            <a:p>
-              <a:r>
-                <a:rPr lang="en-US" dirty="0"/>
-                <a:t>*</a:t>
-              </a:r>
-            </a:p>
-          </p:txBody>
-        </p:sp>
-      </p:grpSp>
-      <p:grpSp>
-        <p:nvGrpSpPr>
-          <p:cNvPr id="206" name="Group 205">
-            <a:extLst>
-              <a:ext uri="{FF2B5EF4-FFF2-40B4-BE49-F238E27FC236}">
-                <a16:creationId xmlns:a16="http://schemas.microsoft.com/office/drawing/2014/main" id="{4DEC48C0-C4BA-CDF5-F1E3-AD4A71430F47}"/>
-              </a:ext>
-            </a:extLst>
-          </p:cNvPr>
-          <p:cNvGrpSpPr/>
-          <p:nvPr/>
-        </p:nvGrpSpPr>
-        <p:grpSpPr>
-          <a:xfrm>
-            <a:off x="4352325" y="5183907"/>
-            <a:ext cx="1410468" cy="384863"/>
-            <a:chOff x="383376" y="3341658"/>
-            <a:chExt cx="1410468" cy="384863"/>
-          </a:xfrm>
-        </p:grpSpPr>
-        <p:cxnSp>
-          <p:nvCxnSpPr>
-            <p:cNvPr id="196" name="Straight Connector 195">
-              <a:extLst>
-                <a:ext uri="{FF2B5EF4-FFF2-40B4-BE49-F238E27FC236}">
-                  <a16:creationId xmlns:a16="http://schemas.microsoft.com/office/drawing/2014/main" id="{8183CFAB-FD65-161C-99DC-C5199F52C77C}"/>
-                </a:ext>
-              </a:extLst>
-            </p:cNvPr>
-            <p:cNvCxnSpPr>
-              <a:cxnSpLocks/>
-            </p:cNvCxnSpPr>
-            <p:nvPr/>
-          </p:nvCxnSpPr>
-          <p:spPr>
-            <a:xfrm flipH="1" flipV="1">
-              <a:off x="383376" y="3341658"/>
-              <a:ext cx="435331" cy="162272"/>
-            </a:xfrm>
-            <a:prstGeom prst="line">
-              <a:avLst/>
-            </a:prstGeom>
-            <a:ln w="12700"/>
-          </p:spPr>
-          <p:style>
-            <a:lnRef idx="1">
-              <a:schemeClr val="dk1"/>
-            </a:lnRef>
-            <a:fillRef idx="0">
-              <a:schemeClr val="dk1"/>
-            </a:fillRef>
-            <a:effectRef idx="0">
-              <a:schemeClr val="dk1"/>
-            </a:effectRef>
-            <a:fontRef idx="minor">
-              <a:schemeClr val="tx1"/>
-            </a:fontRef>
-          </p:style>
-        </p:cxnSp>
-        <p:cxnSp>
-          <p:nvCxnSpPr>
-            <p:cNvPr id="197" name="Straight Connector 196">
-              <a:extLst>
-                <a:ext uri="{FF2B5EF4-FFF2-40B4-BE49-F238E27FC236}">
-                  <a16:creationId xmlns:a16="http://schemas.microsoft.com/office/drawing/2014/main" id="{62AE51A0-B49A-5BDB-E539-BC3696BD5686}"/>
-                </a:ext>
-              </a:extLst>
-            </p:cNvPr>
-            <p:cNvCxnSpPr>
-              <a:cxnSpLocks/>
-            </p:cNvCxnSpPr>
-            <p:nvPr/>
-          </p:nvCxnSpPr>
-          <p:spPr>
-            <a:xfrm flipV="1">
-              <a:off x="828982" y="3341658"/>
-              <a:ext cx="964862" cy="153933"/>
-            </a:xfrm>
-            <a:prstGeom prst="line">
-              <a:avLst/>
-            </a:prstGeom>
-            <a:ln w="12700"/>
-          </p:spPr>
-          <p:style>
-            <a:lnRef idx="1">
-              <a:schemeClr val="dk1"/>
-            </a:lnRef>
-            <a:fillRef idx="0">
-              <a:schemeClr val="dk1"/>
-            </a:fillRef>
-            <a:effectRef idx="0">
-              <a:schemeClr val="dk1"/>
-            </a:effectRef>
-            <a:fontRef idx="minor">
-              <a:schemeClr val="tx1"/>
-            </a:fontRef>
-          </p:style>
-        </p:cxnSp>
-        <p:sp>
-          <p:nvSpPr>
-            <p:cNvPr id="14" name="TextBox 13">
-              <a:extLst>
-                <a:ext uri="{FF2B5EF4-FFF2-40B4-BE49-F238E27FC236}">
-                  <a16:creationId xmlns:a16="http://schemas.microsoft.com/office/drawing/2014/main" id="{7F388479-5AB5-8157-EB6A-6B84176D83C3}"/>
-                </a:ext>
-              </a:extLst>
-            </p:cNvPr>
-            <p:cNvSpPr txBox="1"/>
-            <p:nvPr/>
-          </p:nvSpPr>
-          <p:spPr>
-            <a:xfrm>
-              <a:off x="676623" y="3357189"/>
-              <a:ext cx="300082" cy="369332"/>
-            </a:xfrm>
-            <a:prstGeom prst="rect">
-              <a:avLst/>
-            </a:prstGeom>
-            <a:noFill/>
-          </p:spPr>
-          <p:txBody>
-            <a:bodyPr wrap="none" rtlCol="0">
-              <a:spAutoFit/>
-            </a:bodyPr>
-            <a:lstStyle/>
-            <a:p>
-              <a:r>
-                <a:rPr lang="en-US" dirty="0"/>
-                <a:t>*</a:t>
-              </a:r>
-            </a:p>
-          </p:txBody>
-        </p:sp>
-      </p:grpSp>
-      <p:grpSp>
-        <p:nvGrpSpPr>
-          <p:cNvPr id="296" name="Group 295">
-            <a:extLst>
-              <a:ext uri="{FF2B5EF4-FFF2-40B4-BE49-F238E27FC236}">
-                <a16:creationId xmlns:a16="http://schemas.microsoft.com/office/drawing/2014/main" id="{05483470-F167-DE3D-BA0F-2FAA5FC48EA7}"/>
-              </a:ext>
-            </a:extLst>
-          </p:cNvPr>
-          <p:cNvGrpSpPr/>
-          <p:nvPr/>
-        </p:nvGrpSpPr>
-        <p:grpSpPr>
-          <a:xfrm>
-            <a:off x="369563" y="-1980"/>
-            <a:ext cx="1437818" cy="955846"/>
-            <a:chOff x="-29019" y="-1980"/>
-            <a:chExt cx="1437818" cy="955846"/>
-          </a:xfrm>
-        </p:grpSpPr>
-        <p:sp>
-          <p:nvSpPr>
-            <p:cNvPr id="81" name="Rectangle 80">
-              <a:extLst>
-                <a:ext uri="{FF2B5EF4-FFF2-40B4-BE49-F238E27FC236}">
-                  <a16:creationId xmlns:a16="http://schemas.microsoft.com/office/drawing/2014/main" id="{7E8FA18E-578B-2DD4-3D31-5DDD3DDFBA7A}"/>
-                </a:ext>
-              </a:extLst>
-            </p:cNvPr>
-            <p:cNvSpPr/>
-            <p:nvPr/>
-          </p:nvSpPr>
-          <p:spPr>
-            <a:xfrm>
-              <a:off x="36673" y="33086"/>
-              <a:ext cx="1372126" cy="920780"/>
-            </a:xfrm>
-            <a:prstGeom prst="rect">
-              <a:avLst/>
-            </a:prstGeom>
-            <a:noFill/>
-            <a:ln w="19050">
-              <a:solidFill>
-                <a:schemeClr val="tx1"/>
-              </a:solidFill>
-            </a:ln>
-          </p:spPr>
-          <p:style>
-            <a:lnRef idx="2">
-              <a:schemeClr val="accent1">
-                <a:shade val="15000"/>
-              </a:schemeClr>
-            </a:lnRef>
-            <a:fillRef idx="1">
-              <a:schemeClr val="accent1"/>
-            </a:fillRef>
-            <a:effectRef idx="0">
-              <a:schemeClr val="accent1"/>
-            </a:effectRef>
-            <a:fontRef idx="minor">
-              <a:schemeClr val="lt1"/>
-            </a:fontRef>
-          </p:style>
-          <p:txBody>
-            <a:bodyPr rtlCol="0" anchor="ctr"/>
-            <a:lstStyle/>
-            <a:p>
-              <a:pPr algn="ctr"/>
-              <a:endParaRPr lang="en-US"/>
+              <a:endParaRPr lang="en-US" i="1">
+                <a:latin typeface="Helvetica Light Oblique" panose="020B0403020202020204" pitchFamily="34" charset="0"/>
+              </a:endParaRPr>
             </a:p>
           </p:txBody>
         </p:sp>
@@ -4476,8 +4930,8 @@
           </p:nvSpPr>
           <p:spPr>
             <a:xfrm>
-              <a:off x="-29019" y="-1980"/>
-              <a:ext cx="304892" cy="276999"/>
+              <a:off x="-111080" y="-1980"/>
+              <a:ext cx="320922" cy="276999"/>
             </a:xfrm>
             <a:prstGeom prst="rect">
               <a:avLst/>
@@ -4491,7 +4945,9 @@
             <a:lstStyle/>
             <a:p>
               <a:r>
-                <a:rPr lang="en-US" sz="1200" dirty="0"/>
+                <a:rPr lang="en-US" sz="1200" dirty="0">
+                  <a:latin typeface="Helvetica Light" panose="020B0403020202020204" pitchFamily="34" charset="0"/>
+                </a:rPr>
                 <a:t>a)</a:t>
               </a:r>
             </a:p>
@@ -4511,8 +4967,8 @@
           </p:nvSpPr>
           <p:spPr>
             <a:xfrm>
-              <a:off x="123679" y="65909"/>
-              <a:ext cx="1275058" cy="830997"/>
+              <a:off x="53340" y="89355"/>
+              <a:ext cx="1445295" cy="830997"/>
             </a:xfrm>
             <a:prstGeom prst="rect">
               <a:avLst/>
@@ -4535,7 +4991,7 @@
                   <a:solidFill>
                     <a:prstClr val="black"/>
                   </a:solidFill>
-                  <a:latin typeface="Calibri" panose="020F0502020204030204"/>
+                  <a:latin typeface="Helvetica Light Oblique" panose="020B0403020202020204" pitchFamily="34" charset="0"/>
                 </a:rPr>
                 <a:t>Pheucticus</a:t>
               </a:r>
@@ -4544,7 +5000,7 @@
                   <a:solidFill>
                     <a:prstClr val="black"/>
                   </a:solidFill>
-                  <a:latin typeface="Calibri" panose="020F0502020204030204"/>
+                  <a:latin typeface="Helvetica Light Oblique" panose="020B0403020202020204" pitchFamily="34" charset="0"/>
                 </a:rPr>
                 <a:t> tibialis </a:t>
               </a:r>
@@ -4560,7 +5016,7 @@
                   <a:solidFill>
                     <a:prstClr val="black"/>
                   </a:solidFill>
-                  <a:latin typeface="Calibri" panose="020F0502020204030204"/>
+                  <a:latin typeface="Helvetica Light Oblique" panose="020B0403020202020204" pitchFamily="34" charset="0"/>
                 </a:rPr>
                 <a:t>Rhodothraupis</a:t>
               </a:r>
@@ -4569,7 +5025,7 @@
                   <a:solidFill>
                     <a:prstClr val="black"/>
                   </a:solidFill>
-                  <a:latin typeface="Calibri" panose="020F0502020204030204"/>
+                  <a:latin typeface="Helvetica Light Oblique" panose="020B0403020202020204" pitchFamily="34" charset="0"/>
                 </a:rPr>
                 <a:t> </a:t>
               </a:r>
@@ -4578,7 +5034,7 @@
                   <a:solidFill>
                     <a:prstClr val="black"/>
                   </a:solidFill>
-                  <a:latin typeface="Calibri" panose="020F0502020204030204"/>
+                  <a:latin typeface="Helvetica Light Oblique" panose="020B0403020202020204" pitchFamily="34" charset="0"/>
                 </a:rPr>
                 <a:t>celaeno</a:t>
               </a:r>
@@ -4586,7 +5042,7 @@
                 <a:solidFill>
                   <a:prstClr val="black"/>
                 </a:solidFill>
-                <a:latin typeface="Calibri" panose="020F0502020204030204"/>
+                <a:latin typeface="Helvetica Light Oblique" panose="020B0403020202020204" pitchFamily="34" charset="0"/>
               </a:endParaRPr>
             </a:p>
             <a:p>
@@ -4600,7 +5056,7 @@
                   <a:solidFill>
                     <a:prstClr val="black"/>
                   </a:solidFill>
-                  <a:latin typeface="Calibri" panose="020F0502020204030204"/>
+                  <a:latin typeface="Helvetica Light Oblique" panose="020B0403020202020204" pitchFamily="34" charset="0"/>
                 </a:rPr>
                 <a:t>Emberiza</a:t>
               </a:r>
@@ -4609,7 +5065,7 @@
                   <a:solidFill>
                     <a:prstClr val="black"/>
                   </a:solidFill>
-                  <a:latin typeface="Calibri" panose="020F0502020204030204"/>
+                  <a:latin typeface="Helvetica Light Oblique" panose="020B0403020202020204" pitchFamily="34" charset="0"/>
                 </a:rPr>
                 <a:t> </a:t>
               </a:r>
@@ -4618,7 +5074,7 @@
                   <a:solidFill>
                     <a:prstClr val="black"/>
                   </a:solidFill>
-                  <a:latin typeface="Calibri" panose="020F0502020204030204"/>
+                  <a:latin typeface="Helvetica Light Oblique" panose="020B0403020202020204" pitchFamily="34" charset="0"/>
                 </a:rPr>
                 <a:t>citrinella</a:t>
               </a:r>
@@ -4626,7 +5082,7 @@
                 <a:solidFill>
                   <a:prstClr val="black"/>
                 </a:solidFill>
-                <a:latin typeface="Calibri" panose="020F0502020204030204"/>
+                <a:latin typeface="Helvetica Light Oblique" panose="020B0403020202020204" pitchFamily="34" charset="0"/>
               </a:endParaRPr>
             </a:p>
             <a:p>
@@ -4640,7 +5096,7 @@
                   <a:solidFill>
                     <a:prstClr val="black"/>
                   </a:solidFill>
-                  <a:latin typeface="Calibri" panose="020F0502020204030204"/>
+                  <a:latin typeface="Helvetica Light Oblique" panose="020B0403020202020204" pitchFamily="34" charset="0"/>
                 </a:rPr>
                 <a:t>Emberiza</a:t>
               </a:r>
@@ -4649,7 +5105,7 @@
                   <a:solidFill>
                     <a:prstClr val="black"/>
                   </a:solidFill>
-                  <a:latin typeface="Calibri" panose="020F0502020204030204"/>
+                  <a:latin typeface="Helvetica Light Oblique" panose="020B0403020202020204" pitchFamily="34" charset="0"/>
                 </a:rPr>
                 <a:t> </a:t>
               </a:r>
@@ -4658,7 +5114,7 @@
                   <a:solidFill>
                     <a:prstClr val="black"/>
                   </a:solidFill>
-                  <a:latin typeface="Calibri" panose="020F0502020204030204"/>
+                  <a:latin typeface="Helvetica Light Oblique" panose="020B0403020202020204" pitchFamily="34" charset="0"/>
                 </a:rPr>
                 <a:t>leucocephalos</a:t>
               </a:r>
@@ -4666,7 +5122,7 @@
                 <a:solidFill>
                   <a:prstClr val="black"/>
                 </a:solidFill>
-                <a:latin typeface="Calibri" panose="020F0502020204030204"/>
+                <a:latin typeface="Helvetica Light Oblique" panose="020B0403020202020204" pitchFamily="34" charset="0"/>
               </a:endParaRPr>
             </a:p>
             <a:p>
@@ -4680,7 +5136,7 @@
                   <a:solidFill>
                     <a:prstClr val="black"/>
                   </a:solidFill>
-                  <a:latin typeface="Calibri" panose="020F0502020204030204"/>
+                  <a:latin typeface="HELVETICA LIGHT OBLIQUE" panose="020B0403020202020204" pitchFamily="34" charset="0"/>
                 </a:rPr>
                 <a:t>Emberiza</a:t>
               </a:r>
@@ -4689,7 +5145,7 @@
                   <a:solidFill>
                     <a:prstClr val="black"/>
                   </a:solidFill>
-                  <a:latin typeface="Calibri" panose="020F0502020204030204"/>
+                  <a:latin typeface="HELVETICA LIGHT OBLIQUE" panose="020B0403020202020204" pitchFamily="34" charset="0"/>
                 </a:rPr>
                 <a:t> elegans</a:t>
               </a:r>
@@ -4705,7 +5161,7 @@
                   <a:solidFill>
                     <a:prstClr val="black"/>
                   </a:solidFill>
-                  <a:latin typeface="Calibri" panose="020F0502020204030204"/>
+                  <a:latin typeface="Helvetica Light Oblique" panose="020B0403020202020204" pitchFamily="34" charset="0"/>
                 </a:rPr>
                 <a:t>Platyspiza</a:t>
               </a:r>
@@ -4714,7 +5170,7 @@
                   <a:solidFill>
                     <a:prstClr val="black"/>
                   </a:solidFill>
-                  <a:latin typeface="Calibri" panose="020F0502020204030204"/>
+                  <a:latin typeface="Helvetica Light Oblique" panose="020B0403020202020204" pitchFamily="34" charset="0"/>
                 </a:rPr>
                 <a:t> </a:t>
               </a:r>
@@ -4723,7 +5179,7 @@
                   <a:solidFill>
                     <a:prstClr val="black"/>
                   </a:solidFill>
-                  <a:latin typeface="Calibri" panose="020F0502020204030204"/>
+                  <a:latin typeface="Helvetica Light Oblique" panose="020B0403020202020204" pitchFamily="34" charset="0"/>
                 </a:rPr>
                 <a:t>crassirostris</a:t>
               </a:r>
@@ -4731,7 +5187,7 @@
                 <a:solidFill>
                   <a:prstClr val="black"/>
                 </a:solidFill>
-                <a:latin typeface="Calibri" panose="020F0502020204030204"/>
+                <a:latin typeface="Helvetica Light Oblique" panose="020B0403020202020204" pitchFamily="34" charset="0"/>
               </a:endParaRPr>
             </a:p>
           </p:txBody>
@@ -4751,7 +5207,7 @@
         </p:nvSpPr>
         <p:spPr>
           <a:xfrm>
-            <a:off x="4172180" y="3976450"/>
+            <a:off x="4172180" y="4023342"/>
             <a:ext cx="1710100" cy="1162573"/>
           </a:xfrm>
           <a:prstGeom prst="roundRect">
@@ -4802,7 +5258,9 @@
           <a:lstStyle/>
           <a:p>
             <a:pPr algn="ctr"/>
-            <a:endParaRPr lang="en-US" sz="406" dirty="0"/>
+            <a:endParaRPr lang="en-US" sz="406" dirty="0">
+              <a:latin typeface="Helvetica Light" panose="020B0403020202020204" pitchFamily="34" charset="0"/>
+            </a:endParaRPr>
           </a:p>
         </p:txBody>
       </p:sp>
@@ -4820,7 +5278,7 @@
         </p:nvSpPr>
         <p:spPr>
           <a:xfrm>
-            <a:off x="2613777" y="59623"/>
+            <a:off x="2555162" y="83069"/>
             <a:ext cx="1344721" cy="830997"/>
           </a:xfrm>
           <a:prstGeom prst="rect">
@@ -4844,7 +5302,7 @@
                 <a:solidFill>
                   <a:prstClr val="black"/>
                 </a:solidFill>
-                <a:latin typeface="Calibri" panose="020F0502020204030204"/>
+                <a:latin typeface="Helvetica Light Oblique" panose="020B0403020202020204" pitchFamily="34" charset="0"/>
               </a:rPr>
               <a:t>P. tibialis </a:t>
             </a:r>
@@ -4860,7 +5318,7 @@
                 <a:solidFill>
                   <a:prstClr val="black"/>
                 </a:solidFill>
-                <a:latin typeface="Calibri" panose="020F0502020204030204"/>
+                <a:latin typeface="Helvetica Light Oblique" panose="020B0403020202020204" pitchFamily="34" charset="0"/>
               </a:rPr>
               <a:t>R. </a:t>
             </a:r>
@@ -4869,7 +5327,7 @@
                 <a:solidFill>
                   <a:prstClr val="black"/>
                 </a:solidFill>
-                <a:latin typeface="Calibri" panose="020F0502020204030204"/>
+                <a:latin typeface="Helvetica Light Oblique" panose="020B0403020202020204" pitchFamily="34" charset="0"/>
               </a:rPr>
               <a:t>celaeno</a:t>
             </a:r>
@@ -4877,7 +5335,7 @@
               <a:solidFill>
                 <a:prstClr val="black"/>
               </a:solidFill>
-              <a:latin typeface="Calibri" panose="020F0502020204030204"/>
+              <a:latin typeface="Helvetica Light Oblique" panose="020B0403020202020204" pitchFamily="34" charset="0"/>
             </a:endParaRPr>
           </a:p>
           <a:p>
@@ -4891,7 +5349,7 @@
                 <a:solidFill>
                   <a:prstClr val="black"/>
                 </a:solidFill>
-                <a:latin typeface="Calibri" panose="020F0502020204030204"/>
+                <a:latin typeface="Helvetica Light Oblique" panose="020B0403020202020204" pitchFamily="34" charset="0"/>
               </a:rPr>
               <a:t>E. </a:t>
             </a:r>
@@ -4900,7 +5358,7 @@
                 <a:solidFill>
                   <a:prstClr val="black"/>
                 </a:solidFill>
-                <a:latin typeface="Calibri" panose="020F0502020204030204"/>
+                <a:latin typeface="Helvetica Light Oblique" panose="020B0403020202020204" pitchFamily="34" charset="0"/>
               </a:rPr>
               <a:t>citrinella</a:t>
             </a:r>
@@ -4908,7 +5366,7 @@
               <a:solidFill>
                 <a:prstClr val="black"/>
               </a:solidFill>
-              <a:latin typeface="Calibri" panose="020F0502020204030204"/>
+              <a:latin typeface="Helvetica Light Oblique" panose="020B0403020202020204" pitchFamily="34" charset="0"/>
             </a:endParaRPr>
           </a:p>
           <a:p>
@@ -4922,7 +5380,7 @@
                 <a:solidFill>
                   <a:prstClr val="black"/>
                 </a:solidFill>
-                <a:latin typeface="Calibri" panose="020F0502020204030204"/>
+                <a:latin typeface="Helvetica Light Oblique" panose="020B0403020202020204" pitchFamily="34" charset="0"/>
               </a:rPr>
               <a:t>E. </a:t>
             </a:r>
@@ -4931,7 +5389,7 @@
                 <a:solidFill>
                   <a:prstClr val="black"/>
                 </a:solidFill>
-                <a:latin typeface="Calibri" panose="020F0502020204030204"/>
+                <a:latin typeface="Helvetica Light Oblique" panose="020B0403020202020204" pitchFamily="34" charset="0"/>
               </a:rPr>
               <a:t>leucocephalos</a:t>
             </a:r>
@@ -4939,42 +5397,8 @@
               <a:solidFill>
                 <a:prstClr val="black"/>
               </a:solidFill>
-              <a:latin typeface="Calibri" panose="020F0502020204030204"/>
+              <a:latin typeface="Helvetica Light Oblique" panose="020B0403020202020204" pitchFamily="34" charset="0"/>
             </a:endParaRPr>
-          </a:p>
-          <a:p>
-            <a:pPr marL="58738" indent="-39688">
-              <a:buFont typeface="Arial" panose="020B0604020202020204" pitchFamily="34" charset="0"/>
-              <a:buChar char="•"/>
-              <a:defRPr/>
-            </a:pPr>
-            <a:r>
-              <a:rPr lang="en-US" sz="800" b="1" i="1" dirty="0">
-                <a:solidFill>
-                  <a:prstClr val="black"/>
-                </a:solidFill>
-                <a:latin typeface="Calibri" panose="020F0502020204030204"/>
-              </a:rPr>
-              <a:t> </a:t>
-            </a:r>
-            <a:r>
-              <a:rPr lang="en-US" sz="800" b="1" i="1" dirty="0" err="1">
-                <a:solidFill>
-                  <a:prstClr val="black"/>
-                </a:solidFill>
-                <a:latin typeface="Calibri" panose="020F0502020204030204"/>
-              </a:rPr>
-              <a:t>Schoeniclus</a:t>
-            </a:r>
-            <a:r>
-              <a:rPr lang="en-US" sz="800" b="1" i="1" dirty="0">
-                <a:solidFill>
-                  <a:prstClr val="black"/>
-                </a:solidFill>
-                <a:latin typeface="Calibri" panose="020F0502020204030204"/>
-              </a:rPr>
-              <a:t> elegans</a:t>
-            </a:r>
           </a:p>
           <a:p>
             <a:pPr marL="58738" indent="-39688">
@@ -4987,7 +5411,41 @@
                 <a:solidFill>
                   <a:prstClr val="black"/>
                 </a:solidFill>
-                <a:latin typeface="Calibri" panose="020F0502020204030204"/>
+                <a:latin typeface="Helvetica Light Oblique" panose="020B0403020202020204" pitchFamily="34" charset="0"/>
+              </a:rPr>
+              <a:t> </a:t>
+            </a:r>
+            <a:r>
+              <a:rPr lang="en-US" sz="800" b="1" i="1" dirty="0" err="1">
+                <a:solidFill>
+                  <a:prstClr val="black"/>
+                </a:solidFill>
+                <a:latin typeface="HELVETICA LIGHT OBLIQUE" panose="020B0403020202020204" pitchFamily="34" charset="0"/>
+              </a:rPr>
+              <a:t>Schoeniclus</a:t>
+            </a:r>
+            <a:r>
+              <a:rPr lang="en-US" sz="800" b="1" i="1" dirty="0">
+                <a:solidFill>
+                  <a:prstClr val="black"/>
+                </a:solidFill>
+                <a:latin typeface="Helvetica Light Oblique" panose="020B0403020202020204" pitchFamily="34" charset="0"/>
+              </a:rPr>
+              <a:t> elegans</a:t>
+            </a:r>
+          </a:p>
+          <a:p>
+            <a:pPr marL="58738" indent="-39688">
+              <a:buFont typeface="Arial" panose="020B0604020202020204" pitchFamily="34" charset="0"/>
+              <a:buChar char="•"/>
+              <a:defRPr/>
+            </a:pPr>
+            <a:r>
+              <a:rPr lang="en-US" sz="800" i="1" dirty="0">
+                <a:solidFill>
+                  <a:prstClr val="black"/>
+                </a:solidFill>
+                <a:latin typeface="Helvetica Light Oblique" panose="020B0403020202020204" pitchFamily="34" charset="0"/>
               </a:rPr>
               <a:t>P. </a:t>
             </a:r>
@@ -4996,15 +5454,15 @@
                 <a:solidFill>
                   <a:prstClr val="black"/>
                 </a:solidFill>
-                <a:latin typeface="Calibri" panose="020F0502020204030204"/>
+                <a:latin typeface="Helvetica Light Oblique" panose="020B0403020202020204" pitchFamily="34" charset="0"/>
               </a:rPr>
               <a:t>crassirostris</a:t>
             </a:r>
-            <a:endParaRPr lang="en-US" sz="800" dirty="0">
+            <a:endParaRPr lang="en-US" sz="800" i="1" dirty="0">
               <a:solidFill>
                 <a:prstClr val="black"/>
               </a:solidFill>
-              <a:latin typeface="Calibri" panose="020F0502020204030204"/>
+              <a:latin typeface="Helvetica Light Oblique" panose="020B0403020202020204" pitchFamily="34" charset="0"/>
             </a:endParaRPr>
           </a:p>
         </p:txBody>
@@ -5031,13 +5489,13 @@
               </a:ext>
             </a:extLst>
           </a:blip>
-          <a:srcRect t="17682"/>
+          <a:srcRect t="17682" r="61387"/>
           <a:stretch/>
         </p:blipFill>
         <p:spPr>
           <a:xfrm>
-            <a:off x="4833991" y="67878"/>
-            <a:ext cx="1999566" cy="1371679"/>
+            <a:off x="4875342" y="9927"/>
+            <a:ext cx="850103" cy="1510293"/>
           </a:xfrm>
           <a:prstGeom prst="rect">
             <a:avLst/>
@@ -5061,7 +5519,7 @@
         <p:spPr>
           <a:xfrm flipH="1">
             <a:off x="3079322" y="979706"/>
-            <a:ext cx="0" cy="344176"/>
+            <a:ext cx="0" cy="384048"/>
           </a:xfrm>
           <a:prstGeom prst="straightConnector1">
             <a:avLst/>
@@ -5103,7 +5561,7 @@
         </p:nvGrpSpPr>
         <p:grpSpPr>
           <a:xfrm>
-            <a:off x="5987583" y="6509507"/>
+            <a:off x="5987583" y="6556399"/>
             <a:ext cx="845685" cy="304328"/>
             <a:chOff x="5540232" y="6456971"/>
             <a:chExt cx="845685" cy="304328"/>
@@ -5124,7 +5582,7 @@
           <p:spPr>
             <a:xfrm>
               <a:off x="5540232" y="6484300"/>
-              <a:ext cx="796821" cy="276999"/>
+              <a:ext cx="833883" cy="276999"/>
             </a:xfrm>
             <a:prstGeom prst="rect">
               <a:avLst/>
@@ -5138,8 +5596,10 @@
             <a:lstStyle/>
             <a:p>
               <a:r>
-                <a:rPr lang="en-US" sz="1200" dirty="0"/>
-                <a:t>f) Table 2.</a:t>
+                <a:rPr lang="en-US" sz="1200" dirty="0">
+                  <a:latin typeface="Helvetica Light" panose="020B0403020202020204" pitchFamily="34" charset="0"/>
+                </a:rPr>
+                <a:t>f) Table 2</a:t>
               </a:r>
             </a:p>
           </p:txBody>
@@ -5165,7 +5625,7 @@
               <a:avLst/>
             </a:prstGeom>
             <a:noFill/>
-            <a:ln w="19050">
+            <a:ln w="12700">
               <a:solidFill>
                 <a:schemeClr val="tx1"/>
               </a:solidFill>
@@ -5192,7 +5652,9 @@
             <a:lstStyle/>
             <a:p>
               <a:pPr algn="ctr"/>
-              <a:endParaRPr lang="en-US"/>
+              <a:endParaRPr lang="en-US">
+                <a:latin typeface="Helvetica Light" panose="020B0403020202020204" pitchFamily="34" charset="0"/>
+              </a:endParaRPr>
             </a:p>
           </p:txBody>
         </p:sp>
@@ -5211,14 +5673,14 @@
         </p:nvSpPr>
         <p:spPr>
           <a:xfrm>
-            <a:off x="2453602" y="31228"/>
-            <a:ext cx="1275057" cy="920780"/>
+            <a:off x="2406710" y="31228"/>
+            <a:ext cx="1367313" cy="920780"/>
           </a:xfrm>
           <a:prstGeom prst="rect">
             <a:avLst/>
           </a:prstGeom>
           <a:noFill/>
-          <a:ln w="19050">
+          <a:ln w="12700">
             <a:solidFill>
               <a:schemeClr val="tx1"/>
             </a:solidFill>
@@ -5245,7 +5707,9 @@
           <a:lstStyle/>
           <a:p>
             <a:pPr algn="ctr"/>
-            <a:endParaRPr lang="en-US"/>
+            <a:endParaRPr lang="en-US">
+              <a:latin typeface="Helvetica Light" panose="020B0403020202020204" pitchFamily="34" charset="0"/>
+            </a:endParaRPr>
           </a:p>
         </p:txBody>
       </p:sp>
@@ -5261,14 +5725,13 @@
           <p:cNvCxnSpPr>
             <a:cxnSpLocks/>
             <a:stCxn id="165" idx="3"/>
-            <a:endCxn id="73" idx="1"/>
           </p:cNvCxnSpPr>
           <p:nvPr/>
         </p:nvCxnSpPr>
         <p:spPr>
           <a:xfrm>
-            <a:off x="3728659" y="491618"/>
-            <a:ext cx="646221" cy="0"/>
+            <a:off x="3774023" y="491618"/>
+            <a:ext cx="603504" cy="0"/>
           </a:xfrm>
           <a:prstGeom prst="straightConnector1">
             <a:avLst/>
@@ -5310,7 +5773,7 @@
         </p:nvSpPr>
         <p:spPr>
           <a:xfrm>
-            <a:off x="206648" y="3976450"/>
+            <a:off x="206648" y="4023342"/>
             <a:ext cx="1710100" cy="1162573"/>
           </a:xfrm>
           <a:prstGeom prst="roundRect">
@@ -5361,7 +5824,9 @@
           <a:lstStyle/>
           <a:p>
             <a:pPr algn="ctr"/>
-            <a:endParaRPr lang="en-US" sz="406" dirty="0"/>
+            <a:endParaRPr lang="en-US" sz="406" dirty="0">
+              <a:latin typeface="Helvetica Light" panose="020B0403020202020204" pitchFamily="34" charset="0"/>
+            </a:endParaRPr>
           </a:p>
         </p:txBody>
       </p:sp>
@@ -5379,7 +5844,7 @@
         </p:nvSpPr>
         <p:spPr>
           <a:xfrm>
-            <a:off x="208125" y="2897021"/>
+            <a:off x="208125" y="2943913"/>
             <a:ext cx="1710100" cy="1162573"/>
           </a:xfrm>
           <a:prstGeom prst="roundRect">
@@ -5430,7 +5895,9 @@
           <a:lstStyle/>
           <a:p>
             <a:pPr algn="ctr"/>
-            <a:endParaRPr lang="en-US" sz="406" dirty="0"/>
+            <a:endParaRPr lang="en-US" sz="406" dirty="0">
+              <a:latin typeface="Helvetica Light" panose="020B0403020202020204" pitchFamily="34" charset="0"/>
+            </a:endParaRPr>
           </a:p>
         </p:txBody>
       </p:sp>
@@ -5446,14 +5913,13 @@
           <p:cNvCxnSpPr>
             <a:cxnSpLocks/>
             <a:stCxn id="74" idx="3"/>
-            <a:endCxn id="6" idx="0"/>
           </p:cNvCxnSpPr>
           <p:nvPr/>
         </p:nvCxnSpPr>
         <p:spPr>
           <a:xfrm>
-            <a:off x="6175310" y="3371944"/>
-            <a:ext cx="242978" cy="2511266"/>
+            <a:off x="6175310" y="3418836"/>
+            <a:ext cx="233073" cy="2511266"/>
           </a:xfrm>
           <a:prstGeom prst="bentConnector2">
             <a:avLst/>
@@ -5498,7 +5964,7 @@
         </p:nvCxnSpPr>
         <p:spPr>
           <a:xfrm>
-            <a:off x="6418288" y="6177849"/>
+            <a:off x="6418288" y="6224741"/>
             <a:ext cx="2463" cy="331658"/>
           </a:xfrm>
           <a:prstGeom prst="straightConnector1">
@@ -5527,140 +5993,6 @@
           </a:fontRef>
         </p:style>
       </p:cxnSp>
-      <p:grpSp>
-        <p:nvGrpSpPr>
-          <p:cNvPr id="259" name="Group 258">
-            <a:extLst>
-              <a:ext uri="{FF2B5EF4-FFF2-40B4-BE49-F238E27FC236}">
-                <a16:creationId xmlns:a16="http://schemas.microsoft.com/office/drawing/2014/main" id="{EFD61DA7-B20A-DE28-83AD-0CB1E88B944C}"/>
-              </a:ext>
-            </a:extLst>
-          </p:cNvPr>
-          <p:cNvGrpSpPr/>
-          <p:nvPr/>
-        </p:nvGrpSpPr>
-        <p:grpSpPr>
-          <a:xfrm>
-            <a:off x="2417057" y="5109103"/>
-            <a:ext cx="1427855" cy="470116"/>
-            <a:chOff x="-355601" y="3304030"/>
-            <a:chExt cx="1427855" cy="470116"/>
-          </a:xfrm>
-        </p:grpSpPr>
-        <p:cxnSp>
-          <p:nvCxnSpPr>
-            <p:cNvPr id="260" name="Straight Connector 259">
-              <a:extLst>
-                <a:ext uri="{FF2B5EF4-FFF2-40B4-BE49-F238E27FC236}">
-                  <a16:creationId xmlns:a16="http://schemas.microsoft.com/office/drawing/2014/main" id="{EAA09A83-0F37-1898-8464-D6979E585FEE}"/>
-                </a:ext>
-              </a:extLst>
-            </p:cNvPr>
-            <p:cNvCxnSpPr>
-              <a:cxnSpLocks/>
-            </p:cNvCxnSpPr>
-            <p:nvPr/>
-          </p:nvCxnSpPr>
-          <p:spPr>
-            <a:xfrm flipH="1" flipV="1">
-              <a:off x="-355601" y="3394365"/>
-              <a:ext cx="1180832" cy="146741"/>
-            </a:xfrm>
-            <a:prstGeom prst="line">
-              <a:avLst/>
-            </a:prstGeom>
-            <a:ln w="12700"/>
-          </p:spPr>
-          <p:style>
-            <a:lnRef idx="1">
-              <a:schemeClr val="dk1"/>
-            </a:lnRef>
-            <a:fillRef idx="0">
-              <a:schemeClr val="dk1"/>
-            </a:fillRef>
-            <a:effectRef idx="0">
-              <a:schemeClr val="dk1"/>
-            </a:effectRef>
-            <a:fontRef idx="minor">
-              <a:schemeClr val="tx1"/>
-            </a:fontRef>
-          </p:style>
-        </p:cxnSp>
-        <p:cxnSp>
-          <p:nvCxnSpPr>
-            <p:cNvPr id="261" name="Straight Connector 260">
-              <a:extLst>
-                <a:ext uri="{FF2B5EF4-FFF2-40B4-BE49-F238E27FC236}">
-                  <a16:creationId xmlns:a16="http://schemas.microsoft.com/office/drawing/2014/main" id="{FDB5E403-792F-E19D-6777-CAEFB898D491}"/>
-                </a:ext>
-              </a:extLst>
-            </p:cNvPr>
-            <p:cNvCxnSpPr>
-              <a:cxnSpLocks/>
-            </p:cNvCxnSpPr>
-            <p:nvPr/>
-          </p:nvCxnSpPr>
-          <p:spPr>
-            <a:xfrm flipV="1">
-              <a:off x="830536" y="3304030"/>
-              <a:ext cx="241718" cy="243518"/>
-            </a:xfrm>
-            <a:prstGeom prst="line">
-              <a:avLst/>
-            </a:prstGeom>
-            <a:ln w="12700"/>
-          </p:spPr>
-          <p:style>
-            <a:lnRef idx="1">
-              <a:schemeClr val="dk1"/>
-            </a:lnRef>
-            <a:fillRef idx="0">
-              <a:schemeClr val="dk1"/>
-            </a:fillRef>
-            <a:effectRef idx="0">
-              <a:schemeClr val="dk1"/>
-            </a:effectRef>
-            <a:fontRef idx="minor">
-              <a:schemeClr val="tx1"/>
-            </a:fontRef>
-          </p:style>
-        </p:cxnSp>
-        <p:sp>
-          <p:nvSpPr>
-            <p:cNvPr id="262" name="TextBox 261">
-              <a:extLst>
-                <a:ext uri="{FF2B5EF4-FFF2-40B4-BE49-F238E27FC236}">
-                  <a16:creationId xmlns:a16="http://schemas.microsoft.com/office/drawing/2014/main" id="{18DC870B-A56E-E176-1321-0E7E33FBD441}"/>
-                </a:ext>
-              </a:extLst>
-            </p:cNvPr>
-            <p:cNvSpPr txBox="1"/>
-            <p:nvPr/>
-          </p:nvSpPr>
-          <p:spPr>
-            <a:xfrm>
-              <a:off x="689323" y="3404814"/>
-              <a:ext cx="300082" cy="369332"/>
-            </a:xfrm>
-            <a:prstGeom prst="rect">
-              <a:avLst/>
-            </a:prstGeom>
-            <a:noFill/>
-          </p:spPr>
-          <p:txBody>
-            <a:bodyPr wrap="none" rtlCol="0">
-              <a:spAutoFit/>
-            </a:bodyPr>
-            <a:lstStyle/>
-            <a:p>
-              <a:r>
-                <a:rPr lang="en-US" dirty="0"/>
-                <a:t>*</a:t>
-              </a:r>
-            </a:p>
-          </p:txBody>
-        </p:sp>
-      </p:grpSp>
       <p:sp>
         <p:nvSpPr>
           <p:cNvPr id="204" name="Rounded Rectangle 203">
@@ -5675,7 +6007,7 @@
         </p:nvSpPr>
         <p:spPr>
           <a:xfrm>
-            <a:off x="2180628" y="3976450"/>
+            <a:off x="2180628" y="4023342"/>
             <a:ext cx="1710100" cy="1162573"/>
           </a:xfrm>
           <a:prstGeom prst="roundRect">
@@ -5726,144 +6058,12 @@
           <a:lstStyle/>
           <a:p>
             <a:pPr algn="ctr"/>
-            <a:endParaRPr lang="en-US" sz="406" dirty="0"/>
-          </a:p>
-        </p:txBody>
-      </p:sp>
-      <p:grpSp>
-        <p:nvGrpSpPr>
-          <p:cNvPr id="209" name="Group 208">
-            <a:extLst>
-              <a:ext uri="{FF2B5EF4-FFF2-40B4-BE49-F238E27FC236}">
-                <a16:creationId xmlns:a16="http://schemas.microsoft.com/office/drawing/2014/main" id="{804446CF-29B6-279C-5C8D-60FFBD54C3F1}"/>
-              </a:ext>
-            </a:extLst>
-          </p:cNvPr>
-          <p:cNvGrpSpPr/>
-          <p:nvPr/>
-        </p:nvGrpSpPr>
-        <p:grpSpPr>
-          <a:xfrm>
-            <a:off x="5769525" y="1519626"/>
-            <a:ext cx="470335" cy="995450"/>
-            <a:chOff x="-338382" y="5539024"/>
-            <a:chExt cx="470335" cy="995450"/>
-          </a:xfrm>
-        </p:grpSpPr>
-        <p:cxnSp>
-          <p:nvCxnSpPr>
-            <p:cNvPr id="213" name="Straight Connector 212">
-              <a:extLst>
-                <a:ext uri="{FF2B5EF4-FFF2-40B4-BE49-F238E27FC236}">
-                  <a16:creationId xmlns:a16="http://schemas.microsoft.com/office/drawing/2014/main" id="{BC87C6BF-7358-41E9-FE48-749BFDB9A6CA}"/>
-                </a:ext>
-              </a:extLst>
-            </p:cNvPr>
-            <p:cNvCxnSpPr>
-              <a:cxnSpLocks/>
-            </p:cNvCxnSpPr>
-            <p:nvPr/>
-          </p:nvCxnSpPr>
-          <p:spPr>
-            <a:xfrm flipH="1" flipV="1">
-              <a:off x="-338382" y="5539024"/>
-              <a:ext cx="312303" cy="342610"/>
-            </a:xfrm>
-            <a:prstGeom prst="line">
-              <a:avLst/>
-            </a:prstGeom>
-            <a:ln w="12700"/>
-          </p:spPr>
-          <p:style>
-            <a:lnRef idx="1">
-              <a:schemeClr val="dk1"/>
-            </a:lnRef>
-            <a:fillRef idx="0">
-              <a:schemeClr val="dk1"/>
-            </a:fillRef>
-            <a:effectRef idx="0">
-              <a:schemeClr val="dk1"/>
-            </a:effectRef>
-            <a:fontRef idx="minor">
-              <a:schemeClr val="tx1"/>
-            </a:fontRef>
-          </p:style>
-        </p:cxnSp>
-        <p:cxnSp>
-          <p:nvCxnSpPr>
-            <p:cNvPr id="215" name="Straight Connector 214">
-              <a:extLst>
-                <a:ext uri="{FF2B5EF4-FFF2-40B4-BE49-F238E27FC236}">
-                  <a16:creationId xmlns:a16="http://schemas.microsoft.com/office/drawing/2014/main" id="{5748507F-76E4-853B-AEB4-4205B2404A01}"/>
-                </a:ext>
-              </a:extLst>
-            </p:cNvPr>
-            <p:cNvCxnSpPr>
-              <a:cxnSpLocks/>
-            </p:cNvCxnSpPr>
-            <p:nvPr/>
-          </p:nvCxnSpPr>
-          <p:spPr>
-            <a:xfrm flipH="1">
-              <a:off x="-238828" y="5905598"/>
-              <a:ext cx="215753" cy="628876"/>
-            </a:xfrm>
-            <a:prstGeom prst="line">
-              <a:avLst/>
-            </a:prstGeom>
-            <a:ln w="12700"/>
-          </p:spPr>
-          <p:style>
-            <a:lnRef idx="1">
-              <a:schemeClr val="dk1"/>
-            </a:lnRef>
-            <a:fillRef idx="0">
-              <a:schemeClr val="dk1"/>
-            </a:fillRef>
-            <a:effectRef idx="0">
-              <a:schemeClr val="dk1"/>
-            </a:effectRef>
-            <a:fontRef idx="minor">
-              <a:schemeClr val="tx1"/>
-            </a:fontRef>
-          </p:style>
-        </p:cxnSp>
-        <p:sp>
-          <p:nvSpPr>
-            <p:cNvPr id="15" name="TextBox 14">
-              <a:extLst>
-                <a:ext uri="{FF2B5EF4-FFF2-40B4-BE49-F238E27FC236}">
-                  <a16:creationId xmlns:a16="http://schemas.microsoft.com/office/drawing/2014/main" id="{FC0642A8-203F-386F-BE26-4566108A5806}"/>
-                </a:ext>
-              </a:extLst>
-            </p:cNvPr>
-            <p:cNvSpPr txBox="1"/>
-            <p:nvPr/>
-          </p:nvSpPr>
-          <p:spPr>
-            <a:xfrm>
-              <a:off x="-168129" y="5747368"/>
-              <a:ext cx="300082" cy="369332"/>
-            </a:xfrm>
-            <a:prstGeom prst="rect">
-              <a:avLst/>
-            </a:prstGeom>
-            <a:noFill/>
-          </p:spPr>
-          <p:txBody>
-            <a:bodyPr wrap="none" rtlCol="0">
-              <a:spAutoFit/>
-            </a:bodyPr>
-            <a:lstStyle/>
-            <a:p>
-              <a:r>
-                <a:rPr lang="en-US" dirty="0"/>
-                <a:t>*</a:t>
-              </a:r>
-            </a:p>
-          </p:txBody>
-        </p:sp>
-      </p:grpSp>
+            <a:endParaRPr lang="en-US" sz="406" dirty="0">
+              <a:latin typeface="Helvetica Light" panose="020B0403020202020204" pitchFamily="34" charset="0"/>
+            </a:endParaRPr>
+          </a:p>
+        </p:txBody>
+      </p:sp>
       <p:sp>
         <p:nvSpPr>
           <p:cNvPr id="190" name="Rounded Rectangle 189">
@@ -5878,7 +6078,7 @@
         </p:nvSpPr>
         <p:spPr>
           <a:xfrm>
-            <a:off x="2160660" y="1495713"/>
+            <a:off x="2160660" y="1542605"/>
             <a:ext cx="1710100" cy="1162573"/>
           </a:xfrm>
           <a:prstGeom prst="roundRect">
@@ -5929,278 +6129,12 @@
           <a:lstStyle/>
           <a:p>
             <a:pPr algn="ctr"/>
-            <a:endParaRPr lang="en-US" sz="406" dirty="0"/>
-          </a:p>
-        </p:txBody>
-      </p:sp>
-      <p:grpSp>
-        <p:nvGrpSpPr>
-          <p:cNvPr id="253" name="Group 252">
-            <a:extLst>
-              <a:ext uri="{FF2B5EF4-FFF2-40B4-BE49-F238E27FC236}">
-                <a16:creationId xmlns:a16="http://schemas.microsoft.com/office/drawing/2014/main" id="{1AA18E9E-3956-5A87-F288-029A8EF5F76F}"/>
-              </a:ext>
-            </a:extLst>
-          </p:cNvPr>
-          <p:cNvGrpSpPr/>
-          <p:nvPr/>
-        </p:nvGrpSpPr>
-        <p:grpSpPr>
-          <a:xfrm>
-            <a:off x="3351692" y="1644716"/>
-            <a:ext cx="882300" cy="1383077"/>
-            <a:chOff x="-679314" y="5430753"/>
-            <a:chExt cx="882300" cy="1383077"/>
-          </a:xfrm>
-        </p:grpSpPr>
-        <p:cxnSp>
-          <p:nvCxnSpPr>
-            <p:cNvPr id="254" name="Straight Connector 253">
-              <a:extLst>
-                <a:ext uri="{FF2B5EF4-FFF2-40B4-BE49-F238E27FC236}">
-                  <a16:creationId xmlns:a16="http://schemas.microsoft.com/office/drawing/2014/main" id="{673136E5-BB01-280A-1D76-26476A49F32E}"/>
-                </a:ext>
-              </a:extLst>
-            </p:cNvPr>
-            <p:cNvCxnSpPr>
-              <a:cxnSpLocks/>
-            </p:cNvCxnSpPr>
-            <p:nvPr/>
-          </p:nvCxnSpPr>
-          <p:spPr>
-            <a:xfrm flipH="1" flipV="1">
-              <a:off x="-130080" y="5430753"/>
-              <a:ext cx="187122" cy="1182525"/>
-            </a:xfrm>
-            <a:prstGeom prst="line">
-              <a:avLst/>
-            </a:prstGeom>
-            <a:ln w="12700"/>
-          </p:spPr>
-          <p:style>
-            <a:lnRef idx="1">
-              <a:schemeClr val="dk1"/>
-            </a:lnRef>
-            <a:fillRef idx="0">
-              <a:schemeClr val="dk1"/>
-            </a:fillRef>
-            <a:effectRef idx="0">
-              <a:schemeClr val="dk1"/>
-            </a:effectRef>
-            <a:fontRef idx="minor">
-              <a:schemeClr val="tx1"/>
-            </a:fontRef>
-          </p:style>
-        </p:cxnSp>
-        <p:cxnSp>
-          <p:nvCxnSpPr>
-            <p:cNvPr id="255" name="Straight Connector 254">
-              <a:extLst>
-                <a:ext uri="{FF2B5EF4-FFF2-40B4-BE49-F238E27FC236}">
-                  <a16:creationId xmlns:a16="http://schemas.microsoft.com/office/drawing/2014/main" id="{3D8EB1A4-9A68-D000-FAE2-EE5AE502E36B}"/>
-                </a:ext>
-              </a:extLst>
-            </p:cNvPr>
-            <p:cNvCxnSpPr>
-              <a:cxnSpLocks/>
-            </p:cNvCxnSpPr>
-            <p:nvPr/>
-          </p:nvCxnSpPr>
-          <p:spPr>
-            <a:xfrm flipH="1" flipV="1">
-              <a:off x="-679314" y="6482713"/>
-              <a:ext cx="716038" cy="119205"/>
-            </a:xfrm>
-            <a:prstGeom prst="line">
-              <a:avLst/>
-            </a:prstGeom>
-            <a:ln w="12700"/>
-          </p:spPr>
-          <p:style>
-            <a:lnRef idx="1">
-              <a:schemeClr val="dk1"/>
-            </a:lnRef>
-            <a:fillRef idx="0">
-              <a:schemeClr val="dk1"/>
-            </a:fillRef>
-            <a:effectRef idx="0">
-              <a:schemeClr val="dk1"/>
-            </a:effectRef>
-            <a:fontRef idx="minor">
-              <a:schemeClr val="tx1"/>
-            </a:fontRef>
-          </p:style>
-        </p:cxnSp>
-        <p:sp>
-          <p:nvSpPr>
-            <p:cNvPr id="256" name="TextBox 255">
-              <a:extLst>
-                <a:ext uri="{FF2B5EF4-FFF2-40B4-BE49-F238E27FC236}">
-                  <a16:creationId xmlns:a16="http://schemas.microsoft.com/office/drawing/2014/main" id="{827C4DAA-C731-D733-72CF-A5B9ACC75CBD}"/>
-                </a:ext>
-              </a:extLst>
-            </p:cNvPr>
-            <p:cNvSpPr txBox="1"/>
-            <p:nvPr/>
-          </p:nvSpPr>
-          <p:spPr>
-            <a:xfrm>
-              <a:off x="-97096" y="6444498"/>
-              <a:ext cx="300082" cy="369332"/>
-            </a:xfrm>
-            <a:prstGeom prst="rect">
-              <a:avLst/>
-            </a:prstGeom>
-            <a:noFill/>
-          </p:spPr>
-          <p:txBody>
-            <a:bodyPr wrap="none" rtlCol="0">
-              <a:spAutoFit/>
-            </a:bodyPr>
-            <a:lstStyle/>
-            <a:p>
-              <a:r>
-                <a:rPr lang="en-US" dirty="0"/>
-                <a:t>*</a:t>
-              </a:r>
-            </a:p>
-          </p:txBody>
-        </p:sp>
-      </p:grpSp>
-      <p:grpSp>
-        <p:nvGrpSpPr>
-          <p:cNvPr id="281" name="Group 280">
-            <a:extLst>
-              <a:ext uri="{FF2B5EF4-FFF2-40B4-BE49-F238E27FC236}">
-                <a16:creationId xmlns:a16="http://schemas.microsoft.com/office/drawing/2014/main" id="{D159252A-9251-3E45-A8BE-ED1E01ACB44C}"/>
-              </a:ext>
-            </a:extLst>
-          </p:cNvPr>
-          <p:cNvGrpSpPr/>
-          <p:nvPr/>
-        </p:nvGrpSpPr>
-        <p:grpSpPr>
-          <a:xfrm>
-            <a:off x="12113" y="2026097"/>
-            <a:ext cx="449744" cy="875469"/>
-            <a:chOff x="1137937" y="4640646"/>
-            <a:chExt cx="449744" cy="875469"/>
-          </a:xfrm>
-        </p:grpSpPr>
-        <p:cxnSp>
-          <p:nvCxnSpPr>
-            <p:cNvPr id="282" name="Straight Connector 281">
-              <a:extLst>
-                <a:ext uri="{FF2B5EF4-FFF2-40B4-BE49-F238E27FC236}">
-                  <a16:creationId xmlns:a16="http://schemas.microsoft.com/office/drawing/2014/main" id="{422A3DB2-DCB8-E59E-3E41-CDBE8092B261}"/>
-                </a:ext>
-              </a:extLst>
-            </p:cNvPr>
-            <p:cNvCxnSpPr>
-              <a:cxnSpLocks/>
-            </p:cNvCxnSpPr>
-            <p:nvPr/>
-          </p:nvCxnSpPr>
-          <p:spPr>
-            <a:xfrm flipH="1">
-              <a:off x="1271042" y="4640646"/>
-              <a:ext cx="66464" cy="727011"/>
-            </a:xfrm>
-            <a:prstGeom prst="line">
-              <a:avLst/>
-            </a:prstGeom>
-            <a:ln w="12700"/>
-          </p:spPr>
-          <p:style>
-            <a:lnRef idx="1">
-              <a:schemeClr val="dk1"/>
-            </a:lnRef>
-            <a:fillRef idx="0">
-              <a:schemeClr val="dk1"/>
-            </a:fillRef>
-            <a:effectRef idx="0">
-              <a:schemeClr val="dk1"/>
-            </a:effectRef>
-            <a:fontRef idx="minor">
-              <a:schemeClr val="tx1"/>
-            </a:fontRef>
-          </p:style>
-        </p:cxnSp>
-        <p:cxnSp>
-          <p:nvCxnSpPr>
-            <p:cNvPr id="283" name="Straight Connector 282">
-              <a:extLst>
-                <a:ext uri="{FF2B5EF4-FFF2-40B4-BE49-F238E27FC236}">
-                  <a16:creationId xmlns:a16="http://schemas.microsoft.com/office/drawing/2014/main" id="{1FA15451-F5E3-027E-567D-B65C3A24EAB3}"/>
-                </a:ext>
-              </a:extLst>
-            </p:cNvPr>
-            <p:cNvCxnSpPr>
-              <a:cxnSpLocks/>
-            </p:cNvCxnSpPr>
-            <p:nvPr/>
-          </p:nvCxnSpPr>
-          <p:spPr>
-            <a:xfrm flipH="1">
-              <a:off x="1272236" y="5319217"/>
-              <a:ext cx="315445" cy="48439"/>
-            </a:xfrm>
-            <a:prstGeom prst="line">
-              <a:avLst/>
-            </a:prstGeom>
-            <a:ln w="12700"/>
-          </p:spPr>
-          <p:style>
-            <a:lnRef idx="1">
-              <a:schemeClr val="dk1"/>
-            </a:lnRef>
-            <a:fillRef idx="0">
-              <a:schemeClr val="dk1"/>
-            </a:fillRef>
-            <a:effectRef idx="0">
-              <a:schemeClr val="dk1"/>
-            </a:effectRef>
-            <a:fontRef idx="minor">
-              <a:schemeClr val="tx1"/>
-            </a:fontRef>
-          </p:style>
-        </p:cxnSp>
-        <p:sp>
-          <p:nvSpPr>
-            <p:cNvPr id="284" name="TextBox 283">
-              <a:extLst>
-                <a:ext uri="{FF2B5EF4-FFF2-40B4-BE49-F238E27FC236}">
-                  <a16:creationId xmlns:a16="http://schemas.microsoft.com/office/drawing/2014/main" id="{BCFFD676-9C89-FE33-616C-1B8190E0E44A}"/>
-                </a:ext>
-              </a:extLst>
-            </p:cNvPr>
-            <p:cNvSpPr txBox="1"/>
-            <p:nvPr/>
-          </p:nvSpPr>
-          <p:spPr>
-            <a:xfrm rot="16200000">
-              <a:off x="1172562" y="5181408"/>
-              <a:ext cx="300082" cy="369332"/>
-            </a:xfrm>
-            <a:prstGeom prst="rect">
-              <a:avLst/>
-            </a:prstGeom>
-            <a:noFill/>
-          </p:spPr>
-          <p:txBody>
-            <a:bodyPr wrap="square" rtlCol="0">
-              <a:spAutoFit/>
-            </a:bodyPr>
-            <a:lstStyle/>
-            <a:p>
-              <a:r>
-                <a:rPr lang="en-US" dirty="0"/>
-                <a:t>*</a:t>
-              </a:r>
-            </a:p>
-          </p:txBody>
-        </p:sp>
-      </p:grpSp>
+            <a:endParaRPr lang="en-US" sz="406" dirty="0">
+              <a:latin typeface="Helvetica Light" panose="020B0403020202020204" pitchFamily="34" charset="0"/>
+            </a:endParaRPr>
+          </a:p>
+        </p:txBody>
+      </p:sp>
       <p:sp>
         <p:nvSpPr>
           <p:cNvPr id="195" name="Rounded Rectangle 194">
@@ -6215,7 +6149,7 @@
         </p:nvSpPr>
         <p:spPr>
           <a:xfrm>
-            <a:off x="217909" y="1481429"/>
+            <a:off x="217909" y="1528321"/>
             <a:ext cx="1710100" cy="1162573"/>
           </a:xfrm>
           <a:prstGeom prst="roundRect">
@@ -6266,7 +6200,9 @@
           <a:lstStyle/>
           <a:p>
             <a:pPr algn="ctr"/>
-            <a:endParaRPr lang="en-US" sz="406" dirty="0"/>
+            <a:endParaRPr lang="en-US" sz="406" dirty="0">
+              <a:latin typeface="Helvetica Light" panose="020B0403020202020204" pitchFamily="34" charset="0"/>
+            </a:endParaRPr>
           </a:p>
         </p:txBody>
       </p:sp>
@@ -6284,7 +6220,7 @@
         </p:nvSpPr>
         <p:spPr>
           <a:xfrm>
-            <a:off x="4136552" y="1486800"/>
+            <a:off x="4136552" y="1533692"/>
             <a:ext cx="1710100" cy="1161288"/>
           </a:xfrm>
           <a:prstGeom prst="roundRect">
@@ -6335,7 +6271,9 @@
           <a:lstStyle/>
           <a:p>
             <a:pPr algn="ctr"/>
-            <a:endParaRPr lang="en-US" sz="406" dirty="0"/>
+            <a:endParaRPr lang="en-US" sz="406" dirty="0">
+              <a:latin typeface="Helvetica Light" panose="020B0403020202020204" pitchFamily="34" charset="0"/>
+            </a:endParaRPr>
           </a:p>
         </p:txBody>
       </p:sp>
@@ -6353,7 +6291,7 @@
         </p:nvSpPr>
         <p:spPr>
           <a:xfrm>
-            <a:off x="2180628" y="2899896"/>
+            <a:off x="2180628" y="2946788"/>
             <a:ext cx="1710100" cy="1162573"/>
           </a:xfrm>
           <a:prstGeom prst="roundRect">
@@ -6404,7 +6342,9 @@
           <a:lstStyle/>
           <a:p>
             <a:pPr algn="ctr"/>
-            <a:endParaRPr lang="en-US" sz="406" dirty="0"/>
+            <a:endParaRPr lang="en-US" sz="406" dirty="0">
+              <a:latin typeface="Helvetica Light" panose="020B0403020202020204" pitchFamily="34" charset="0"/>
+            </a:endParaRPr>
           </a:p>
         </p:txBody>
       </p:sp>
@@ -6422,7 +6362,7 @@
         </p:nvSpPr>
         <p:spPr>
           <a:xfrm>
-            <a:off x="4172180" y="2907503"/>
+            <a:off x="4172180" y="2954395"/>
             <a:ext cx="1710100" cy="1162573"/>
           </a:xfrm>
           <a:prstGeom prst="roundRect">
@@ -6473,109 +6413,12 @@
           <a:lstStyle/>
           <a:p>
             <a:pPr algn="ctr"/>
-            <a:endParaRPr lang="en-US" sz="406" dirty="0"/>
-          </a:p>
-        </p:txBody>
-      </p:sp>
-      <p:sp>
-        <p:nvSpPr>
-          <p:cNvPr id="86" name="Rounded Rectangle 85">
-            <a:extLst>
-              <a:ext uri="{FF2B5EF4-FFF2-40B4-BE49-F238E27FC236}">
-                <a16:creationId xmlns:a16="http://schemas.microsoft.com/office/drawing/2014/main" id="{4DE9DCC5-B012-AA02-DCB2-438EF505EA39}"/>
-              </a:ext>
-            </a:extLst>
-          </p:cNvPr>
-          <p:cNvSpPr/>
-          <p:nvPr/>
-        </p:nvSpPr>
-        <p:spPr>
-          <a:xfrm>
-            <a:off x="214059" y="5614264"/>
-            <a:ext cx="4932372" cy="2090258"/>
-          </a:xfrm>
-          <a:prstGeom prst="roundRect">
-            <a:avLst/>
-          </a:prstGeom>
-          <a:noFill/>
-          <a:ln w="19050">
-            <a:solidFill>
-              <a:schemeClr val="tx1"/>
-            </a:solidFill>
-          </a:ln>
-        </p:spPr>
-        <p:style>
-          <a:lnRef idx="2">
-            <a:schemeClr val="accent1">
-              <a:shade val="15000"/>
-            </a:schemeClr>
-          </a:lnRef>
-          <a:fillRef idx="1">
-            <a:schemeClr val="accent1"/>
-          </a:fillRef>
-          <a:effectRef idx="0">
-            <a:schemeClr val="accent1"/>
-          </a:effectRef>
-          <a:fontRef idx="minor">
-            <a:schemeClr val="lt1"/>
-          </a:fontRef>
-        </p:style>
-        <p:txBody>
-          <a:bodyPr rtlCol="0" anchor="ctr"/>
-          <a:lstStyle/>
-          <a:p>
-            <a:pPr algn="ctr"/>
-            <a:endParaRPr lang="en-US"/>
-          </a:p>
-        </p:txBody>
-      </p:sp>
-      <p:cxnSp>
-        <p:nvCxnSpPr>
-          <p:cNvPr id="233" name="Straight Arrow Connector 232">
-            <a:extLst>
-              <a:ext uri="{FF2B5EF4-FFF2-40B4-BE49-F238E27FC236}">
-                <a16:creationId xmlns:a16="http://schemas.microsoft.com/office/drawing/2014/main" id="{9CD0644A-A289-D356-AF63-26E6F2AA8640}"/>
-              </a:ext>
-            </a:extLst>
-          </p:cNvPr>
-          <p:cNvCxnSpPr>
-            <a:cxnSpLocks/>
-            <a:stCxn id="162" idx="1"/>
-            <a:endCxn id="86" idx="3"/>
-          </p:cNvCxnSpPr>
-          <p:nvPr/>
-        </p:nvCxnSpPr>
-        <p:spPr>
-          <a:xfrm flipH="1">
-            <a:off x="5146431" y="6652022"/>
-            <a:ext cx="861803" cy="7371"/>
-          </a:xfrm>
-          <a:prstGeom prst="straightConnector1">
-            <a:avLst/>
-          </a:prstGeom>
-          <a:ln w="19050">
-            <a:solidFill>
-              <a:schemeClr val="tx1"/>
-            </a:solidFill>
-            <a:headEnd type="oval"/>
-            <a:tailEnd type="arrow"/>
-          </a:ln>
-        </p:spPr>
-        <p:style>
-          <a:lnRef idx="1">
-            <a:schemeClr val="accent1"/>
-          </a:lnRef>
-          <a:fillRef idx="0">
-            <a:schemeClr val="accent1"/>
-          </a:fillRef>
-          <a:effectRef idx="0">
-            <a:schemeClr val="accent1"/>
-          </a:effectRef>
-          <a:fontRef idx="minor">
-            <a:schemeClr val="tx1"/>
-          </a:fontRef>
-        </p:style>
-      </p:cxnSp>
+            <a:endParaRPr lang="en-US" sz="406" dirty="0">
+              <a:latin typeface="Helvetica Light" panose="020B0403020202020204" pitchFamily="34" charset="0"/>
+            </a:endParaRPr>
+          </a:p>
+        </p:txBody>
+      </p:sp>
       <p:sp>
         <p:nvSpPr>
           <p:cNvPr id="291" name="TextBox 290">
@@ -6590,7 +6433,7 @@
         </p:nvSpPr>
         <p:spPr>
           <a:xfrm>
-            <a:off x="4147323" y="1427957"/>
+            <a:off x="4147323" y="1486572"/>
             <a:ext cx="1698153" cy="246221"/>
           </a:xfrm>
           <a:prstGeom prst="rect">
@@ -6606,16 +6449,10 @@
           <a:p>
             <a:pPr algn="ctr"/>
             <a:r>
-              <a:rPr lang="en-US" sz="1000" dirty="0"/>
-              <a:t>Burns </a:t>
-            </a:r>
-            <a:r>
-              <a:rPr lang="en-US" sz="1000" i="1" dirty="0"/>
-              <a:t>et al</a:t>
-            </a:r>
-            <a:r>
-              <a:rPr lang="en-US" sz="1000" dirty="0"/>
-              <a:t>. 2014</a:t>
+              <a:rPr lang="en-US" sz="1000" dirty="0">
+                <a:latin typeface="Helvetica Light" panose="020B0403020202020204" pitchFamily="34" charset="0"/>
+              </a:rPr>
+              <a:t>Burns et al. 2014</a:t>
             </a:r>
           </a:p>
         </p:txBody>
@@ -6634,8 +6471,8 @@
         </p:nvSpPr>
         <p:spPr>
           <a:xfrm>
-            <a:off x="480676" y="2825151"/>
-            <a:ext cx="1107996" cy="246221"/>
+            <a:off x="480676" y="2883766"/>
+            <a:ext cx="1189749" cy="246221"/>
           </a:xfrm>
           <a:prstGeom prst="rect">
             <a:avLst/>
@@ -6649,16 +6486,10 @@
           <a:lstStyle/>
           <a:p>
             <a:r>
-              <a:rPr lang="en-US" sz="1000" dirty="0"/>
-              <a:t>Barker </a:t>
-            </a:r>
-            <a:r>
-              <a:rPr lang="en-US" sz="1000" i="1" dirty="0"/>
-              <a:t>et al</a:t>
-            </a:r>
-            <a:r>
-              <a:rPr lang="en-US" sz="1000" dirty="0"/>
-              <a:t>. 2015</a:t>
+              <a:rPr lang="en-US" sz="1000" dirty="0">
+                <a:latin typeface="Helvetica Light" panose="020B0403020202020204" pitchFamily="34" charset="0"/>
+              </a:rPr>
+              <a:t>Barker et al. 2015</a:t>
             </a:r>
           </a:p>
         </p:txBody>
@@ -6677,7 +6508,7 @@
         </p:nvSpPr>
         <p:spPr>
           <a:xfrm>
-            <a:off x="2179998" y="2831501"/>
+            <a:off x="2179998" y="2890116"/>
             <a:ext cx="1710100" cy="246221"/>
           </a:xfrm>
           <a:prstGeom prst="rect">
@@ -6693,16 +6524,10 @@
           <a:p>
             <a:pPr algn="ctr"/>
             <a:r>
-              <a:rPr lang="en-US" sz="1000" dirty="0"/>
-              <a:t>Hedges </a:t>
-            </a:r>
-            <a:r>
-              <a:rPr lang="en-US" sz="1000" i="1" dirty="0"/>
-              <a:t>et al</a:t>
-            </a:r>
-            <a:r>
-              <a:rPr lang="en-US" sz="1000" dirty="0"/>
-              <a:t>. 2015</a:t>
+              <a:rPr lang="en-US" sz="1000" dirty="0">
+                <a:latin typeface="Helvetica Light" panose="020B0403020202020204" pitchFamily="34" charset="0"/>
+              </a:rPr>
+              <a:t>Hedges et al. 2015</a:t>
             </a:r>
           </a:p>
         </p:txBody>
@@ -6721,7 +6546,7 @@
         </p:nvSpPr>
         <p:spPr>
           <a:xfrm>
-            <a:off x="4172021" y="2836874"/>
+            <a:off x="4172021" y="2895489"/>
             <a:ext cx="1712391" cy="246221"/>
           </a:xfrm>
           <a:prstGeom prst="rect">
@@ -6737,20 +6562,16 @@
           <a:p>
             <a:pPr algn="ctr"/>
             <a:r>
-              <a:rPr lang="en-US" sz="1000" dirty="0" err="1"/>
+              <a:rPr lang="en-US" sz="1000" dirty="0" err="1">
+                <a:latin typeface="Helvetica Light" panose="020B0403020202020204" pitchFamily="34" charset="0"/>
+              </a:rPr>
               <a:t>Jetz</a:t>
             </a:r>
             <a:r>
-              <a:rPr lang="en-US" sz="1000" dirty="0"/>
-              <a:t> </a:t>
-            </a:r>
-            <a:r>
-              <a:rPr lang="en-US" sz="1000" i="1" dirty="0"/>
-              <a:t>et al</a:t>
-            </a:r>
-            <a:r>
-              <a:rPr lang="en-US" sz="1000" dirty="0"/>
-              <a:t>. 2012</a:t>
+              <a:rPr lang="en-US" sz="1000" dirty="0">
+                <a:latin typeface="Helvetica Light" panose="020B0403020202020204" pitchFamily="34" charset="0"/>
+              </a:rPr>
+              <a:t> et al. 2012</a:t>
             </a:r>
           </a:p>
         </p:txBody>
@@ -6769,7 +6590,7 @@
         </p:nvSpPr>
         <p:spPr>
           <a:xfrm>
-            <a:off x="214058" y="1427957"/>
+            <a:off x="214058" y="1486572"/>
             <a:ext cx="1710099" cy="246221"/>
           </a:xfrm>
           <a:prstGeom prst="rect">
@@ -6785,16 +6606,10 @@
           <a:p>
             <a:pPr algn="ctr"/>
             <a:r>
-              <a:rPr lang="en-US" sz="1000" dirty="0"/>
-              <a:t>Barker </a:t>
-            </a:r>
-            <a:r>
-              <a:rPr lang="en-US" sz="1000" i="1" dirty="0"/>
-              <a:t>et al</a:t>
-            </a:r>
-            <a:r>
-              <a:rPr lang="en-US" sz="1000" dirty="0"/>
-              <a:t>. 2013</a:t>
+              <a:rPr lang="en-US" sz="1000" dirty="0">
+                <a:latin typeface="Helvetica Light" panose="020B0403020202020204" pitchFamily="34" charset="0"/>
+              </a:rPr>
+              <a:t>Barker et al. 2013</a:t>
             </a:r>
           </a:p>
         </p:txBody>
@@ -6815,7 +6630,7 @@
         </p:nvCxnSpPr>
         <p:spPr>
           <a:xfrm flipH="1">
-            <a:off x="324808" y="2067840"/>
+            <a:off x="324808" y="2114732"/>
             <a:ext cx="713232" cy="0"/>
           </a:xfrm>
           <a:prstGeom prst="line">
@@ -6856,10 +6671,10 @@
         </p:nvGrpSpPr>
         <p:grpSpPr>
           <a:xfrm>
-            <a:off x="2177264" y="1427957"/>
-            <a:ext cx="1701894" cy="1251245"/>
-            <a:chOff x="2164564" y="1427957"/>
-            <a:chExt cx="1701894" cy="1251245"/>
+            <a:off x="2177264" y="1486572"/>
+            <a:ext cx="1701894" cy="1239522"/>
+            <a:chOff x="2164564" y="1439680"/>
+            <a:chExt cx="1701894" cy="1239522"/>
           </a:xfrm>
         </p:grpSpPr>
         <p:sp>
@@ -6876,7 +6691,7 @@
           </p:nvSpPr>
           <p:spPr>
             <a:xfrm>
-              <a:off x="2166563" y="1427957"/>
+              <a:off x="2166563" y="1439680"/>
               <a:ext cx="1699895" cy="246221"/>
             </a:xfrm>
             <a:prstGeom prst="rect">
@@ -6892,16 +6707,10 @@
             <a:p>
               <a:pPr algn="ctr"/>
               <a:r>
-                <a:rPr lang="en-US" sz="1000" dirty="0"/>
-                <a:t>Hooper </a:t>
-              </a:r>
-              <a:r>
-                <a:rPr lang="en-US" sz="1000" i="1" dirty="0"/>
-                <a:t>et al</a:t>
-              </a:r>
-              <a:r>
-                <a:rPr lang="en-US" sz="1000" dirty="0"/>
-                <a:t>. 2017</a:t>
+                <a:rPr lang="en-US" sz="1000" dirty="0">
+                  <a:latin typeface="Helvetica Light" panose="020B0403020202020204" pitchFamily="34" charset="0"/>
+                </a:rPr>
+                <a:t>Hooper et al. 2017</a:t>
               </a:r>
             </a:p>
           </p:txBody>
@@ -7022,7 +6831,7 @@
           <p:spPr>
             <a:xfrm>
               <a:off x="3013518" y="2388309"/>
-              <a:ext cx="287258" cy="184666"/>
+              <a:ext cx="292068" cy="184666"/>
             </a:xfrm>
             <a:prstGeom prst="rect">
               <a:avLst/>
@@ -7036,7 +6845,9 @@
             <a:lstStyle/>
             <a:p>
               <a:r>
-                <a:rPr lang="en-US" sz="600" dirty="0"/>
+                <a:rPr lang="en-US" sz="600" dirty="0">
+                  <a:latin typeface="Helvetica Light" panose="020B0403020202020204" pitchFamily="34" charset="0"/>
+                </a:rPr>
                 <a:t>Ma</a:t>
               </a:r>
             </a:p>
@@ -7057,7 +6868,7 @@
         </p:nvGrpSpPr>
         <p:grpSpPr>
           <a:xfrm>
-            <a:off x="-91830" y="1596201"/>
+            <a:off x="-91830" y="1643093"/>
             <a:ext cx="2190109" cy="1113341"/>
             <a:chOff x="-89292" y="1603599"/>
             <a:chExt cx="2190109" cy="1113341"/>
@@ -7136,7 +6947,7 @@
           <p:spPr>
             <a:xfrm>
               <a:off x="1203241" y="2373974"/>
-              <a:ext cx="287258" cy="184666"/>
+              <a:ext cx="292068" cy="184666"/>
             </a:xfrm>
             <a:prstGeom prst="rect">
               <a:avLst/>
@@ -7150,7 +6961,9 @@
             <a:lstStyle/>
             <a:p>
               <a:r>
-                <a:rPr lang="en-US" sz="600" dirty="0"/>
+                <a:rPr lang="en-US" sz="600" dirty="0">
+                  <a:latin typeface="Helvetica Light" panose="020B0403020202020204" pitchFamily="34" charset="0"/>
+                </a:rPr>
                 <a:t>Ma</a:t>
               </a:r>
             </a:p>
@@ -7200,10 +7013,10 @@
         </p:nvGrpSpPr>
         <p:grpSpPr>
           <a:xfrm>
-            <a:off x="158046" y="2938277"/>
-            <a:ext cx="1761872" cy="1113239"/>
-            <a:chOff x="173921" y="2938277"/>
-            <a:chExt cx="1761872" cy="1113239"/>
+            <a:off x="209014" y="2985169"/>
+            <a:ext cx="1710904" cy="1113239"/>
+            <a:chOff x="224889" y="2938277"/>
+            <a:chExt cx="1710904" cy="1113239"/>
           </a:xfrm>
         </p:grpSpPr>
         <p:pic>
@@ -7322,7 +7135,7 @@
           <p:spPr>
             <a:xfrm>
               <a:off x="1081971" y="3797152"/>
-              <a:ext cx="287258" cy="184666"/>
+              <a:ext cx="292068" cy="184666"/>
             </a:xfrm>
             <a:prstGeom prst="rect">
               <a:avLst/>
@@ -7336,7 +7149,9 @@
             <a:lstStyle/>
             <a:p>
               <a:r>
-                <a:rPr lang="en-US" sz="600" dirty="0"/>
+                <a:rPr lang="en-US" sz="600" dirty="0">
+                  <a:latin typeface="Helvetica Light" panose="020B0403020202020204" pitchFamily="34" charset="0"/>
+                </a:rPr>
                 <a:t>Ma</a:t>
               </a:r>
             </a:p>
@@ -7356,8 +7171,8 @@
           </p:nvSpPr>
           <p:spPr>
             <a:xfrm>
-              <a:off x="173921" y="3000024"/>
-              <a:ext cx="705642" cy="200055"/>
+              <a:off x="249144" y="3000024"/>
+              <a:ext cx="748923" cy="200055"/>
             </a:xfrm>
             <a:prstGeom prst="rect">
               <a:avLst/>
@@ -7371,7 +7186,9 @@
             <a:lstStyle/>
             <a:p>
               <a:r>
-                <a:rPr lang="en-US" sz="700" dirty="0"/>
+                <a:rPr lang="en-US" sz="700" dirty="0">
+                  <a:latin typeface="Helvetica Light" panose="020B0403020202020204" pitchFamily="34" charset="0"/>
+                </a:rPr>
                 <a:t>chronogram 1</a:t>
               </a:r>
             </a:p>
@@ -7392,10 +7209,10 @@
         </p:nvGrpSpPr>
         <p:grpSpPr>
           <a:xfrm>
-            <a:off x="4105837" y="4019016"/>
-            <a:ext cx="1783425" cy="1103681"/>
-            <a:chOff x="4099487" y="4019016"/>
-            <a:chExt cx="1783425" cy="1103681"/>
+            <a:off x="4181236" y="2976991"/>
+            <a:ext cx="1719345" cy="1103681"/>
+            <a:chOff x="4163567" y="4042462"/>
+            <a:chExt cx="1719345" cy="1103681"/>
           </a:xfrm>
         </p:grpSpPr>
         <p:pic>
@@ -7419,7 +7236,7 @@
           </p:blipFill>
           <p:spPr>
             <a:xfrm>
-              <a:off x="4163567" y="4019016"/>
+              <a:off x="4163567" y="4042462"/>
               <a:ext cx="1719072" cy="896431"/>
             </a:xfrm>
             <a:prstGeom prst="rect">
@@ -7448,7 +7265,7 @@
           </p:blipFill>
           <p:spPr>
             <a:xfrm>
-              <a:off x="4163840" y="4898435"/>
+              <a:off x="4163840" y="4921881"/>
               <a:ext cx="1719072" cy="224262"/>
             </a:xfrm>
             <a:prstGeom prst="rect">
@@ -7472,7 +7289,7 @@
           </p:nvCxnSpPr>
           <p:spPr>
             <a:xfrm flipH="1">
-              <a:off x="4192314" y="4565503"/>
+              <a:off x="4192314" y="4588949"/>
               <a:ext cx="694551" cy="0"/>
             </a:xfrm>
             <a:prstGeom prst="line">
@@ -7513,8 +7330,8 @@
           </p:nvSpPr>
           <p:spPr>
             <a:xfrm>
-              <a:off x="5036630" y="4877456"/>
-              <a:ext cx="287258" cy="184666"/>
+              <a:off x="5036630" y="4900902"/>
+              <a:ext cx="292068" cy="184666"/>
             </a:xfrm>
             <a:prstGeom prst="rect">
               <a:avLst/>
@@ -7528,7 +7345,9 @@
             <a:lstStyle/>
             <a:p>
               <a:r>
-                <a:rPr lang="en-US" sz="600" dirty="0"/>
+                <a:rPr lang="en-US" sz="600" dirty="0">
+                  <a:latin typeface="Helvetica Light" panose="020B0403020202020204" pitchFamily="34" charset="0"/>
+                </a:rPr>
                 <a:t>Ma</a:t>
               </a:r>
             </a:p>
@@ -7548,8 +7367,8 @@
           </p:nvSpPr>
           <p:spPr>
             <a:xfrm>
-              <a:off x="4099487" y="4103901"/>
-              <a:ext cx="705642" cy="200055"/>
+              <a:off x="4186433" y="4115624"/>
+              <a:ext cx="748923" cy="200055"/>
             </a:xfrm>
             <a:prstGeom prst="rect">
               <a:avLst/>
@@ -7563,8 +7382,10 @@
             <a:lstStyle/>
             <a:p>
               <a:r>
-                <a:rPr lang="en-US" sz="700" dirty="0"/>
-                <a:t>chronogram 2</a:t>
+                <a:rPr lang="en-US" sz="700" dirty="0">
+                  <a:latin typeface="Helvetica Light" panose="020B0403020202020204" pitchFamily="34" charset="0"/>
+                </a:rPr>
+                <a:t>chronogram 1</a:t>
               </a:r>
             </a:p>
           </p:txBody>
@@ -7584,10 +7405,10 @@
         </p:nvGrpSpPr>
         <p:grpSpPr>
           <a:xfrm>
-            <a:off x="2119361" y="4048746"/>
-            <a:ext cx="1778102" cy="1135161"/>
-            <a:chOff x="2154286" y="4032871"/>
-            <a:chExt cx="1778102" cy="1135161"/>
+            <a:off x="2176805" y="4119084"/>
+            <a:ext cx="1720658" cy="1135161"/>
+            <a:chOff x="2211730" y="4056317"/>
+            <a:chExt cx="1720658" cy="1135161"/>
           </a:xfrm>
         </p:grpSpPr>
         <p:pic>
@@ -7611,7 +7432,7 @@
           </p:blipFill>
           <p:spPr>
             <a:xfrm>
-              <a:off x="2213316" y="4032871"/>
+              <a:off x="2213316" y="4056317"/>
               <a:ext cx="1719072" cy="899197"/>
             </a:xfrm>
             <a:prstGeom prst="rect">
@@ -7640,7 +7461,7 @@
           </p:blipFill>
           <p:spPr>
             <a:xfrm>
-              <a:off x="2211730" y="4879480"/>
+              <a:off x="2211730" y="4902926"/>
               <a:ext cx="1084088" cy="288552"/>
             </a:xfrm>
             <a:prstGeom prst="rect">
@@ -7664,7 +7485,7 @@
           </p:nvCxnSpPr>
           <p:spPr>
             <a:xfrm flipH="1">
-              <a:off x="2228489" y="4561107"/>
+              <a:off x="2228489" y="4584553"/>
               <a:ext cx="467055" cy="0"/>
             </a:xfrm>
             <a:prstGeom prst="line">
@@ -7705,8 +7526,8 @@
           </p:nvSpPr>
           <p:spPr>
             <a:xfrm>
-              <a:off x="3075461" y="4866908"/>
-              <a:ext cx="287258" cy="184666"/>
+              <a:off x="3075461" y="4890354"/>
+              <a:ext cx="292068" cy="184666"/>
             </a:xfrm>
             <a:prstGeom prst="rect">
               <a:avLst/>
@@ -7720,7 +7541,9 @@
             <a:lstStyle/>
             <a:p>
               <a:r>
-                <a:rPr lang="en-US" sz="600" dirty="0"/>
+                <a:rPr lang="en-US" sz="600" dirty="0">
+                  <a:latin typeface="Helvetica Light" panose="020B0403020202020204" pitchFamily="34" charset="0"/>
+                </a:rPr>
                 <a:t>Ma</a:t>
               </a:r>
             </a:p>
@@ -7740,8 +7563,8 @@
           </p:nvSpPr>
           <p:spPr>
             <a:xfrm>
-              <a:off x="2154286" y="4088026"/>
-              <a:ext cx="705642" cy="200055"/>
+              <a:off x="2248559" y="4088026"/>
+              <a:ext cx="748923" cy="200055"/>
             </a:xfrm>
             <a:prstGeom prst="rect">
               <a:avLst/>
@@ -7755,205 +7578,190 @@
             <a:lstStyle/>
             <a:p>
               <a:r>
-                <a:rPr lang="en-US" sz="700" dirty="0"/>
+                <a:rPr lang="en-US" sz="700" dirty="0">
+                  <a:latin typeface="Helvetica Light" panose="020B0403020202020204" pitchFamily="34" charset="0"/>
+                </a:rPr>
                 <a:t>chronogram 2</a:t>
               </a:r>
             </a:p>
           </p:txBody>
         </p:sp>
       </p:grpSp>
-      <p:grpSp>
-        <p:nvGrpSpPr>
-          <p:cNvPr id="428" name="Group 427">
+      <p:pic>
+        <p:nvPicPr>
+          <p:cNvPr id="349" name="Picture 348">
             <a:extLst>
               <a:ext uri="{FF2B5EF4-FFF2-40B4-BE49-F238E27FC236}">
-                <a16:creationId xmlns:a16="http://schemas.microsoft.com/office/drawing/2014/main" id="{903A1728-E7D9-BEEC-4FF4-E616745FF3AA}"/>
+                <a16:creationId xmlns:a16="http://schemas.microsoft.com/office/drawing/2014/main" id="{3D8DF49E-7E84-EFD3-D70E-D6F15534398B}"/>
               </a:ext>
             </a:extLst>
           </p:cNvPr>
-          <p:cNvGrpSpPr/>
+          <p:cNvPicPr>
+            <a:picLocks noChangeAspect="1"/>
+          </p:cNvPicPr>
           <p:nvPr/>
-        </p:nvGrpSpPr>
-        <p:grpSpPr>
-          <a:xfrm>
-            <a:off x="2106070" y="2948170"/>
-            <a:ext cx="1790052" cy="1215920"/>
-            <a:chOff x="2121945" y="2948170"/>
-            <a:chExt cx="1790052" cy="1215920"/>
-          </a:xfrm>
-        </p:grpSpPr>
-        <p:pic>
-          <p:nvPicPr>
-            <p:cNvPr id="349" name="Picture 348">
-              <a:extLst>
-                <a:ext uri="{FF2B5EF4-FFF2-40B4-BE49-F238E27FC236}">
-                  <a16:creationId xmlns:a16="http://schemas.microsoft.com/office/drawing/2014/main" id="{3D8DF49E-7E84-EFD3-D70E-D6F15534398B}"/>
-                </a:ext>
-              </a:extLst>
-            </p:cNvPr>
-            <p:cNvPicPr>
-              <a:picLocks noChangeAspect="1"/>
-            </p:cNvPicPr>
-            <p:nvPr/>
-          </p:nvPicPr>
-          <p:blipFill rotWithShape="1">
-            <a:blip r:embed="rId22"/>
-            <a:srcRect t="70537" r="36696" b="-1734"/>
-            <a:stretch/>
-          </p:blipFill>
-          <p:spPr>
-            <a:xfrm>
-              <a:off x="2192464" y="3770797"/>
-              <a:ext cx="1088235" cy="393293"/>
-            </a:xfrm>
-            <a:prstGeom prst="rect">
-              <a:avLst/>
-            </a:prstGeom>
-          </p:spPr>
-        </p:pic>
-        <p:sp>
-          <p:nvSpPr>
-            <p:cNvPr id="415" name="TextBox 414">
-              <a:extLst>
-                <a:ext uri="{FF2B5EF4-FFF2-40B4-BE49-F238E27FC236}">
-                  <a16:creationId xmlns:a16="http://schemas.microsoft.com/office/drawing/2014/main" id="{DE353DA3-EB4C-38B2-D959-B64EAD95CA7D}"/>
-                </a:ext>
-              </a:extLst>
-            </p:cNvPr>
-            <p:cNvSpPr txBox="1"/>
-            <p:nvPr/>
-          </p:nvSpPr>
-          <p:spPr>
-            <a:xfrm>
-              <a:off x="3048835" y="3795482"/>
-              <a:ext cx="287258" cy="184666"/>
-            </a:xfrm>
-            <a:prstGeom prst="rect">
-              <a:avLst/>
-            </a:prstGeom>
-            <a:noFill/>
-          </p:spPr>
-          <p:txBody>
-            <a:bodyPr wrap="none" rtlCol="0">
-              <a:spAutoFit/>
-            </a:bodyPr>
-            <a:lstStyle/>
-            <a:p>
-              <a:r>
-                <a:rPr lang="en-US" sz="600" dirty="0"/>
-                <a:t>Ma</a:t>
-              </a:r>
-            </a:p>
-          </p:txBody>
-        </p:sp>
-        <p:sp>
-          <p:nvSpPr>
-            <p:cNvPr id="224" name="TextBox 223">
-              <a:extLst>
-                <a:ext uri="{FF2B5EF4-FFF2-40B4-BE49-F238E27FC236}">
-                  <a16:creationId xmlns:a16="http://schemas.microsoft.com/office/drawing/2014/main" id="{688D2BAB-6744-933D-B4D8-A20412858F86}"/>
-                </a:ext>
-              </a:extLst>
-            </p:cNvPr>
-            <p:cNvSpPr txBox="1"/>
-            <p:nvPr/>
-          </p:nvSpPr>
-          <p:spPr>
-            <a:xfrm>
-              <a:off x="2121945" y="2993353"/>
-              <a:ext cx="705642" cy="200055"/>
-            </a:xfrm>
-            <a:prstGeom prst="rect">
-              <a:avLst/>
-            </a:prstGeom>
-            <a:noFill/>
-          </p:spPr>
-          <p:txBody>
-            <a:bodyPr wrap="none" rtlCol="0">
-              <a:spAutoFit/>
-            </a:bodyPr>
-            <a:lstStyle/>
-            <a:p>
-              <a:r>
-                <a:rPr lang="en-US" sz="700" dirty="0"/>
-                <a:t>chronogram 1</a:t>
-              </a:r>
-            </a:p>
-          </p:txBody>
-        </p:sp>
-        <p:pic>
-          <p:nvPicPr>
-            <p:cNvPr id="421" name="Picture 420">
-              <a:extLst>
-                <a:ext uri="{FF2B5EF4-FFF2-40B4-BE49-F238E27FC236}">
-                  <a16:creationId xmlns:a16="http://schemas.microsoft.com/office/drawing/2014/main" id="{B17FDC8F-3C4C-E7F5-3FC7-5B6521EC25A6}"/>
-                </a:ext>
-              </a:extLst>
-            </p:cNvPr>
-            <p:cNvPicPr>
-              <a:picLocks noChangeAspect="1"/>
-            </p:cNvPicPr>
-            <p:nvPr/>
-          </p:nvPicPr>
-          <p:blipFill rotWithShape="1">
-            <a:blip r:embed="rId23"/>
-            <a:srcRect b="29699"/>
-            <a:stretch/>
-          </p:blipFill>
-          <p:spPr>
-            <a:xfrm>
-              <a:off x="2192925" y="2948170"/>
-              <a:ext cx="1719072" cy="886242"/>
-            </a:xfrm>
-            <a:prstGeom prst="rect">
-              <a:avLst/>
-            </a:prstGeom>
-          </p:spPr>
-        </p:pic>
-        <p:cxnSp>
-          <p:nvCxnSpPr>
-            <p:cNvPr id="370" name="Straight Connector 369">
-              <a:extLst>
-                <a:ext uri="{FF2B5EF4-FFF2-40B4-BE49-F238E27FC236}">
-                  <a16:creationId xmlns:a16="http://schemas.microsoft.com/office/drawing/2014/main" id="{9687EACA-A26B-5B64-FDDA-F2B706AC369F}"/>
-                </a:ext>
-              </a:extLst>
-            </p:cNvPr>
-            <p:cNvCxnSpPr>
-              <a:cxnSpLocks/>
-            </p:cNvCxnSpPr>
-            <p:nvPr/>
-          </p:nvCxnSpPr>
-          <p:spPr>
-            <a:xfrm flipH="1">
-              <a:off x="2199489" y="3534159"/>
-              <a:ext cx="467055" cy="0"/>
-            </a:xfrm>
-            <a:prstGeom prst="line">
-              <a:avLst/>
-            </a:prstGeom>
-            <a:ln w="12700">
-              <a:solidFill>
-                <a:srgbClr val="FFFFFF"/>
-              </a:solidFill>
-            </a:ln>
-          </p:spPr>
-          <p:style>
-            <a:lnRef idx="1">
-              <a:schemeClr val="accent1"/>
-            </a:lnRef>
-            <a:fillRef idx="0">
-              <a:schemeClr val="accent1"/>
-            </a:fillRef>
-            <a:effectRef idx="0">
-              <a:schemeClr val="accent1"/>
-            </a:effectRef>
-            <a:fontRef idx="minor">
-              <a:schemeClr val="tx1"/>
-            </a:fontRef>
-          </p:style>
-        </p:cxnSp>
-      </p:grpSp>
+        </p:nvPicPr>
+        <p:blipFill rotWithShape="1">
+          <a:blip r:embed="rId22"/>
+          <a:srcRect t="70537" r="36696" b="-1734"/>
+          <a:stretch/>
+        </p:blipFill>
+        <p:spPr>
+          <a:xfrm>
+            <a:off x="2176589" y="3841135"/>
+            <a:ext cx="1088235" cy="393293"/>
+          </a:xfrm>
+          <a:prstGeom prst="rect">
+            <a:avLst/>
+          </a:prstGeom>
+        </p:spPr>
+      </p:pic>
+      <p:sp>
+        <p:nvSpPr>
+          <p:cNvPr id="415" name="TextBox 414">
+            <a:extLst>
+              <a:ext uri="{FF2B5EF4-FFF2-40B4-BE49-F238E27FC236}">
+                <a16:creationId xmlns:a16="http://schemas.microsoft.com/office/drawing/2014/main" id="{DE353DA3-EB4C-38B2-D959-B64EAD95CA7D}"/>
+              </a:ext>
+            </a:extLst>
+          </p:cNvPr>
+          <p:cNvSpPr txBox="1"/>
+          <p:nvPr/>
+        </p:nvSpPr>
+        <p:spPr>
+          <a:xfrm>
+            <a:off x="3032960" y="3865820"/>
+            <a:ext cx="292068" cy="184666"/>
+          </a:xfrm>
+          <a:prstGeom prst="rect">
+            <a:avLst/>
+          </a:prstGeom>
+          <a:noFill/>
+        </p:spPr>
+        <p:txBody>
+          <a:bodyPr wrap="none" rtlCol="0">
+            <a:spAutoFit/>
+          </a:bodyPr>
+          <a:lstStyle/>
+          <a:p>
+            <a:r>
+              <a:rPr lang="en-US" sz="600" dirty="0">
+                <a:latin typeface="Helvetica Light" panose="020B0403020202020204" pitchFamily="34" charset="0"/>
+              </a:rPr>
+              <a:t>Ma</a:t>
+            </a:r>
+          </a:p>
+        </p:txBody>
+      </p:sp>
+      <p:pic>
+        <p:nvPicPr>
+          <p:cNvPr id="421" name="Picture 420">
+            <a:extLst>
+              <a:ext uri="{FF2B5EF4-FFF2-40B4-BE49-F238E27FC236}">
+                <a16:creationId xmlns:a16="http://schemas.microsoft.com/office/drawing/2014/main" id="{B17FDC8F-3C4C-E7F5-3FC7-5B6521EC25A6}"/>
+              </a:ext>
+            </a:extLst>
+          </p:cNvPr>
+          <p:cNvPicPr>
+            <a:picLocks noChangeAspect="1"/>
+          </p:cNvPicPr>
+          <p:nvPr/>
+        </p:nvPicPr>
+        <p:blipFill rotWithShape="1">
+          <a:blip r:embed="rId23"/>
+          <a:srcRect b="29699"/>
+          <a:stretch/>
+        </p:blipFill>
+        <p:spPr>
+          <a:xfrm>
+            <a:off x="2177050" y="3018508"/>
+            <a:ext cx="1719072" cy="886242"/>
+          </a:xfrm>
+          <a:prstGeom prst="rect">
+            <a:avLst/>
+          </a:prstGeom>
+        </p:spPr>
+      </p:pic>
+      <p:cxnSp>
+        <p:nvCxnSpPr>
+          <p:cNvPr id="370" name="Straight Connector 369">
+            <a:extLst>
+              <a:ext uri="{FF2B5EF4-FFF2-40B4-BE49-F238E27FC236}">
+                <a16:creationId xmlns:a16="http://schemas.microsoft.com/office/drawing/2014/main" id="{9687EACA-A26B-5B64-FDDA-F2B706AC369F}"/>
+              </a:ext>
+            </a:extLst>
+          </p:cNvPr>
+          <p:cNvCxnSpPr>
+            <a:cxnSpLocks/>
+          </p:cNvCxnSpPr>
+          <p:nvPr/>
+        </p:nvCxnSpPr>
+        <p:spPr>
+          <a:xfrm flipH="1">
+            <a:off x="2171891" y="3592774"/>
+            <a:ext cx="467055" cy="0"/>
+          </a:xfrm>
+          <a:prstGeom prst="line">
+            <a:avLst/>
+          </a:prstGeom>
+          <a:ln w="19050">
+            <a:solidFill>
+              <a:srgbClr val="FFFFFF"/>
+            </a:solidFill>
+          </a:ln>
+        </p:spPr>
+        <p:style>
+          <a:lnRef idx="1">
+            <a:schemeClr val="accent1"/>
+          </a:lnRef>
+          <a:fillRef idx="0">
+            <a:schemeClr val="accent1"/>
+          </a:fillRef>
+          <a:effectRef idx="0">
+            <a:schemeClr val="accent1"/>
+          </a:effectRef>
+          <a:fontRef idx="minor">
+            <a:schemeClr val="tx1"/>
+          </a:fontRef>
+        </p:style>
+      </p:cxnSp>
+      <p:sp>
+        <p:nvSpPr>
+          <p:cNvPr id="224" name="TextBox 223">
+            <a:extLst>
+              <a:ext uri="{FF2B5EF4-FFF2-40B4-BE49-F238E27FC236}">
+                <a16:creationId xmlns:a16="http://schemas.microsoft.com/office/drawing/2014/main" id="{688D2BAB-6744-933D-B4D8-A20412858F86}"/>
+              </a:ext>
+            </a:extLst>
+          </p:cNvPr>
+          <p:cNvSpPr txBox="1"/>
+          <p:nvPr/>
+        </p:nvSpPr>
+        <p:spPr>
+          <a:xfrm>
+            <a:off x="2203518" y="3051968"/>
+            <a:ext cx="748923" cy="200055"/>
+          </a:xfrm>
+          <a:prstGeom prst="rect">
+            <a:avLst/>
+          </a:prstGeom>
+          <a:noFill/>
+        </p:spPr>
+        <p:txBody>
+          <a:bodyPr wrap="none" rtlCol="0">
+            <a:spAutoFit/>
+          </a:bodyPr>
+          <a:lstStyle/>
+          <a:p>
+            <a:r>
+              <a:rPr lang="en-US" sz="700" dirty="0">
+                <a:latin typeface="Helvetica Light" panose="020B0403020202020204" pitchFamily="34" charset="0"/>
+              </a:rPr>
+              <a:t>chronogram 1</a:t>
+            </a:r>
+          </a:p>
+        </p:txBody>
+      </p:sp>
       <p:grpSp>
         <p:nvGrpSpPr>
           <p:cNvPr id="427" name="Group 426">
@@ -7968,10 +7776,10 @@
         </p:nvGrpSpPr>
         <p:grpSpPr>
           <a:xfrm>
-            <a:off x="4100659" y="2950643"/>
-            <a:ext cx="1788057" cy="1081255"/>
-            <a:chOff x="4116534" y="2956993"/>
-            <a:chExt cx="1788057" cy="1081255"/>
+            <a:off x="4169644" y="4111224"/>
+            <a:ext cx="1719072" cy="1081255"/>
+            <a:chOff x="4185519" y="2956993"/>
+            <a:chExt cx="1719072" cy="1081255"/>
           </a:xfrm>
         </p:grpSpPr>
         <p:pic>
@@ -8017,8 +7825,8 @@
           </p:nvSpPr>
           <p:spPr>
             <a:xfrm>
-              <a:off x="4116534" y="2999703"/>
-              <a:ext cx="705642" cy="200055"/>
+              <a:off x="4198107" y="2999703"/>
+              <a:ext cx="748923" cy="200055"/>
             </a:xfrm>
             <a:prstGeom prst="rect">
               <a:avLst/>
@@ -8032,8 +7840,10 @@
             <a:lstStyle/>
             <a:p>
               <a:r>
-                <a:rPr lang="en-US" sz="700" dirty="0"/>
-                <a:t>chronogram 1</a:t>
+                <a:rPr lang="en-US" sz="700" dirty="0">
+                  <a:latin typeface="Helvetica Light" panose="020B0403020202020204" pitchFamily="34" charset="0"/>
+                </a:rPr>
+                <a:t>chronogram 2</a:t>
               </a:r>
             </a:p>
           </p:txBody>
@@ -8125,7 +7935,7 @@
           <p:spPr>
             <a:xfrm>
               <a:off x="5052963" y="3799945"/>
-              <a:ext cx="287258" cy="184666"/>
+              <a:ext cx="292068" cy="184666"/>
             </a:xfrm>
             <a:prstGeom prst="rect">
               <a:avLst/>
@@ -8139,7 +7949,9 @@
             <a:lstStyle/>
             <a:p>
               <a:r>
-                <a:rPr lang="en-US" sz="600" dirty="0"/>
+                <a:rPr lang="en-US" sz="600" dirty="0">
+                  <a:latin typeface="Helvetica Light" panose="020B0403020202020204" pitchFamily="34" charset="0"/>
+                </a:rPr>
                 <a:t>Ma</a:t>
               </a:r>
             </a:p>
@@ -8160,10 +7972,10 @@
         </p:nvGrpSpPr>
         <p:grpSpPr>
           <a:xfrm>
-            <a:off x="157596" y="4010690"/>
-            <a:ext cx="1760750" cy="1103216"/>
-            <a:chOff x="182996" y="4010690"/>
-            <a:chExt cx="1760750" cy="1103216"/>
+            <a:off x="208252" y="4081028"/>
+            <a:ext cx="1710094" cy="1103216"/>
+            <a:chOff x="233652" y="4034136"/>
+            <a:chExt cx="1710094" cy="1103216"/>
           </a:xfrm>
         </p:grpSpPr>
         <p:pic>
@@ -8187,7 +7999,7 @@
           </p:blipFill>
           <p:spPr>
             <a:xfrm>
-              <a:off x="233652" y="4863139"/>
+              <a:off x="233652" y="4886585"/>
               <a:ext cx="1709928" cy="250767"/>
             </a:xfrm>
             <a:prstGeom prst="rect">
@@ -8209,8 +8021,8 @@
           </p:nvSpPr>
           <p:spPr>
             <a:xfrm>
-              <a:off x="1091771" y="4879784"/>
-              <a:ext cx="287258" cy="184666"/>
+              <a:off x="1091771" y="4903230"/>
+              <a:ext cx="292068" cy="184666"/>
             </a:xfrm>
             <a:prstGeom prst="rect">
               <a:avLst/>
@@ -8224,7 +8036,9 @@
             <a:lstStyle/>
             <a:p>
               <a:r>
-                <a:rPr lang="en-US" sz="600" dirty="0"/>
+                <a:rPr lang="en-US" sz="600" dirty="0">
+                  <a:latin typeface="Helvetica Light" panose="020B0403020202020204" pitchFamily="34" charset="0"/>
+                </a:rPr>
                 <a:t>Ma</a:t>
               </a:r>
             </a:p>
@@ -8244,8 +8058,8 @@
           </p:nvSpPr>
           <p:spPr>
             <a:xfrm>
-              <a:off x="182996" y="4103901"/>
-              <a:ext cx="705642" cy="200055"/>
+              <a:off x="240146" y="4103901"/>
+              <a:ext cx="748923" cy="200055"/>
             </a:xfrm>
             <a:prstGeom prst="rect">
               <a:avLst/>
@@ -8259,7 +8073,9 @@
             <a:lstStyle/>
             <a:p>
               <a:r>
-                <a:rPr lang="en-US" sz="700" dirty="0"/>
+                <a:rPr lang="en-US" sz="700" dirty="0">
+                  <a:latin typeface="Helvetica Light" panose="020B0403020202020204" pitchFamily="34" charset="0"/>
+                </a:rPr>
                 <a:t>chronogram 2</a:t>
               </a:r>
             </a:p>
@@ -8286,7 +8102,7 @@
           </p:blipFill>
           <p:spPr>
             <a:xfrm>
-              <a:off x="233818" y="4010690"/>
+              <a:off x="233818" y="4034136"/>
               <a:ext cx="1709928" cy="875003"/>
             </a:xfrm>
             <a:prstGeom prst="rect">
@@ -8310,7 +8126,7 @@
           </p:nvCxnSpPr>
           <p:spPr>
             <a:xfrm flipH="1">
-              <a:off x="259654" y="4588949"/>
+              <a:off x="259654" y="4612395"/>
               <a:ext cx="563586" cy="0"/>
             </a:xfrm>
             <a:prstGeom prst="line">
@@ -8338,76 +8154,6 @@
           </p:style>
         </p:cxnSp>
       </p:grpSp>
-      <p:pic>
-        <p:nvPicPr>
-          <p:cNvPr id="396" name="Graphic 395">
-            <a:extLst>
-              <a:ext uri="{FF2B5EF4-FFF2-40B4-BE49-F238E27FC236}">
-                <a16:creationId xmlns:a16="http://schemas.microsoft.com/office/drawing/2014/main" id="{434B84E4-ED8E-8808-7DC1-F6063EAAC193}"/>
-              </a:ext>
-            </a:extLst>
-          </p:cNvPr>
-          <p:cNvPicPr>
-            <a:picLocks noChangeAspect="1"/>
-          </p:cNvPicPr>
-          <p:nvPr/>
-        </p:nvPicPr>
-        <p:blipFill rotWithShape="1">
-          <a:blip r:embed="rId6">
-            <a:extLst>
-              <a:ext uri="{96DAC541-7B7A-43D3-8B79-37D633B846F1}">
-                <asvg:svgBlip xmlns:asvg="http://schemas.microsoft.com/office/drawing/2016/SVG/main" r:embed="rId7"/>
-              </a:ext>
-            </a:extLst>
-          </a:blip>
-          <a:srcRect l="31113" t="85883" r="22652" b="2690"/>
-          <a:stretch/>
-        </p:blipFill>
-        <p:spPr>
-          <a:xfrm>
-            <a:off x="1711569" y="7404941"/>
-            <a:ext cx="2368780" cy="277307"/>
-          </a:xfrm>
-          <a:prstGeom prst="rect">
-            <a:avLst/>
-          </a:prstGeom>
-        </p:spPr>
-      </p:pic>
-      <p:sp>
-        <p:nvSpPr>
-          <p:cNvPr id="434" name="TextBox 433">
-            <a:extLst>
-              <a:ext uri="{FF2B5EF4-FFF2-40B4-BE49-F238E27FC236}">
-                <a16:creationId xmlns:a16="http://schemas.microsoft.com/office/drawing/2014/main" id="{3008F699-74CE-8B26-24F0-290516BBE5FD}"/>
-              </a:ext>
-            </a:extLst>
-          </p:cNvPr>
-          <p:cNvSpPr txBox="1"/>
-          <p:nvPr/>
-        </p:nvSpPr>
-        <p:spPr>
-          <a:xfrm>
-            <a:off x="3970435" y="7426139"/>
-            <a:ext cx="304892" cy="200055"/>
-          </a:xfrm>
-          <a:prstGeom prst="rect">
-            <a:avLst/>
-          </a:prstGeom>
-          <a:noFill/>
-        </p:spPr>
-        <p:txBody>
-          <a:bodyPr wrap="none" rtlCol="0">
-            <a:spAutoFit/>
-          </a:bodyPr>
-          <a:lstStyle/>
-          <a:p>
-            <a:r>
-              <a:rPr lang="en-US" sz="700" dirty="0"/>
-              <a:t>Ma</a:t>
-            </a:r>
-          </a:p>
-        </p:txBody>
-      </p:sp>
       <p:grpSp>
         <p:nvGrpSpPr>
           <p:cNvPr id="462" name="Group 461">
@@ -8422,7 +8168,7 @@
         </p:nvGrpSpPr>
         <p:grpSpPr>
           <a:xfrm>
-            <a:off x="3820915" y="1689874"/>
+            <a:off x="3820915" y="1736766"/>
             <a:ext cx="2129010" cy="1012194"/>
             <a:chOff x="3820915" y="1689874"/>
             <a:chExt cx="2129010" cy="1012194"/>
@@ -8541,7 +8287,7 @@
               <p:spPr>
                 <a:xfrm>
                   <a:off x="5052963" y="2438703"/>
-                  <a:ext cx="287258" cy="184666"/>
+                  <a:ext cx="292068" cy="184666"/>
                 </a:xfrm>
                 <a:prstGeom prst="rect">
                   <a:avLst/>
@@ -8555,7 +8301,9 @@
                 <a:lstStyle/>
                 <a:p>
                   <a:r>
-                    <a:rPr lang="en-US" sz="600" dirty="0"/>
+                    <a:rPr lang="en-US" sz="600" dirty="0">
+                      <a:latin typeface="Helvetica Light" panose="020B0403020202020204" pitchFamily="34" charset="0"/>
+                    </a:rPr>
                     <a:t>Ma</a:t>
                   </a:r>
                 </a:p>
@@ -8636,6 +8384,1296 @@
           </p:spPr>
         </p:pic>
       </p:grpSp>
+      <p:pic>
+        <p:nvPicPr>
+          <p:cNvPr id="471" name="Graphic 470">
+            <a:extLst>
+              <a:ext uri="{FF2B5EF4-FFF2-40B4-BE49-F238E27FC236}">
+                <a16:creationId xmlns:a16="http://schemas.microsoft.com/office/drawing/2014/main" id="{604E8D9D-3179-13DF-573C-0BFCF59BF553}"/>
+              </a:ext>
+            </a:extLst>
+          </p:cNvPr>
+          <p:cNvPicPr>
+            <a:picLocks noChangeAspect="1"/>
+          </p:cNvPicPr>
+          <p:nvPr/>
+        </p:nvPicPr>
+        <p:blipFill rotWithShape="1">
+          <a:blip r:embed="rId30">
+            <a:extLst>
+              <a:ext uri="{96DAC541-7B7A-43D3-8B79-37D633B846F1}">
+                <asvg:svgBlip xmlns:asvg="http://schemas.microsoft.com/office/drawing/2016/SVG/main" r:embed="rId31"/>
+              </a:ext>
+            </a:extLst>
+          </a:blip>
+          <a:srcRect l="53423"/>
+          <a:stretch/>
+        </p:blipFill>
+        <p:spPr>
+          <a:xfrm>
+            <a:off x="5733883" y="-286389"/>
+            <a:ext cx="1333571" cy="1789465"/>
+          </a:xfrm>
+          <a:prstGeom prst="rect">
+            <a:avLst/>
+          </a:prstGeom>
+        </p:spPr>
+      </p:pic>
+      <p:cxnSp>
+        <p:nvCxnSpPr>
+          <p:cNvPr id="233" name="Straight Arrow Connector 232">
+            <a:extLst>
+              <a:ext uri="{FF2B5EF4-FFF2-40B4-BE49-F238E27FC236}">
+                <a16:creationId xmlns:a16="http://schemas.microsoft.com/office/drawing/2014/main" id="{9CD0644A-A289-D356-AF63-26E6F2AA8640}"/>
+              </a:ext>
+            </a:extLst>
+          </p:cNvPr>
+          <p:cNvCxnSpPr>
+            <a:cxnSpLocks/>
+          </p:cNvCxnSpPr>
+          <p:nvPr/>
+        </p:nvCxnSpPr>
+        <p:spPr>
+          <a:xfrm flipH="1" flipV="1">
+            <a:off x="5470610" y="6694562"/>
+            <a:ext cx="525901" cy="4352"/>
+          </a:xfrm>
+          <a:prstGeom prst="straightConnector1">
+            <a:avLst/>
+          </a:prstGeom>
+          <a:ln w="19050">
+            <a:solidFill>
+              <a:schemeClr val="tx1"/>
+            </a:solidFill>
+            <a:headEnd type="oval"/>
+            <a:tailEnd type="arrow"/>
+          </a:ln>
+        </p:spPr>
+        <p:style>
+          <a:lnRef idx="1">
+            <a:schemeClr val="accent1"/>
+          </a:lnRef>
+          <a:fillRef idx="0">
+            <a:schemeClr val="accent1"/>
+          </a:fillRef>
+          <a:effectRef idx="0">
+            <a:schemeClr val="accent1"/>
+          </a:effectRef>
+          <a:fontRef idx="minor">
+            <a:schemeClr val="tx1"/>
+          </a:fontRef>
+        </p:style>
+      </p:cxnSp>
+      <p:pic>
+        <p:nvPicPr>
+          <p:cNvPr id="7" name="Graphic 6">
+            <a:extLst>
+              <a:ext uri="{FF2B5EF4-FFF2-40B4-BE49-F238E27FC236}">
+                <a16:creationId xmlns:a16="http://schemas.microsoft.com/office/drawing/2014/main" id="{5B3DD361-1B5C-E551-6470-BC80E9FD742A}"/>
+              </a:ext>
+            </a:extLst>
+          </p:cNvPr>
+          <p:cNvPicPr>
+            <a:picLocks noChangeAspect="1"/>
+          </p:cNvPicPr>
+          <p:nvPr/>
+        </p:nvPicPr>
+        <p:blipFill rotWithShape="1">
+          <a:blip r:embed="rId5">
+            <a:extLst>
+              <a:ext uri="{96DAC541-7B7A-43D3-8B79-37D633B846F1}">
+                <asvg:svgBlip xmlns:asvg="http://schemas.microsoft.com/office/drawing/2016/SVG/main" r:embed="rId6"/>
+              </a:ext>
+            </a:extLst>
+          </a:blip>
+          <a:srcRect l="37585" t="19398" r="47132" b="66547"/>
+          <a:stretch/>
+        </p:blipFill>
+        <p:spPr>
+          <a:xfrm>
+            <a:off x="246537" y="5984072"/>
+            <a:ext cx="1005840" cy="438139"/>
+          </a:xfrm>
+          <a:prstGeom prst="rect">
+            <a:avLst/>
+          </a:prstGeom>
+        </p:spPr>
+      </p:pic>
+      <p:sp>
+        <p:nvSpPr>
+          <p:cNvPr id="9" name="Oval 8">
+            <a:extLst>
+              <a:ext uri="{FF2B5EF4-FFF2-40B4-BE49-F238E27FC236}">
+                <a16:creationId xmlns:a16="http://schemas.microsoft.com/office/drawing/2014/main" id="{68244ADF-3B73-FB7D-42A2-C72487036126}"/>
+              </a:ext>
+            </a:extLst>
+          </p:cNvPr>
+          <p:cNvSpPr>
+            <a:spLocks noChangeAspect="1"/>
+          </p:cNvSpPr>
+          <p:nvPr/>
+        </p:nvSpPr>
+        <p:spPr>
+          <a:xfrm>
+            <a:off x="462031" y="1569258"/>
+            <a:ext cx="73152" cy="73152"/>
+          </a:xfrm>
+          <a:prstGeom prst="ellipse">
+            <a:avLst/>
+          </a:prstGeom>
+          <a:solidFill>
+            <a:srgbClr val="D7E636"/>
+          </a:solidFill>
+          <a:ln>
+            <a:noFill/>
+          </a:ln>
+        </p:spPr>
+        <p:style>
+          <a:lnRef idx="2">
+            <a:schemeClr val="accent1">
+              <a:shade val="15000"/>
+            </a:schemeClr>
+          </a:lnRef>
+          <a:fillRef idx="1">
+            <a:schemeClr val="accent1"/>
+          </a:fillRef>
+          <a:effectRef idx="0">
+            <a:schemeClr val="accent1"/>
+          </a:effectRef>
+          <a:fontRef idx="minor">
+            <a:schemeClr val="lt1"/>
+          </a:fontRef>
+        </p:style>
+        <p:txBody>
+          <a:bodyPr rtlCol="0" anchor="ctr"/>
+          <a:lstStyle/>
+          <a:p>
+            <a:pPr algn="ctr"/>
+            <a:endParaRPr lang="en-US">
+              <a:latin typeface="Helvetica Light" panose="020B0403020202020204" pitchFamily="34" charset="0"/>
+            </a:endParaRPr>
+          </a:p>
+        </p:txBody>
+      </p:sp>
+      <p:sp>
+        <p:nvSpPr>
+          <p:cNvPr id="11" name="Oval 10">
+            <a:extLst>
+              <a:ext uri="{FF2B5EF4-FFF2-40B4-BE49-F238E27FC236}">
+                <a16:creationId xmlns:a16="http://schemas.microsoft.com/office/drawing/2014/main" id="{4E80A9C8-F67F-D556-AF01-8F214D2B2EE9}"/>
+              </a:ext>
+            </a:extLst>
+          </p:cNvPr>
+          <p:cNvSpPr>
+            <a:spLocks noChangeAspect="1"/>
+          </p:cNvSpPr>
+          <p:nvPr/>
+        </p:nvSpPr>
+        <p:spPr>
+          <a:xfrm>
+            <a:off x="227170" y="3110046"/>
+            <a:ext cx="73152" cy="73152"/>
+          </a:xfrm>
+          <a:prstGeom prst="ellipse">
+            <a:avLst/>
+          </a:prstGeom>
+          <a:solidFill>
+            <a:srgbClr val="455ED3"/>
+          </a:solidFill>
+          <a:ln>
+            <a:noFill/>
+          </a:ln>
+        </p:spPr>
+        <p:style>
+          <a:lnRef idx="2">
+            <a:schemeClr val="accent1">
+              <a:shade val="15000"/>
+            </a:schemeClr>
+          </a:lnRef>
+          <a:fillRef idx="1">
+            <a:schemeClr val="accent1"/>
+          </a:fillRef>
+          <a:effectRef idx="0">
+            <a:schemeClr val="accent1"/>
+          </a:effectRef>
+          <a:fontRef idx="minor">
+            <a:schemeClr val="lt1"/>
+          </a:fontRef>
+        </p:style>
+        <p:txBody>
+          <a:bodyPr rtlCol="0" anchor="ctr"/>
+          <a:lstStyle/>
+          <a:p>
+            <a:pPr algn="ctr"/>
+            <a:endParaRPr lang="en-US">
+              <a:latin typeface="Helvetica Light" panose="020B0403020202020204" pitchFamily="34" charset="0"/>
+            </a:endParaRPr>
+          </a:p>
+        </p:txBody>
+      </p:sp>
+      <p:sp>
+        <p:nvSpPr>
+          <p:cNvPr id="12" name="Oval 11">
+            <a:extLst>
+              <a:ext uri="{FF2B5EF4-FFF2-40B4-BE49-F238E27FC236}">
+                <a16:creationId xmlns:a16="http://schemas.microsoft.com/office/drawing/2014/main" id="{B572B3A2-04F8-7634-21BA-D7B82D312105}"/>
+              </a:ext>
+            </a:extLst>
+          </p:cNvPr>
+          <p:cNvSpPr>
+            <a:spLocks noChangeAspect="1"/>
+          </p:cNvSpPr>
+          <p:nvPr/>
+        </p:nvSpPr>
+        <p:spPr>
+          <a:xfrm>
+            <a:off x="4422525" y="1569746"/>
+            <a:ext cx="73152" cy="73152"/>
+          </a:xfrm>
+          <a:prstGeom prst="ellipse">
+            <a:avLst/>
+          </a:prstGeom>
+          <a:solidFill>
+            <a:srgbClr val="7A0303"/>
+          </a:solidFill>
+          <a:ln>
+            <a:noFill/>
+          </a:ln>
+        </p:spPr>
+        <p:style>
+          <a:lnRef idx="2">
+            <a:schemeClr val="accent1">
+              <a:shade val="15000"/>
+            </a:schemeClr>
+          </a:lnRef>
+          <a:fillRef idx="1">
+            <a:schemeClr val="accent1"/>
+          </a:fillRef>
+          <a:effectRef idx="0">
+            <a:schemeClr val="accent1"/>
+          </a:effectRef>
+          <a:fontRef idx="minor">
+            <a:schemeClr val="lt1"/>
+          </a:fontRef>
+        </p:style>
+        <p:txBody>
+          <a:bodyPr rtlCol="0" anchor="ctr"/>
+          <a:lstStyle/>
+          <a:p>
+            <a:pPr algn="ctr"/>
+            <a:endParaRPr lang="en-US">
+              <a:latin typeface="Helvetica Light" panose="020B0403020202020204" pitchFamily="34" charset="0"/>
+            </a:endParaRPr>
+          </a:p>
+        </p:txBody>
+      </p:sp>
+      <p:sp>
+        <p:nvSpPr>
+          <p:cNvPr id="13" name="Oval 12">
+            <a:extLst>
+              <a:ext uri="{FF2B5EF4-FFF2-40B4-BE49-F238E27FC236}">
+                <a16:creationId xmlns:a16="http://schemas.microsoft.com/office/drawing/2014/main" id="{EF32BCF4-FFB2-91F8-ADF8-65544C134ABA}"/>
+              </a:ext>
+            </a:extLst>
+          </p:cNvPr>
+          <p:cNvSpPr>
+            <a:spLocks noChangeAspect="1"/>
+          </p:cNvSpPr>
+          <p:nvPr/>
+        </p:nvSpPr>
+        <p:spPr>
+          <a:xfrm>
+            <a:off x="2190604" y="3107774"/>
+            <a:ext cx="73152" cy="73152"/>
+          </a:xfrm>
+          <a:prstGeom prst="ellipse">
+            <a:avLst/>
+          </a:prstGeom>
+          <a:solidFill>
+            <a:srgbClr val="2AF19E"/>
+          </a:solidFill>
+          <a:ln>
+            <a:noFill/>
+          </a:ln>
+        </p:spPr>
+        <p:style>
+          <a:lnRef idx="2">
+            <a:schemeClr val="accent1">
+              <a:shade val="15000"/>
+            </a:schemeClr>
+          </a:lnRef>
+          <a:fillRef idx="1">
+            <a:schemeClr val="accent1"/>
+          </a:fillRef>
+          <a:effectRef idx="0">
+            <a:schemeClr val="accent1"/>
+          </a:effectRef>
+          <a:fontRef idx="minor">
+            <a:schemeClr val="lt1"/>
+          </a:fontRef>
+        </p:style>
+        <p:txBody>
+          <a:bodyPr rtlCol="0" anchor="ctr"/>
+          <a:lstStyle/>
+          <a:p>
+            <a:pPr algn="ctr"/>
+            <a:endParaRPr lang="en-US">
+              <a:latin typeface="Helvetica Light" panose="020B0403020202020204" pitchFamily="34" charset="0"/>
+            </a:endParaRPr>
+          </a:p>
+        </p:txBody>
+      </p:sp>
+      <p:sp>
+        <p:nvSpPr>
+          <p:cNvPr id="14" name="Oval 13">
+            <a:extLst>
+              <a:ext uri="{FF2B5EF4-FFF2-40B4-BE49-F238E27FC236}">
+                <a16:creationId xmlns:a16="http://schemas.microsoft.com/office/drawing/2014/main" id="{93BA89A1-3C6E-4D30-75BD-950E467A2041}"/>
+              </a:ext>
+            </a:extLst>
+          </p:cNvPr>
+          <p:cNvSpPr>
+            <a:spLocks noChangeAspect="1"/>
+          </p:cNvSpPr>
+          <p:nvPr/>
+        </p:nvSpPr>
+        <p:spPr>
+          <a:xfrm>
+            <a:off x="2205330" y="4219386"/>
+            <a:ext cx="73152" cy="73152"/>
+          </a:xfrm>
+          <a:prstGeom prst="ellipse">
+            <a:avLst/>
+          </a:prstGeom>
+          <a:solidFill>
+            <a:srgbClr val="5BFC71"/>
+          </a:solidFill>
+          <a:ln>
+            <a:noFill/>
+          </a:ln>
+        </p:spPr>
+        <p:style>
+          <a:lnRef idx="2">
+            <a:schemeClr val="accent1">
+              <a:shade val="15000"/>
+            </a:schemeClr>
+          </a:lnRef>
+          <a:fillRef idx="1">
+            <a:schemeClr val="accent1"/>
+          </a:fillRef>
+          <a:effectRef idx="0">
+            <a:schemeClr val="accent1"/>
+          </a:effectRef>
+          <a:fontRef idx="minor">
+            <a:schemeClr val="lt1"/>
+          </a:fontRef>
+        </p:style>
+        <p:txBody>
+          <a:bodyPr rtlCol="0" anchor="ctr"/>
+          <a:lstStyle/>
+          <a:p>
+            <a:pPr algn="ctr"/>
+            <a:endParaRPr lang="en-US">
+              <a:latin typeface="Helvetica Light" panose="020B0403020202020204" pitchFamily="34" charset="0"/>
+            </a:endParaRPr>
+          </a:p>
+        </p:txBody>
+      </p:sp>
+      <p:sp>
+        <p:nvSpPr>
+          <p:cNvPr id="15" name="Oval 14">
+            <a:extLst>
+              <a:ext uri="{FF2B5EF4-FFF2-40B4-BE49-F238E27FC236}">
+                <a16:creationId xmlns:a16="http://schemas.microsoft.com/office/drawing/2014/main" id="{9594969C-9F84-BE9F-5D6D-4D3DA2E99A93}"/>
+              </a:ext>
+            </a:extLst>
+          </p:cNvPr>
+          <p:cNvSpPr>
+            <a:spLocks noChangeAspect="1"/>
+          </p:cNvSpPr>
+          <p:nvPr/>
+        </p:nvSpPr>
+        <p:spPr>
+          <a:xfrm>
+            <a:off x="2412160" y="1570596"/>
+            <a:ext cx="73152" cy="73152"/>
+          </a:xfrm>
+          <a:prstGeom prst="ellipse">
+            <a:avLst/>
+          </a:prstGeom>
+          <a:solidFill>
+            <a:srgbClr val="E24209"/>
+          </a:solidFill>
+          <a:ln>
+            <a:noFill/>
+          </a:ln>
+        </p:spPr>
+        <p:style>
+          <a:lnRef idx="2">
+            <a:schemeClr val="accent1">
+              <a:shade val="15000"/>
+            </a:schemeClr>
+          </a:lnRef>
+          <a:fillRef idx="1">
+            <a:schemeClr val="accent1"/>
+          </a:fillRef>
+          <a:effectRef idx="0">
+            <a:schemeClr val="accent1"/>
+          </a:effectRef>
+          <a:fontRef idx="minor">
+            <a:schemeClr val="lt1"/>
+          </a:fontRef>
+        </p:style>
+        <p:txBody>
+          <a:bodyPr rtlCol="0" anchor="ctr"/>
+          <a:lstStyle/>
+          <a:p>
+            <a:pPr algn="ctr"/>
+            <a:endParaRPr lang="en-US">
+              <a:latin typeface="Helvetica Light" panose="020B0403020202020204" pitchFamily="34" charset="0"/>
+            </a:endParaRPr>
+          </a:p>
+        </p:txBody>
+      </p:sp>
+      <p:sp>
+        <p:nvSpPr>
+          <p:cNvPr id="16" name="Oval 15">
+            <a:extLst>
+              <a:ext uri="{FF2B5EF4-FFF2-40B4-BE49-F238E27FC236}">
+                <a16:creationId xmlns:a16="http://schemas.microsoft.com/office/drawing/2014/main" id="{6C90FDEC-7DC5-D574-59F5-55DFBBA53E0B}"/>
+              </a:ext>
+            </a:extLst>
+          </p:cNvPr>
+          <p:cNvSpPr>
+            <a:spLocks noChangeAspect="1"/>
+          </p:cNvSpPr>
+          <p:nvPr/>
+        </p:nvSpPr>
+        <p:spPr>
+          <a:xfrm>
+            <a:off x="4189744" y="3107850"/>
+            <a:ext cx="73152" cy="73152"/>
+          </a:xfrm>
+          <a:prstGeom prst="ellipse">
+            <a:avLst/>
+          </a:prstGeom>
+          <a:solidFill>
+            <a:srgbClr val="EFCD3A"/>
+          </a:solidFill>
+          <a:ln>
+            <a:noFill/>
+          </a:ln>
+        </p:spPr>
+        <p:style>
+          <a:lnRef idx="2">
+            <a:schemeClr val="accent1">
+              <a:shade val="15000"/>
+            </a:schemeClr>
+          </a:lnRef>
+          <a:fillRef idx="1">
+            <a:schemeClr val="accent1"/>
+          </a:fillRef>
+          <a:effectRef idx="0">
+            <a:schemeClr val="accent1"/>
+          </a:effectRef>
+          <a:fontRef idx="minor">
+            <a:schemeClr val="lt1"/>
+          </a:fontRef>
+        </p:style>
+        <p:txBody>
+          <a:bodyPr rtlCol="0" anchor="ctr"/>
+          <a:lstStyle/>
+          <a:p>
+            <a:pPr algn="ctr"/>
+            <a:endParaRPr lang="en-US">
+              <a:latin typeface="Helvetica Light" panose="020B0403020202020204" pitchFamily="34" charset="0"/>
+            </a:endParaRPr>
+          </a:p>
+        </p:txBody>
+      </p:sp>
+      <p:sp>
+        <p:nvSpPr>
+          <p:cNvPr id="17" name="Oval 16">
+            <a:extLst>
+              <a:ext uri="{FF2B5EF4-FFF2-40B4-BE49-F238E27FC236}">
+                <a16:creationId xmlns:a16="http://schemas.microsoft.com/office/drawing/2014/main" id="{316D39F8-98E5-551E-E678-5782722A2E0E}"/>
+              </a:ext>
+            </a:extLst>
+          </p:cNvPr>
+          <p:cNvSpPr>
+            <a:spLocks noChangeAspect="1"/>
+          </p:cNvSpPr>
+          <p:nvPr/>
+        </p:nvSpPr>
+        <p:spPr>
+          <a:xfrm>
+            <a:off x="4180219" y="4215678"/>
+            <a:ext cx="73152" cy="73152"/>
+          </a:xfrm>
+          <a:prstGeom prst="ellipse">
+            <a:avLst/>
+          </a:prstGeom>
+          <a:solidFill>
+            <a:srgbClr val="FDB036"/>
+          </a:solidFill>
+          <a:ln>
+            <a:noFill/>
+          </a:ln>
+        </p:spPr>
+        <p:style>
+          <a:lnRef idx="2">
+            <a:schemeClr val="accent1">
+              <a:shade val="15000"/>
+            </a:schemeClr>
+          </a:lnRef>
+          <a:fillRef idx="1">
+            <a:schemeClr val="accent1"/>
+          </a:fillRef>
+          <a:effectRef idx="0">
+            <a:schemeClr val="accent1"/>
+          </a:effectRef>
+          <a:fontRef idx="minor">
+            <a:schemeClr val="lt1"/>
+          </a:fontRef>
+        </p:style>
+        <p:txBody>
+          <a:bodyPr rtlCol="0" anchor="ctr"/>
+          <a:lstStyle/>
+          <a:p>
+            <a:pPr algn="ctr"/>
+            <a:endParaRPr lang="en-US">
+              <a:latin typeface="Helvetica Light" panose="020B0403020202020204" pitchFamily="34" charset="0"/>
+            </a:endParaRPr>
+          </a:p>
+        </p:txBody>
+      </p:sp>
+      <p:sp>
+        <p:nvSpPr>
+          <p:cNvPr id="18" name="Oval 17">
+            <a:extLst>
+              <a:ext uri="{FF2B5EF4-FFF2-40B4-BE49-F238E27FC236}">
+                <a16:creationId xmlns:a16="http://schemas.microsoft.com/office/drawing/2014/main" id="{C4B509C9-A4FF-00FC-DA26-E62C93B56D35}"/>
+              </a:ext>
+            </a:extLst>
+          </p:cNvPr>
+          <p:cNvSpPr>
+            <a:spLocks noChangeAspect="1"/>
+          </p:cNvSpPr>
+          <p:nvPr/>
+        </p:nvSpPr>
+        <p:spPr>
+          <a:xfrm>
+            <a:off x="221761" y="4217410"/>
+            <a:ext cx="73152" cy="73152"/>
+          </a:xfrm>
+          <a:prstGeom prst="ellipse">
+            <a:avLst/>
+          </a:prstGeom>
+          <a:solidFill>
+            <a:srgbClr val="4581F7"/>
+          </a:solidFill>
+          <a:ln>
+            <a:noFill/>
+          </a:ln>
+        </p:spPr>
+        <p:style>
+          <a:lnRef idx="2">
+            <a:schemeClr val="accent1">
+              <a:shade val="15000"/>
+            </a:schemeClr>
+          </a:lnRef>
+          <a:fillRef idx="1">
+            <a:schemeClr val="accent1"/>
+          </a:fillRef>
+          <a:effectRef idx="0">
+            <a:schemeClr val="accent1"/>
+          </a:effectRef>
+          <a:fontRef idx="minor">
+            <a:schemeClr val="lt1"/>
+          </a:fontRef>
+        </p:style>
+        <p:txBody>
+          <a:bodyPr rtlCol="0" anchor="ctr"/>
+          <a:lstStyle/>
+          <a:p>
+            <a:pPr algn="ctr"/>
+            <a:endParaRPr lang="en-US">
+              <a:latin typeface="Helvetica Light" panose="020B0403020202020204" pitchFamily="34" charset="0"/>
+            </a:endParaRPr>
+          </a:p>
+        </p:txBody>
+      </p:sp>
+      <p:sp>
+        <p:nvSpPr>
+          <p:cNvPr id="24" name="Rectangle 23">
+            <a:extLst>
+              <a:ext uri="{FF2B5EF4-FFF2-40B4-BE49-F238E27FC236}">
+                <a16:creationId xmlns:a16="http://schemas.microsoft.com/office/drawing/2014/main" id="{330A63E8-8231-A882-4979-767CE7845808}"/>
+              </a:ext>
+            </a:extLst>
+          </p:cNvPr>
+          <p:cNvSpPr/>
+          <p:nvPr/>
+        </p:nvSpPr>
+        <p:spPr>
+          <a:xfrm>
+            <a:off x="2263584" y="5965859"/>
+            <a:ext cx="871107" cy="421815"/>
+          </a:xfrm>
+          <a:prstGeom prst="rect">
+            <a:avLst/>
+          </a:prstGeom>
+          <a:solidFill>
+            <a:schemeClr val="bg1"/>
+          </a:solidFill>
+          <a:ln>
+            <a:noFill/>
+          </a:ln>
+        </p:spPr>
+        <p:style>
+          <a:lnRef idx="2">
+            <a:schemeClr val="accent1">
+              <a:shade val="15000"/>
+            </a:schemeClr>
+          </a:lnRef>
+          <a:fillRef idx="1">
+            <a:schemeClr val="accent1"/>
+          </a:fillRef>
+          <a:effectRef idx="0">
+            <a:schemeClr val="accent1"/>
+          </a:effectRef>
+          <a:fontRef idx="minor">
+            <a:schemeClr val="lt1"/>
+          </a:fontRef>
+        </p:style>
+        <p:txBody>
+          <a:bodyPr rtlCol="0" anchor="ctr"/>
+          <a:lstStyle/>
+          <a:p>
+            <a:pPr algn="ctr"/>
+            <a:endParaRPr lang="en-US"/>
+          </a:p>
+        </p:txBody>
+      </p:sp>
+      <p:cxnSp>
+        <p:nvCxnSpPr>
+          <p:cNvPr id="26" name="Straight Connector 25">
+            <a:extLst>
+              <a:ext uri="{FF2B5EF4-FFF2-40B4-BE49-F238E27FC236}">
+                <a16:creationId xmlns:a16="http://schemas.microsoft.com/office/drawing/2014/main" id="{001F0A4F-4A27-ABBE-F521-744C103B1173}"/>
+              </a:ext>
+            </a:extLst>
+          </p:cNvPr>
+          <p:cNvCxnSpPr>
+            <a:cxnSpLocks/>
+          </p:cNvCxnSpPr>
+          <p:nvPr/>
+        </p:nvCxnSpPr>
+        <p:spPr>
+          <a:xfrm flipH="1" flipV="1">
+            <a:off x="2307301" y="5887743"/>
+            <a:ext cx="3175" cy="499931"/>
+          </a:xfrm>
+          <a:prstGeom prst="line">
+            <a:avLst/>
+          </a:prstGeom>
+          <a:ln w="3175">
+            <a:solidFill>
+              <a:schemeClr val="bg1">
+                <a:lumMod val="95000"/>
+              </a:schemeClr>
+            </a:solidFill>
+            <a:prstDash val="lgDash"/>
+          </a:ln>
+        </p:spPr>
+        <p:style>
+          <a:lnRef idx="1">
+            <a:schemeClr val="accent1"/>
+          </a:lnRef>
+          <a:fillRef idx="0">
+            <a:schemeClr val="accent1"/>
+          </a:fillRef>
+          <a:effectRef idx="0">
+            <a:schemeClr val="accent1"/>
+          </a:effectRef>
+          <a:fontRef idx="minor">
+            <a:schemeClr val="tx1"/>
+          </a:fontRef>
+        </p:style>
+      </p:cxnSp>
+      <p:grpSp>
+        <p:nvGrpSpPr>
+          <p:cNvPr id="57" name="Group 56">
+            <a:extLst>
+              <a:ext uri="{FF2B5EF4-FFF2-40B4-BE49-F238E27FC236}">
+                <a16:creationId xmlns:a16="http://schemas.microsoft.com/office/drawing/2014/main" id="{E9C11ED2-DD1E-4D98-28F8-C8DD7D869B68}"/>
+              </a:ext>
+            </a:extLst>
+          </p:cNvPr>
+          <p:cNvGrpSpPr/>
+          <p:nvPr/>
+        </p:nvGrpSpPr>
+        <p:grpSpPr>
+          <a:xfrm>
+            <a:off x="5970602" y="5937810"/>
+            <a:ext cx="875561" cy="285030"/>
+            <a:chOff x="5970602" y="5879195"/>
+            <a:chExt cx="875561" cy="285030"/>
+          </a:xfrm>
+        </p:grpSpPr>
+        <p:sp>
+          <p:nvSpPr>
+            <p:cNvPr id="137" name="Rectangle 136">
+              <a:extLst>
+                <a:ext uri="{FF2B5EF4-FFF2-40B4-BE49-F238E27FC236}">
+                  <a16:creationId xmlns:a16="http://schemas.microsoft.com/office/drawing/2014/main" id="{3CB21736-1BE6-2FB7-342B-60EADE1373BD}"/>
+                </a:ext>
+              </a:extLst>
+            </p:cNvPr>
+            <p:cNvSpPr/>
+            <p:nvPr/>
+          </p:nvSpPr>
+          <p:spPr>
+            <a:xfrm>
+              <a:off x="6005771" y="5879195"/>
+              <a:ext cx="825034" cy="285030"/>
+            </a:xfrm>
+            <a:prstGeom prst="rect">
+              <a:avLst/>
+            </a:prstGeom>
+            <a:noFill/>
+            <a:ln w="12700">
+              <a:solidFill>
+                <a:schemeClr val="tx1"/>
+              </a:solidFill>
+            </a:ln>
+          </p:spPr>
+          <p:style>
+            <a:lnRef idx="2">
+              <a:schemeClr val="accent1">
+                <a:shade val="15000"/>
+              </a:schemeClr>
+            </a:lnRef>
+            <a:fillRef idx="1">
+              <a:schemeClr val="accent1"/>
+            </a:fillRef>
+            <a:effectRef idx="0">
+              <a:schemeClr val="accent1"/>
+            </a:effectRef>
+            <a:fontRef idx="minor">
+              <a:schemeClr val="lt1"/>
+            </a:fontRef>
+          </p:style>
+          <p:txBody>
+            <a:bodyPr rtlCol="0" anchor="ctr"/>
+            <a:lstStyle/>
+            <a:p>
+              <a:pPr algn="ctr"/>
+              <a:endParaRPr lang="en-US">
+                <a:latin typeface="Helvetica Light" panose="020B0403020202020204" pitchFamily="34" charset="0"/>
+              </a:endParaRPr>
+            </a:p>
+          </p:txBody>
+        </p:sp>
+        <p:sp>
+          <p:nvSpPr>
+            <p:cNvPr id="54" name="TextBox 53">
+              <a:extLst>
+                <a:ext uri="{FF2B5EF4-FFF2-40B4-BE49-F238E27FC236}">
+                  <a16:creationId xmlns:a16="http://schemas.microsoft.com/office/drawing/2014/main" id="{45F96727-BA80-6E01-CADB-A3141DC4C103}"/>
+                </a:ext>
+              </a:extLst>
+            </p:cNvPr>
+            <p:cNvSpPr txBox="1"/>
+            <p:nvPr/>
+          </p:nvSpPr>
+          <p:spPr>
+            <a:xfrm>
+              <a:off x="5970602" y="5883210"/>
+              <a:ext cx="875561" cy="276999"/>
+            </a:xfrm>
+            <a:prstGeom prst="rect">
+              <a:avLst/>
+            </a:prstGeom>
+            <a:noFill/>
+            <a:ln w="12700">
+              <a:noFill/>
+            </a:ln>
+          </p:spPr>
+          <p:txBody>
+            <a:bodyPr wrap="none" rtlCol="0">
+              <a:spAutoFit/>
+            </a:bodyPr>
+            <a:lstStyle/>
+            <a:p>
+              <a:r>
+                <a:rPr lang="en-US" sz="1200" dirty="0">
+                  <a:latin typeface="Helvetica Light" panose="020B0403020202020204" pitchFamily="34" charset="0"/>
+                </a:rPr>
+                <a:t>e) Table 1</a:t>
+              </a:r>
+            </a:p>
+          </p:txBody>
+        </p:sp>
+      </p:grpSp>
+      <p:pic>
+        <p:nvPicPr>
+          <p:cNvPr id="449" name="Picture 2" descr="BOLD: Barcode of Life Data Systems | Centre for Biodiversity Genomics">
+            <a:extLst>
+              <a:ext uri="{FF2B5EF4-FFF2-40B4-BE49-F238E27FC236}">
+                <a16:creationId xmlns:a16="http://schemas.microsoft.com/office/drawing/2014/main" id="{DDC43484-E9FC-C085-72D2-23E6397FC711}"/>
+              </a:ext>
+            </a:extLst>
+          </p:cNvPr>
+          <p:cNvPicPr>
+            <a:picLocks noChangeAspect="1" noChangeArrowheads="1"/>
+          </p:cNvPicPr>
+          <p:nvPr/>
+        </p:nvPicPr>
+        <p:blipFill>
+          <a:blip r:embed="rId32">
+            <a:extLst>
+              <a:ext uri="{BEBA8EAE-BF5A-486C-A8C5-ECC9F3942E4B}">
+                <a14:imgProps xmlns:a14="http://schemas.microsoft.com/office/drawing/2010/main">
+                  <a14:imgLayer r:embed="rId33">
+                    <a14:imgEffect>
+                      <a14:brightnessContrast contrast="-40000"/>
+                    </a14:imgEffect>
+                  </a14:imgLayer>
+                </a14:imgProps>
+              </a:ext>
+              <a:ext uri="{28A0092B-C50C-407E-A947-70E740481C1C}">
+                <a14:useLocalDpi xmlns:a14="http://schemas.microsoft.com/office/drawing/2010/main" val="0"/>
+              </a:ext>
+            </a:extLst>
+          </a:blip>
+          <a:srcRect/>
+          <a:stretch>
+            <a:fillRect/>
+          </a:stretch>
+        </p:blipFill>
+        <p:spPr bwMode="auto">
+          <a:xfrm>
+            <a:off x="6361630" y="281382"/>
+            <a:ext cx="457200" cy="280047"/>
+          </a:xfrm>
+          <a:prstGeom prst="rect">
+            <a:avLst/>
+          </a:prstGeom>
+          <a:noFill/>
+          <a:extLst>
+            <a:ext uri="{909E8E84-426E-40DD-AFC4-6F175D3DCCD1}">
+              <a14:hiddenFill xmlns:a14="http://schemas.microsoft.com/office/drawing/2010/main">
+                <a:solidFill>
+                  <a:srgbClr val="FFFFFF"/>
+                </a:solidFill>
+              </a14:hiddenFill>
+            </a:ext>
+          </a:extLst>
+        </p:spPr>
+      </p:pic>
+      <p:sp>
+        <p:nvSpPr>
+          <p:cNvPr id="450" name="TextBox 449">
+            <a:extLst>
+              <a:ext uri="{FF2B5EF4-FFF2-40B4-BE49-F238E27FC236}">
+                <a16:creationId xmlns:a16="http://schemas.microsoft.com/office/drawing/2014/main" id="{1ABF48BB-3B4B-C7EB-EBF0-ED241B406C38}"/>
+              </a:ext>
+            </a:extLst>
+          </p:cNvPr>
+          <p:cNvSpPr txBox="1"/>
+          <p:nvPr/>
+        </p:nvSpPr>
+        <p:spPr>
+          <a:xfrm>
+            <a:off x="7147717" y="500424"/>
+            <a:ext cx="877389" cy="338554"/>
+          </a:xfrm>
+          <a:prstGeom prst="rect">
+            <a:avLst/>
+          </a:prstGeom>
+          <a:noFill/>
+        </p:spPr>
+        <p:txBody>
+          <a:bodyPr wrap="square">
+            <a:spAutoFit/>
+          </a:bodyPr>
+          <a:lstStyle/>
+          <a:p>
+            <a:pPr algn="ctr"/>
+            <a:r>
+              <a:rPr lang="en-US" sz="800" dirty="0">
+                <a:solidFill>
+                  <a:srgbClr val="7030A0"/>
+                </a:solidFill>
+                <a:latin typeface="Helvetica Light" panose="020B0403020202020204" pitchFamily="34" charset="0"/>
+              </a:rPr>
+              <a:t>A tree from </a:t>
+            </a:r>
+          </a:p>
+          <a:p>
+            <a:pPr algn="ctr"/>
+            <a:r>
+              <a:rPr lang="en-US" sz="800" dirty="0">
+                <a:solidFill>
+                  <a:srgbClr val="7030A0"/>
+                </a:solidFill>
+                <a:latin typeface="Helvetica Light" panose="020B0403020202020204" pitchFamily="34" charset="0"/>
+              </a:rPr>
+              <a:t>the literature</a:t>
+            </a:r>
+          </a:p>
+        </p:txBody>
+      </p:sp>
+      <p:sp>
+        <p:nvSpPr>
+          <p:cNvPr id="451" name="TextBox 450">
+            <a:extLst>
+              <a:ext uri="{FF2B5EF4-FFF2-40B4-BE49-F238E27FC236}">
+                <a16:creationId xmlns:a16="http://schemas.microsoft.com/office/drawing/2014/main" id="{57592415-47A6-56FB-7803-960858158A1C}"/>
+              </a:ext>
+            </a:extLst>
+          </p:cNvPr>
+          <p:cNvSpPr txBox="1"/>
+          <p:nvPr/>
+        </p:nvSpPr>
+        <p:spPr>
+          <a:xfrm>
+            <a:off x="7294457" y="100804"/>
+            <a:ext cx="643126" cy="338554"/>
+          </a:xfrm>
+          <a:prstGeom prst="rect">
+            <a:avLst/>
+          </a:prstGeom>
+          <a:noFill/>
+        </p:spPr>
+        <p:txBody>
+          <a:bodyPr wrap="none" rtlCol="0">
+            <a:spAutoFit/>
+          </a:bodyPr>
+          <a:lstStyle/>
+          <a:p>
+            <a:pPr algn="ctr"/>
+            <a:r>
+              <a:rPr lang="en-US" sz="800" dirty="0">
+                <a:solidFill>
+                  <a:srgbClr val="C00000"/>
+                </a:solidFill>
+                <a:latin typeface="Helvetica Light" panose="020B0403020202020204" pitchFamily="34" charset="0"/>
+              </a:rPr>
+              <a:t>Your own </a:t>
+            </a:r>
+          </a:p>
+          <a:p>
+            <a:pPr algn="ctr"/>
+            <a:r>
+              <a:rPr lang="en-US" sz="800" dirty="0">
+                <a:solidFill>
+                  <a:srgbClr val="C00000"/>
+                </a:solidFill>
+                <a:latin typeface="Helvetica Light" panose="020B0403020202020204" pitchFamily="34" charset="0"/>
+              </a:rPr>
+              <a:t>tree</a:t>
+            </a:r>
+          </a:p>
+        </p:txBody>
+      </p:sp>
+      <p:cxnSp>
+        <p:nvCxnSpPr>
+          <p:cNvPr id="452" name="Elbow Connector 451">
+            <a:extLst>
+              <a:ext uri="{FF2B5EF4-FFF2-40B4-BE49-F238E27FC236}">
+                <a16:creationId xmlns:a16="http://schemas.microsoft.com/office/drawing/2014/main" id="{86C0C3AE-2E79-F100-1182-39BCB76FBDD2}"/>
+              </a:ext>
+            </a:extLst>
+          </p:cNvPr>
+          <p:cNvCxnSpPr>
+            <a:cxnSpLocks/>
+          </p:cNvCxnSpPr>
+          <p:nvPr/>
+        </p:nvCxnSpPr>
+        <p:spPr>
+          <a:xfrm rot="5400000" flipH="1" flipV="1">
+            <a:off x="3991489" y="967792"/>
+            <a:ext cx="426276" cy="325844"/>
+          </a:xfrm>
+          <a:prstGeom prst="bentConnector2">
+            <a:avLst/>
+          </a:prstGeom>
+          <a:ln w="19050">
+            <a:solidFill>
+              <a:schemeClr val="tx1"/>
+            </a:solidFill>
+            <a:headEnd type="oval"/>
+            <a:tailEnd type="arrow"/>
+          </a:ln>
+        </p:spPr>
+        <p:style>
+          <a:lnRef idx="1">
+            <a:schemeClr val="accent1"/>
+          </a:lnRef>
+          <a:fillRef idx="0">
+            <a:schemeClr val="accent1"/>
+          </a:fillRef>
+          <a:effectRef idx="0">
+            <a:schemeClr val="accent1"/>
+          </a:effectRef>
+          <a:fontRef idx="minor">
+            <a:schemeClr val="tx1"/>
+          </a:fontRef>
+        </p:style>
+      </p:cxnSp>
+      <p:pic>
+        <p:nvPicPr>
+          <p:cNvPr id="397" name="Graphic 396">
+            <a:extLst>
+              <a:ext uri="{FF2B5EF4-FFF2-40B4-BE49-F238E27FC236}">
+                <a16:creationId xmlns:a16="http://schemas.microsoft.com/office/drawing/2014/main" id="{C1B092BE-3E84-4580-183A-DC9E09D96C52}"/>
+              </a:ext>
+            </a:extLst>
+          </p:cNvPr>
+          <p:cNvPicPr>
+            <a:picLocks noChangeAspect="1"/>
+          </p:cNvPicPr>
+          <p:nvPr/>
+        </p:nvPicPr>
+        <p:blipFill rotWithShape="1">
+          <a:blip r:embed="rId7">
+            <a:extLst>
+              <a:ext uri="{96DAC541-7B7A-43D3-8B79-37D633B846F1}">
+                <asvg:svgBlip xmlns:asvg="http://schemas.microsoft.com/office/drawing/2016/SVG/main" r:embed="rId8"/>
+              </a:ext>
+            </a:extLst>
+          </a:blip>
+          <a:srcRect l="4747" t="10425" r="66239" b="52444"/>
+          <a:stretch/>
+        </p:blipFill>
+        <p:spPr>
+          <a:xfrm>
+            <a:off x="280196" y="6422930"/>
+            <a:ext cx="1965188" cy="1191287"/>
+          </a:xfrm>
+          <a:prstGeom prst="rect">
+            <a:avLst/>
+          </a:prstGeom>
+        </p:spPr>
+      </p:pic>
+      <p:sp>
+        <p:nvSpPr>
+          <p:cNvPr id="86" name="Rounded Rectangle 85">
+            <a:extLst>
+              <a:ext uri="{FF2B5EF4-FFF2-40B4-BE49-F238E27FC236}">
+                <a16:creationId xmlns:a16="http://schemas.microsoft.com/office/drawing/2014/main" id="{4DE9DCC5-B012-AA02-DCB2-438EF505EA39}"/>
+              </a:ext>
+            </a:extLst>
+          </p:cNvPr>
+          <p:cNvSpPr/>
+          <p:nvPr/>
+        </p:nvSpPr>
+        <p:spPr>
+          <a:xfrm>
+            <a:off x="214058" y="5649433"/>
+            <a:ext cx="5268275" cy="2090258"/>
+          </a:xfrm>
+          <a:prstGeom prst="roundRect">
+            <a:avLst/>
+          </a:prstGeom>
+          <a:noFill/>
+          <a:ln w="12700">
+            <a:solidFill>
+              <a:schemeClr val="tx1"/>
+            </a:solidFill>
+          </a:ln>
+        </p:spPr>
+        <p:style>
+          <a:lnRef idx="2">
+            <a:schemeClr val="accent1">
+              <a:shade val="15000"/>
+            </a:schemeClr>
+          </a:lnRef>
+          <a:fillRef idx="1">
+            <a:schemeClr val="accent1"/>
+          </a:fillRef>
+          <a:effectRef idx="0">
+            <a:schemeClr val="accent1"/>
+          </a:effectRef>
+          <a:fontRef idx="minor">
+            <a:schemeClr val="lt1"/>
+          </a:fontRef>
+        </p:style>
+        <p:txBody>
+          <a:bodyPr rtlCol="0" anchor="ctr"/>
+          <a:lstStyle/>
+          <a:p>
+            <a:pPr algn="ctr"/>
+            <a:endParaRPr lang="en-US">
+              <a:latin typeface="Helvetica Light" panose="020B0403020202020204" pitchFamily="34" charset="0"/>
+            </a:endParaRPr>
+          </a:p>
+        </p:txBody>
+      </p:sp>
+      <p:pic>
+        <p:nvPicPr>
+          <p:cNvPr id="1032" name="Picture 8" descr="Peer Reviewed Icons - Free SVG &amp; PNG Peer Reviewed Images - Noun Project">
+            <a:extLst>
+              <a:ext uri="{FF2B5EF4-FFF2-40B4-BE49-F238E27FC236}">
+                <a16:creationId xmlns:a16="http://schemas.microsoft.com/office/drawing/2014/main" id="{524BF8BC-40AD-69AD-FB76-A3CB7D51C260}"/>
+              </a:ext>
+            </a:extLst>
+          </p:cNvPr>
+          <p:cNvPicPr>
+            <a:picLocks noChangeAspect="1" noChangeArrowheads="1"/>
+          </p:cNvPicPr>
+          <p:nvPr/>
+        </p:nvPicPr>
+        <p:blipFill>
+          <a:blip r:embed="rId34">
+            <a:duotone>
+              <a:schemeClr val="accent3">
+                <a:shade val="45000"/>
+                <a:satMod val="135000"/>
+              </a:schemeClr>
+              <a:prstClr val="white"/>
+            </a:duotone>
+            <a:extLst>
+              <a:ext uri="{28A0092B-C50C-407E-A947-70E740481C1C}">
+                <a14:useLocalDpi xmlns:a14="http://schemas.microsoft.com/office/drawing/2010/main" val="0"/>
+              </a:ext>
+            </a:extLst>
+          </a:blip>
+          <a:srcRect/>
+          <a:stretch>
+            <a:fillRect/>
+          </a:stretch>
+        </p:blipFill>
+        <p:spPr bwMode="auto">
+          <a:xfrm>
+            <a:off x="4425758" y="716678"/>
+            <a:ext cx="365760" cy="365760"/>
+          </a:xfrm>
+          <a:prstGeom prst="rect">
+            <a:avLst/>
+          </a:prstGeom>
+          <a:noFill/>
+          <a:extLst>
+            <a:ext uri="{909E8E84-426E-40DD-AFC4-6F175D3DCCD1}">
+              <a14:hiddenFill xmlns:a14="http://schemas.microsoft.com/office/drawing/2010/main">
+                <a:solidFill>
+                  <a:srgbClr val="FFFFFF"/>
+                </a:solidFill>
+              </a14:hiddenFill>
+            </a:ext>
+          </a:extLst>
+        </p:spPr>
+      </p:pic>
+      <p:pic>
+        <p:nvPicPr>
+          <p:cNvPr id="1034" name="Picture 10">
+            <a:extLst>
+              <a:ext uri="{FF2B5EF4-FFF2-40B4-BE49-F238E27FC236}">
+                <a16:creationId xmlns:a16="http://schemas.microsoft.com/office/drawing/2014/main" id="{2832073A-A34F-3582-D835-3B070C1AB239}"/>
+              </a:ext>
+            </a:extLst>
+          </p:cNvPr>
+          <p:cNvPicPr>
+            <a:picLocks noChangeAspect="1" noChangeArrowheads="1"/>
+          </p:cNvPicPr>
+          <p:nvPr/>
+        </p:nvPicPr>
+        <p:blipFill>
+          <a:blip r:embed="rId35">
+            <a:duotone>
+              <a:schemeClr val="accent3">
+                <a:shade val="45000"/>
+                <a:satMod val="135000"/>
+              </a:schemeClr>
+              <a:prstClr val="white"/>
+            </a:duotone>
+            <a:extLst>
+              <a:ext uri="{28A0092B-C50C-407E-A947-70E740481C1C}">
+                <a14:useLocalDpi xmlns:a14="http://schemas.microsoft.com/office/drawing/2010/main" val="0"/>
+              </a:ext>
+            </a:extLst>
+          </a:blip>
+          <a:srcRect/>
+          <a:stretch>
+            <a:fillRect/>
+          </a:stretch>
+        </p:blipFill>
+        <p:spPr bwMode="auto">
+          <a:xfrm>
+            <a:off x="7442251" y="875397"/>
+            <a:ext cx="274320" cy="243776"/>
+          </a:xfrm>
+          <a:prstGeom prst="rect">
+            <a:avLst/>
+          </a:prstGeom>
+          <a:noFill/>
+          <a:extLst>
+            <a:ext uri="{909E8E84-426E-40DD-AFC4-6F175D3DCCD1}">
+              <a14:hiddenFill xmlns:a14="http://schemas.microsoft.com/office/drawing/2010/main">
+                <a:solidFill>
+                  <a:srgbClr val="FFFFFF"/>
+                </a:solidFill>
+              </a14:hiddenFill>
+            </a:ext>
+          </a:extLst>
+        </p:spPr>
+      </p:pic>
+      <p:pic>
+        <p:nvPicPr>
+          <p:cNvPr id="1036" name="Picture 12" descr="Icon Request: fa-laptopscreen · Issue #12981 · FortAwesome/Font-Awesome ·  GitHub">
+            <a:extLst>
+              <a:ext uri="{FF2B5EF4-FFF2-40B4-BE49-F238E27FC236}">
+                <a16:creationId xmlns:a16="http://schemas.microsoft.com/office/drawing/2014/main" id="{E34B559A-FBA1-2F12-82B4-CC3C0F5D4A13}"/>
+              </a:ext>
+            </a:extLst>
+          </p:cNvPr>
+          <p:cNvPicPr>
+            <a:picLocks noChangeAspect="1" noChangeArrowheads="1"/>
+          </p:cNvPicPr>
+          <p:nvPr/>
+        </p:nvPicPr>
+        <p:blipFill>
+          <a:blip r:embed="rId36">
+            <a:duotone>
+              <a:schemeClr val="accent3">
+                <a:shade val="45000"/>
+                <a:satMod val="135000"/>
+              </a:schemeClr>
+              <a:prstClr val="white"/>
+            </a:duotone>
+            <a:extLst>
+              <a:ext uri="{28A0092B-C50C-407E-A947-70E740481C1C}">
+                <a14:useLocalDpi xmlns:a14="http://schemas.microsoft.com/office/drawing/2010/main" val="0"/>
+              </a:ext>
+            </a:extLst>
+          </a:blip>
+          <a:srcRect/>
+          <a:stretch>
+            <a:fillRect/>
+          </a:stretch>
+        </p:blipFill>
+        <p:spPr bwMode="auto">
+          <a:xfrm>
+            <a:off x="6423300" y="726591"/>
+            <a:ext cx="365760" cy="311727"/>
+          </a:xfrm>
+          <a:prstGeom prst="rect">
+            <a:avLst/>
+          </a:prstGeom>
+          <a:noFill/>
+          <a:extLst>
+            <a:ext uri="{909E8E84-426E-40DD-AFC4-6F175D3DCCD1}">
+              <a14:hiddenFill xmlns:a14="http://schemas.microsoft.com/office/drawing/2010/main">
+                <a:solidFill>
+                  <a:srgbClr val="FFFFFF"/>
+                </a:solidFill>
+              </a14:hiddenFill>
+            </a:ext>
+          </a:extLst>
+        </p:spPr>
+      </p:pic>
     </p:spTree>
     <p:extLst>
       <p:ext uri="{BB962C8B-B14F-4D97-AF65-F5344CB8AC3E}">
